--- a/DataSciencePres.pptx
+++ b/DataSciencePres.pptx
@@ -5,25 +5,26 @@
     <p:sldMasterId id="2147483648" r:id="rId1"/>
   </p:sldMasterIdLst>
   <p:notesMasterIdLst>
-    <p:notesMasterId r:id="rId18"/>
+    <p:notesMasterId r:id="rId19"/>
   </p:notesMasterIdLst>
   <p:sldIdLst>
     <p:sldId id="256" r:id="rId2"/>
     <p:sldId id="266" r:id="rId3"/>
     <p:sldId id="267" r:id="rId4"/>
     <p:sldId id="257" r:id="rId5"/>
-    <p:sldId id="258" r:id="rId6"/>
-    <p:sldId id="268" r:id="rId7"/>
-    <p:sldId id="269" r:id="rId8"/>
-    <p:sldId id="272" r:id="rId9"/>
-    <p:sldId id="259" r:id="rId10"/>
-    <p:sldId id="270" r:id="rId11"/>
+    <p:sldId id="259" r:id="rId6"/>
+    <p:sldId id="270" r:id="rId7"/>
+    <p:sldId id="258" r:id="rId8"/>
+    <p:sldId id="268" r:id="rId9"/>
+    <p:sldId id="269" r:id="rId10"/>
+    <p:sldId id="272" r:id="rId11"/>
     <p:sldId id="271" r:id="rId12"/>
     <p:sldId id="273" r:id="rId13"/>
     <p:sldId id="274" r:id="rId14"/>
     <p:sldId id="260" r:id="rId15"/>
     <p:sldId id="275" r:id="rId16"/>
-    <p:sldId id="276" r:id="rId17"/>
+    <p:sldId id="277" r:id="rId17"/>
+    <p:sldId id="276" r:id="rId18"/>
   </p:sldIdLst>
   <p:sldSz cx="9144000" cy="6858000" type="screen4x3"/>
   <p:notesSz cx="6858000" cy="9144000"/>
@@ -223,7 +224,7 @@
           <a:p>
             <a:fld id="{8E6D1A5E-9788-F84C-8F83-547CD264BD1F}" type="datetimeFigureOut">
               <a:rPr lang="en-US" smtClean="0"/>
-              <a:t>12/5/19</a:t>
+              <a:t>12/6/19</a:t>
             </a:fld>
             <a:endParaRPr lang="en-US"/>
           </a:p>
@@ -555,7 +556,7 @@
           <a:p>
             <a:fld id="{5555AAFC-04ED-194C-B8E6-6DE9FA8D71E6}" type="slidenum">
               <a:rPr lang="en-US" smtClean="0"/>
-              <a:t>6</a:t>
+              <a:t>5</a:t>
             </a:fld>
             <a:endParaRPr lang="en-US"/>
           </a:p>
@@ -564,7 +565,7 @@
     </p:spTree>
     <p:extLst>
       <p:ext uri="{BB962C8B-B14F-4D97-AF65-F5344CB8AC3E}">
-        <p14:creationId xmlns:p14="http://schemas.microsoft.com/office/powerpoint/2010/main" val="3169222434"/>
+        <p14:creationId xmlns:p14="http://schemas.microsoft.com/office/powerpoint/2010/main" val="1908822390"/>
       </p:ext>
     </p:extLst>
   </p:cSld>
@@ -639,7 +640,7 @@
           <a:p>
             <a:fld id="{5555AAFC-04ED-194C-B8E6-6DE9FA8D71E6}" type="slidenum">
               <a:rPr lang="en-US" smtClean="0"/>
-              <a:t>9</a:t>
+              <a:t>8</a:t>
             </a:fld>
             <a:endParaRPr lang="en-US"/>
           </a:p>
@@ -648,7 +649,7 @@
     </p:spTree>
     <p:extLst>
       <p:ext uri="{BB962C8B-B14F-4D97-AF65-F5344CB8AC3E}">
-        <p14:creationId xmlns:p14="http://schemas.microsoft.com/office/powerpoint/2010/main" val="453879743"/>
+        <p14:creationId xmlns:p14="http://schemas.microsoft.com/office/powerpoint/2010/main" val="3169222434"/>
       </p:ext>
     </p:extLst>
   </p:cSld>
@@ -837,7 +838,7 @@
           <a:p>
             <a:fld id="{0897BCBE-A2DD-2248-8676-657FEEB74689}" type="datetimeFigureOut">
               <a:rPr lang="en-US" smtClean="0"/>
-              <a:t>12/5/19</a:t>
+              <a:t>12/6/19</a:t>
             </a:fld>
             <a:endParaRPr lang="en-US"/>
           </a:p>
@@ -1005,7 +1006,7 @@
           <a:p>
             <a:fld id="{0897BCBE-A2DD-2248-8676-657FEEB74689}" type="datetimeFigureOut">
               <a:rPr lang="en-US" smtClean="0"/>
-              <a:t>12/5/19</a:t>
+              <a:t>12/6/19</a:t>
             </a:fld>
             <a:endParaRPr lang="en-US"/>
           </a:p>
@@ -1183,7 +1184,7 @@
           <a:p>
             <a:fld id="{0897BCBE-A2DD-2248-8676-657FEEB74689}" type="datetimeFigureOut">
               <a:rPr lang="en-US" smtClean="0"/>
-              <a:t>12/5/19</a:t>
+              <a:t>12/6/19</a:t>
             </a:fld>
             <a:endParaRPr lang="en-US"/>
           </a:p>
@@ -1351,7 +1352,7 @@
           <a:p>
             <a:fld id="{0897BCBE-A2DD-2248-8676-657FEEB74689}" type="datetimeFigureOut">
               <a:rPr lang="en-US" smtClean="0"/>
-              <a:t>12/5/19</a:t>
+              <a:t>12/6/19</a:t>
             </a:fld>
             <a:endParaRPr lang="en-US"/>
           </a:p>
@@ -1596,7 +1597,7 @@
           <a:p>
             <a:fld id="{0897BCBE-A2DD-2248-8676-657FEEB74689}" type="datetimeFigureOut">
               <a:rPr lang="en-US" smtClean="0"/>
-              <a:t>12/5/19</a:t>
+              <a:t>12/6/19</a:t>
             </a:fld>
             <a:endParaRPr lang="en-US"/>
           </a:p>
@@ -1881,7 +1882,7 @@
           <a:p>
             <a:fld id="{0897BCBE-A2DD-2248-8676-657FEEB74689}" type="datetimeFigureOut">
               <a:rPr lang="en-US" smtClean="0"/>
-              <a:t>12/5/19</a:t>
+              <a:t>12/6/19</a:t>
             </a:fld>
             <a:endParaRPr lang="en-US"/>
           </a:p>
@@ -2300,7 +2301,7 @@
           <a:p>
             <a:fld id="{0897BCBE-A2DD-2248-8676-657FEEB74689}" type="datetimeFigureOut">
               <a:rPr lang="en-US" smtClean="0"/>
-              <a:t>12/5/19</a:t>
+              <a:t>12/6/19</a:t>
             </a:fld>
             <a:endParaRPr lang="en-US"/>
           </a:p>
@@ -2417,7 +2418,7 @@
           <a:p>
             <a:fld id="{0897BCBE-A2DD-2248-8676-657FEEB74689}" type="datetimeFigureOut">
               <a:rPr lang="en-US" smtClean="0"/>
-              <a:t>12/5/19</a:t>
+              <a:t>12/6/19</a:t>
             </a:fld>
             <a:endParaRPr lang="en-US"/>
           </a:p>
@@ -2512,7 +2513,7 @@
           <a:p>
             <a:fld id="{0897BCBE-A2DD-2248-8676-657FEEB74689}" type="datetimeFigureOut">
               <a:rPr lang="en-US" smtClean="0"/>
-              <a:t>12/5/19</a:t>
+              <a:t>12/6/19</a:t>
             </a:fld>
             <a:endParaRPr lang="en-US"/>
           </a:p>
@@ -2787,7 +2788,7 @@
           <a:p>
             <a:fld id="{0897BCBE-A2DD-2248-8676-657FEEB74689}" type="datetimeFigureOut">
               <a:rPr lang="en-US" smtClean="0"/>
-              <a:t>12/5/19</a:t>
+              <a:t>12/6/19</a:t>
             </a:fld>
             <a:endParaRPr lang="en-US"/>
           </a:p>
@@ -3039,7 +3040,7 @@
           <a:p>
             <a:fld id="{0897BCBE-A2DD-2248-8676-657FEEB74689}" type="datetimeFigureOut">
               <a:rPr lang="en-US" smtClean="0"/>
-              <a:t>12/5/19</a:t>
+              <a:t>12/6/19</a:t>
             </a:fld>
             <a:endParaRPr lang="en-US"/>
           </a:p>
@@ -3250,7 +3251,7 @@
           <a:p>
             <a:fld id="{0897BCBE-A2DD-2248-8676-657FEEB74689}" type="datetimeFigureOut">
               <a:rPr lang="en-US" smtClean="0"/>
-              <a:t>12/5/19</a:t>
+              <a:t>12/6/19</a:t>
             </a:fld>
             <a:endParaRPr lang="en-US"/>
           </a:p>
@@ -3783,10 +3784,10 @@
       </p:grpSpPr>
       <p:sp>
         <p:nvSpPr>
-          <p:cNvPr id="5" name="Rectangle 4">
+          <p:cNvPr id="7" name="Rectangle 6">
             <a:extLst>
               <a:ext uri="{FF2B5EF4-FFF2-40B4-BE49-F238E27FC236}">
-                <a16:creationId xmlns:a16="http://schemas.microsoft.com/office/drawing/2014/main" id="{6D11447A-3C5D-3B4F-8CFF-1A0C4E3E46A4}"/>
+                <a16:creationId xmlns:a16="http://schemas.microsoft.com/office/drawing/2014/main" id="{AE314084-4AA0-A54B-AF91-603368B26EA0}"/>
               </a:ext>
             </a:extLst>
           </p:cNvPr>
@@ -3795,8 +3796,8 @@
         </p:nvSpPr>
         <p:spPr>
           <a:xfrm>
-            <a:off x="3439119" y="1845031"/>
-            <a:ext cx="2066078" cy="369332"/>
+            <a:off x="420783" y="337307"/>
+            <a:ext cx="4051365" cy="523220"/>
           </a:xfrm>
           <a:prstGeom prst="rect">
             <a:avLst/>
@@ -3808,1035 +3809,6 @@
           </a:bodyPr>
           <a:lstStyle/>
           <a:p>
-            <a:r>
-              <a:rPr lang="en-US" dirty="0"/>
-              <a:t>Feature Number = 5</a:t>
-            </a:r>
-          </a:p>
-        </p:txBody>
-      </p:sp>
-      <p:graphicFrame>
-        <p:nvGraphicFramePr>
-          <p:cNvPr id="7" name="Table 6">
-            <a:extLst>
-              <a:ext uri="{FF2B5EF4-FFF2-40B4-BE49-F238E27FC236}">
-                <a16:creationId xmlns:a16="http://schemas.microsoft.com/office/drawing/2014/main" id="{ACFC800D-BE3A-594A-8132-D1F76CAE167A}"/>
-              </a:ext>
-            </a:extLst>
-          </p:cNvPr>
-          <p:cNvGraphicFramePr>
-            <a:graphicFrameLocks noGrp="1"/>
-          </p:cNvGraphicFramePr>
-          <p:nvPr>
-            <p:extLst>
-              <p:ext uri="{D42A27DB-BD31-4B8C-83A1-F6EECF244321}">
-                <p14:modId xmlns:p14="http://schemas.microsoft.com/office/powerpoint/2010/main" val="890848936"/>
-              </p:ext>
-            </p:extLst>
-          </p:nvPr>
-        </p:nvGraphicFramePr>
-        <p:xfrm>
-          <a:off x="1180426" y="2478683"/>
-          <a:ext cx="7003593" cy="4072788"/>
-        </p:xfrm>
-        <a:graphic>
-          <a:graphicData uri="http://schemas.openxmlformats.org/drawingml/2006/table">
-            <a:tbl>
-              <a:tblPr firstRow="1" bandRow="1">
-                <a:effectLst/>
-                <a:tableStyleId>{5C22544A-7EE6-4342-B048-85BDC9FD1C3A}</a:tableStyleId>
-              </a:tblPr>
-              <a:tblGrid>
-                <a:gridCol w="2348497">
-                  <a:extLst>
-                    <a:ext uri="{9D8B030D-6E8A-4147-A177-3AD203B41FA5}">
-                      <a16:colId xmlns:a16="http://schemas.microsoft.com/office/drawing/2014/main" val="2298094637"/>
-                    </a:ext>
-                  </a:extLst>
-                </a:gridCol>
-                <a:gridCol w="1141299">
-                  <a:extLst>
-                    <a:ext uri="{9D8B030D-6E8A-4147-A177-3AD203B41FA5}">
-                      <a16:colId xmlns:a16="http://schemas.microsoft.com/office/drawing/2014/main" val="4240409323"/>
-                    </a:ext>
-                  </a:extLst>
-                </a:gridCol>
-                <a:gridCol w="3513797">
-                  <a:extLst>
-                    <a:ext uri="{9D8B030D-6E8A-4147-A177-3AD203B41FA5}">
-                      <a16:colId xmlns:a16="http://schemas.microsoft.com/office/drawing/2014/main" val="3525766716"/>
-                    </a:ext>
-                  </a:extLst>
-                </a:gridCol>
-              </a:tblGrid>
-              <a:tr h="481914">
-                <a:tc>
-                  <a:txBody>
-                    <a:bodyPr/>
-                    <a:lstStyle/>
-                    <a:p>
-                      <a:r>
-                        <a:rPr lang="en-US" dirty="0">
-                          <a:solidFill>
-                            <a:schemeClr val="tx1"/>
-                          </a:solidFill>
-                        </a:rPr>
-                        <a:t>Attribute</a:t>
-                      </a:r>
-                    </a:p>
-                  </a:txBody>
-                  <a:tcPr anchor="ctr">
-                    <a:lnL w="12700" cmpd="sng">
-                      <a:noFill/>
-                    </a:lnL>
-                    <a:lnR w="12700" cmpd="sng">
-                      <a:noFill/>
-                    </a:lnR>
-                    <a:lnT w="12700" cap="flat" cmpd="sng" algn="ctr">
-                      <a:solidFill>
-                        <a:schemeClr val="tx1"/>
-                      </a:solidFill>
-                      <a:prstDash val="solid"/>
-                      <a:round/>
-                      <a:headEnd type="none" w="med" len="med"/>
-                      <a:tailEnd type="none" w="med" len="med"/>
-                    </a:lnT>
-                    <a:lnB w="12700" cap="flat" cmpd="sng" algn="ctr">
-                      <a:solidFill>
-                        <a:schemeClr val="tx1"/>
-                      </a:solidFill>
-                      <a:prstDash val="solid"/>
-                      <a:round/>
-                      <a:headEnd type="none" w="med" len="med"/>
-                      <a:tailEnd type="none" w="med" len="med"/>
-                    </a:lnB>
-                    <a:lnTlToBr w="12700" cmpd="sng">
-                      <a:noFill/>
-                      <a:prstDash val="solid"/>
-                    </a:lnTlToBr>
-                    <a:lnBlToTr w="12700" cmpd="sng">
-                      <a:noFill/>
-                      <a:prstDash val="solid"/>
-                    </a:lnBlToTr>
-                    <a:noFill/>
-                  </a:tcPr>
-                </a:tc>
-                <a:tc>
-                  <a:txBody>
-                    <a:bodyPr/>
-                    <a:lstStyle/>
-                    <a:p>
-                      <a:r>
-                        <a:rPr lang="en-US" dirty="0">
-                          <a:solidFill>
-                            <a:schemeClr val="tx1"/>
-                          </a:solidFill>
-                        </a:rPr>
-                        <a:t>Acc</a:t>
-                      </a:r>
-                    </a:p>
-                  </a:txBody>
-                  <a:tcPr anchor="ctr">
-                    <a:lnL w="12700" cmpd="sng">
-                      <a:noFill/>
-                    </a:lnL>
-                    <a:lnR w="12700" cmpd="sng">
-                      <a:noFill/>
-                    </a:lnR>
-                    <a:lnT w="12700" cap="flat" cmpd="sng" algn="ctr">
-                      <a:solidFill>
-                        <a:schemeClr val="tx1"/>
-                      </a:solidFill>
-                      <a:prstDash val="solid"/>
-                      <a:round/>
-                      <a:headEnd type="none" w="med" len="med"/>
-                      <a:tailEnd type="none" w="med" len="med"/>
-                    </a:lnT>
-                    <a:lnB w="12700" cap="flat" cmpd="sng" algn="ctr">
-                      <a:solidFill>
-                        <a:schemeClr val="tx1"/>
-                      </a:solidFill>
-                      <a:prstDash val="solid"/>
-                      <a:round/>
-                      <a:headEnd type="none" w="med" len="med"/>
-                      <a:tailEnd type="none" w="med" len="med"/>
-                    </a:lnB>
-                    <a:lnTlToBr w="12700" cmpd="sng">
-                      <a:noFill/>
-                      <a:prstDash val="solid"/>
-                    </a:lnTlToBr>
-                    <a:lnBlToTr w="12700" cmpd="sng">
-                      <a:noFill/>
-                      <a:prstDash val="solid"/>
-                    </a:lnBlToTr>
-                    <a:noFill/>
-                  </a:tcPr>
-                </a:tc>
-                <a:tc>
-                  <a:txBody>
-                    <a:bodyPr/>
-                    <a:lstStyle/>
-                    <a:p>
-                      <a:r>
-                        <a:rPr lang="en-US" dirty="0">
-                          <a:solidFill>
-                            <a:schemeClr val="tx1"/>
-                          </a:solidFill>
-                        </a:rPr>
-                        <a:t>Interpretation</a:t>
-                      </a:r>
-                    </a:p>
-                  </a:txBody>
-                  <a:tcPr anchor="ctr">
-                    <a:lnL w="12700" cmpd="sng">
-                      <a:noFill/>
-                    </a:lnL>
-                    <a:lnR w="12700" cmpd="sng">
-                      <a:noFill/>
-                    </a:lnR>
-                    <a:lnT w="12700" cap="flat" cmpd="sng" algn="ctr">
-                      <a:solidFill>
-                        <a:schemeClr val="tx1"/>
-                      </a:solidFill>
-                      <a:prstDash val="solid"/>
-                      <a:round/>
-                      <a:headEnd type="none" w="med" len="med"/>
-                      <a:tailEnd type="none" w="med" len="med"/>
-                    </a:lnT>
-                    <a:lnB w="12700" cap="flat" cmpd="sng" algn="ctr">
-                      <a:solidFill>
-                        <a:schemeClr val="tx1"/>
-                      </a:solidFill>
-                      <a:prstDash val="solid"/>
-                      <a:round/>
-                      <a:headEnd type="none" w="med" len="med"/>
-                      <a:tailEnd type="none" w="med" len="med"/>
-                    </a:lnB>
-                    <a:lnTlToBr w="12700" cmpd="sng">
-                      <a:noFill/>
-                      <a:prstDash val="solid"/>
-                    </a:lnTlToBr>
-                    <a:lnBlToTr w="12700" cmpd="sng">
-                      <a:noFill/>
-                      <a:prstDash val="solid"/>
-                    </a:lnBlToTr>
-                    <a:noFill/>
-                  </a:tcPr>
-                </a:tc>
-                <a:extLst>
-                  <a:ext uri="{0D108BD9-81ED-4DB2-BD59-A6C34878D82A}">
-                    <a16:rowId xmlns:a16="http://schemas.microsoft.com/office/drawing/2014/main" val="1825761006"/>
-                  </a:ext>
-                </a:extLst>
-              </a:tr>
-              <a:tr h="481914">
-                <a:tc>
-                  <a:txBody>
-                    <a:bodyPr/>
-                    <a:lstStyle/>
-                    <a:p>
-                      <a:r>
-                        <a:rPr lang="en-US" dirty="0"/>
-                        <a:t>AF_EXAC</a:t>
-                      </a:r>
-                    </a:p>
-                  </a:txBody>
-                  <a:tcPr>
-                    <a:lnL w="12700" cmpd="sng">
-                      <a:noFill/>
-                    </a:lnL>
-                    <a:lnR w="12700" cmpd="sng">
-                      <a:noFill/>
-                    </a:lnR>
-                    <a:lnT w="12700" cap="flat" cmpd="sng" algn="ctr">
-                      <a:solidFill>
-                        <a:schemeClr val="tx1"/>
-                      </a:solidFill>
-                      <a:prstDash val="solid"/>
-                      <a:round/>
-                      <a:headEnd type="none" w="med" len="med"/>
-                      <a:tailEnd type="none" w="med" len="med"/>
-                    </a:lnT>
-                    <a:lnB w="12700" cmpd="sng">
-                      <a:noFill/>
-                    </a:lnB>
-                    <a:lnTlToBr w="12700" cmpd="sng">
-                      <a:noFill/>
-                      <a:prstDash val="solid"/>
-                    </a:lnTlToBr>
-                    <a:lnBlToTr w="12700" cmpd="sng">
-                      <a:noFill/>
-                      <a:prstDash val="solid"/>
-                    </a:lnBlToTr>
-                    <a:noFill/>
-                  </a:tcPr>
-                </a:tc>
-                <a:tc>
-                  <a:txBody>
-                    <a:bodyPr/>
-                    <a:lstStyle/>
-                    <a:p>
-                      <a:r>
-                        <a:rPr lang="en-US" dirty="0"/>
-                        <a:t>0.736</a:t>
-                      </a:r>
-                    </a:p>
-                  </a:txBody>
-                  <a:tcPr>
-                    <a:lnL w="12700" cmpd="sng">
-                      <a:noFill/>
-                    </a:lnL>
-                    <a:lnR w="12700" cmpd="sng">
-                      <a:noFill/>
-                    </a:lnR>
-                    <a:lnT w="12700" cap="flat" cmpd="sng" algn="ctr">
-                      <a:solidFill>
-                        <a:schemeClr val="tx1"/>
-                      </a:solidFill>
-                      <a:prstDash val="solid"/>
-                      <a:round/>
-                      <a:headEnd type="none" w="med" len="med"/>
-                      <a:tailEnd type="none" w="med" len="med"/>
-                    </a:lnT>
-                    <a:lnB w="12700" cmpd="sng">
-                      <a:noFill/>
-                    </a:lnB>
-                    <a:lnTlToBr w="12700" cmpd="sng">
-                      <a:noFill/>
-                      <a:prstDash val="solid"/>
-                    </a:lnTlToBr>
-                    <a:lnBlToTr w="12700" cmpd="sng">
-                      <a:noFill/>
-                      <a:prstDash val="solid"/>
-                    </a:lnBlToTr>
-                    <a:noFill/>
-                  </a:tcPr>
-                </a:tc>
-                <a:tc>
-                  <a:txBody>
-                    <a:bodyPr/>
-                    <a:lstStyle/>
-                    <a:p>
-                      <a:r>
-                        <a:rPr lang="en-US" sz="1800" b="0" i="0" kern="1200" dirty="0">
-                          <a:solidFill>
-                            <a:schemeClr val="dk1"/>
-                          </a:solidFill>
-                          <a:effectLst/>
-                          <a:latin typeface="+mn-lt"/>
-                          <a:ea typeface="+mn-ea"/>
-                          <a:cs typeface="+mn-cs"/>
-                        </a:rPr>
-                        <a:t>Allele frequencies from </a:t>
-                      </a:r>
-                      <a:r>
-                        <a:rPr lang="en-US" sz="1800" b="0" i="0" kern="1200" dirty="0" err="1">
-                          <a:solidFill>
-                            <a:schemeClr val="dk1"/>
-                          </a:solidFill>
-                          <a:effectLst/>
-                          <a:latin typeface="+mn-lt"/>
-                          <a:ea typeface="+mn-ea"/>
-                          <a:cs typeface="+mn-cs"/>
-                        </a:rPr>
-                        <a:t>ExAC</a:t>
-                      </a:r>
-                      <a:endParaRPr lang="en-US" dirty="0"/>
-                    </a:p>
-                  </a:txBody>
-                  <a:tcPr>
-                    <a:lnL w="12700" cmpd="sng">
-                      <a:noFill/>
-                    </a:lnL>
-                    <a:lnR w="12700" cmpd="sng">
-                      <a:noFill/>
-                    </a:lnR>
-                    <a:lnT w="12700" cap="flat" cmpd="sng" algn="ctr">
-                      <a:solidFill>
-                        <a:schemeClr val="tx1"/>
-                      </a:solidFill>
-                      <a:prstDash val="solid"/>
-                      <a:round/>
-                      <a:headEnd type="none" w="med" len="med"/>
-                      <a:tailEnd type="none" w="med" len="med"/>
-                    </a:lnT>
-                    <a:lnB w="12700" cmpd="sng">
-                      <a:noFill/>
-                    </a:lnB>
-                    <a:lnTlToBr w="12700" cmpd="sng">
-                      <a:noFill/>
-                      <a:prstDash val="solid"/>
-                    </a:lnTlToBr>
-                    <a:lnBlToTr w="12700" cmpd="sng">
-                      <a:noFill/>
-                      <a:prstDash val="solid"/>
-                    </a:lnBlToTr>
-                    <a:noFill/>
-                  </a:tcPr>
-                </a:tc>
-                <a:extLst>
-                  <a:ext uri="{0D108BD9-81ED-4DB2-BD59-A6C34878D82A}">
-                    <a16:rowId xmlns:a16="http://schemas.microsoft.com/office/drawing/2014/main" val="340482895"/>
-                  </a:ext>
-                </a:extLst>
-              </a:tr>
-              <a:tr h="481914">
-                <a:tc>
-                  <a:txBody>
-                    <a:bodyPr/>
-                    <a:lstStyle/>
-                    <a:p>
-                      <a:r>
-                        <a:rPr lang="en-US" dirty="0">
-                          <a:solidFill>
-                            <a:schemeClr val="tx1">
-                              <a:lumMod val="50000"/>
-                              <a:lumOff val="50000"/>
-                            </a:schemeClr>
-                          </a:solidFill>
-                        </a:rPr>
-                        <a:t>CLNVI</a:t>
-                      </a:r>
-                    </a:p>
-                  </a:txBody>
-                  <a:tcPr>
-                    <a:lnL w="12700" cmpd="sng">
-                      <a:noFill/>
-                    </a:lnL>
-                    <a:lnR w="12700" cmpd="sng">
-                      <a:noFill/>
-                    </a:lnR>
-                    <a:lnT w="12700" cmpd="sng">
-                      <a:noFill/>
-                    </a:lnT>
-                    <a:lnB w="12700" cmpd="sng">
-                      <a:noFill/>
-                    </a:lnB>
-                    <a:lnTlToBr w="12700" cmpd="sng">
-                      <a:noFill/>
-                      <a:prstDash val="solid"/>
-                    </a:lnTlToBr>
-                    <a:lnBlToTr w="12700" cmpd="sng">
-                      <a:noFill/>
-                      <a:prstDash val="solid"/>
-                    </a:lnBlToTr>
-                    <a:noFill/>
-                  </a:tcPr>
-                </a:tc>
-                <a:tc>
-                  <a:txBody>
-                    <a:bodyPr/>
-                    <a:lstStyle/>
-                    <a:p>
-                      <a:r>
-                        <a:rPr lang="en-US" dirty="0">
-                          <a:solidFill>
-                            <a:schemeClr val="tx1">
-                              <a:lumMod val="50000"/>
-                              <a:lumOff val="50000"/>
-                            </a:schemeClr>
-                          </a:solidFill>
-                        </a:rPr>
-                        <a:t>0.731</a:t>
-                      </a:r>
-                    </a:p>
-                  </a:txBody>
-                  <a:tcPr>
-                    <a:lnL w="12700" cmpd="sng">
-                      <a:noFill/>
-                    </a:lnL>
-                    <a:lnR w="12700" cmpd="sng">
-                      <a:noFill/>
-                    </a:lnR>
-                    <a:lnT w="12700" cmpd="sng">
-                      <a:noFill/>
-                    </a:lnT>
-                    <a:lnB w="12700" cmpd="sng">
-                      <a:noFill/>
-                    </a:lnB>
-                    <a:lnTlToBr w="12700" cmpd="sng">
-                      <a:noFill/>
-                      <a:prstDash val="solid"/>
-                    </a:lnTlToBr>
-                    <a:lnBlToTr w="12700" cmpd="sng">
-                      <a:noFill/>
-                      <a:prstDash val="solid"/>
-                    </a:lnBlToTr>
-                    <a:noFill/>
-                  </a:tcPr>
-                </a:tc>
-                <a:tc>
-                  <a:txBody>
-                    <a:bodyPr/>
-                    <a:lstStyle/>
-                    <a:p>
-                      <a:pPr marL="0" marR="0" lvl="0" indent="0" algn="l" defTabSz="457200" rtl="0" eaLnBrk="1" fontAlgn="auto" latinLnBrk="0" hangingPunct="1">
-                        <a:lnSpc>
-                          <a:spcPct val="100000"/>
-                        </a:lnSpc>
-                        <a:spcBef>
-                          <a:spcPts val="0"/>
-                        </a:spcBef>
-                        <a:spcAft>
-                          <a:spcPts val="0"/>
-                        </a:spcAft>
-                        <a:buClrTx/>
-                        <a:buSzTx/>
-                        <a:buFontTx/>
-                        <a:buNone/>
-                        <a:tabLst/>
-                        <a:defRPr/>
-                      </a:pPr>
-                      <a:r>
-                        <a:rPr lang="en-US" sz="1800" b="0" i="0" kern="1200" dirty="0">
-                          <a:solidFill>
-                            <a:schemeClr val="tx1">
-                              <a:lumMod val="50000"/>
-                              <a:lumOff val="50000"/>
-                            </a:schemeClr>
-                          </a:solidFill>
-                          <a:effectLst/>
-                          <a:latin typeface="+mn-lt"/>
-                          <a:ea typeface="+mn-ea"/>
-                          <a:cs typeface="+mn-cs"/>
-                        </a:rPr>
-                        <a:t>The Variant's clinical sources reported as tag-value pairs of database and variant identifier</a:t>
-                      </a:r>
-                      <a:endParaRPr lang="en-US" dirty="0">
-                        <a:solidFill>
-                          <a:schemeClr val="tx1">
-                            <a:lumMod val="50000"/>
-                            <a:lumOff val="50000"/>
-                          </a:schemeClr>
-                        </a:solidFill>
-                      </a:endParaRPr>
-                    </a:p>
-                    <a:p>
-                      <a:endParaRPr lang="en-US" dirty="0"/>
-                    </a:p>
-                  </a:txBody>
-                  <a:tcPr>
-                    <a:lnL w="12700" cmpd="sng">
-                      <a:noFill/>
-                    </a:lnL>
-                    <a:lnR w="12700" cmpd="sng">
-                      <a:noFill/>
-                    </a:lnR>
-                    <a:lnT w="12700" cmpd="sng">
-                      <a:noFill/>
-                    </a:lnT>
-                    <a:lnB w="12700" cmpd="sng">
-                      <a:noFill/>
-                    </a:lnB>
-                    <a:lnTlToBr w="12700" cmpd="sng">
-                      <a:noFill/>
-                      <a:prstDash val="solid"/>
-                    </a:lnTlToBr>
-                    <a:lnBlToTr w="12700" cmpd="sng">
-                      <a:noFill/>
-                      <a:prstDash val="solid"/>
-                    </a:lnBlToTr>
-                    <a:noFill/>
-                  </a:tcPr>
-                </a:tc>
-                <a:extLst>
-                  <a:ext uri="{0D108BD9-81ED-4DB2-BD59-A6C34878D82A}">
-                    <a16:rowId xmlns:a16="http://schemas.microsoft.com/office/drawing/2014/main" val="1004587037"/>
-                  </a:ext>
-                </a:extLst>
-              </a:tr>
-              <a:tr h="481914">
-                <a:tc>
-                  <a:txBody>
-                    <a:bodyPr/>
-                    <a:lstStyle/>
-                    <a:p>
-                      <a:r>
-                        <a:rPr lang="en-US" dirty="0" err="1">
-                          <a:solidFill>
-                            <a:schemeClr val="tx1">
-                              <a:lumMod val="50000"/>
-                              <a:lumOff val="50000"/>
-                            </a:schemeClr>
-                          </a:solidFill>
-                        </a:rPr>
-                        <a:t>cDNA_position</a:t>
-                      </a:r>
-                      <a:endParaRPr lang="en-US" dirty="0">
-                        <a:solidFill>
-                          <a:schemeClr val="tx1">
-                            <a:lumMod val="50000"/>
-                            <a:lumOff val="50000"/>
-                          </a:schemeClr>
-                        </a:solidFill>
-                      </a:endParaRPr>
-                    </a:p>
-                  </a:txBody>
-                  <a:tcPr>
-                    <a:lnL w="12700" cmpd="sng">
-                      <a:noFill/>
-                    </a:lnL>
-                    <a:lnR w="12700" cmpd="sng">
-                      <a:noFill/>
-                    </a:lnR>
-                    <a:lnT w="12700" cmpd="sng">
-                      <a:noFill/>
-                    </a:lnT>
-                    <a:lnB w="12700" cmpd="sng">
-                      <a:noFill/>
-                    </a:lnB>
-                    <a:lnTlToBr w="12700" cmpd="sng">
-                      <a:noFill/>
-                      <a:prstDash val="solid"/>
-                    </a:lnTlToBr>
-                    <a:lnBlToTr w="12700" cmpd="sng">
-                      <a:noFill/>
-                      <a:prstDash val="solid"/>
-                    </a:lnBlToTr>
-                    <a:noFill/>
-                  </a:tcPr>
-                </a:tc>
-                <a:tc>
-                  <a:txBody>
-                    <a:bodyPr/>
-                    <a:lstStyle/>
-                    <a:p>
-                      <a:r>
-                        <a:rPr lang="en-US" dirty="0">
-                          <a:solidFill>
-                            <a:schemeClr val="tx1">
-                              <a:lumMod val="50000"/>
-                              <a:lumOff val="50000"/>
-                            </a:schemeClr>
-                          </a:solidFill>
-                        </a:rPr>
-                        <a:t>0.728</a:t>
-                      </a:r>
-                    </a:p>
-                  </a:txBody>
-                  <a:tcPr>
-                    <a:lnL w="12700" cmpd="sng">
-                      <a:noFill/>
-                    </a:lnL>
-                    <a:lnR w="12700" cmpd="sng">
-                      <a:noFill/>
-                    </a:lnR>
-                    <a:lnT w="12700" cmpd="sng">
-                      <a:noFill/>
-                    </a:lnT>
-                    <a:lnB w="12700" cmpd="sng">
-                      <a:noFill/>
-                    </a:lnB>
-                    <a:lnTlToBr w="12700" cmpd="sng">
-                      <a:noFill/>
-                      <a:prstDash val="solid"/>
-                    </a:lnTlToBr>
-                    <a:lnBlToTr w="12700" cmpd="sng">
-                      <a:noFill/>
-                      <a:prstDash val="solid"/>
-                    </a:lnBlToTr>
-                    <a:noFill/>
-                  </a:tcPr>
-                </a:tc>
-                <a:tc>
-                  <a:txBody>
-                    <a:bodyPr/>
-                    <a:lstStyle/>
-                    <a:p>
-                      <a:r>
-                        <a:rPr lang="en-US" sz="1800" b="0" i="0" kern="1200" dirty="0">
-                          <a:solidFill>
-                            <a:schemeClr val="tx1">
-                              <a:lumMod val="50000"/>
-                              <a:lumOff val="50000"/>
-                            </a:schemeClr>
-                          </a:solidFill>
-                          <a:effectLst/>
-                          <a:latin typeface="+mn-lt"/>
-                          <a:ea typeface="+mn-ea"/>
-                          <a:cs typeface="+mn-cs"/>
-                        </a:rPr>
-                        <a:t>Relative Position of base pair in cDNA sequence</a:t>
-                      </a:r>
-                      <a:endParaRPr lang="en-US" dirty="0">
-                        <a:solidFill>
-                          <a:schemeClr val="tx1">
-                            <a:lumMod val="50000"/>
-                            <a:lumOff val="50000"/>
-                          </a:schemeClr>
-                        </a:solidFill>
-                      </a:endParaRPr>
-                    </a:p>
-                  </a:txBody>
-                  <a:tcPr>
-                    <a:lnL w="12700" cmpd="sng">
-                      <a:noFill/>
-                    </a:lnL>
-                    <a:lnR w="12700" cmpd="sng">
-                      <a:noFill/>
-                    </a:lnR>
-                    <a:lnT w="12700" cmpd="sng">
-                      <a:noFill/>
-                    </a:lnT>
-                    <a:lnB w="12700" cmpd="sng">
-                      <a:noFill/>
-                    </a:lnB>
-                    <a:lnTlToBr w="12700" cmpd="sng">
-                      <a:noFill/>
-                      <a:prstDash val="solid"/>
-                    </a:lnTlToBr>
-                    <a:lnBlToTr w="12700" cmpd="sng">
-                      <a:noFill/>
-                      <a:prstDash val="solid"/>
-                    </a:lnBlToTr>
-                    <a:noFill/>
-                  </a:tcPr>
-                </a:tc>
-                <a:extLst>
-                  <a:ext uri="{0D108BD9-81ED-4DB2-BD59-A6C34878D82A}">
-                    <a16:rowId xmlns:a16="http://schemas.microsoft.com/office/drawing/2014/main" val="306795539"/>
-                  </a:ext>
-                </a:extLst>
-              </a:tr>
-              <a:tr h="481914">
-                <a:tc>
-                  <a:txBody>
-                    <a:bodyPr/>
-                    <a:lstStyle/>
-                    <a:p>
-                      <a:r>
-                        <a:rPr lang="en-US" dirty="0">
-                          <a:solidFill>
-                            <a:schemeClr val="tx1">
-                              <a:lumMod val="50000"/>
-                              <a:lumOff val="50000"/>
-                            </a:schemeClr>
-                          </a:solidFill>
-                        </a:rPr>
-                        <a:t>BIOTYPE</a:t>
-                      </a:r>
-                    </a:p>
-                  </a:txBody>
-                  <a:tcPr>
-                    <a:lnL w="12700" cmpd="sng">
-                      <a:noFill/>
-                    </a:lnL>
-                    <a:lnR w="12700" cmpd="sng">
-                      <a:noFill/>
-                    </a:lnR>
-                    <a:lnT w="12700" cmpd="sng">
-                      <a:noFill/>
-                    </a:lnT>
-                    <a:lnB w="12700" cmpd="sng">
-                      <a:noFill/>
-                    </a:lnB>
-                    <a:lnTlToBr w="12700" cmpd="sng">
-                      <a:noFill/>
-                      <a:prstDash val="solid"/>
-                    </a:lnTlToBr>
-                    <a:lnBlToTr w="12700" cmpd="sng">
-                      <a:noFill/>
-                      <a:prstDash val="solid"/>
-                    </a:lnBlToTr>
-                    <a:noFill/>
-                  </a:tcPr>
-                </a:tc>
-                <a:tc>
-                  <a:txBody>
-                    <a:bodyPr/>
-                    <a:lstStyle/>
-                    <a:p>
-                      <a:r>
-                        <a:rPr lang="en-US" dirty="0">
-                          <a:solidFill>
-                            <a:schemeClr val="tx1">
-                              <a:lumMod val="50000"/>
-                              <a:lumOff val="50000"/>
-                            </a:schemeClr>
-                          </a:solidFill>
-                        </a:rPr>
-                        <a:t>0.724</a:t>
-                      </a:r>
-                    </a:p>
-                  </a:txBody>
-                  <a:tcPr>
-                    <a:lnL w="12700" cmpd="sng">
-                      <a:noFill/>
-                    </a:lnL>
-                    <a:lnR w="12700" cmpd="sng">
-                      <a:noFill/>
-                    </a:lnR>
-                    <a:lnT w="12700" cmpd="sng">
-                      <a:noFill/>
-                    </a:lnT>
-                    <a:lnB w="12700" cmpd="sng">
-                      <a:noFill/>
-                    </a:lnB>
-                    <a:lnTlToBr w="12700" cmpd="sng">
-                      <a:noFill/>
-                      <a:prstDash val="solid"/>
-                    </a:lnTlToBr>
-                    <a:lnBlToTr w="12700" cmpd="sng">
-                      <a:noFill/>
-                      <a:prstDash val="solid"/>
-                    </a:lnBlToTr>
-                    <a:noFill/>
-                  </a:tcPr>
-                </a:tc>
-                <a:tc>
-                  <a:txBody>
-                    <a:bodyPr/>
-                    <a:lstStyle/>
-                    <a:p>
-                      <a:r>
-                        <a:rPr lang="en-US" sz="1800" b="0" i="0" kern="1200" dirty="0">
-                          <a:solidFill>
-                            <a:schemeClr val="tx1">
-                              <a:lumMod val="50000"/>
-                              <a:lumOff val="50000"/>
-                            </a:schemeClr>
-                          </a:solidFill>
-                          <a:effectLst/>
-                          <a:latin typeface="+mn-lt"/>
-                          <a:ea typeface="+mn-ea"/>
-                          <a:cs typeface="+mn-cs"/>
-                        </a:rPr>
-                        <a:t>Biotype of transcript or regulatory feature</a:t>
-                      </a:r>
-                      <a:endParaRPr lang="en-US" dirty="0">
-                        <a:solidFill>
-                          <a:schemeClr val="tx1">
-                            <a:lumMod val="50000"/>
-                            <a:lumOff val="50000"/>
-                          </a:schemeClr>
-                        </a:solidFill>
-                      </a:endParaRPr>
-                    </a:p>
-                  </a:txBody>
-                  <a:tcPr>
-                    <a:lnL w="12700" cmpd="sng">
-                      <a:noFill/>
-                    </a:lnL>
-                    <a:lnR w="12700" cmpd="sng">
-                      <a:noFill/>
-                    </a:lnR>
-                    <a:lnT w="12700" cmpd="sng">
-                      <a:noFill/>
-                    </a:lnT>
-                    <a:lnB w="12700" cmpd="sng">
-                      <a:noFill/>
-                    </a:lnB>
-                    <a:lnTlToBr w="12700" cmpd="sng">
-                      <a:noFill/>
-                      <a:prstDash val="solid"/>
-                    </a:lnTlToBr>
-                    <a:lnBlToTr w="12700" cmpd="sng">
-                      <a:noFill/>
-                      <a:prstDash val="solid"/>
-                    </a:lnBlToTr>
-                    <a:noFill/>
-                  </a:tcPr>
-                </a:tc>
-                <a:extLst>
-                  <a:ext uri="{0D108BD9-81ED-4DB2-BD59-A6C34878D82A}">
-                    <a16:rowId xmlns:a16="http://schemas.microsoft.com/office/drawing/2014/main" val="1796533803"/>
-                  </a:ext>
-                </a:extLst>
-              </a:tr>
-              <a:tr h="481914">
-                <a:tc>
-                  <a:txBody>
-                    <a:bodyPr/>
-                    <a:lstStyle/>
-                    <a:p>
-                      <a:r>
-                        <a:rPr lang="en-US" dirty="0">
-                          <a:solidFill>
-                            <a:schemeClr val="tx1">
-                              <a:lumMod val="50000"/>
-                              <a:lumOff val="50000"/>
-                            </a:schemeClr>
-                          </a:solidFill>
-                        </a:rPr>
-                        <a:t>STRAND</a:t>
-                      </a:r>
-                    </a:p>
-                  </a:txBody>
-                  <a:tcPr>
-                    <a:lnL w="12700" cmpd="sng">
-                      <a:noFill/>
-                    </a:lnL>
-                    <a:lnR w="12700" cmpd="sng">
-                      <a:noFill/>
-                    </a:lnR>
-                    <a:lnT w="12700" cmpd="sng">
-                      <a:noFill/>
-                    </a:lnT>
-                    <a:lnB w="12700" cap="flat" cmpd="sng" algn="ctr">
-                      <a:solidFill>
-                        <a:schemeClr val="tx1"/>
-                      </a:solidFill>
-                      <a:prstDash val="solid"/>
-                      <a:round/>
-                      <a:headEnd type="none" w="med" len="med"/>
-                      <a:tailEnd type="none" w="med" len="med"/>
-                    </a:lnB>
-                    <a:lnTlToBr w="12700" cmpd="sng">
-                      <a:noFill/>
-                      <a:prstDash val="solid"/>
-                    </a:lnTlToBr>
-                    <a:lnBlToTr w="12700" cmpd="sng">
-                      <a:noFill/>
-                      <a:prstDash val="solid"/>
-                    </a:lnBlToTr>
-                    <a:noFill/>
-                  </a:tcPr>
-                </a:tc>
-                <a:tc>
-                  <a:txBody>
-                    <a:bodyPr/>
-                    <a:lstStyle/>
-                    <a:p>
-                      <a:r>
-                        <a:rPr lang="en-US" dirty="0">
-                          <a:solidFill>
-                            <a:schemeClr val="tx1">
-                              <a:lumMod val="50000"/>
-                              <a:lumOff val="50000"/>
-                            </a:schemeClr>
-                          </a:solidFill>
-                        </a:rPr>
-                        <a:t>0.724</a:t>
-                      </a:r>
-                    </a:p>
-                  </a:txBody>
-                  <a:tcPr>
-                    <a:lnL w="12700" cmpd="sng">
-                      <a:noFill/>
-                    </a:lnL>
-                    <a:lnR w="12700" cmpd="sng">
-                      <a:noFill/>
-                    </a:lnR>
-                    <a:lnT w="12700" cmpd="sng">
-                      <a:noFill/>
-                    </a:lnT>
-                    <a:lnB w="12700" cap="flat" cmpd="sng" algn="ctr">
-                      <a:solidFill>
-                        <a:schemeClr val="tx1"/>
-                      </a:solidFill>
-                      <a:prstDash val="solid"/>
-                      <a:round/>
-                      <a:headEnd type="none" w="med" len="med"/>
-                      <a:tailEnd type="none" w="med" len="med"/>
-                    </a:lnB>
-                    <a:lnTlToBr w="12700" cmpd="sng">
-                      <a:noFill/>
-                      <a:prstDash val="solid"/>
-                    </a:lnTlToBr>
-                    <a:lnBlToTr w="12700" cmpd="sng">
-                      <a:noFill/>
-                      <a:prstDash val="solid"/>
-                    </a:lnBlToTr>
-                    <a:noFill/>
-                  </a:tcPr>
-                </a:tc>
-                <a:tc>
-                  <a:txBody>
-                    <a:bodyPr/>
-                    <a:lstStyle/>
-                    <a:p>
-                      <a:r>
-                        <a:rPr lang="en-US" sz="1800" b="0" i="0" kern="1200" dirty="0">
-                          <a:solidFill>
-                            <a:schemeClr val="tx1">
-                              <a:lumMod val="50000"/>
-                              <a:lumOff val="50000"/>
-                            </a:schemeClr>
-                          </a:solidFill>
-                          <a:effectLst/>
-                          <a:latin typeface="+mn-lt"/>
-                          <a:ea typeface="+mn-ea"/>
-                          <a:cs typeface="+mn-cs"/>
-                        </a:rPr>
-                        <a:t>Defined as + (forward) or - (reverse).</a:t>
-                      </a:r>
-                      <a:endParaRPr lang="en-US" dirty="0">
-                        <a:solidFill>
-                          <a:schemeClr val="tx1">
-                            <a:lumMod val="50000"/>
-                            <a:lumOff val="50000"/>
-                          </a:schemeClr>
-                        </a:solidFill>
-                      </a:endParaRPr>
-                    </a:p>
-                  </a:txBody>
-                  <a:tcPr>
-                    <a:lnL w="12700" cmpd="sng">
-                      <a:noFill/>
-                    </a:lnL>
-                    <a:lnR w="12700" cmpd="sng">
-                      <a:noFill/>
-                    </a:lnR>
-                    <a:lnT w="12700" cmpd="sng">
-                      <a:noFill/>
-                    </a:lnT>
-                    <a:lnB w="12700" cap="flat" cmpd="sng" algn="ctr">
-                      <a:solidFill>
-                        <a:schemeClr val="tx1"/>
-                      </a:solidFill>
-                      <a:prstDash val="solid"/>
-                      <a:round/>
-                      <a:headEnd type="none" w="med" len="med"/>
-                      <a:tailEnd type="none" w="med" len="med"/>
-                    </a:lnB>
-                    <a:lnTlToBr w="12700" cmpd="sng">
-                      <a:noFill/>
-                      <a:prstDash val="solid"/>
-                    </a:lnTlToBr>
-                    <a:lnBlToTr w="12700" cmpd="sng">
-                      <a:noFill/>
-                      <a:prstDash val="solid"/>
-                    </a:lnBlToTr>
-                    <a:noFill/>
-                  </a:tcPr>
-                </a:tc>
-                <a:extLst>
-                  <a:ext uri="{0D108BD9-81ED-4DB2-BD59-A6C34878D82A}">
-                    <a16:rowId xmlns:a16="http://schemas.microsoft.com/office/drawing/2014/main" val="273521023"/>
-                  </a:ext>
-                </a:extLst>
-              </a:tr>
-            </a:tbl>
-          </a:graphicData>
-        </a:graphic>
-      </p:graphicFrame>
-      <p:sp>
-        <p:nvSpPr>
-          <p:cNvPr id="8" name="Rectangle 7">
-            <a:extLst>
-              <a:ext uri="{FF2B5EF4-FFF2-40B4-BE49-F238E27FC236}">
-                <a16:creationId xmlns:a16="http://schemas.microsoft.com/office/drawing/2014/main" id="{E2D31654-EBBF-C84E-AB25-A73BECFC51EB}"/>
-              </a:ext>
-            </a:extLst>
-          </p:cNvPr>
-          <p:cNvSpPr/>
-          <p:nvPr/>
-        </p:nvSpPr>
-        <p:spPr>
-          <a:xfrm>
-            <a:off x="420783" y="337307"/>
-            <a:ext cx="3611951" cy="523220"/>
-          </a:xfrm>
-          <a:prstGeom prst="rect">
-            <a:avLst/>
-          </a:prstGeom>
-        </p:spPr>
-        <p:txBody>
-          <a:bodyPr wrap="none">
-            <a:spAutoFit/>
-          </a:bodyPr>
-          <a:lstStyle/>
-          <a:p>
             <a:pPr>
               <a:spcAft>
                 <a:spcPts val="600"/>
@@ -4848,17 +3820,17 @@
                   <a:srgbClr val="54AC5C"/>
                 </a:solidFill>
               </a:rPr>
-              <a:t>Q2: Weight of Features</a:t>
+              <a:t>Q1: Variants Classification</a:t>
             </a:r>
           </a:p>
         </p:txBody>
       </p:sp>
       <p:cxnSp>
         <p:nvCxnSpPr>
-          <p:cNvPr id="9" name="Straight Connector 8">
+          <p:cNvPr id="8" name="Straight Connector 7">
             <a:extLst>
               <a:ext uri="{FF2B5EF4-FFF2-40B4-BE49-F238E27FC236}">
-                <a16:creationId xmlns:a16="http://schemas.microsoft.com/office/drawing/2014/main" id="{74B2CE4B-CA30-1747-8F72-B39B22CD0EC2}"/>
+                <a16:creationId xmlns:a16="http://schemas.microsoft.com/office/drawing/2014/main" id="{1DFF1BA9-A783-624F-8B47-59877EDCC3C5}"/>
               </a:ext>
             </a:extLst>
           </p:cNvPr>
@@ -4897,10 +3869,10 @@
       </p:cxnSp>
       <p:sp>
         <p:nvSpPr>
-          <p:cNvPr id="10" name="Rectangle 9">
+          <p:cNvPr id="9" name="Rectangle 8">
             <a:extLst>
               <a:ext uri="{FF2B5EF4-FFF2-40B4-BE49-F238E27FC236}">
-                <a16:creationId xmlns:a16="http://schemas.microsoft.com/office/drawing/2014/main" id="{A0573D90-A38E-FA42-BD1A-EA9AE9166D9C}"/>
+                <a16:creationId xmlns:a16="http://schemas.microsoft.com/office/drawing/2014/main" id="{9963E5AE-FC0E-994F-8FB6-8FF07D5FCBB3}"/>
               </a:ext>
             </a:extLst>
           </p:cNvPr>
@@ -4910,7 +3882,7 @@
         <p:spPr>
           <a:xfrm>
             <a:off x="1020672" y="1082684"/>
-            <a:ext cx="2973571" cy="369332"/>
+            <a:ext cx="2977803" cy="369332"/>
           </a:xfrm>
           <a:prstGeom prst="rect">
             <a:avLst/>
@@ -4931,125 +3903,17 @@
             </a:pPr>
             <a:r>
               <a:rPr lang="en-US" dirty="0"/>
-              <a:t>Method:     Random Forest</a:t>
+              <a:t>Method 2:     Decision Tree</a:t>
             </a:r>
           </a:p>
         </p:txBody>
       </p:sp>
-      <p:grpSp>
-        <p:nvGrpSpPr>
-          <p:cNvPr id="18" name="Group 17">
+      <p:sp>
+        <p:nvSpPr>
+          <p:cNvPr id="11" name="Rectangle 10">
             <a:extLst>
               <a:ext uri="{FF2B5EF4-FFF2-40B4-BE49-F238E27FC236}">
-                <a16:creationId xmlns:a16="http://schemas.microsoft.com/office/drawing/2014/main" id="{091EBDA6-A378-DC49-B18F-8C8DB618D015}"/>
-              </a:ext>
-            </a:extLst>
-          </p:cNvPr>
-          <p:cNvGrpSpPr/>
-          <p:nvPr/>
-        </p:nvGrpSpPr>
-        <p:grpSpPr>
-          <a:xfrm>
-            <a:off x="6128530" y="1452016"/>
-            <a:ext cx="2370011" cy="762347"/>
-            <a:chOff x="6128530" y="1452016"/>
-            <a:chExt cx="2370011" cy="762347"/>
-          </a:xfrm>
-        </p:grpSpPr>
-        <p:sp>
-          <p:nvSpPr>
-            <p:cNvPr id="13" name="Rectangle 12">
-              <a:extLst>
-                <a:ext uri="{FF2B5EF4-FFF2-40B4-BE49-F238E27FC236}">
-                  <a16:creationId xmlns:a16="http://schemas.microsoft.com/office/drawing/2014/main" id="{B015320A-CBAE-E345-A79C-631BF444BA99}"/>
-                </a:ext>
-              </a:extLst>
-            </p:cNvPr>
-            <p:cNvSpPr/>
-            <p:nvPr/>
-          </p:nvSpPr>
-          <p:spPr>
-            <a:xfrm>
-              <a:off x="6128530" y="1452016"/>
-              <a:ext cx="2370011" cy="762347"/>
-            </a:xfrm>
-            <a:prstGeom prst="rect">
-              <a:avLst/>
-            </a:prstGeom>
-            <a:solidFill>
-              <a:schemeClr val="bg1"/>
-            </a:solidFill>
-            <a:ln w="22225">
-              <a:solidFill>
-                <a:schemeClr val="accent6"/>
-              </a:solidFill>
-            </a:ln>
-            <a:effectLst/>
-          </p:spPr>
-          <p:style>
-            <a:lnRef idx="1">
-              <a:schemeClr val="accent1"/>
-            </a:lnRef>
-            <a:fillRef idx="3">
-              <a:schemeClr val="accent1"/>
-            </a:fillRef>
-            <a:effectRef idx="2">
-              <a:schemeClr val="accent1"/>
-            </a:effectRef>
-            <a:fontRef idx="minor">
-              <a:schemeClr val="lt1"/>
-            </a:fontRef>
-          </p:style>
-          <p:txBody>
-            <a:bodyPr rtlCol="0" anchor="ctr"/>
-            <a:lstStyle/>
-            <a:p>
-              <a:pPr algn="ctr"/>
-              <a:endParaRPr lang="en-US" dirty="0"/>
-            </a:p>
-          </p:txBody>
-        </p:sp>
-        <p:sp>
-          <p:nvSpPr>
-            <p:cNvPr id="12" name="Rectangle 11">
-              <a:extLst>
-                <a:ext uri="{FF2B5EF4-FFF2-40B4-BE49-F238E27FC236}">
-                  <a16:creationId xmlns:a16="http://schemas.microsoft.com/office/drawing/2014/main" id="{498847FF-DE77-BD4C-9780-9043F7BD8AE6}"/>
-                </a:ext>
-              </a:extLst>
-            </p:cNvPr>
-            <p:cNvSpPr/>
-            <p:nvPr/>
-          </p:nvSpPr>
-          <p:spPr>
-            <a:xfrm>
-              <a:off x="6249553" y="1521865"/>
-              <a:ext cx="2248988" cy="646331"/>
-            </a:xfrm>
-            <a:prstGeom prst="rect">
-              <a:avLst/>
-            </a:prstGeom>
-          </p:spPr>
-          <p:txBody>
-            <a:bodyPr wrap="square">
-              <a:spAutoFit/>
-            </a:bodyPr>
-            <a:lstStyle/>
-            <a:p>
-              <a:r>
-                <a:rPr lang="en-US" dirty="0"/>
-                <a:t>Relative Frequency of variant of a gene</a:t>
-              </a:r>
-            </a:p>
-          </p:txBody>
-        </p:sp>
-      </p:grpSp>
-      <p:sp>
-        <p:nvSpPr>
-          <p:cNvPr id="14" name="Rectangle 13">
-            <a:extLst>
-              <a:ext uri="{FF2B5EF4-FFF2-40B4-BE49-F238E27FC236}">
-                <a16:creationId xmlns:a16="http://schemas.microsoft.com/office/drawing/2014/main" id="{78379F60-62F5-9E42-A5FB-726E316801FB}"/>
+                <a16:creationId xmlns:a16="http://schemas.microsoft.com/office/drawing/2014/main" id="{F57B9DD2-1E24-E345-9053-A9DEC67A6125}"/>
               </a:ext>
             </a:extLst>
           </p:cNvPr>
@@ -5058,345 +3922,70 @@
         </p:nvSpPr>
         <p:spPr>
           <a:xfrm>
-            <a:off x="4682222" y="2982540"/>
-            <a:ext cx="1772366" cy="331393"/>
+            <a:off x="1539093" y="2500527"/>
+            <a:ext cx="1887248" cy="369332"/>
           </a:xfrm>
           <a:prstGeom prst="rect">
             <a:avLst/>
           </a:prstGeom>
-          <a:noFill/>
-          <a:ln w="22225">
-            <a:solidFill>
-              <a:schemeClr val="accent6"/>
-            </a:solidFill>
-          </a:ln>
-          <a:effectLst/>
         </p:spPr>
-        <p:style>
-          <a:lnRef idx="1">
-            <a:schemeClr val="accent1"/>
-          </a:lnRef>
-          <a:fillRef idx="3">
-            <a:schemeClr val="accent1"/>
-          </a:fillRef>
-          <a:effectRef idx="2">
-            <a:schemeClr val="accent1"/>
-          </a:effectRef>
-          <a:fontRef idx="minor">
-            <a:schemeClr val="lt1"/>
-          </a:fontRef>
-        </p:style>
         <p:txBody>
-          <a:bodyPr rtlCol="0" anchor="ctr"/>
+          <a:bodyPr wrap="none">
+            <a:spAutoFit/>
+          </a:bodyPr>
           <a:lstStyle/>
           <a:p>
-            <a:pPr algn="ctr"/>
-            <a:endParaRPr lang="en-US" dirty="0"/>
+            <a:r>
+              <a:rPr lang="en-US" dirty="0"/>
+              <a:t>Acc – Cutoff curve</a:t>
+            </a:r>
           </a:p>
         </p:txBody>
       </p:sp>
-      <p:cxnSp>
-        <p:nvCxnSpPr>
-          <p:cNvPr id="16" name="Straight Arrow Connector 15">
+      <p:sp>
+        <p:nvSpPr>
+          <p:cNvPr id="12" name="Rectangle 11">
             <a:extLst>
               <a:ext uri="{FF2B5EF4-FFF2-40B4-BE49-F238E27FC236}">
-                <a16:creationId xmlns:a16="http://schemas.microsoft.com/office/drawing/2014/main" id="{0013829A-7880-2146-AACF-0D87AC73F0DD}"/>
+                <a16:creationId xmlns:a16="http://schemas.microsoft.com/office/drawing/2014/main" id="{C9B91779-E3E2-E14D-BD4E-109802849FE2}"/>
               </a:ext>
             </a:extLst>
           </p:cNvPr>
-          <p:cNvCxnSpPr>
-            <a:cxnSpLocks/>
-            <a:stCxn id="14" idx="0"/>
-            <a:endCxn id="13" idx="2"/>
-          </p:cNvCxnSpPr>
+          <p:cNvSpPr/>
           <p:nvPr/>
-        </p:nvCxnSpPr>
+        </p:nvSpPr>
         <p:spPr>
-          <a:xfrm flipV="1">
-            <a:off x="5568405" y="2214363"/>
-            <a:ext cx="1745131" cy="768177"/>
-          </a:xfrm>
-          <a:prstGeom prst="straightConnector1">
+          <a:xfrm>
+            <a:off x="6004693" y="2500527"/>
+            <a:ext cx="1180964" cy="369332"/>
+          </a:xfrm>
+          <a:prstGeom prst="rect">
             <a:avLst/>
           </a:prstGeom>
-          <a:ln>
-            <a:solidFill>
-              <a:schemeClr val="accent6"/>
-            </a:solidFill>
-            <a:tailEnd type="triangle"/>
-          </a:ln>
-          <a:effectLst/>
         </p:spPr>
-        <p:style>
-          <a:lnRef idx="2">
-            <a:schemeClr val="accent1"/>
-          </a:lnRef>
-          <a:fillRef idx="0">
-            <a:schemeClr val="accent1"/>
-          </a:fillRef>
-          <a:effectRef idx="1">
-            <a:schemeClr val="accent1"/>
-          </a:effectRef>
-          <a:fontRef idx="minor">
-            <a:schemeClr val="tx1"/>
-          </a:fontRef>
-        </p:style>
-      </p:cxnSp>
+        <p:txBody>
+          <a:bodyPr wrap="none">
+            <a:spAutoFit/>
+          </a:bodyPr>
+          <a:lstStyle/>
+          <a:p>
+            <a:r>
+              <a:rPr lang="en-US" dirty="0"/>
+              <a:t>ROC Curve</a:t>
+            </a:r>
+          </a:p>
+        </p:txBody>
+      </p:sp>
     </p:spTree>
     <p:extLst>
       <p:ext uri="{BB962C8B-B14F-4D97-AF65-F5344CB8AC3E}">
-        <p14:creationId xmlns:p14="http://schemas.microsoft.com/office/powerpoint/2010/main" val="3327439976"/>
+        <p14:creationId xmlns:p14="http://schemas.microsoft.com/office/powerpoint/2010/main" val="2653269401"/>
       </p:ext>
     </p:extLst>
   </p:cSld>
   <p:clrMapOvr>
     <a:masterClrMapping/>
   </p:clrMapOvr>
-  <p:timing>
-    <p:tnLst>
-      <p:par>
-        <p:cTn id="1" dur="indefinite" restart="never" nodeType="tmRoot">
-          <p:childTnLst>
-            <p:seq concurrent="1" nextAc="seek">
-              <p:cTn id="2" dur="indefinite" nodeType="mainSeq">
-                <p:childTnLst>
-                  <p:par>
-                    <p:cTn id="3" fill="hold">
-                      <p:stCondLst>
-                        <p:cond delay="indefinite"/>
-                      </p:stCondLst>
-                      <p:childTnLst>
-                        <p:par>
-                          <p:cTn id="4" fill="hold">
-                            <p:stCondLst>
-                              <p:cond delay="0"/>
-                            </p:stCondLst>
-                            <p:childTnLst>
-                              <p:par>
-                                <p:cTn id="5" presetID="10" presetClass="entr" presetSubtype="0" fill="hold" grpId="0" nodeType="clickEffect">
-                                  <p:stCondLst>
-                                    <p:cond delay="0"/>
-                                  </p:stCondLst>
-                                  <p:childTnLst>
-                                    <p:set>
-                                      <p:cBhvr>
-                                        <p:cTn id="6" dur="1" fill="hold">
-                                          <p:stCondLst>
-                                            <p:cond delay="0"/>
-                                          </p:stCondLst>
-                                        </p:cTn>
-                                        <p:tgtEl>
-                                          <p:spTgt spid="5"/>
-                                        </p:tgtEl>
-                                        <p:attrNameLst>
-                                          <p:attrName>style.visibility</p:attrName>
-                                        </p:attrNameLst>
-                                      </p:cBhvr>
-                                      <p:to>
-                                        <p:strVal val="visible"/>
-                                      </p:to>
-                                    </p:set>
-                                    <p:animEffect transition="in" filter="fade">
-                                      <p:cBhvr>
-                                        <p:cTn id="7" dur="500"/>
-                                        <p:tgtEl>
-                                          <p:spTgt spid="5"/>
-                                        </p:tgtEl>
-                                      </p:cBhvr>
-                                    </p:animEffect>
-                                  </p:childTnLst>
-                                </p:cTn>
-                              </p:par>
-                              <p:par>
-                                <p:cTn id="8" presetID="10" presetClass="entr" presetSubtype="0" fill="hold" nodeType="withEffect">
-                                  <p:stCondLst>
-                                    <p:cond delay="0"/>
-                                  </p:stCondLst>
-                                  <p:childTnLst>
-                                    <p:set>
-                                      <p:cBhvr>
-                                        <p:cTn id="9" dur="1" fill="hold">
-                                          <p:stCondLst>
-                                            <p:cond delay="0"/>
-                                          </p:stCondLst>
-                                        </p:cTn>
-                                        <p:tgtEl>
-                                          <p:spTgt spid="7"/>
-                                        </p:tgtEl>
-                                        <p:attrNameLst>
-                                          <p:attrName>style.visibility</p:attrName>
-                                        </p:attrNameLst>
-                                      </p:cBhvr>
-                                      <p:to>
-                                        <p:strVal val="visible"/>
-                                      </p:to>
-                                    </p:set>
-                                    <p:animEffect transition="in" filter="fade">
-                                      <p:cBhvr>
-                                        <p:cTn id="10" dur="500"/>
-                                        <p:tgtEl>
-                                          <p:spTgt spid="7"/>
-                                        </p:tgtEl>
-                                      </p:cBhvr>
-                                    </p:animEffect>
-                                  </p:childTnLst>
-                                </p:cTn>
-                              </p:par>
-                            </p:childTnLst>
-                          </p:cTn>
-                        </p:par>
-                      </p:childTnLst>
-                    </p:cTn>
-                  </p:par>
-                  <p:par>
-                    <p:cTn id="11" fill="hold">
-                      <p:stCondLst>
-                        <p:cond delay="indefinite"/>
-                      </p:stCondLst>
-                      <p:childTnLst>
-                        <p:par>
-                          <p:cTn id="12" fill="hold">
-                            <p:stCondLst>
-                              <p:cond delay="0"/>
-                            </p:stCondLst>
-                            <p:childTnLst>
-                              <p:par>
-                                <p:cTn id="13" presetID="10" presetClass="entr" presetSubtype="0" fill="hold" grpId="0" nodeType="clickEffect">
-                                  <p:stCondLst>
-                                    <p:cond delay="0"/>
-                                  </p:stCondLst>
-                                  <p:childTnLst>
-                                    <p:set>
-                                      <p:cBhvr>
-                                        <p:cTn id="14" dur="1" fill="hold">
-                                          <p:stCondLst>
-                                            <p:cond delay="0"/>
-                                          </p:stCondLst>
-                                        </p:cTn>
-                                        <p:tgtEl>
-                                          <p:spTgt spid="14"/>
-                                        </p:tgtEl>
-                                        <p:attrNameLst>
-                                          <p:attrName>style.visibility</p:attrName>
-                                        </p:attrNameLst>
-                                      </p:cBhvr>
-                                      <p:to>
-                                        <p:strVal val="visible"/>
-                                      </p:to>
-                                    </p:set>
-                                    <p:animEffect transition="in" filter="fade">
-                                      <p:cBhvr>
-                                        <p:cTn id="15" dur="500"/>
-                                        <p:tgtEl>
-                                          <p:spTgt spid="14"/>
-                                        </p:tgtEl>
-                                      </p:cBhvr>
-                                    </p:animEffect>
-                                  </p:childTnLst>
-                                </p:cTn>
-                              </p:par>
-                              <p:par>
-                                <p:cTn id="16" presetID="10" presetClass="entr" presetSubtype="0" fill="hold" nodeType="withEffect">
-                                  <p:stCondLst>
-                                    <p:cond delay="0"/>
-                                  </p:stCondLst>
-                                  <p:childTnLst>
-                                    <p:set>
-                                      <p:cBhvr>
-                                        <p:cTn id="17" dur="1" fill="hold">
-                                          <p:stCondLst>
-                                            <p:cond delay="0"/>
-                                          </p:stCondLst>
-                                        </p:cTn>
-                                        <p:tgtEl>
-                                          <p:spTgt spid="16"/>
-                                        </p:tgtEl>
-                                        <p:attrNameLst>
-                                          <p:attrName>style.visibility</p:attrName>
-                                        </p:attrNameLst>
-                                      </p:cBhvr>
-                                      <p:to>
-                                        <p:strVal val="visible"/>
-                                      </p:to>
-                                    </p:set>
-                                    <p:animEffect transition="in" filter="fade">
-                                      <p:cBhvr>
-                                        <p:cTn id="18" dur="500"/>
-                                        <p:tgtEl>
-                                          <p:spTgt spid="16"/>
-                                        </p:tgtEl>
-                                      </p:cBhvr>
-                                    </p:animEffect>
-                                  </p:childTnLst>
-                                </p:cTn>
-                              </p:par>
-                              <p:par>
-                                <p:cTn id="19" presetID="10" presetClass="entr" presetSubtype="0" fill="hold" nodeType="withEffect">
-                                  <p:stCondLst>
-                                    <p:cond delay="0"/>
-                                  </p:stCondLst>
-                                  <p:childTnLst>
-                                    <p:set>
-                                      <p:cBhvr>
-                                        <p:cTn id="20" dur="1" fill="hold">
-                                          <p:stCondLst>
-                                            <p:cond delay="0"/>
-                                          </p:stCondLst>
-                                        </p:cTn>
-                                        <p:tgtEl>
-                                          <p:spTgt spid="18"/>
-                                        </p:tgtEl>
-                                        <p:attrNameLst>
-                                          <p:attrName>style.visibility</p:attrName>
-                                        </p:attrNameLst>
-                                      </p:cBhvr>
-                                      <p:to>
-                                        <p:strVal val="visible"/>
-                                      </p:to>
-                                    </p:set>
-                                    <p:animEffect transition="in" filter="fade">
-                                      <p:cBhvr>
-                                        <p:cTn id="21" dur="500"/>
-                                        <p:tgtEl>
-                                          <p:spTgt spid="18"/>
-                                        </p:tgtEl>
-                                      </p:cBhvr>
-                                    </p:animEffect>
-                                  </p:childTnLst>
-                                </p:cTn>
-                              </p:par>
-                            </p:childTnLst>
-                          </p:cTn>
-                        </p:par>
-                      </p:childTnLst>
-                    </p:cTn>
-                  </p:par>
-                </p:childTnLst>
-              </p:cTn>
-              <p:prevCondLst>
-                <p:cond evt="onPrev" delay="0">
-                  <p:tgtEl>
-                    <p:sldTgt/>
-                  </p:tgtEl>
-                </p:cond>
-              </p:prevCondLst>
-              <p:nextCondLst>
-                <p:cond evt="onNext" delay="0">
-                  <p:tgtEl>
-                    <p:sldTgt/>
-                  </p:tgtEl>
-                </p:cond>
-              </p:nextCondLst>
-            </p:seq>
-          </p:childTnLst>
-        </p:cTn>
-      </p:par>
-    </p:tnLst>
-    <p:bldLst>
-      <p:bldP spid="5" grpId="0"/>
-      <p:bldP spid="14" grpId="0" animBg="1"/>
-    </p:bldLst>
-  </p:timing>
 </p:sld>
 </file>
 
@@ -11866,7 +10455,7 @@
             </a:pPr>
             <a:r>
               <a:rPr lang="en-US" b="1" dirty="0"/>
-              <a:t>Geometrically Similar</a:t>
+              <a:t>Numerically Similar</a:t>
             </a:r>
           </a:p>
         </p:txBody>
@@ -13685,6 +12274,314 @@
       </p:grpSpPr>
       <p:sp>
         <p:nvSpPr>
+          <p:cNvPr id="2" name="Rectangle 1">
+            <a:extLst>
+              <a:ext uri="{FF2B5EF4-FFF2-40B4-BE49-F238E27FC236}">
+                <a16:creationId xmlns:a16="http://schemas.microsoft.com/office/drawing/2014/main" id="{29E4FFF8-6048-6448-9661-A957F4D8868D}"/>
+              </a:ext>
+            </a:extLst>
+          </p:cNvPr>
+          <p:cNvSpPr/>
+          <p:nvPr/>
+        </p:nvSpPr>
+        <p:spPr>
+          <a:xfrm>
+            <a:off x="420783" y="337307"/>
+            <a:ext cx="2048959" cy="523220"/>
+          </a:xfrm>
+          <a:prstGeom prst="rect">
+            <a:avLst/>
+          </a:prstGeom>
+        </p:spPr>
+        <p:txBody>
+          <a:bodyPr wrap="none">
+            <a:spAutoFit/>
+          </a:bodyPr>
+          <a:lstStyle/>
+          <a:p>
+            <a:pPr>
+              <a:spcAft>
+                <a:spcPts val="600"/>
+              </a:spcAft>
+            </a:pPr>
+            <a:r>
+              <a:rPr lang="en-US" sz="2800" b="1" dirty="0">
+                <a:solidFill>
+                  <a:srgbClr val="54AC5C"/>
+                </a:solidFill>
+              </a:rPr>
+              <a:t>Conclusions:</a:t>
+            </a:r>
+          </a:p>
+        </p:txBody>
+      </p:sp>
+      <p:cxnSp>
+        <p:nvCxnSpPr>
+          <p:cNvPr id="3" name="Straight Connector 2">
+            <a:extLst>
+              <a:ext uri="{FF2B5EF4-FFF2-40B4-BE49-F238E27FC236}">
+                <a16:creationId xmlns:a16="http://schemas.microsoft.com/office/drawing/2014/main" id="{27247E1F-371E-1647-8EC7-5B82CD6173E6}"/>
+              </a:ext>
+            </a:extLst>
+          </p:cNvPr>
+          <p:cNvCxnSpPr/>
+          <p:nvPr/>
+        </p:nvCxnSpPr>
+        <p:spPr>
+          <a:xfrm>
+            <a:off x="0" y="872719"/>
+            <a:ext cx="9144000" cy="0"/>
+          </a:xfrm>
+          <a:prstGeom prst="line">
+            <a:avLst/>
+          </a:prstGeom>
+          <a:ln w="17526">
+            <a:solidFill>
+              <a:srgbClr val="54AC5C"/>
+            </a:solidFill>
+          </a:ln>
+          <a:effectLst/>
+        </p:spPr>
+        <p:style>
+          <a:lnRef idx="2">
+            <a:schemeClr val="dk1"/>
+          </a:lnRef>
+          <a:fillRef idx="0">
+            <a:schemeClr val="dk1"/>
+          </a:fillRef>
+          <a:effectRef idx="1">
+            <a:schemeClr val="dk1"/>
+          </a:effectRef>
+          <a:fontRef idx="minor">
+            <a:schemeClr val="tx1"/>
+          </a:fontRef>
+        </p:style>
+      </p:cxnSp>
+      <p:sp>
+        <p:nvSpPr>
+          <p:cNvPr id="5" name="TextBox 4">
+            <a:extLst>
+              <a:ext uri="{FF2B5EF4-FFF2-40B4-BE49-F238E27FC236}">
+                <a16:creationId xmlns:a16="http://schemas.microsoft.com/office/drawing/2014/main" id="{2BBD8EC7-3911-434D-A053-1495F99D69B7}"/>
+              </a:ext>
+            </a:extLst>
+          </p:cNvPr>
+          <p:cNvSpPr txBox="1"/>
+          <p:nvPr/>
+        </p:nvSpPr>
+        <p:spPr>
+          <a:xfrm>
+            <a:off x="1060704" y="1487424"/>
+            <a:ext cx="7120128" cy="830997"/>
+          </a:xfrm>
+          <a:prstGeom prst="rect">
+            <a:avLst/>
+          </a:prstGeom>
+          <a:noFill/>
+        </p:spPr>
+        <p:txBody>
+          <a:bodyPr wrap="square" rtlCol="0">
+            <a:spAutoFit/>
+          </a:bodyPr>
+          <a:lstStyle/>
+          <a:p>
+            <a:pPr marL="342900" indent="-342900">
+              <a:buFont typeface="+mj-lt"/>
+              <a:buAutoNum type="arabicPeriod"/>
+            </a:pPr>
+            <a:r>
+              <a:rPr lang="en-US" sz="2400" dirty="0"/>
+              <a:t>Tree-based Classifiers works better when there are lots of </a:t>
+            </a:r>
+            <a:r>
+              <a:rPr lang="en-US" sz="2400" dirty="0">
+                <a:solidFill>
+                  <a:schemeClr val="accent6"/>
+                </a:solidFill>
+              </a:rPr>
+              <a:t>Categorical Data</a:t>
+            </a:r>
+          </a:p>
+        </p:txBody>
+      </p:sp>
+      <p:sp>
+        <p:nvSpPr>
+          <p:cNvPr id="6" name="TextBox 5">
+            <a:extLst>
+              <a:ext uri="{FF2B5EF4-FFF2-40B4-BE49-F238E27FC236}">
+                <a16:creationId xmlns:a16="http://schemas.microsoft.com/office/drawing/2014/main" id="{CDE68D52-F6C0-6E4D-848E-AF29CA7A4E9E}"/>
+              </a:ext>
+            </a:extLst>
+          </p:cNvPr>
+          <p:cNvSpPr txBox="1"/>
+          <p:nvPr/>
+        </p:nvSpPr>
+        <p:spPr>
+          <a:xfrm>
+            <a:off x="1060704" y="2610195"/>
+            <a:ext cx="7120128" cy="461665"/>
+          </a:xfrm>
+          <a:prstGeom prst="rect">
+            <a:avLst/>
+          </a:prstGeom>
+          <a:noFill/>
+        </p:spPr>
+        <p:txBody>
+          <a:bodyPr wrap="square" rtlCol="0">
+            <a:spAutoFit/>
+          </a:bodyPr>
+          <a:lstStyle/>
+          <a:p>
+            <a:r>
+              <a:rPr lang="en-US" sz="2400" dirty="0"/>
+              <a:t>2.  Importance of </a:t>
+            </a:r>
+            <a:r>
+              <a:rPr lang="en-US" sz="2400" dirty="0">
+                <a:solidFill>
+                  <a:schemeClr val="accent6"/>
+                </a:solidFill>
+              </a:rPr>
+              <a:t>Preprocess</a:t>
+            </a:r>
+            <a:r>
+              <a:rPr lang="en-US" sz="2400" dirty="0"/>
+              <a:t> and </a:t>
+            </a:r>
+            <a:r>
+              <a:rPr lang="en-US" sz="2400" dirty="0">
+                <a:solidFill>
+                  <a:schemeClr val="accent6"/>
+                </a:solidFill>
+              </a:rPr>
+              <a:t>Feature Engineering</a:t>
+            </a:r>
+          </a:p>
+        </p:txBody>
+      </p:sp>
+      <p:sp>
+        <p:nvSpPr>
+          <p:cNvPr id="7" name="Rectangle 6">
+            <a:extLst>
+              <a:ext uri="{FF2B5EF4-FFF2-40B4-BE49-F238E27FC236}">
+                <a16:creationId xmlns:a16="http://schemas.microsoft.com/office/drawing/2014/main" id="{A72B4E30-C712-2248-A1FF-F7B4A49DE3A1}"/>
+              </a:ext>
+            </a:extLst>
+          </p:cNvPr>
+          <p:cNvSpPr/>
+          <p:nvPr/>
+        </p:nvSpPr>
+        <p:spPr>
+          <a:xfrm>
+            <a:off x="2182368" y="2499360"/>
+            <a:ext cx="4681728" cy="3048000"/>
+          </a:xfrm>
+          <a:prstGeom prst="rect">
+            <a:avLst/>
+          </a:prstGeom>
+        </p:spPr>
+        <p:style>
+          <a:lnRef idx="1">
+            <a:schemeClr val="accent1"/>
+          </a:lnRef>
+          <a:fillRef idx="3">
+            <a:schemeClr val="accent1"/>
+          </a:fillRef>
+          <a:effectRef idx="2">
+            <a:schemeClr val="accent1"/>
+          </a:effectRef>
+          <a:fontRef idx="minor">
+            <a:schemeClr val="lt1"/>
+          </a:fontRef>
+        </p:style>
+        <p:txBody>
+          <a:bodyPr rtlCol="0" anchor="ctr"/>
+          <a:lstStyle/>
+          <a:p>
+            <a:pPr algn="ctr"/>
+            <a:r>
+              <a:rPr lang="en-US" dirty="0"/>
+              <a:t>COMPARE GRAPH</a:t>
+            </a:r>
+          </a:p>
+        </p:txBody>
+      </p:sp>
+      <p:sp>
+        <p:nvSpPr>
+          <p:cNvPr id="8" name="TextBox 7">
+            <a:extLst>
+              <a:ext uri="{FF2B5EF4-FFF2-40B4-BE49-F238E27FC236}">
+                <a16:creationId xmlns:a16="http://schemas.microsoft.com/office/drawing/2014/main" id="{037D6F86-B7E0-774A-AAD5-6219EF28CFBB}"/>
+              </a:ext>
+            </a:extLst>
+          </p:cNvPr>
+          <p:cNvSpPr txBox="1"/>
+          <p:nvPr/>
+        </p:nvSpPr>
+        <p:spPr>
+          <a:xfrm>
+            <a:off x="1060704" y="3555308"/>
+            <a:ext cx="7120128" cy="461665"/>
+          </a:xfrm>
+          <a:prstGeom prst="rect">
+            <a:avLst/>
+          </a:prstGeom>
+          <a:noFill/>
+        </p:spPr>
+        <p:txBody>
+          <a:bodyPr wrap="square" rtlCol="0">
+            <a:spAutoFit/>
+          </a:bodyPr>
+          <a:lstStyle/>
+          <a:p>
+            <a:r>
+              <a:rPr lang="en-US" sz="2400" dirty="0"/>
+              <a:t>3.  </a:t>
+            </a:r>
+            <a:r>
+              <a:rPr lang="en-US" sz="2400"/>
+              <a:t>S</a:t>
+            </a:r>
+            <a:endParaRPr lang="en-US" sz="2400" dirty="0">
+              <a:solidFill>
+                <a:schemeClr val="accent6"/>
+              </a:solidFill>
+            </a:endParaRPr>
+          </a:p>
+        </p:txBody>
+      </p:sp>
+    </p:spTree>
+    <p:extLst>
+      <p:ext uri="{BB962C8B-B14F-4D97-AF65-F5344CB8AC3E}">
+        <p14:creationId xmlns:p14="http://schemas.microsoft.com/office/powerpoint/2010/main" val="1623285944"/>
+      </p:ext>
+    </p:extLst>
+  </p:cSld>
+  <p:clrMapOvr>
+    <a:masterClrMapping/>
+  </p:clrMapOvr>
+</p:sld>
+</file>
+
+<file path=ppt/slides/slide17.xml><?xml version="1.0" encoding="utf-8"?>
+<p:sld xmlns:a="http://schemas.openxmlformats.org/drawingml/2006/main" xmlns:r="http://schemas.openxmlformats.org/officeDocument/2006/relationships" xmlns:p="http://schemas.openxmlformats.org/presentationml/2006/main">
+  <p:cSld>
+    <p:spTree>
+      <p:nvGrpSpPr>
+        <p:cNvPr id="1" name=""/>
+        <p:cNvGrpSpPr/>
+        <p:nvPr/>
+      </p:nvGrpSpPr>
+      <p:grpSpPr>
+        <a:xfrm>
+          <a:off x="0" y="0"/>
+          <a:ext cx="0" cy="0"/>
+          <a:chOff x="0" y="0"/>
+          <a:chExt cx="0" cy="0"/>
+        </a:xfrm>
+      </p:grpSpPr>
+      <p:sp>
+        <p:nvSpPr>
           <p:cNvPr id="3" name="TextBox 2">
             <a:extLst>
               <a:ext uri="{FF2B5EF4-FFF2-40B4-BE49-F238E27FC236}">
@@ -15547,7 +14444,7 @@
             </a:pPr>
             <a:r>
               <a:rPr lang="en-US" sz="2000" dirty="0"/>
-              <a:t>Omit ‘Null’ Value when making decision</a:t>
+              <a:t>Omit ‘Null’ values</a:t>
             </a:r>
           </a:p>
           <a:p>
@@ -15564,7 +14461,7 @@
             </a:pPr>
             <a:r>
               <a:rPr lang="en-US" sz="2000" dirty="0"/>
-              <a:t>Oversampling Imbalanced Data</a:t>
+              <a:t>Balance Data</a:t>
             </a:r>
           </a:p>
           <a:p>
@@ -15574,7 +14471,7 @@
             </a:pPr>
             <a:r>
               <a:rPr lang="en-US" dirty="0"/>
-              <a:t>SMOTE sampling</a:t>
+              <a:t>Resampling</a:t>
             </a:r>
           </a:p>
           <a:p>
@@ -15591,7 +14488,7 @@
             </a:pPr>
             <a:r>
               <a:rPr lang="en-US" sz="2000" dirty="0"/>
-              <a:t>Normalization</a:t>
+              <a:t>Scale Data</a:t>
             </a:r>
           </a:p>
           <a:p>
@@ -15651,11 +14548,111 @@
             </a:pPr>
             <a:r>
               <a:rPr lang="en-US" sz="2800" dirty="0"/>
-              <a:t>Data Preprocessing</a:t>
+              <a:t>Exploratory Data Analysis</a:t>
             </a:r>
           </a:p>
         </p:txBody>
       </p:sp>
+      <p:pic>
+        <p:nvPicPr>
+          <p:cNvPr id="7" name="Picture 6" descr="A close up of a logo&#10;&#10;Description automatically generated">
+            <a:extLst>
+              <a:ext uri="{FF2B5EF4-FFF2-40B4-BE49-F238E27FC236}">
+                <a16:creationId xmlns:a16="http://schemas.microsoft.com/office/drawing/2014/main" id="{C219853F-DA4D-B843-B39B-6272D7E3E305}"/>
+              </a:ext>
+            </a:extLst>
+          </p:cNvPr>
+          <p:cNvPicPr>
+            <a:picLocks noChangeAspect="1"/>
+          </p:cNvPicPr>
+          <p:nvPr/>
+        </p:nvPicPr>
+        <p:blipFill>
+          <a:blip r:embed="rId2"/>
+          <a:stretch>
+            <a:fillRect/>
+          </a:stretch>
+        </p:blipFill>
+        <p:spPr>
+          <a:xfrm>
+            <a:off x="7089902" y="2478355"/>
+            <a:ext cx="1273810" cy="1273810"/>
+          </a:xfrm>
+          <a:prstGeom prst="rect">
+            <a:avLst/>
+          </a:prstGeom>
+        </p:spPr>
+      </p:pic>
+      <p:pic>
+        <p:nvPicPr>
+          <p:cNvPr id="9" name="Picture 8" descr="A close up of a logo&#10;&#10;Description automatically generated">
+            <a:extLst>
+              <a:ext uri="{FF2B5EF4-FFF2-40B4-BE49-F238E27FC236}">
+                <a16:creationId xmlns:a16="http://schemas.microsoft.com/office/drawing/2014/main" id="{45846077-A51F-3E48-8BD7-1F80A6F04E21}"/>
+              </a:ext>
+            </a:extLst>
+          </p:cNvPr>
+          <p:cNvPicPr>
+            <a:picLocks noChangeAspect="1"/>
+          </p:cNvPicPr>
+          <p:nvPr/>
+        </p:nvPicPr>
+        <p:blipFill>
+          <a:blip r:embed="rId3"/>
+          <a:stretch>
+            <a:fillRect/>
+          </a:stretch>
+        </p:blipFill>
+        <p:spPr>
+          <a:xfrm>
+            <a:off x="4903413" y="2478355"/>
+            <a:ext cx="1273810" cy="1273810"/>
+          </a:xfrm>
+          <a:prstGeom prst="rect">
+            <a:avLst/>
+          </a:prstGeom>
+        </p:spPr>
+      </p:pic>
+      <p:cxnSp>
+        <p:nvCxnSpPr>
+          <p:cNvPr id="11" name="Straight Arrow Connector 10">
+            <a:extLst>
+              <a:ext uri="{FF2B5EF4-FFF2-40B4-BE49-F238E27FC236}">
+                <a16:creationId xmlns:a16="http://schemas.microsoft.com/office/drawing/2014/main" id="{39AA0F79-C85E-5C44-8552-8CDBECD1F8B5}"/>
+              </a:ext>
+            </a:extLst>
+          </p:cNvPr>
+          <p:cNvCxnSpPr/>
+          <p:nvPr/>
+        </p:nvCxnSpPr>
+        <p:spPr>
+          <a:xfrm>
+            <a:off x="6412992" y="3084576"/>
+            <a:ext cx="451104" cy="0"/>
+          </a:xfrm>
+          <a:prstGeom prst="straightConnector1">
+            <a:avLst/>
+          </a:prstGeom>
+          <a:ln>
+            <a:tailEnd type="triangle"/>
+          </a:ln>
+          <a:effectLst/>
+        </p:spPr>
+        <p:style>
+          <a:lnRef idx="2">
+            <a:schemeClr val="accent1"/>
+          </a:lnRef>
+          <a:fillRef idx="0">
+            <a:schemeClr val="accent1"/>
+          </a:fillRef>
+          <a:effectRef idx="1">
+            <a:schemeClr val="accent1"/>
+          </a:effectRef>
+          <a:fontRef idx="minor">
+            <a:schemeClr val="tx1"/>
+          </a:fontRef>
+        </p:style>
+      </p:cxnSp>
     </p:spTree>
     <p:extLst>
       <p:ext uri="{BB962C8B-B14F-4D97-AF65-F5344CB8AC3E}">
@@ -15688,6 +14685,105 @@
       </p:grpSpPr>
       <p:sp>
         <p:nvSpPr>
+          <p:cNvPr id="7" name="Rectangle 6">
+            <a:extLst>
+              <a:ext uri="{FF2B5EF4-FFF2-40B4-BE49-F238E27FC236}">
+                <a16:creationId xmlns:a16="http://schemas.microsoft.com/office/drawing/2014/main" id="{D5B62561-6FD9-8343-8096-CFA0B4A42673}"/>
+              </a:ext>
+            </a:extLst>
+          </p:cNvPr>
+          <p:cNvSpPr/>
+          <p:nvPr/>
+        </p:nvSpPr>
+        <p:spPr>
+          <a:xfrm>
+            <a:off x="1177060" y="892072"/>
+            <a:ext cx="4572000" cy="2492990"/>
+          </a:xfrm>
+          <a:prstGeom prst="rect">
+            <a:avLst/>
+          </a:prstGeom>
+        </p:spPr>
+        <p:txBody>
+          <a:bodyPr>
+            <a:spAutoFit/>
+          </a:bodyPr>
+          <a:lstStyle/>
+          <a:p>
+            <a:pPr marL="0" lvl="1">
+              <a:lnSpc>
+                <a:spcPct val="150000"/>
+              </a:lnSpc>
+            </a:pPr>
+            <a:r>
+              <a:rPr lang="en-US" altLang="zh-CN" sz="2000" b="1" dirty="0">
+                <a:solidFill>
+                  <a:srgbClr val="54AC5C"/>
+                </a:solidFill>
+              </a:rPr>
+              <a:t>1.</a:t>
+            </a:r>
+            <a:r>
+              <a:rPr lang="zh-CN" altLang="en-US" sz="2000" b="1" dirty="0">
+                <a:solidFill>
+                  <a:srgbClr val="54AC5C"/>
+                </a:solidFill>
+              </a:rPr>
+              <a:t> </a:t>
+            </a:r>
+            <a:r>
+              <a:rPr lang="en-US" sz="2000" b="1" dirty="0">
+                <a:solidFill>
+                  <a:srgbClr val="54AC5C"/>
+                </a:solidFill>
+              </a:rPr>
+              <a:t>Weight of Features </a:t>
+            </a:r>
+          </a:p>
+          <a:p>
+            <a:pPr marL="742950" lvl="2" indent="-285750">
+              <a:buFont typeface="Arial" panose="020B0604020202020204" pitchFamily="34" charset="0"/>
+              <a:buChar char="•"/>
+            </a:pPr>
+            <a:r>
+              <a:rPr lang="en-US" dirty="0"/>
+              <a:t>Question: </a:t>
+            </a:r>
+          </a:p>
+          <a:p>
+            <a:pPr marL="1200150" lvl="3" indent="-285750">
+              <a:buFont typeface="Arial" panose="020B0604020202020204" pitchFamily="34" charset="0"/>
+              <a:buChar char="•"/>
+            </a:pPr>
+            <a:r>
+              <a:rPr lang="en-US" dirty="0"/>
+              <a:t>Evaluate the importance of all these features, find the most important one and analyze why is it so important.</a:t>
+            </a:r>
+          </a:p>
+          <a:p>
+            <a:pPr marL="742950" lvl="2" indent="-285750">
+              <a:buFont typeface="Arial" panose="020B0604020202020204" pitchFamily="34" charset="0"/>
+              <a:buChar char="•"/>
+            </a:pPr>
+            <a:r>
+              <a:rPr lang="en-US" dirty="0"/>
+              <a:t>Methodology: </a:t>
+            </a:r>
+          </a:p>
+          <a:p>
+            <a:pPr marL="1200150" lvl="3" indent="-285750">
+              <a:buFont typeface="Arial" panose="020B0604020202020204" pitchFamily="34" charset="0"/>
+              <a:buChar char="•"/>
+            </a:pPr>
+            <a:r>
+              <a:rPr lang="en-US" dirty="0"/>
+              <a:t>Random Forest (Bootstrapping)</a:t>
+            </a:r>
+          </a:p>
+        </p:txBody>
+      </p:sp>
+      <p:sp>
+        <p:nvSpPr>
           <p:cNvPr id="2" name="TextBox 1">
             <a:extLst>
               <a:ext uri="{FF2B5EF4-FFF2-40B4-BE49-F238E27FC236}">
@@ -15740,8 +14836,8 @@
         </p:nvSpPr>
         <p:spPr>
           <a:xfrm>
-            <a:off x="1177060" y="1172488"/>
-            <a:ext cx="7320764" cy="5355312"/>
+            <a:off x="1177060" y="892072"/>
+            <a:ext cx="7320764" cy="1938992"/>
           </a:xfrm>
           <a:prstGeom prst="rect">
             <a:avLst/>
@@ -15815,226 +14911,14 @@
               <a:t>Logistic Regression, Decision Tree</a:t>
             </a:r>
           </a:p>
-          <a:p>
-            <a:pPr marL="0" lvl="1" indent="-285750">
-              <a:lnSpc>
-                <a:spcPct val="150000"/>
-              </a:lnSpc>
-              <a:buFont typeface="+mj-lt"/>
-              <a:buAutoNum type="arabicPeriod"/>
-            </a:pPr>
-            <a:r>
-              <a:rPr lang="en-US" sz="2000" b="1" dirty="0">
-                <a:solidFill>
-                  <a:srgbClr val="54AC5C"/>
-                </a:solidFill>
-              </a:rPr>
-              <a:t>Weight of Features </a:t>
-            </a:r>
-          </a:p>
-          <a:p>
-            <a:pPr marL="742950" lvl="2" indent="-285750">
-              <a:buFont typeface="Arial" panose="020B0604020202020204" pitchFamily="34" charset="0"/>
-              <a:buChar char="•"/>
-            </a:pPr>
-            <a:r>
-              <a:rPr lang="en-US" dirty="0"/>
-              <a:t>Question: </a:t>
-            </a:r>
-          </a:p>
-          <a:p>
-            <a:pPr marL="1200150" lvl="3" indent="-285750">
-              <a:buFont typeface="Arial" panose="020B0604020202020204" pitchFamily="34" charset="0"/>
-              <a:buChar char="•"/>
-            </a:pPr>
-            <a:r>
-              <a:rPr lang="en-US" dirty="0"/>
-              <a:t>Evaluate the importance of all these features, find the most important one and analyze why is it so important.</a:t>
-            </a:r>
-          </a:p>
-          <a:p>
-            <a:pPr marL="742950" lvl="2" indent="-285750">
-              <a:buFont typeface="Arial" panose="020B0604020202020204" pitchFamily="34" charset="0"/>
-              <a:buChar char="•"/>
-            </a:pPr>
-            <a:r>
-              <a:rPr lang="en-US" dirty="0"/>
-              <a:t>Methodology: </a:t>
-            </a:r>
-          </a:p>
-          <a:p>
-            <a:pPr marL="1200150" lvl="3" indent="-285750">
-              <a:buFont typeface="Arial" panose="020B0604020202020204" pitchFamily="34" charset="0"/>
-              <a:buChar char="•"/>
-            </a:pPr>
-            <a:r>
-              <a:rPr lang="en-US" dirty="0"/>
-              <a:t>Random Forest (Bootstrapping)</a:t>
-            </a:r>
-          </a:p>
-          <a:p>
-            <a:pPr marL="0" lvl="1" indent="-285750">
-              <a:lnSpc>
-                <a:spcPct val="150000"/>
-              </a:lnSpc>
-              <a:buFont typeface="+mj-lt"/>
-              <a:buAutoNum type="arabicPeriod"/>
-            </a:pPr>
-            <a:r>
-              <a:rPr lang="en-US" sz="2000" b="1" dirty="0">
-                <a:solidFill>
-                  <a:srgbClr val="54AC5C"/>
-                </a:solidFill>
-              </a:rPr>
-              <a:t>Variants Clustering</a:t>
-            </a:r>
-          </a:p>
-          <a:p>
-            <a:pPr marL="742950" lvl="2" indent="-285750">
-              <a:buFont typeface="Arial" panose="020B0604020202020204" pitchFamily="34" charset="0"/>
-              <a:buChar char="•"/>
-            </a:pPr>
-            <a:r>
-              <a:rPr lang="en-US" dirty="0"/>
-              <a:t>Question: </a:t>
-            </a:r>
-          </a:p>
-          <a:p>
-            <a:pPr marL="1200150" lvl="3" indent="-285750">
-              <a:buFont typeface="Arial" panose="020B0604020202020204" pitchFamily="34" charset="0"/>
-              <a:buChar char="•"/>
-            </a:pPr>
-            <a:r>
-              <a:rPr lang="en-US" dirty="0"/>
-              <a:t>Cluster with classification label unknown</a:t>
-            </a:r>
-          </a:p>
-          <a:p>
-            <a:pPr marL="742950" lvl="2" indent="-285750">
-              <a:buFont typeface="Arial" panose="020B0604020202020204" pitchFamily="34" charset="0"/>
-              <a:buChar char="•"/>
-            </a:pPr>
-            <a:r>
-              <a:rPr lang="en-US" dirty="0"/>
-              <a:t>Methodology: </a:t>
-            </a:r>
-          </a:p>
-          <a:p>
-            <a:pPr marL="1200150" lvl="3" indent="-285750">
-              <a:buFont typeface="Arial" panose="020B0604020202020204" pitchFamily="34" charset="0"/>
-              <a:buChar char="•"/>
-            </a:pPr>
-            <a:r>
-              <a:rPr lang="en-US" dirty="0"/>
-              <a:t>K-means Clustering</a:t>
-            </a:r>
-          </a:p>
         </p:txBody>
       </p:sp>
-    </p:spTree>
-    <p:extLst>
-      <p:ext uri="{BB962C8B-B14F-4D97-AF65-F5344CB8AC3E}">
-        <p14:creationId xmlns:p14="http://schemas.microsoft.com/office/powerpoint/2010/main" val="2797487616"/>
-      </p:ext>
-    </p:extLst>
-  </p:cSld>
-  <p:clrMapOvr>
-    <a:masterClrMapping/>
-  </p:clrMapOvr>
-</p:sld>
-</file>
-
-<file path=ppt/slides/slide5.xml><?xml version="1.0" encoding="utf-8"?>
-<p:sld xmlns:a="http://schemas.openxmlformats.org/drawingml/2006/main" xmlns:r="http://schemas.openxmlformats.org/officeDocument/2006/relationships" xmlns:p="http://schemas.openxmlformats.org/presentationml/2006/main">
-  <p:cSld>
-    <p:bg>
-      <p:bgPr>
-        <a:solidFill>
-          <a:schemeClr val="bg1"/>
-        </a:solidFill>
-        <a:effectLst/>
-      </p:bgPr>
-    </p:bg>
-    <p:spTree>
-      <p:nvGrpSpPr>
-        <p:cNvPr id="1" name=""/>
-        <p:cNvGrpSpPr/>
-        <p:nvPr/>
-      </p:nvGrpSpPr>
-      <p:grpSpPr>
-        <a:xfrm>
-          <a:off x="0" y="0"/>
-          <a:ext cx="0" cy="0"/>
-          <a:chOff x="0" y="0"/>
-          <a:chExt cx="0" cy="0"/>
-        </a:xfrm>
-      </p:grpSpPr>
-      <p:pic>
-        <p:nvPicPr>
-          <p:cNvPr id="5" name="Picture 4" descr="A close up of text on a white background&#10;&#10;Description automatically generated">
+      <p:sp>
+        <p:nvSpPr>
+          <p:cNvPr id="4" name="Rectangle 3">
             <a:extLst>
               <a:ext uri="{FF2B5EF4-FFF2-40B4-BE49-F238E27FC236}">
-                <a16:creationId xmlns:a16="http://schemas.microsoft.com/office/drawing/2014/main" id="{CE1DCC1B-3BFB-1846-9CAD-92867670F7C0}"/>
-              </a:ext>
-            </a:extLst>
-          </p:cNvPr>
-          <p:cNvPicPr>
-            <a:picLocks noChangeAspect="1"/>
-          </p:cNvPicPr>
-          <p:nvPr/>
-        </p:nvPicPr>
-        <p:blipFill>
-          <a:blip r:embed="rId2"/>
-          <a:stretch>
-            <a:fillRect/>
-          </a:stretch>
-        </p:blipFill>
-        <p:spPr>
-          <a:xfrm>
-            <a:off x="503399" y="3717389"/>
-            <a:ext cx="3968749" cy="2599251"/>
-          </a:xfrm>
-          <a:prstGeom prst="rect">
-            <a:avLst/>
-          </a:prstGeom>
-        </p:spPr>
-      </p:pic>
-      <p:pic>
-        <p:nvPicPr>
-          <p:cNvPr id="7" name="Picture 6" descr="A close up of a map&#10;&#10;Description automatically generated">
-            <a:extLst>
-              <a:ext uri="{FF2B5EF4-FFF2-40B4-BE49-F238E27FC236}">
-                <a16:creationId xmlns:a16="http://schemas.microsoft.com/office/drawing/2014/main" id="{2170F2F8-4714-8C4B-BF95-2B2626686503}"/>
-              </a:ext>
-            </a:extLst>
-          </p:cNvPr>
-          <p:cNvPicPr>
-            <a:picLocks noChangeAspect="1"/>
-          </p:cNvPicPr>
-          <p:nvPr/>
-        </p:nvPicPr>
-        <p:blipFill>
-          <a:blip r:embed="rId3"/>
-          <a:stretch>
-            <a:fillRect/>
-          </a:stretch>
-        </p:blipFill>
-        <p:spPr>
-          <a:xfrm>
-            <a:off x="4713447" y="3741343"/>
-            <a:ext cx="3968751" cy="2551340"/>
-          </a:xfrm>
-          <a:prstGeom prst="rect">
-            <a:avLst/>
-          </a:prstGeom>
-        </p:spPr>
-      </p:pic>
-      <p:sp>
-        <p:nvSpPr>
-          <p:cNvPr id="2" name="Rectangle 1">
-            <a:extLst>
-              <a:ext uri="{FF2B5EF4-FFF2-40B4-BE49-F238E27FC236}">
-                <a16:creationId xmlns:a16="http://schemas.microsoft.com/office/drawing/2014/main" id="{5F4373C1-46A8-DA47-80FA-FECFC4AAC409}"/>
+                <a16:creationId xmlns:a16="http://schemas.microsoft.com/office/drawing/2014/main" id="{F23425D7-E5E6-FA41-AB31-DF517C7DC83A}"/>
               </a:ext>
             </a:extLst>
           </p:cNvPr>
@@ -16043,41 +14927,97 @@
         </p:nvSpPr>
         <p:spPr>
           <a:xfrm>
-            <a:off x="420783" y="337307"/>
-            <a:ext cx="4051365" cy="523220"/>
+            <a:off x="1177060" y="2633113"/>
+            <a:ext cx="4572000" cy="2492990"/>
           </a:xfrm>
           <a:prstGeom prst="rect">
             <a:avLst/>
           </a:prstGeom>
         </p:spPr>
         <p:txBody>
-          <a:bodyPr wrap="none">
+          <a:bodyPr>
             <a:spAutoFit/>
           </a:bodyPr>
           <a:lstStyle/>
           <a:p>
-            <a:pPr>
-              <a:spcAft>
-                <a:spcPts val="600"/>
-              </a:spcAft>
+            <a:pPr marL="0" lvl="1">
+              <a:lnSpc>
+                <a:spcPct val="150000"/>
+              </a:lnSpc>
             </a:pPr>
             <a:r>
-              <a:rPr lang="en-US" sz="2800" b="1" dirty="0">
+              <a:rPr lang="en-US" altLang="zh-CN" sz="2000" b="1" dirty="0">
                 <a:solidFill>
                   <a:srgbClr val="54AC5C"/>
                 </a:solidFill>
               </a:rPr>
-              <a:t>Q1: Variants Classification</a:t>
+              <a:t>2.</a:t>
+            </a:r>
+            <a:r>
+              <a:rPr lang="zh-CN" altLang="en-US" sz="2000" b="1" dirty="0">
+                <a:solidFill>
+                  <a:srgbClr val="54AC5C"/>
+                </a:solidFill>
+              </a:rPr>
+              <a:t> </a:t>
+            </a:r>
+            <a:r>
+              <a:rPr lang="en-US" sz="2000" b="1" dirty="0">
+                <a:solidFill>
+                  <a:srgbClr val="54AC5C"/>
+                </a:solidFill>
+              </a:rPr>
+              <a:t>Weight of Features </a:t>
+            </a:r>
+          </a:p>
+          <a:p>
+            <a:pPr marL="742950" lvl="2" indent="-285750">
+              <a:buFont typeface="Arial" panose="020B0604020202020204" pitchFamily="34" charset="0"/>
+              <a:buChar char="•"/>
+            </a:pPr>
+            <a:r>
+              <a:rPr lang="en-US" dirty="0"/>
+              <a:t>Question: </a:t>
+            </a:r>
+          </a:p>
+          <a:p>
+            <a:pPr marL="1200150" lvl="3" indent="-285750">
+              <a:buFont typeface="Arial" panose="020B0604020202020204" pitchFamily="34" charset="0"/>
+              <a:buChar char="•"/>
+            </a:pPr>
+            <a:r>
+              <a:rPr lang="en-US" dirty="0"/>
+              <a:t>Evaluate the importance of all these features, find the most important one and analyze why is it so important.</a:t>
+            </a:r>
+          </a:p>
+          <a:p>
+            <a:pPr marL="742950" lvl="2" indent="-285750">
+              <a:buFont typeface="Arial" panose="020B0604020202020204" pitchFamily="34" charset="0"/>
+              <a:buChar char="•"/>
+            </a:pPr>
+            <a:r>
+              <a:rPr lang="en-US" dirty="0"/>
+              <a:t>Methodology: </a:t>
+            </a:r>
+          </a:p>
+          <a:p>
+            <a:pPr marL="1200150" lvl="3" indent="-285750">
+              <a:buFont typeface="Arial" panose="020B0604020202020204" pitchFamily="34" charset="0"/>
+              <a:buChar char="•"/>
+            </a:pPr>
+            <a:r>
+              <a:rPr lang="en-US" dirty="0"/>
+              <a:t>Random Forest (Bootstrapping)</a:t>
             </a:r>
           </a:p>
         </p:txBody>
       </p:sp>
       <p:sp>
         <p:nvSpPr>
-          <p:cNvPr id="3" name="Rectangle 2">
+          <p:cNvPr id="5" name="Rectangle 4">
             <a:extLst>
               <a:ext uri="{FF2B5EF4-FFF2-40B4-BE49-F238E27FC236}">
-                <a16:creationId xmlns:a16="http://schemas.microsoft.com/office/drawing/2014/main" id="{CD715F75-1C15-444B-AE9F-07CBBAB0F3A3}"/>
+                <a16:creationId xmlns:a16="http://schemas.microsoft.com/office/drawing/2014/main" id="{F086E0E2-1D08-CE4E-ADDF-63476A3B0ADC}"/>
               </a:ext>
             </a:extLst>
           </p:cNvPr>
@@ -16086,39 +15026,97 @@
         </p:nvSpPr>
         <p:spPr>
           <a:xfrm>
-            <a:off x="1020672" y="1082684"/>
-            <a:ext cx="3487237" cy="369332"/>
+            <a:off x="1177060" y="4928152"/>
+            <a:ext cx="4572000" cy="1938992"/>
           </a:xfrm>
           <a:prstGeom prst="rect">
             <a:avLst/>
           </a:prstGeom>
         </p:spPr>
         <p:txBody>
-          <a:bodyPr wrap="none">
+          <a:bodyPr>
             <a:spAutoFit/>
           </a:bodyPr>
           <a:lstStyle/>
           <a:p>
-            <a:pPr marL="285750" indent="-285750">
-              <a:spcAft>
-                <a:spcPts val="600"/>
-              </a:spcAft>
+            <a:pPr marL="0" lvl="1">
+              <a:lnSpc>
+                <a:spcPct val="150000"/>
+              </a:lnSpc>
+            </a:pPr>
+            <a:r>
+              <a:rPr lang="en-US" altLang="zh-CN" sz="2000" b="1" dirty="0">
+                <a:solidFill>
+                  <a:srgbClr val="54AC5C"/>
+                </a:solidFill>
+              </a:rPr>
+              <a:t>3.</a:t>
+            </a:r>
+            <a:r>
+              <a:rPr lang="zh-CN" altLang="en-US" sz="2000" b="1" dirty="0">
+                <a:solidFill>
+                  <a:srgbClr val="54AC5C"/>
+                </a:solidFill>
+              </a:rPr>
+              <a:t> </a:t>
+            </a:r>
+            <a:r>
+              <a:rPr lang="en-US" sz="2000" b="1" dirty="0">
+                <a:solidFill>
+                  <a:srgbClr val="54AC5C"/>
+                </a:solidFill>
+              </a:rPr>
+              <a:t>Variants Clustering</a:t>
+            </a:r>
+          </a:p>
+          <a:p>
+            <a:pPr marL="742950" lvl="2" indent="-285750">
               <a:buFont typeface="Arial" panose="020B0604020202020204" pitchFamily="34" charset="0"/>
               <a:buChar char="•"/>
             </a:pPr>
             <a:r>
               <a:rPr lang="en-US" dirty="0"/>
-              <a:t>Method 1:     Logistic Regression</a:t>
+              <a:t>Question: </a:t>
+            </a:r>
+          </a:p>
+          <a:p>
+            <a:pPr marL="1200150" lvl="3" indent="-285750">
+              <a:buFont typeface="Arial" panose="020B0604020202020204" pitchFamily="34" charset="0"/>
+              <a:buChar char="•"/>
+            </a:pPr>
+            <a:r>
+              <a:rPr lang="en-US" dirty="0"/>
+              <a:t>Cluster with classification label unknown</a:t>
+            </a:r>
+          </a:p>
+          <a:p>
+            <a:pPr marL="742950" lvl="2" indent="-285750">
+              <a:buFont typeface="Arial" panose="020B0604020202020204" pitchFamily="34" charset="0"/>
+              <a:buChar char="•"/>
+            </a:pPr>
+            <a:r>
+              <a:rPr lang="en-US" dirty="0"/>
+              <a:t>Methodology: </a:t>
+            </a:r>
+          </a:p>
+          <a:p>
+            <a:pPr marL="1200150" lvl="3" indent="-285750">
+              <a:buFont typeface="Arial" panose="020B0604020202020204" pitchFamily="34" charset="0"/>
+              <a:buChar char="•"/>
+            </a:pPr>
+            <a:r>
+              <a:rPr lang="en-US" dirty="0"/>
+              <a:t>K-means Clustering</a:t>
             </a:r>
           </a:p>
         </p:txBody>
       </p:sp>
       <p:sp>
         <p:nvSpPr>
-          <p:cNvPr id="9" name="Rectangle 8">
+          <p:cNvPr id="6" name="Rectangle 5">
             <a:extLst>
               <a:ext uri="{FF2B5EF4-FFF2-40B4-BE49-F238E27FC236}">
-                <a16:creationId xmlns:a16="http://schemas.microsoft.com/office/drawing/2014/main" id="{4E84170F-0DBD-AC4D-BEDD-8271A0A7B9BC}"/>
+                <a16:creationId xmlns:a16="http://schemas.microsoft.com/office/drawing/2014/main" id="{F274453D-A853-1143-A304-D11B4B50E658}"/>
               </a:ext>
             </a:extLst>
           </p:cNvPr>
@@ -16127,810 +15125,8 @@
         </p:nvSpPr>
         <p:spPr>
           <a:xfrm>
-            <a:off x="2184775" y="1540060"/>
-            <a:ext cx="4774449" cy="1785104"/>
-          </a:xfrm>
-          <a:prstGeom prst="rect">
-            <a:avLst/>
-          </a:prstGeom>
-        </p:spPr>
-        <p:txBody>
-          <a:bodyPr wrap="none">
-            <a:spAutoFit/>
-          </a:bodyPr>
-          <a:lstStyle/>
-          <a:p>
-            <a:pPr marL="285750" indent="-285750">
-              <a:spcAft>
-                <a:spcPts val="600"/>
-              </a:spcAft>
-              <a:buFont typeface="Arial" panose="020B0604020202020204" pitchFamily="34" charset="0"/>
-              <a:buChar char="•"/>
-            </a:pPr>
-            <a:r>
-              <a:rPr lang="en-US" dirty="0"/>
-              <a:t>Mapped Categorical Data to Numerical Values</a:t>
-            </a:r>
-          </a:p>
-          <a:p>
-            <a:pPr marL="285750" indent="-285750">
-              <a:spcAft>
-                <a:spcPts val="600"/>
-              </a:spcAft>
-              <a:buFont typeface="Arial" panose="020B0604020202020204" pitchFamily="34" charset="0"/>
-              <a:buChar char="•"/>
-            </a:pPr>
-            <a:r>
-              <a:rPr lang="en-US" dirty="0"/>
-              <a:t>Simply used </a:t>
-            </a:r>
-            <a:r>
-              <a:rPr lang="en-US" dirty="0" err="1"/>
-              <a:t>sklearn</a:t>
-            </a:r>
-            <a:endParaRPr lang="en-US" dirty="0"/>
-          </a:p>
-          <a:p>
-            <a:pPr marL="285750" indent="-285750">
-              <a:spcAft>
-                <a:spcPts val="600"/>
-              </a:spcAft>
-              <a:buFont typeface="Arial" panose="020B0604020202020204" pitchFamily="34" charset="0"/>
-              <a:buChar char="•"/>
-            </a:pPr>
-            <a:r>
-              <a:rPr lang="en-US" dirty="0"/>
-              <a:t>Performance</a:t>
-            </a:r>
-          </a:p>
-          <a:p>
-            <a:pPr marL="742950" lvl="1" indent="-285750">
-              <a:spcAft>
-                <a:spcPts val="600"/>
-              </a:spcAft>
-              <a:buFont typeface="Arial" panose="020B0604020202020204" pitchFamily="34" charset="0"/>
-              <a:buChar char="•"/>
-            </a:pPr>
-            <a:r>
-              <a:rPr lang="en-US" dirty="0"/>
-              <a:t>Acc = 73.7% | cutoff &gt;= 0.5</a:t>
-            </a:r>
-          </a:p>
-          <a:p>
-            <a:pPr marL="742950" lvl="1" indent="-285750">
-              <a:spcAft>
-                <a:spcPts val="600"/>
-              </a:spcAft>
-              <a:buFont typeface="Arial" panose="020B0604020202020204" pitchFamily="34" charset="0"/>
-              <a:buChar char="•"/>
-            </a:pPr>
-            <a:r>
-              <a:rPr lang="en-US" dirty="0"/>
-              <a:t>AUC = 0.538</a:t>
-            </a:r>
-          </a:p>
-        </p:txBody>
-      </p:sp>
-      <p:cxnSp>
-        <p:nvCxnSpPr>
-          <p:cNvPr id="6" name="Straight Connector 5">
-            <a:extLst>
-              <a:ext uri="{FF2B5EF4-FFF2-40B4-BE49-F238E27FC236}">
-                <a16:creationId xmlns:a16="http://schemas.microsoft.com/office/drawing/2014/main" id="{62B03786-A45A-E849-80F7-0A1DD081DB26}"/>
-              </a:ext>
-            </a:extLst>
-          </p:cNvPr>
-          <p:cNvCxnSpPr/>
-          <p:nvPr/>
-        </p:nvCxnSpPr>
-        <p:spPr>
-          <a:xfrm>
-            <a:off x="0" y="872719"/>
-            <a:ext cx="9144000" cy="0"/>
-          </a:xfrm>
-          <a:prstGeom prst="line">
-            <a:avLst/>
-          </a:prstGeom>
-          <a:ln w="17526">
-            <a:solidFill>
-              <a:srgbClr val="54AC5C"/>
-            </a:solidFill>
-          </a:ln>
-          <a:effectLst/>
-        </p:spPr>
-        <p:style>
-          <a:lnRef idx="2">
-            <a:schemeClr val="dk1"/>
-          </a:lnRef>
-          <a:fillRef idx="0">
-            <a:schemeClr val="dk1"/>
-          </a:fillRef>
-          <a:effectRef idx="1">
-            <a:schemeClr val="dk1"/>
-          </a:effectRef>
-          <a:fontRef idx="minor">
-            <a:schemeClr val="tx1"/>
-          </a:fontRef>
-        </p:style>
-      </p:cxnSp>
-    </p:spTree>
-    <p:extLst>
-      <p:ext uri="{BB962C8B-B14F-4D97-AF65-F5344CB8AC3E}">
-        <p14:creationId xmlns:p14="http://schemas.microsoft.com/office/powerpoint/2010/main" val="3302718268"/>
-      </p:ext>
-    </p:extLst>
-  </p:cSld>
-  <p:clrMapOvr>
-    <a:masterClrMapping/>
-  </p:clrMapOvr>
-</p:sld>
-</file>
-
-<file path=ppt/slides/slide6.xml><?xml version="1.0" encoding="utf-8"?>
-<p:sld xmlns:a="http://schemas.openxmlformats.org/drawingml/2006/main" xmlns:r="http://schemas.openxmlformats.org/officeDocument/2006/relationships" xmlns:p="http://schemas.openxmlformats.org/presentationml/2006/main">
-  <p:cSld>
-    <p:spTree>
-      <p:nvGrpSpPr>
-        <p:cNvPr id="1" name=""/>
-        <p:cNvGrpSpPr/>
-        <p:nvPr/>
-      </p:nvGrpSpPr>
-      <p:grpSpPr>
-        <a:xfrm>
-          <a:off x="0" y="0"/>
-          <a:ext cx="0" cy="0"/>
-          <a:chOff x="0" y="0"/>
-          <a:chExt cx="0" cy="0"/>
-        </a:xfrm>
-      </p:grpSpPr>
-      <p:pic>
-        <p:nvPicPr>
-          <p:cNvPr id="5" name="Picture 4" descr="A deer standing in a grassy field&#10;&#10;Description automatically generated">
-            <a:extLst>
-              <a:ext uri="{FF2B5EF4-FFF2-40B4-BE49-F238E27FC236}">
-                <a16:creationId xmlns:a16="http://schemas.microsoft.com/office/drawing/2014/main" id="{0F6D56DB-5664-C04B-91CC-DA8CDA4374AB}"/>
-              </a:ext>
-            </a:extLst>
-          </p:cNvPr>
-          <p:cNvPicPr>
-            <a:picLocks noChangeAspect="1"/>
-          </p:cNvPicPr>
-          <p:nvPr/>
-        </p:nvPicPr>
-        <p:blipFill rotWithShape="1">
-          <a:blip r:embed="rId3"/>
-          <a:srcRect t="4713" r="4713"/>
-          <a:stretch/>
-        </p:blipFill>
-        <p:spPr>
-          <a:xfrm>
-            <a:off x="696900" y="1776507"/>
-            <a:ext cx="3746023" cy="2741620"/>
-          </a:xfrm>
-          <a:prstGeom prst="rect">
-            <a:avLst/>
-          </a:prstGeom>
-        </p:spPr>
-      </p:pic>
-      <p:pic>
-        <p:nvPicPr>
-          <p:cNvPr id="9" name="Picture 8" descr="A brown horse standing on top of a grass covered field&#10;&#10;Description automatically generated">
-            <a:extLst>
-              <a:ext uri="{FF2B5EF4-FFF2-40B4-BE49-F238E27FC236}">
-                <a16:creationId xmlns:a16="http://schemas.microsoft.com/office/drawing/2014/main" id="{8A5C5F0F-2D4F-F946-BD1B-A811B900EA57}"/>
-              </a:ext>
-            </a:extLst>
-          </p:cNvPr>
-          <p:cNvPicPr>
-            <a:picLocks noChangeAspect="1"/>
-          </p:cNvPicPr>
-          <p:nvPr/>
-        </p:nvPicPr>
-        <p:blipFill>
-          <a:blip r:embed="rId4"/>
-          <a:stretch>
-            <a:fillRect/>
-          </a:stretch>
-        </p:blipFill>
-        <p:spPr>
-          <a:xfrm>
-            <a:off x="4780591" y="1776507"/>
-            <a:ext cx="3655494" cy="2741620"/>
-          </a:xfrm>
-          <a:prstGeom prst="rect">
-            <a:avLst/>
-          </a:prstGeom>
-        </p:spPr>
-      </p:pic>
-      <p:sp>
-        <p:nvSpPr>
-          <p:cNvPr id="10" name="Rectangle 9">
-            <a:extLst>
-              <a:ext uri="{FF2B5EF4-FFF2-40B4-BE49-F238E27FC236}">
-                <a16:creationId xmlns:a16="http://schemas.microsoft.com/office/drawing/2014/main" id="{E5444089-3EFA-8F42-8793-A5E91103E81F}"/>
-              </a:ext>
-            </a:extLst>
-          </p:cNvPr>
-          <p:cNvSpPr/>
-          <p:nvPr/>
-        </p:nvSpPr>
-        <p:spPr>
-          <a:xfrm>
-            <a:off x="1978099" y="1631595"/>
-            <a:ext cx="5982407" cy="1431161"/>
-          </a:xfrm>
-          <a:prstGeom prst="rect">
-            <a:avLst/>
-          </a:prstGeom>
-        </p:spPr>
-        <p:txBody>
-          <a:bodyPr wrap="none">
-            <a:spAutoFit/>
-          </a:bodyPr>
-          <a:lstStyle/>
-          <a:p>
-            <a:pPr marL="285750" indent="-285750">
-              <a:spcAft>
-                <a:spcPts val="600"/>
-              </a:spcAft>
-              <a:buFont typeface="Arial" panose="020B0604020202020204" pitchFamily="34" charset="0"/>
-              <a:buChar char="•"/>
-            </a:pPr>
-            <a:r>
-              <a:rPr lang="en-US" dirty="0"/>
-              <a:t>What if</a:t>
-            </a:r>
-          </a:p>
-          <a:p>
-            <a:pPr marL="742950" lvl="1" indent="-285750">
-              <a:spcAft>
-                <a:spcPts val="600"/>
-              </a:spcAft>
-              <a:buFont typeface="Arial" panose="020B0604020202020204" pitchFamily="34" charset="0"/>
-              <a:buChar char="•"/>
-            </a:pPr>
-            <a:r>
-              <a:rPr lang="en-US" dirty="0"/>
-              <a:t>We cannot see the whole picture</a:t>
-            </a:r>
-          </a:p>
-          <a:p>
-            <a:pPr marL="742950" lvl="1" indent="-285750">
-              <a:spcAft>
-                <a:spcPts val="600"/>
-              </a:spcAft>
-              <a:buFont typeface="Arial" panose="020B0604020202020204" pitchFamily="34" charset="0"/>
-              <a:buChar char="•"/>
-            </a:pPr>
-            <a:r>
-              <a:rPr lang="en-US" dirty="0"/>
-              <a:t>We are only allowed to ask yes or no questions</a:t>
-            </a:r>
-          </a:p>
-          <a:p>
-            <a:pPr marL="742950" lvl="1" indent="-285750">
-              <a:spcAft>
-                <a:spcPts val="600"/>
-              </a:spcAft>
-              <a:buFont typeface="Arial" panose="020B0604020202020204" pitchFamily="34" charset="0"/>
-              <a:buChar char="•"/>
-            </a:pPr>
-            <a:r>
-              <a:rPr lang="en-US" dirty="0"/>
-              <a:t>After several rounds we will be able to tell them apart</a:t>
-            </a:r>
-          </a:p>
-        </p:txBody>
-      </p:sp>
-      <p:sp>
-        <p:nvSpPr>
-          <p:cNvPr id="7" name="Rectangle 6">
-            <a:extLst>
-              <a:ext uri="{FF2B5EF4-FFF2-40B4-BE49-F238E27FC236}">
-                <a16:creationId xmlns:a16="http://schemas.microsoft.com/office/drawing/2014/main" id="{2EB520CD-B6B0-B148-8336-C1556AEC5CC6}"/>
-              </a:ext>
-            </a:extLst>
-          </p:cNvPr>
-          <p:cNvSpPr/>
-          <p:nvPr/>
-        </p:nvSpPr>
-        <p:spPr>
-          <a:xfrm>
-            <a:off x="420783" y="337307"/>
-            <a:ext cx="4051365" cy="523220"/>
-          </a:xfrm>
-          <a:prstGeom prst="rect">
-            <a:avLst/>
-          </a:prstGeom>
-        </p:spPr>
-        <p:txBody>
-          <a:bodyPr wrap="none">
-            <a:spAutoFit/>
-          </a:bodyPr>
-          <a:lstStyle/>
-          <a:p>
-            <a:pPr>
-              <a:spcAft>
-                <a:spcPts val="600"/>
-              </a:spcAft>
-            </a:pPr>
-            <a:r>
-              <a:rPr lang="en-US" sz="2800" b="1" dirty="0">
-                <a:solidFill>
-                  <a:srgbClr val="54AC5C"/>
-                </a:solidFill>
-              </a:rPr>
-              <a:t>Q1: Variants Classification</a:t>
-            </a:r>
-          </a:p>
-        </p:txBody>
-      </p:sp>
-      <p:cxnSp>
-        <p:nvCxnSpPr>
-          <p:cNvPr id="8" name="Straight Connector 7">
-            <a:extLst>
-              <a:ext uri="{FF2B5EF4-FFF2-40B4-BE49-F238E27FC236}">
-                <a16:creationId xmlns:a16="http://schemas.microsoft.com/office/drawing/2014/main" id="{5299EC4B-CDA1-D64A-AB2F-3189928F5FA2}"/>
-              </a:ext>
-            </a:extLst>
-          </p:cNvPr>
-          <p:cNvCxnSpPr/>
-          <p:nvPr/>
-        </p:nvCxnSpPr>
-        <p:spPr>
-          <a:xfrm>
-            <a:off x="0" y="872719"/>
-            <a:ext cx="9144000" cy="0"/>
-          </a:xfrm>
-          <a:prstGeom prst="line">
-            <a:avLst/>
-          </a:prstGeom>
-          <a:ln w="17526">
-            <a:solidFill>
-              <a:srgbClr val="54AC5C"/>
-            </a:solidFill>
-          </a:ln>
-          <a:effectLst/>
-        </p:spPr>
-        <p:style>
-          <a:lnRef idx="2">
-            <a:schemeClr val="dk1"/>
-          </a:lnRef>
-          <a:fillRef idx="0">
-            <a:schemeClr val="dk1"/>
-          </a:fillRef>
-          <a:effectRef idx="1">
-            <a:schemeClr val="dk1"/>
-          </a:effectRef>
-          <a:fontRef idx="minor">
-            <a:schemeClr val="tx1"/>
-          </a:fontRef>
-        </p:style>
-      </p:cxnSp>
-      <p:sp>
-        <p:nvSpPr>
-          <p:cNvPr id="11" name="Rectangle 10">
-            <a:extLst>
-              <a:ext uri="{FF2B5EF4-FFF2-40B4-BE49-F238E27FC236}">
-                <a16:creationId xmlns:a16="http://schemas.microsoft.com/office/drawing/2014/main" id="{B3752187-E7B8-EE45-AF44-E7B4AABB3838}"/>
-              </a:ext>
-            </a:extLst>
-          </p:cNvPr>
-          <p:cNvSpPr/>
-          <p:nvPr/>
-        </p:nvSpPr>
-        <p:spPr>
-          <a:xfrm>
-            <a:off x="1020672" y="1082684"/>
-            <a:ext cx="2977803" cy="369332"/>
-          </a:xfrm>
-          <a:prstGeom prst="rect">
-            <a:avLst/>
-          </a:prstGeom>
-        </p:spPr>
-        <p:txBody>
-          <a:bodyPr wrap="none">
-            <a:spAutoFit/>
-          </a:bodyPr>
-          <a:lstStyle/>
-          <a:p>
-            <a:pPr marL="285750" indent="-285750">
-              <a:spcAft>
-                <a:spcPts val="600"/>
-              </a:spcAft>
-              <a:buFont typeface="Arial" panose="020B0604020202020204" pitchFamily="34" charset="0"/>
-              <a:buChar char="•"/>
-            </a:pPr>
-            <a:r>
-              <a:rPr lang="en-US" dirty="0"/>
-              <a:t>Method 2:     Decision Tree</a:t>
-            </a:r>
-          </a:p>
-        </p:txBody>
-      </p:sp>
-      <p:pic>
-        <p:nvPicPr>
-          <p:cNvPr id="12" name="Picture 11" descr="A close up of a horse&#10;&#10;Description automatically generated">
-            <a:extLst>
-              <a:ext uri="{FF2B5EF4-FFF2-40B4-BE49-F238E27FC236}">
-                <a16:creationId xmlns:a16="http://schemas.microsoft.com/office/drawing/2014/main" id="{763F38EA-9091-2B45-A070-FB5BCED81127}"/>
-              </a:ext>
-            </a:extLst>
-          </p:cNvPr>
-          <p:cNvPicPr>
-            <a:picLocks noChangeAspect="1"/>
-          </p:cNvPicPr>
-          <p:nvPr/>
-        </p:nvPicPr>
-        <p:blipFill rotWithShape="1">
-          <a:blip r:embed="rId5"/>
-          <a:srcRect l="6590" t="8000" r="9315" b="9689"/>
-          <a:stretch/>
-        </p:blipFill>
-        <p:spPr>
-          <a:xfrm>
-            <a:off x="1336263" y="3946999"/>
-            <a:ext cx="1392131" cy="1142256"/>
-          </a:xfrm>
-          <a:prstGeom prst="rect">
-            <a:avLst/>
-          </a:prstGeom>
-        </p:spPr>
-      </p:pic>
-      <p:grpSp>
-        <p:nvGrpSpPr>
-          <p:cNvPr id="30" name="Group 29">
-            <a:extLst>
-              <a:ext uri="{FF2B5EF4-FFF2-40B4-BE49-F238E27FC236}">
-                <a16:creationId xmlns:a16="http://schemas.microsoft.com/office/drawing/2014/main" id="{288F9333-F08C-FA4A-B2DA-EFFDF54B6B76}"/>
-              </a:ext>
-            </a:extLst>
-          </p:cNvPr>
-          <p:cNvGrpSpPr/>
-          <p:nvPr/>
-        </p:nvGrpSpPr>
-        <p:grpSpPr>
-          <a:xfrm>
-            <a:off x="3682070" y="3502466"/>
-            <a:ext cx="4278436" cy="2602450"/>
-            <a:chOff x="3682070" y="3502466"/>
-            <a:chExt cx="4278436" cy="2602450"/>
-          </a:xfrm>
-        </p:grpSpPr>
-        <p:sp>
-          <p:nvSpPr>
-            <p:cNvPr id="22" name="Diamond 21">
-              <a:extLst>
-                <a:ext uri="{FF2B5EF4-FFF2-40B4-BE49-F238E27FC236}">
-                  <a16:creationId xmlns:a16="http://schemas.microsoft.com/office/drawing/2014/main" id="{C476B2A8-7498-D04A-9AA8-DAA5CD89D2BA}"/>
-                </a:ext>
-              </a:extLst>
-            </p:cNvPr>
-            <p:cNvSpPr/>
-            <p:nvPr/>
-          </p:nvSpPr>
-          <p:spPr>
-            <a:xfrm>
-              <a:off x="3682070" y="3502466"/>
-              <a:ext cx="3291840" cy="1391174"/>
-            </a:xfrm>
-            <a:prstGeom prst="diamond">
-              <a:avLst/>
-            </a:prstGeom>
-            <a:solidFill>
-              <a:schemeClr val="bg1"/>
-            </a:solidFill>
-            <a:ln>
-              <a:solidFill>
-                <a:schemeClr val="tx1"/>
-              </a:solidFill>
-            </a:ln>
-            <a:effectLst/>
-          </p:spPr>
-          <p:style>
-            <a:lnRef idx="1">
-              <a:schemeClr val="accent1"/>
-            </a:lnRef>
-            <a:fillRef idx="3">
-              <a:schemeClr val="accent1"/>
-            </a:fillRef>
-            <a:effectRef idx="2">
-              <a:schemeClr val="accent1"/>
-            </a:effectRef>
-            <a:fontRef idx="minor">
-              <a:schemeClr val="lt1"/>
-            </a:fontRef>
-          </p:style>
-          <p:txBody>
-            <a:bodyPr rtlCol="0" anchor="ctr"/>
-            <a:lstStyle/>
-            <a:p>
-              <a:pPr algn="ctr"/>
-              <a:endParaRPr lang="en-US" dirty="0">
-                <a:solidFill>
-                  <a:schemeClr val="tx1"/>
-                </a:solidFill>
-              </a:endParaRPr>
-            </a:p>
-          </p:txBody>
-        </p:sp>
-        <p:sp>
-          <p:nvSpPr>
-            <p:cNvPr id="13" name="TextBox 12">
-              <a:extLst>
-                <a:ext uri="{FF2B5EF4-FFF2-40B4-BE49-F238E27FC236}">
-                  <a16:creationId xmlns:a16="http://schemas.microsoft.com/office/drawing/2014/main" id="{0CD883F1-F83B-9F47-B133-2A6181D26C55}"/>
-                </a:ext>
-              </a:extLst>
-            </p:cNvPr>
-            <p:cNvSpPr txBox="1"/>
-            <p:nvPr/>
-          </p:nvSpPr>
-          <p:spPr>
-            <a:xfrm>
-              <a:off x="4334387" y="4013387"/>
-              <a:ext cx="2072640" cy="369332"/>
-            </a:xfrm>
-            <a:prstGeom prst="rect">
-              <a:avLst/>
-            </a:prstGeom>
-            <a:noFill/>
-          </p:spPr>
-          <p:txBody>
-            <a:bodyPr wrap="square" rtlCol="0">
-              <a:spAutoFit/>
-            </a:bodyPr>
-            <a:lstStyle/>
-            <a:p>
-              <a:r>
-                <a:rPr lang="en-US" dirty="0"/>
-                <a:t>Does it have corns?</a:t>
-              </a:r>
-            </a:p>
-          </p:txBody>
-        </p:sp>
-        <p:sp>
-          <p:nvSpPr>
-            <p:cNvPr id="14" name="TextBox 13">
-              <a:extLst>
-                <a:ext uri="{FF2B5EF4-FFF2-40B4-BE49-F238E27FC236}">
-                  <a16:creationId xmlns:a16="http://schemas.microsoft.com/office/drawing/2014/main" id="{6F5C27A8-F49B-1047-A302-70642BC5F4A4}"/>
-                </a:ext>
-              </a:extLst>
-            </p:cNvPr>
-            <p:cNvSpPr txBox="1"/>
-            <p:nvPr/>
-          </p:nvSpPr>
-          <p:spPr>
-            <a:xfrm>
-              <a:off x="4998915" y="5735584"/>
-              <a:ext cx="681425" cy="369332"/>
-            </a:xfrm>
-            <a:prstGeom prst="rect">
-              <a:avLst/>
-            </a:prstGeom>
-            <a:noFill/>
-          </p:spPr>
-          <p:txBody>
-            <a:bodyPr wrap="square" rtlCol="0">
-              <a:spAutoFit/>
-            </a:bodyPr>
-            <a:lstStyle/>
-            <a:p>
-              <a:r>
-                <a:rPr lang="en-US" dirty="0"/>
-                <a:t>Deer</a:t>
-              </a:r>
-            </a:p>
-          </p:txBody>
-        </p:sp>
-        <p:sp>
-          <p:nvSpPr>
-            <p:cNvPr id="15" name="TextBox 14">
-              <a:extLst>
-                <a:ext uri="{FF2B5EF4-FFF2-40B4-BE49-F238E27FC236}">
-                  <a16:creationId xmlns:a16="http://schemas.microsoft.com/office/drawing/2014/main" id="{A54413CC-B9B8-954C-BF9A-3ED5E5208F51}"/>
-                </a:ext>
-              </a:extLst>
-            </p:cNvPr>
-            <p:cNvSpPr txBox="1"/>
-            <p:nvPr/>
-          </p:nvSpPr>
-          <p:spPr>
-            <a:xfrm>
-              <a:off x="7148535" y="5480541"/>
-              <a:ext cx="811971" cy="369332"/>
-            </a:xfrm>
-            <a:prstGeom prst="rect">
-              <a:avLst/>
-            </a:prstGeom>
-            <a:noFill/>
-          </p:spPr>
-          <p:txBody>
-            <a:bodyPr wrap="square" rtlCol="0">
-              <a:spAutoFit/>
-            </a:bodyPr>
-            <a:lstStyle/>
-            <a:p>
-              <a:r>
-                <a:rPr lang="en-US" dirty="0"/>
-                <a:t>Horse</a:t>
-              </a:r>
-            </a:p>
-          </p:txBody>
-        </p:sp>
-        <p:cxnSp>
-          <p:nvCxnSpPr>
-            <p:cNvPr id="17" name="Straight Arrow Connector 16">
-              <a:extLst>
-                <a:ext uri="{FF2B5EF4-FFF2-40B4-BE49-F238E27FC236}">
-                  <a16:creationId xmlns:a16="http://schemas.microsoft.com/office/drawing/2014/main" id="{717AA28E-97A7-1443-841A-884CF4E607F0}"/>
-                </a:ext>
-              </a:extLst>
-            </p:cNvPr>
-            <p:cNvCxnSpPr>
-              <a:cxnSpLocks/>
-              <a:stCxn id="22" idx="2"/>
-            </p:cNvCxnSpPr>
-            <p:nvPr/>
-          </p:nvCxnSpPr>
-          <p:spPr>
-            <a:xfrm>
-              <a:off x="5327990" y="4893640"/>
-              <a:ext cx="11638" cy="847031"/>
-            </a:xfrm>
-            <a:prstGeom prst="straightConnector1">
-              <a:avLst/>
-            </a:prstGeom>
-            <a:ln>
-              <a:tailEnd type="triangle"/>
-            </a:ln>
-            <a:effectLst/>
-          </p:spPr>
-          <p:style>
-            <a:lnRef idx="2">
-              <a:schemeClr val="dk1"/>
-            </a:lnRef>
-            <a:fillRef idx="0">
-              <a:schemeClr val="dk1"/>
-            </a:fillRef>
-            <a:effectRef idx="1">
-              <a:schemeClr val="dk1"/>
-            </a:effectRef>
-            <a:fontRef idx="minor">
-              <a:schemeClr val="tx1"/>
-            </a:fontRef>
-          </p:style>
-        </p:cxnSp>
-        <p:sp>
-          <p:nvSpPr>
-            <p:cNvPr id="20" name="TextBox 19">
-              <a:extLst>
-                <a:ext uri="{FF2B5EF4-FFF2-40B4-BE49-F238E27FC236}">
-                  <a16:creationId xmlns:a16="http://schemas.microsoft.com/office/drawing/2014/main" id="{B3F6B088-3A6B-8F4E-90EE-F81657976C86}"/>
-                </a:ext>
-              </a:extLst>
-            </p:cNvPr>
-            <p:cNvSpPr txBox="1"/>
-            <p:nvPr/>
-          </p:nvSpPr>
-          <p:spPr>
-            <a:xfrm>
-              <a:off x="4720102" y="5073219"/>
-              <a:ext cx="540014" cy="369332"/>
-            </a:xfrm>
-            <a:prstGeom prst="rect">
-              <a:avLst/>
-            </a:prstGeom>
-            <a:noFill/>
-          </p:spPr>
-          <p:txBody>
-            <a:bodyPr wrap="square" rtlCol="0">
-              <a:spAutoFit/>
-            </a:bodyPr>
-            <a:lstStyle/>
-            <a:p>
-              <a:r>
-                <a:rPr lang="en-US" dirty="0"/>
-                <a:t>yes</a:t>
-              </a:r>
-            </a:p>
-          </p:txBody>
-        </p:sp>
-        <p:sp>
-          <p:nvSpPr>
-            <p:cNvPr id="21" name="TextBox 20">
-              <a:extLst>
-                <a:ext uri="{FF2B5EF4-FFF2-40B4-BE49-F238E27FC236}">
-                  <a16:creationId xmlns:a16="http://schemas.microsoft.com/office/drawing/2014/main" id="{62D63349-6BEB-4B4D-85FD-D6C5849DFFDC}"/>
-                </a:ext>
-              </a:extLst>
-            </p:cNvPr>
-            <p:cNvSpPr txBox="1"/>
-            <p:nvPr/>
-          </p:nvSpPr>
-          <p:spPr>
-            <a:xfrm>
-              <a:off x="6973910" y="4282886"/>
-              <a:ext cx="540014" cy="369332"/>
-            </a:xfrm>
-            <a:prstGeom prst="rect">
-              <a:avLst/>
-            </a:prstGeom>
-            <a:noFill/>
-          </p:spPr>
-          <p:txBody>
-            <a:bodyPr wrap="square" rtlCol="0">
-              <a:spAutoFit/>
-            </a:bodyPr>
-            <a:lstStyle/>
-            <a:p>
-              <a:r>
-                <a:rPr lang="en-US" dirty="0"/>
-                <a:t>no</a:t>
-              </a:r>
-            </a:p>
-          </p:txBody>
-        </p:sp>
-        <p:cxnSp>
-          <p:nvCxnSpPr>
-            <p:cNvPr id="29" name="Elbow Connector 28">
-              <a:extLst>
-                <a:ext uri="{FF2B5EF4-FFF2-40B4-BE49-F238E27FC236}">
-                  <a16:creationId xmlns:a16="http://schemas.microsoft.com/office/drawing/2014/main" id="{0E9C482F-49CF-9440-8792-C19AFB349FB2}"/>
-                </a:ext>
-              </a:extLst>
-            </p:cNvPr>
-            <p:cNvCxnSpPr>
-              <a:stCxn id="22" idx="3"/>
-            </p:cNvCxnSpPr>
-            <p:nvPr/>
-          </p:nvCxnSpPr>
-          <p:spPr>
-            <a:xfrm>
-              <a:off x="6973910" y="4198053"/>
-              <a:ext cx="580611" cy="1244498"/>
-            </a:xfrm>
-            <a:prstGeom prst="bentConnector2">
-              <a:avLst/>
-            </a:prstGeom>
-            <a:ln>
-              <a:tailEnd type="triangle"/>
-            </a:ln>
-            <a:effectLst/>
-          </p:spPr>
-          <p:style>
-            <a:lnRef idx="2">
-              <a:schemeClr val="dk1"/>
-            </a:lnRef>
-            <a:fillRef idx="0">
-              <a:schemeClr val="dk1"/>
-            </a:fillRef>
-            <a:effectRef idx="1">
-              <a:schemeClr val="dk1"/>
-            </a:effectRef>
-            <a:fontRef idx="minor">
-              <a:schemeClr val="tx1"/>
-            </a:fontRef>
-          </p:style>
-        </p:cxnSp>
-      </p:grpSp>
-      <p:sp>
-        <p:nvSpPr>
-          <p:cNvPr id="32" name="Rectangle 31">
-            <a:extLst>
-              <a:ext uri="{FF2B5EF4-FFF2-40B4-BE49-F238E27FC236}">
-                <a16:creationId xmlns:a16="http://schemas.microsoft.com/office/drawing/2014/main" id="{D4472762-F50F-9E4F-82B8-87A5D4F11B56}"/>
-              </a:ext>
-            </a:extLst>
-          </p:cNvPr>
-          <p:cNvSpPr/>
-          <p:nvPr/>
-        </p:nvSpPr>
-        <p:spPr>
-          <a:xfrm>
-            <a:off x="595469" y="6336027"/>
-            <a:ext cx="7505544" cy="523220"/>
+            <a:off x="1177060" y="3178238"/>
+            <a:ext cx="7320764" cy="1938992"/>
           </a:xfrm>
           <a:prstGeom prst="rect">
             <a:avLst/>
@@ -16942,57 +15138,88 @@
           </a:bodyPr>
           <a:lstStyle/>
           <a:p>
-            <a:r>
-              <a:rPr lang="en-US" sz="1400" dirty="0">
+            <a:pPr marL="0" marR="0" lvl="1">
+              <a:lnSpc>
+                <a:spcPct val="150000"/>
+              </a:lnSpc>
+              <a:spcBef>
+                <a:spcPts val="0"/>
+              </a:spcBef>
+              <a:spcAft>
+                <a:spcPts val="0"/>
+              </a:spcAft>
+            </a:pPr>
+            <a:r>
+              <a:rPr lang="en-US" altLang="zh-CN" sz="2000" b="1" dirty="0">
                 <a:solidFill>
-                  <a:schemeClr val="bg1">
-                    <a:lumMod val="50000"/>
-                  </a:schemeClr>
+                  <a:srgbClr val="54AC5C"/>
                 </a:solidFill>
               </a:rPr>
-              <a:t>Reference:</a:t>
-            </a:r>
-            <a:r>
-              <a:rPr lang="zh-CN" altLang="en-US" sz="1400" dirty="0">
+              <a:t>2.</a:t>
+            </a:r>
+            <a:r>
+              <a:rPr lang="zh-CN" altLang="en-US" sz="2000" b="1" dirty="0">
                 <a:solidFill>
-                  <a:schemeClr val="bg1">
-                    <a:lumMod val="50000"/>
-                  </a:schemeClr>
+                  <a:srgbClr val="54AC5C"/>
                 </a:solidFill>
               </a:rPr>
               <a:t> </a:t>
             </a:r>
             <a:r>
-              <a:rPr lang="en-US" sz="1400" dirty="0">
+              <a:rPr lang="en-US" sz="2000" b="1" dirty="0">
                 <a:solidFill>
-                  <a:schemeClr val="bg1">
-                    <a:lumMod val="50000"/>
-                  </a:schemeClr>
+                  <a:srgbClr val="54AC5C"/>
                 </a:solidFill>
-                <a:hlinkClick r:id="rId6">
-                  <a:extLst>
-                    <a:ext uri="{A12FA001-AC4F-418D-AE19-62706E023703}">
-                      <ahyp:hlinkClr xmlns:ahyp="http://schemas.microsoft.com/office/drawing/2018/hyperlinkcolor" val="tx"/>
-                    </a:ext>
-                  </a:extLst>
-                </a:hlinkClick>
               </a:rPr>
-              <a:t>https://ocw.mit.edu/courses/sloan-school-of-management/15-097-prediction-machine-learning-and-statistics-spring-2012/lecture-notes/MIT15_097S12_lec08.pdf</a:t>
-            </a:r>
-            <a:endParaRPr lang="en-US" sz="1400" dirty="0">
-              <a:solidFill>
-                <a:schemeClr val="bg1">
-                  <a:lumMod val="50000"/>
-                </a:schemeClr>
-              </a:solidFill>
-            </a:endParaRPr>
+              <a:t>Variants Classification</a:t>
+            </a:r>
+          </a:p>
+          <a:p>
+            <a:pPr marL="742950" lvl="2" indent="-285750">
+              <a:buFont typeface="Arial" panose="020B0604020202020204" pitchFamily="34" charset="0"/>
+              <a:buChar char="•"/>
+            </a:pPr>
+            <a:r>
+              <a:rPr lang="en-US" dirty="0"/>
+              <a:t>Question: </a:t>
+            </a:r>
+          </a:p>
+          <a:p>
+            <a:pPr marL="1200150" lvl="3" indent="-285750">
+              <a:buFont typeface="Arial" panose="020B0604020202020204" pitchFamily="34" charset="0"/>
+              <a:buChar char="•"/>
+            </a:pPr>
+            <a:r>
+              <a:rPr lang="en-US" dirty="0"/>
+              <a:t>Estimate how many variants will have conflicting classifications, why are they considered to have conflicting classifications?</a:t>
+            </a:r>
+          </a:p>
+          <a:p>
+            <a:pPr marL="742950" lvl="2" indent="-285750">
+              <a:buFont typeface="Arial" panose="020B0604020202020204" pitchFamily="34" charset="0"/>
+              <a:buChar char="•"/>
+            </a:pPr>
+            <a:r>
+              <a:rPr lang="en-US" dirty="0"/>
+              <a:t>Methodology: </a:t>
+            </a:r>
+          </a:p>
+          <a:p>
+            <a:pPr marL="1200150" lvl="3" indent="-285750">
+              <a:buFont typeface="Arial" panose="020B0604020202020204" pitchFamily="34" charset="0"/>
+              <a:buChar char="•"/>
+            </a:pPr>
+            <a:r>
+              <a:rPr lang="en-US" dirty="0"/>
+              <a:t>Logistic Regression, Decision Tree</a:t>
+            </a:r>
           </a:p>
         </p:txBody>
       </p:sp>
     </p:spTree>
     <p:extLst>
       <p:ext uri="{BB962C8B-B14F-4D97-AF65-F5344CB8AC3E}">
-        <p14:creationId xmlns:p14="http://schemas.microsoft.com/office/powerpoint/2010/main" val="1132436580"/>
+        <p14:creationId xmlns:p14="http://schemas.microsoft.com/office/powerpoint/2010/main" val="2797487616"/>
       </p:ext>
     </p:extLst>
   </p:cSld>
@@ -17020,28 +15247,72 @@
                             </p:stCondLst>
                             <p:childTnLst>
                               <p:par>
-                                <p:cTn id="5" presetID="10" presetClass="exit" presetSubtype="0" fill="hold" nodeType="clickEffect">
+                                <p:cTn id="5" presetID="42" presetClass="path" presetSubtype="0" accel="50000" decel="50000" fill="hold" grpId="0" nodeType="clickEffect">
+                                  <p:stCondLst>
+                                    <p:cond delay="0"/>
+                                  </p:stCondLst>
+                                  <p:childTnLst>
+                                    <p:animMotion origin="layout" path="M -3.05556E-6 3.7037E-6 L 0.00035 0.3331 " pathEditMode="relative" rAng="0" ptsTypes="AA">
+                                      <p:cBhvr>
+                                        <p:cTn id="6" dur="2000" fill="hold"/>
+                                        <p:tgtEl>
+                                          <p:spTgt spid="3"/>
+                                        </p:tgtEl>
+                                        <p:attrNameLst>
+                                          <p:attrName>ppt_x</p:attrName>
+                                          <p:attrName>ppt_y</p:attrName>
+                                        </p:attrNameLst>
+                                      </p:cBhvr>
+                                      <p:rCtr x="17" y="16644"/>
+                                    </p:animMotion>
+                                  </p:childTnLst>
+                                </p:cTn>
+                              </p:par>
+                              <p:par>
+                                <p:cTn id="7" presetID="42" presetClass="path" presetSubtype="0" accel="50000" decel="50000" fill="hold" grpId="0" nodeType="withEffect">
+                                  <p:stCondLst>
+                                    <p:cond delay="0"/>
+                                  </p:stCondLst>
+                                  <p:childTnLst>
+                                    <p:animMotion origin="layout" path="M 4.16667E-6 -7.40741E-7 L 0.00138 -0.25278 " pathEditMode="relative" rAng="0" ptsTypes="AA">
+                                      <p:cBhvr>
+                                        <p:cTn id="8" dur="2000" fill="hold"/>
+                                        <p:tgtEl>
+                                          <p:spTgt spid="4"/>
+                                        </p:tgtEl>
+                                        <p:attrNameLst>
+                                          <p:attrName>ppt_x</p:attrName>
+                                          <p:attrName>ppt_y</p:attrName>
+                                        </p:attrNameLst>
+                                      </p:cBhvr>
+                                      <p:rCtr x="69" y="-12639"/>
+                                    </p:animMotion>
+                                  </p:childTnLst>
+                                </p:cTn>
+                              </p:par>
+                              <p:par>
+                                <p:cTn id="9" presetID="10" presetClass="exit" presetSubtype="0" fill="hold" grpId="1" nodeType="withEffect">
                                   <p:stCondLst>
                                     <p:cond delay="0"/>
                                   </p:stCondLst>
                                   <p:childTnLst>
                                     <p:animEffect transition="out" filter="fade">
                                       <p:cBhvr>
-                                        <p:cTn id="6" dur="500"/>
+                                        <p:cTn id="10" dur="500"/>
                                         <p:tgtEl>
-                                          <p:spTgt spid="5"/>
+                                          <p:spTgt spid="3"/>
                                         </p:tgtEl>
                                       </p:cBhvr>
                                     </p:animEffect>
                                     <p:set>
                                       <p:cBhvr>
-                                        <p:cTn id="7" dur="1" fill="hold">
+                                        <p:cTn id="11" dur="1" fill="hold">
                                           <p:stCondLst>
                                             <p:cond delay="499"/>
                                           </p:stCondLst>
                                         </p:cTn>
                                         <p:tgtEl>
-                                          <p:spTgt spid="5"/>
+                                          <p:spTgt spid="3"/>
                                         </p:tgtEl>
                                         <p:attrNameLst>
                                           <p:attrName>style.visibility</p:attrName>
@@ -17055,28 +15326,28 @@
                                 </p:cTn>
                               </p:par>
                               <p:par>
-                                <p:cTn id="8" presetID="10" presetClass="exit" presetSubtype="0" fill="hold" nodeType="withEffect">
+                                <p:cTn id="12" presetID="10" presetClass="exit" presetSubtype="0" fill="hold" grpId="1" nodeType="withEffect">
                                   <p:stCondLst>
                                     <p:cond delay="0"/>
                                   </p:stCondLst>
                                   <p:childTnLst>
                                     <p:animEffect transition="out" filter="fade">
                                       <p:cBhvr>
-                                        <p:cTn id="9" dur="500"/>
+                                        <p:cTn id="13" dur="500"/>
                                         <p:tgtEl>
-                                          <p:spTgt spid="9"/>
+                                          <p:spTgt spid="4"/>
                                         </p:tgtEl>
                                       </p:cBhvr>
                                     </p:animEffect>
                                     <p:set>
                                       <p:cBhvr>
-                                        <p:cTn id="10" dur="1" fill="hold">
+                                        <p:cTn id="14" dur="1" fill="hold">
                                           <p:stCondLst>
                                             <p:cond delay="499"/>
                                           </p:stCondLst>
                                         </p:cTn>
                                         <p:tgtEl>
-                                          <p:spTgt spid="9"/>
+                                          <p:spTgt spid="4"/>
                                         </p:tgtEl>
                                         <p:attrNameLst>
                                           <p:attrName>style.visibility</p:attrName>
@@ -17089,39 +15360,21 @@
                                   </p:childTnLst>
                                 </p:cTn>
                               </p:par>
-                            </p:childTnLst>
-                          </p:cTn>
-                        </p:par>
-                      </p:childTnLst>
-                    </p:cTn>
-                  </p:par>
-                  <p:par>
-                    <p:cTn id="11" fill="hold">
-                      <p:stCondLst>
-                        <p:cond delay="indefinite"/>
-                      </p:stCondLst>
-                      <p:childTnLst>
-                        <p:par>
-                          <p:cTn id="12" fill="hold">
-                            <p:stCondLst>
-                              <p:cond delay="0"/>
-                            </p:stCondLst>
-                            <p:childTnLst>
                               <p:par>
-                                <p:cTn id="13" presetID="10" presetClass="entr" presetSubtype="0" fill="hold" grpId="0" nodeType="clickEffect">
+                                <p:cTn id="15" presetID="10" presetClass="entr" presetSubtype="0" fill="hold" grpId="0" nodeType="withEffect">
                                   <p:stCondLst>
-                                    <p:cond delay="0"/>
+                                    <p:cond delay="500"/>
                                   </p:stCondLst>
                                   <p:childTnLst>
                                     <p:set>
                                       <p:cBhvr>
-                                        <p:cTn id="14" dur="1" fill="hold">
+                                        <p:cTn id="16" dur="1" fill="hold">
                                           <p:stCondLst>
                                             <p:cond delay="0"/>
                                           </p:stCondLst>
                                         </p:cTn>
                                         <p:tgtEl>
-                                          <p:spTgt spid="10"/>
+                                          <p:spTgt spid="7"/>
                                         </p:tgtEl>
                                         <p:attrNameLst>
                                           <p:attrName>style.visibility</p:attrName>
@@ -17133,1120 +15386,24 @@
                                     </p:set>
                                     <p:animEffect transition="in" filter="fade">
                                       <p:cBhvr>
-                                        <p:cTn id="15" dur="500"/>
+                                        <p:cTn id="17" dur="500"/>
                                         <p:tgtEl>
-                                          <p:spTgt spid="10"/>
+                                          <p:spTgt spid="7"/>
                                         </p:tgtEl>
                                       </p:cBhvr>
                                     </p:animEffect>
                                   </p:childTnLst>
                                 </p:cTn>
                               </p:par>
-                            </p:childTnLst>
-                          </p:cTn>
-                        </p:par>
-                      </p:childTnLst>
-                    </p:cTn>
-                  </p:par>
-                  <p:par>
-                    <p:cTn id="16" fill="hold">
-                      <p:stCondLst>
-                        <p:cond delay="indefinite"/>
-                      </p:stCondLst>
-                      <p:childTnLst>
-                        <p:par>
-                          <p:cTn id="17" fill="hold">
-                            <p:stCondLst>
-                              <p:cond delay="0"/>
-                            </p:stCondLst>
-                            <p:childTnLst>
                               <p:par>
-                                <p:cTn id="18" presetID="10" presetClass="entr" presetSubtype="0" fill="hold" nodeType="clickEffect">
+                                <p:cTn id="18" presetID="10" presetClass="entr" presetSubtype="0" fill="hold" grpId="0" nodeType="withEffect">
                                   <p:stCondLst>
-                                    <p:cond delay="0"/>
+                                    <p:cond delay="500"/>
                                   </p:stCondLst>
                                   <p:childTnLst>
                                     <p:set>
                                       <p:cBhvr>
                                         <p:cTn id="19" dur="1" fill="hold">
-                                          <p:stCondLst>
-                                            <p:cond delay="0"/>
-                                          </p:stCondLst>
-                                        </p:cTn>
-                                        <p:tgtEl>
-                                          <p:spTgt spid="12"/>
-                                        </p:tgtEl>
-                                        <p:attrNameLst>
-                                          <p:attrName>style.visibility</p:attrName>
-                                        </p:attrNameLst>
-                                      </p:cBhvr>
-                                      <p:to>
-                                        <p:strVal val="visible"/>
-                                      </p:to>
-                                    </p:set>
-                                    <p:animEffect transition="in" filter="fade">
-                                      <p:cBhvr>
-                                        <p:cTn id="20" dur="500"/>
-                                        <p:tgtEl>
-                                          <p:spTgt spid="12"/>
-                                        </p:tgtEl>
-                                      </p:cBhvr>
-                                    </p:animEffect>
-                                  </p:childTnLst>
-                                </p:cTn>
-                              </p:par>
-                            </p:childTnLst>
-                          </p:cTn>
-                        </p:par>
-                      </p:childTnLst>
-                    </p:cTn>
-                  </p:par>
-                  <p:par>
-                    <p:cTn id="21" fill="hold">
-                      <p:stCondLst>
-                        <p:cond delay="indefinite"/>
-                      </p:stCondLst>
-                      <p:childTnLst>
-                        <p:par>
-                          <p:cTn id="22" fill="hold">
-                            <p:stCondLst>
-                              <p:cond delay="0"/>
-                            </p:stCondLst>
-                            <p:childTnLst>
-                              <p:par>
-                                <p:cTn id="23" presetID="10" presetClass="entr" presetSubtype="0" fill="hold" nodeType="clickEffect">
-                                  <p:stCondLst>
-                                    <p:cond delay="0"/>
-                                  </p:stCondLst>
-                                  <p:childTnLst>
-                                    <p:set>
-                                      <p:cBhvr>
-                                        <p:cTn id="24" dur="1" fill="hold">
-                                          <p:stCondLst>
-                                            <p:cond delay="0"/>
-                                          </p:stCondLst>
-                                        </p:cTn>
-                                        <p:tgtEl>
-                                          <p:spTgt spid="30"/>
-                                        </p:tgtEl>
-                                        <p:attrNameLst>
-                                          <p:attrName>style.visibility</p:attrName>
-                                        </p:attrNameLst>
-                                      </p:cBhvr>
-                                      <p:to>
-                                        <p:strVal val="visible"/>
-                                      </p:to>
-                                    </p:set>
-                                    <p:animEffect transition="in" filter="fade">
-                                      <p:cBhvr>
-                                        <p:cTn id="25" dur="500"/>
-                                        <p:tgtEl>
-                                          <p:spTgt spid="30"/>
-                                        </p:tgtEl>
-                                      </p:cBhvr>
-                                    </p:animEffect>
-                                  </p:childTnLst>
-                                </p:cTn>
-                              </p:par>
-                            </p:childTnLst>
-                          </p:cTn>
-                        </p:par>
-                      </p:childTnLst>
-                    </p:cTn>
-                  </p:par>
-                </p:childTnLst>
-              </p:cTn>
-              <p:prevCondLst>
-                <p:cond evt="onPrev" delay="0">
-                  <p:tgtEl>
-                    <p:sldTgt/>
-                  </p:tgtEl>
-                </p:cond>
-              </p:prevCondLst>
-              <p:nextCondLst>
-                <p:cond evt="onNext" delay="0">
-                  <p:tgtEl>
-                    <p:sldTgt/>
-                  </p:tgtEl>
-                </p:cond>
-              </p:nextCondLst>
-            </p:seq>
-          </p:childTnLst>
-        </p:cTn>
-      </p:par>
-    </p:tnLst>
-    <p:bldLst>
-      <p:bldP spid="10" grpId="0"/>
-    </p:bldLst>
-  </p:timing>
-</p:sld>
-</file>
-
-<file path=ppt/slides/slide7.xml><?xml version="1.0" encoding="utf-8"?>
-<p:sld xmlns:a="http://schemas.openxmlformats.org/drawingml/2006/main" xmlns:r="http://schemas.openxmlformats.org/officeDocument/2006/relationships" xmlns:p="http://schemas.openxmlformats.org/presentationml/2006/main">
-  <p:cSld>
-    <p:spTree>
-      <p:nvGrpSpPr>
-        <p:cNvPr id="1" name=""/>
-        <p:cNvGrpSpPr/>
-        <p:nvPr/>
-      </p:nvGrpSpPr>
-      <p:grpSpPr>
-        <a:xfrm>
-          <a:off x="0" y="0"/>
-          <a:ext cx="0" cy="0"/>
-          <a:chOff x="0" y="0"/>
-          <a:chExt cx="0" cy="0"/>
-        </a:xfrm>
-      </p:grpSpPr>
-      <p:sp>
-        <p:nvSpPr>
-          <p:cNvPr id="7" name="Rectangle 6">
-            <a:extLst>
-              <a:ext uri="{FF2B5EF4-FFF2-40B4-BE49-F238E27FC236}">
-                <a16:creationId xmlns:a16="http://schemas.microsoft.com/office/drawing/2014/main" id="{B41993BB-8C36-6144-AD56-798AB1049E69}"/>
-              </a:ext>
-            </a:extLst>
-          </p:cNvPr>
-          <p:cNvSpPr/>
-          <p:nvPr/>
-        </p:nvSpPr>
-        <p:spPr>
-          <a:xfrm>
-            <a:off x="3111822" y="1608663"/>
-            <a:ext cx="2920351" cy="369332"/>
-          </a:xfrm>
-          <a:prstGeom prst="rect">
-            <a:avLst/>
-          </a:prstGeom>
-        </p:spPr>
-        <p:txBody>
-          <a:bodyPr wrap="none">
-            <a:spAutoFit/>
-          </a:bodyPr>
-          <a:lstStyle/>
-          <a:p>
-            <a:r>
-              <a:rPr lang="en-US" dirty="0"/>
-              <a:t>My Model V.S. </a:t>
-            </a:r>
-            <a:r>
-              <a:rPr lang="en-US" dirty="0" err="1"/>
-              <a:t>sklearn</a:t>
-            </a:r>
-            <a:r>
-              <a:rPr lang="en-US" dirty="0"/>
-              <a:t> Model</a:t>
-            </a:r>
-          </a:p>
-        </p:txBody>
-      </p:sp>
-      <p:pic>
-        <p:nvPicPr>
-          <p:cNvPr id="6" name="Picture 5" descr="A close up of a map&#10;&#10;Description automatically generated">
-            <a:extLst>
-              <a:ext uri="{FF2B5EF4-FFF2-40B4-BE49-F238E27FC236}">
-                <a16:creationId xmlns:a16="http://schemas.microsoft.com/office/drawing/2014/main" id="{36C7F359-DF73-1E48-AAFC-52879063EF72}"/>
-              </a:ext>
-            </a:extLst>
-          </p:cNvPr>
-          <p:cNvPicPr>
-            <a:picLocks noChangeAspect="1"/>
-          </p:cNvPicPr>
-          <p:nvPr/>
-        </p:nvPicPr>
-        <p:blipFill rotWithShape="1">
-          <a:blip r:embed="rId2"/>
-          <a:srcRect t="11876"/>
-          <a:stretch/>
-        </p:blipFill>
-        <p:spPr>
-          <a:xfrm>
-            <a:off x="400160" y="2141757"/>
-            <a:ext cx="4047697" cy="2452327"/>
-          </a:xfrm>
-          <a:prstGeom prst="rect">
-            <a:avLst/>
-          </a:prstGeom>
-        </p:spPr>
-      </p:pic>
-      <p:pic>
-        <p:nvPicPr>
-          <p:cNvPr id="11" name="Picture 10" descr="A close up of text on a white background&#10;&#10;Description automatically generated">
-            <a:extLst>
-              <a:ext uri="{FF2B5EF4-FFF2-40B4-BE49-F238E27FC236}">
-                <a16:creationId xmlns:a16="http://schemas.microsoft.com/office/drawing/2014/main" id="{C7E33420-EC32-B340-8C94-358A20AE890E}"/>
-              </a:ext>
-            </a:extLst>
-          </p:cNvPr>
-          <p:cNvPicPr>
-            <a:picLocks noChangeAspect="1"/>
-          </p:cNvPicPr>
-          <p:nvPr/>
-        </p:nvPicPr>
-        <p:blipFill rotWithShape="1">
-          <a:blip r:embed="rId3"/>
-          <a:srcRect t="11876"/>
-          <a:stretch/>
-        </p:blipFill>
-        <p:spPr>
-          <a:xfrm>
-            <a:off x="4751808" y="2141757"/>
-            <a:ext cx="4011557" cy="2452328"/>
-          </a:xfrm>
-          <a:prstGeom prst="rect">
-            <a:avLst/>
-          </a:prstGeom>
-        </p:spPr>
-      </p:pic>
-      <p:graphicFrame>
-        <p:nvGraphicFramePr>
-          <p:cNvPr id="13" name="Table 12">
-            <a:extLst>
-              <a:ext uri="{FF2B5EF4-FFF2-40B4-BE49-F238E27FC236}">
-                <a16:creationId xmlns:a16="http://schemas.microsoft.com/office/drawing/2014/main" id="{3DEDEEC0-6179-9348-B947-9C21C129EF3C}"/>
-              </a:ext>
-            </a:extLst>
-          </p:cNvPr>
-          <p:cNvGraphicFramePr>
-            <a:graphicFrameLocks noGrp="1"/>
-          </p:cNvGraphicFramePr>
-          <p:nvPr>
-            <p:extLst>
-              <p:ext uri="{D42A27DB-BD31-4B8C-83A1-F6EECF244321}">
-                <p14:modId xmlns:p14="http://schemas.microsoft.com/office/powerpoint/2010/main" val="1635060780"/>
-              </p:ext>
-            </p:extLst>
-          </p:nvPr>
-        </p:nvGraphicFramePr>
-        <p:xfrm>
-          <a:off x="1532046" y="5276711"/>
-          <a:ext cx="6079905" cy="1112520"/>
-        </p:xfrm>
-        <a:graphic>
-          <a:graphicData uri="http://schemas.openxmlformats.org/drawingml/2006/table">
-            <a:tbl>
-              <a:tblPr firstRow="1" bandRow="1">
-                <a:tableStyleId>{5C22544A-7EE6-4342-B048-85BDC9FD1C3A}</a:tableStyleId>
-              </a:tblPr>
-              <a:tblGrid>
-                <a:gridCol w="2100637">
-                  <a:extLst>
-                    <a:ext uri="{9D8B030D-6E8A-4147-A177-3AD203B41FA5}">
-                      <a16:colId xmlns:a16="http://schemas.microsoft.com/office/drawing/2014/main" val="736555137"/>
-                    </a:ext>
-                  </a:extLst>
-                </a:gridCol>
-                <a:gridCol w="1311155">
-                  <a:extLst>
-                    <a:ext uri="{9D8B030D-6E8A-4147-A177-3AD203B41FA5}">
-                      <a16:colId xmlns:a16="http://schemas.microsoft.com/office/drawing/2014/main" val="2437322138"/>
-                    </a:ext>
-                  </a:extLst>
-                </a:gridCol>
-                <a:gridCol w="1342104">
-                  <a:extLst>
-                    <a:ext uri="{9D8B030D-6E8A-4147-A177-3AD203B41FA5}">
-                      <a16:colId xmlns:a16="http://schemas.microsoft.com/office/drawing/2014/main" val="3175943778"/>
-                    </a:ext>
-                  </a:extLst>
-                </a:gridCol>
-                <a:gridCol w="1326009">
-                  <a:extLst>
-                    <a:ext uri="{9D8B030D-6E8A-4147-A177-3AD203B41FA5}">
-                      <a16:colId xmlns:a16="http://schemas.microsoft.com/office/drawing/2014/main" val="1999416728"/>
-                    </a:ext>
-                  </a:extLst>
-                </a:gridCol>
-              </a:tblGrid>
-              <a:tr h="370840">
-                <a:tc>
-                  <a:txBody>
-                    <a:bodyPr/>
-                    <a:lstStyle/>
-                    <a:p>
-                      <a:endParaRPr lang="en-US" dirty="0"/>
-                    </a:p>
-                  </a:txBody>
-                  <a:tcPr>
-                    <a:lnL w="12700" cmpd="sng">
-                      <a:noFill/>
-                    </a:lnL>
-                    <a:lnR w="12700" cmpd="sng">
-                      <a:noFill/>
-                    </a:lnR>
-                    <a:lnT w="12700" cap="flat" cmpd="sng" algn="ctr">
-                      <a:solidFill>
-                        <a:schemeClr val="tx1"/>
-                      </a:solidFill>
-                      <a:prstDash val="solid"/>
-                      <a:round/>
-                      <a:headEnd type="none" w="med" len="med"/>
-                      <a:tailEnd type="none" w="med" len="med"/>
-                    </a:lnT>
-                    <a:lnB w="12700" cap="flat" cmpd="sng" algn="ctr">
-                      <a:solidFill>
-                        <a:schemeClr val="tx1"/>
-                      </a:solidFill>
-                      <a:prstDash val="solid"/>
-                      <a:round/>
-                      <a:headEnd type="none" w="med" len="med"/>
-                      <a:tailEnd type="none" w="med" len="med"/>
-                    </a:lnB>
-                    <a:lnTlToBr w="12700" cmpd="sng">
-                      <a:noFill/>
-                      <a:prstDash val="solid"/>
-                    </a:lnTlToBr>
-                    <a:lnBlToTr w="12700" cmpd="sng">
-                      <a:noFill/>
-                      <a:prstDash val="solid"/>
-                    </a:lnBlToTr>
-                    <a:noFill/>
-                  </a:tcPr>
-                </a:tc>
-                <a:tc>
-                  <a:txBody>
-                    <a:bodyPr/>
-                    <a:lstStyle/>
-                    <a:p>
-                      <a:r>
-                        <a:rPr lang="en-US" dirty="0">
-                          <a:solidFill>
-                            <a:schemeClr val="tx1"/>
-                          </a:solidFill>
-                        </a:rPr>
-                        <a:t>My Model</a:t>
-                      </a:r>
-                    </a:p>
-                  </a:txBody>
-                  <a:tcPr>
-                    <a:lnL w="12700" cmpd="sng">
-                      <a:noFill/>
-                    </a:lnL>
-                    <a:lnR w="12700" cmpd="sng">
-                      <a:noFill/>
-                    </a:lnR>
-                    <a:lnT w="12700" cap="flat" cmpd="sng" algn="ctr">
-                      <a:solidFill>
-                        <a:schemeClr val="tx1"/>
-                      </a:solidFill>
-                      <a:prstDash val="solid"/>
-                      <a:round/>
-                      <a:headEnd type="none" w="med" len="med"/>
-                      <a:tailEnd type="none" w="med" len="med"/>
-                    </a:lnT>
-                    <a:lnB w="12700" cap="flat" cmpd="sng" algn="ctr">
-                      <a:solidFill>
-                        <a:schemeClr val="tx1"/>
-                      </a:solidFill>
-                      <a:prstDash val="solid"/>
-                      <a:round/>
-                      <a:headEnd type="none" w="med" len="med"/>
-                      <a:tailEnd type="none" w="med" len="med"/>
-                    </a:lnB>
-                    <a:lnTlToBr w="12700" cmpd="sng">
-                      <a:noFill/>
-                      <a:prstDash val="solid"/>
-                    </a:lnTlToBr>
-                    <a:lnBlToTr w="12700" cmpd="sng">
-                      <a:noFill/>
-                      <a:prstDash val="solid"/>
-                    </a:lnBlToTr>
-                    <a:noFill/>
-                  </a:tcPr>
-                </a:tc>
-                <a:tc>
-                  <a:txBody>
-                    <a:bodyPr/>
-                    <a:lstStyle/>
-                    <a:p>
-                      <a:r>
-                        <a:rPr lang="en-US" dirty="0" err="1">
-                          <a:solidFill>
-                            <a:schemeClr val="tx1"/>
-                          </a:solidFill>
-                        </a:rPr>
-                        <a:t>Sklearn</a:t>
-                      </a:r>
-                      <a:endParaRPr lang="en-US" dirty="0">
-                        <a:solidFill>
-                          <a:schemeClr val="tx1"/>
-                        </a:solidFill>
-                      </a:endParaRPr>
-                    </a:p>
-                  </a:txBody>
-                  <a:tcPr>
-                    <a:lnL w="12700" cmpd="sng">
-                      <a:noFill/>
-                    </a:lnL>
-                    <a:lnR w="12700" cmpd="sng">
-                      <a:noFill/>
-                    </a:lnR>
-                    <a:lnT w="12700" cap="flat" cmpd="sng" algn="ctr">
-                      <a:solidFill>
-                        <a:schemeClr val="tx1"/>
-                      </a:solidFill>
-                      <a:prstDash val="solid"/>
-                      <a:round/>
-                      <a:headEnd type="none" w="med" len="med"/>
-                      <a:tailEnd type="none" w="med" len="med"/>
-                    </a:lnT>
-                    <a:lnB w="12700" cap="flat" cmpd="sng" algn="ctr">
-                      <a:solidFill>
-                        <a:schemeClr val="tx1"/>
-                      </a:solidFill>
-                      <a:prstDash val="solid"/>
-                      <a:round/>
-                      <a:headEnd type="none" w="med" len="med"/>
-                      <a:tailEnd type="none" w="med" len="med"/>
-                    </a:lnB>
-                    <a:lnTlToBr w="12700" cmpd="sng">
-                      <a:noFill/>
-                      <a:prstDash val="solid"/>
-                    </a:lnTlToBr>
-                    <a:lnBlToTr w="12700" cmpd="sng">
-                      <a:noFill/>
-                      <a:prstDash val="solid"/>
-                    </a:lnBlToTr>
-                    <a:noFill/>
-                  </a:tcPr>
-                </a:tc>
-                <a:tc>
-                  <a:txBody>
-                    <a:bodyPr/>
-                    <a:lstStyle/>
-                    <a:p>
-                      <a:r>
-                        <a:rPr lang="en-US" dirty="0">
-                          <a:solidFill>
-                            <a:schemeClr val="tx1"/>
-                          </a:solidFill>
-                        </a:rPr>
-                        <a:t>Logistic</a:t>
-                      </a:r>
-                    </a:p>
-                  </a:txBody>
-                  <a:tcPr>
-                    <a:lnL w="12700" cmpd="sng">
-                      <a:noFill/>
-                    </a:lnL>
-                    <a:lnR w="12700" cmpd="sng">
-                      <a:noFill/>
-                    </a:lnR>
-                    <a:lnT w="12700" cap="flat" cmpd="sng" algn="ctr">
-                      <a:solidFill>
-                        <a:schemeClr val="tx1"/>
-                      </a:solidFill>
-                      <a:prstDash val="solid"/>
-                      <a:round/>
-                      <a:headEnd type="none" w="med" len="med"/>
-                      <a:tailEnd type="none" w="med" len="med"/>
-                    </a:lnT>
-                    <a:lnB w="12700" cap="flat" cmpd="sng" algn="ctr">
-                      <a:solidFill>
-                        <a:schemeClr val="tx1"/>
-                      </a:solidFill>
-                      <a:prstDash val="solid"/>
-                      <a:round/>
-                      <a:headEnd type="none" w="med" len="med"/>
-                      <a:tailEnd type="none" w="med" len="med"/>
-                    </a:lnB>
-                    <a:lnTlToBr w="12700" cmpd="sng">
-                      <a:noFill/>
-                      <a:prstDash val="solid"/>
-                    </a:lnTlToBr>
-                    <a:lnBlToTr w="12700" cmpd="sng">
-                      <a:noFill/>
-                      <a:prstDash val="solid"/>
-                    </a:lnBlToTr>
-                    <a:noFill/>
-                  </a:tcPr>
-                </a:tc>
-                <a:extLst>
-                  <a:ext uri="{0D108BD9-81ED-4DB2-BD59-A6C34878D82A}">
-                    <a16:rowId xmlns:a16="http://schemas.microsoft.com/office/drawing/2014/main" val="688916677"/>
-                  </a:ext>
-                </a:extLst>
-              </a:tr>
-              <a:tr h="370840">
-                <a:tc>
-                  <a:txBody>
-                    <a:bodyPr/>
-                    <a:lstStyle/>
-                    <a:p>
-                      <a:r>
-                        <a:rPr lang="en-US" dirty="0"/>
-                        <a:t>Avg ACC(%)</a:t>
-                      </a:r>
-                    </a:p>
-                  </a:txBody>
-                  <a:tcPr>
-                    <a:lnL w="12700" cmpd="sng">
-                      <a:noFill/>
-                    </a:lnL>
-                    <a:lnR w="12700" cmpd="sng">
-                      <a:noFill/>
-                    </a:lnR>
-                    <a:lnT w="12700" cap="flat" cmpd="sng" algn="ctr">
-                      <a:solidFill>
-                        <a:schemeClr val="tx1"/>
-                      </a:solidFill>
-                      <a:prstDash val="solid"/>
-                      <a:round/>
-                      <a:headEnd type="none" w="med" len="med"/>
-                      <a:tailEnd type="none" w="med" len="med"/>
-                    </a:lnT>
-                    <a:lnB w="12700" cmpd="sng">
-                      <a:noFill/>
-                    </a:lnB>
-                    <a:lnTlToBr w="12700" cmpd="sng">
-                      <a:noFill/>
-                      <a:prstDash val="solid"/>
-                    </a:lnTlToBr>
-                    <a:lnBlToTr w="12700" cmpd="sng">
-                      <a:noFill/>
-                      <a:prstDash val="solid"/>
-                    </a:lnBlToTr>
-                    <a:noFill/>
-                  </a:tcPr>
-                </a:tc>
-                <a:tc>
-                  <a:txBody>
-                    <a:bodyPr/>
-                    <a:lstStyle/>
-                    <a:p>
-                      <a:r>
-                        <a:rPr lang="en-US" dirty="0"/>
-                        <a:t>68%</a:t>
-                      </a:r>
-                    </a:p>
-                  </a:txBody>
-                  <a:tcPr>
-                    <a:lnL w="12700" cmpd="sng">
-                      <a:noFill/>
-                    </a:lnL>
-                    <a:lnR w="12700" cmpd="sng">
-                      <a:noFill/>
-                    </a:lnR>
-                    <a:lnT w="12700" cap="flat" cmpd="sng" algn="ctr">
-                      <a:solidFill>
-                        <a:schemeClr val="tx1"/>
-                      </a:solidFill>
-                      <a:prstDash val="solid"/>
-                      <a:round/>
-                      <a:headEnd type="none" w="med" len="med"/>
-                      <a:tailEnd type="none" w="med" len="med"/>
-                    </a:lnT>
-                    <a:lnB w="12700" cmpd="sng">
-                      <a:noFill/>
-                    </a:lnB>
-                    <a:lnTlToBr w="12700" cmpd="sng">
-                      <a:noFill/>
-                      <a:prstDash val="solid"/>
-                    </a:lnTlToBr>
-                    <a:lnBlToTr w="12700" cmpd="sng">
-                      <a:noFill/>
-                      <a:prstDash val="solid"/>
-                    </a:lnBlToTr>
-                    <a:noFill/>
-                  </a:tcPr>
-                </a:tc>
-                <a:tc>
-                  <a:txBody>
-                    <a:bodyPr/>
-                    <a:lstStyle/>
-                    <a:p>
-                      <a:r>
-                        <a:rPr lang="en-US" dirty="0"/>
-                        <a:t>64%</a:t>
-                      </a:r>
-                    </a:p>
-                  </a:txBody>
-                  <a:tcPr>
-                    <a:lnL w="12700" cmpd="sng">
-                      <a:noFill/>
-                    </a:lnL>
-                    <a:lnR w="12700" cmpd="sng">
-                      <a:noFill/>
-                    </a:lnR>
-                    <a:lnT w="12700" cap="flat" cmpd="sng" algn="ctr">
-                      <a:solidFill>
-                        <a:schemeClr val="tx1"/>
-                      </a:solidFill>
-                      <a:prstDash val="solid"/>
-                      <a:round/>
-                      <a:headEnd type="none" w="med" len="med"/>
-                      <a:tailEnd type="none" w="med" len="med"/>
-                    </a:lnT>
-                    <a:lnB w="12700" cmpd="sng">
-                      <a:noFill/>
-                    </a:lnB>
-                    <a:lnTlToBr w="12700" cmpd="sng">
-                      <a:noFill/>
-                      <a:prstDash val="solid"/>
-                    </a:lnTlToBr>
-                    <a:lnBlToTr w="12700" cmpd="sng">
-                      <a:noFill/>
-                      <a:prstDash val="solid"/>
-                    </a:lnBlToTr>
-                    <a:noFill/>
-                  </a:tcPr>
-                </a:tc>
-                <a:tc>
-                  <a:txBody>
-                    <a:bodyPr/>
-                    <a:lstStyle/>
-                    <a:p>
-                      <a:r>
-                        <a:rPr lang="en-US" dirty="0"/>
-                        <a:t>73.7%</a:t>
-                      </a:r>
-                    </a:p>
-                  </a:txBody>
-                  <a:tcPr>
-                    <a:lnL w="12700" cmpd="sng">
-                      <a:noFill/>
-                    </a:lnL>
-                    <a:lnR w="12700" cmpd="sng">
-                      <a:noFill/>
-                    </a:lnR>
-                    <a:lnT w="12700" cap="flat" cmpd="sng" algn="ctr">
-                      <a:solidFill>
-                        <a:schemeClr val="tx1"/>
-                      </a:solidFill>
-                      <a:prstDash val="solid"/>
-                      <a:round/>
-                      <a:headEnd type="none" w="med" len="med"/>
-                      <a:tailEnd type="none" w="med" len="med"/>
-                    </a:lnT>
-                    <a:lnB w="12700" cmpd="sng">
-                      <a:noFill/>
-                    </a:lnB>
-                    <a:lnTlToBr w="12700" cmpd="sng">
-                      <a:noFill/>
-                      <a:prstDash val="solid"/>
-                    </a:lnTlToBr>
-                    <a:lnBlToTr w="12700" cmpd="sng">
-                      <a:noFill/>
-                      <a:prstDash val="solid"/>
-                    </a:lnBlToTr>
-                    <a:noFill/>
-                  </a:tcPr>
-                </a:tc>
-                <a:extLst>
-                  <a:ext uri="{0D108BD9-81ED-4DB2-BD59-A6C34878D82A}">
-                    <a16:rowId xmlns:a16="http://schemas.microsoft.com/office/drawing/2014/main" val="106053900"/>
-                  </a:ext>
-                </a:extLst>
-              </a:tr>
-              <a:tr h="370840">
-                <a:tc>
-                  <a:txBody>
-                    <a:bodyPr/>
-                    <a:lstStyle/>
-                    <a:p>
-                      <a:r>
-                        <a:rPr lang="en-US" dirty="0"/>
-                        <a:t>Avg Training Time(s)</a:t>
-                      </a:r>
-                    </a:p>
-                  </a:txBody>
-                  <a:tcPr>
-                    <a:lnL w="12700" cmpd="sng">
-                      <a:noFill/>
-                    </a:lnL>
-                    <a:lnR w="12700" cmpd="sng">
-                      <a:noFill/>
-                    </a:lnR>
-                    <a:lnT w="12700" cmpd="sng">
-                      <a:noFill/>
-                    </a:lnT>
-                    <a:lnB w="12700" cap="flat" cmpd="sng" algn="ctr">
-                      <a:solidFill>
-                        <a:schemeClr val="tx1"/>
-                      </a:solidFill>
-                      <a:prstDash val="solid"/>
-                      <a:round/>
-                      <a:headEnd type="none" w="med" len="med"/>
-                      <a:tailEnd type="none" w="med" len="med"/>
-                    </a:lnB>
-                    <a:lnTlToBr w="12700" cmpd="sng">
-                      <a:noFill/>
-                      <a:prstDash val="solid"/>
-                    </a:lnTlToBr>
-                    <a:lnBlToTr w="12700" cmpd="sng">
-                      <a:noFill/>
-                      <a:prstDash val="solid"/>
-                    </a:lnBlToTr>
-                    <a:noFill/>
-                  </a:tcPr>
-                </a:tc>
-                <a:tc>
-                  <a:txBody>
-                    <a:bodyPr/>
-                    <a:lstStyle/>
-                    <a:p>
-                      <a:r>
-                        <a:rPr lang="en-US" dirty="0"/>
-                        <a:t>23.1</a:t>
-                      </a:r>
-                    </a:p>
-                  </a:txBody>
-                  <a:tcPr>
-                    <a:lnL w="12700" cmpd="sng">
-                      <a:noFill/>
-                    </a:lnL>
-                    <a:lnR w="12700" cmpd="sng">
-                      <a:noFill/>
-                    </a:lnR>
-                    <a:lnT w="12700" cmpd="sng">
-                      <a:noFill/>
-                    </a:lnT>
-                    <a:lnB w="12700" cap="flat" cmpd="sng" algn="ctr">
-                      <a:solidFill>
-                        <a:schemeClr val="tx1"/>
-                      </a:solidFill>
-                      <a:prstDash val="solid"/>
-                      <a:round/>
-                      <a:headEnd type="none" w="med" len="med"/>
-                      <a:tailEnd type="none" w="med" len="med"/>
-                    </a:lnB>
-                    <a:lnTlToBr w="12700" cmpd="sng">
-                      <a:noFill/>
-                      <a:prstDash val="solid"/>
-                    </a:lnTlToBr>
-                    <a:lnBlToTr w="12700" cmpd="sng">
-                      <a:noFill/>
-                      <a:prstDash val="solid"/>
-                    </a:lnBlToTr>
-                    <a:noFill/>
-                  </a:tcPr>
-                </a:tc>
-                <a:tc>
-                  <a:txBody>
-                    <a:bodyPr/>
-                    <a:lstStyle/>
-                    <a:p>
-                      <a:r>
-                        <a:rPr lang="en-US" dirty="0"/>
-                        <a:t>0.38</a:t>
-                      </a:r>
-                    </a:p>
-                  </a:txBody>
-                  <a:tcPr>
-                    <a:lnL w="12700" cmpd="sng">
-                      <a:noFill/>
-                    </a:lnL>
-                    <a:lnR w="12700" cmpd="sng">
-                      <a:noFill/>
-                    </a:lnR>
-                    <a:lnT w="12700" cmpd="sng">
-                      <a:noFill/>
-                    </a:lnT>
-                    <a:lnB w="12700" cap="flat" cmpd="sng" algn="ctr">
-                      <a:solidFill>
-                        <a:schemeClr val="tx1"/>
-                      </a:solidFill>
-                      <a:prstDash val="solid"/>
-                      <a:round/>
-                      <a:headEnd type="none" w="med" len="med"/>
-                      <a:tailEnd type="none" w="med" len="med"/>
-                    </a:lnB>
-                    <a:lnTlToBr w="12700" cmpd="sng">
-                      <a:noFill/>
-                      <a:prstDash val="solid"/>
-                    </a:lnTlToBr>
-                    <a:lnBlToTr w="12700" cmpd="sng">
-                      <a:noFill/>
-                      <a:prstDash val="solid"/>
-                    </a:lnBlToTr>
-                    <a:noFill/>
-                  </a:tcPr>
-                </a:tc>
-                <a:tc>
-                  <a:txBody>
-                    <a:bodyPr/>
-                    <a:lstStyle/>
-                    <a:p>
-                      <a:r>
-                        <a:rPr lang="en-US" dirty="0"/>
-                        <a:t>0.31</a:t>
-                      </a:r>
-                    </a:p>
-                  </a:txBody>
-                  <a:tcPr>
-                    <a:lnL w="12700" cmpd="sng">
-                      <a:noFill/>
-                    </a:lnL>
-                    <a:lnR w="12700" cmpd="sng">
-                      <a:noFill/>
-                    </a:lnR>
-                    <a:lnT w="12700" cmpd="sng">
-                      <a:noFill/>
-                    </a:lnT>
-                    <a:lnB w="12700" cap="flat" cmpd="sng" algn="ctr">
-                      <a:solidFill>
-                        <a:schemeClr val="tx1"/>
-                      </a:solidFill>
-                      <a:prstDash val="solid"/>
-                      <a:round/>
-                      <a:headEnd type="none" w="med" len="med"/>
-                      <a:tailEnd type="none" w="med" len="med"/>
-                    </a:lnB>
-                    <a:lnTlToBr w="12700" cmpd="sng">
-                      <a:noFill/>
-                      <a:prstDash val="solid"/>
-                    </a:lnTlToBr>
-                    <a:lnBlToTr w="12700" cmpd="sng">
-                      <a:noFill/>
-                      <a:prstDash val="solid"/>
-                    </a:lnBlToTr>
-                    <a:noFill/>
-                  </a:tcPr>
-                </a:tc>
-                <a:extLst>
-                  <a:ext uri="{0D108BD9-81ED-4DB2-BD59-A6C34878D82A}">
-                    <a16:rowId xmlns:a16="http://schemas.microsoft.com/office/drawing/2014/main" val="4130038502"/>
-                  </a:ext>
-                </a:extLst>
-              </a:tr>
-            </a:tbl>
-          </a:graphicData>
-        </a:graphic>
-      </p:graphicFrame>
-      <p:sp>
-        <p:nvSpPr>
-          <p:cNvPr id="14" name="Rectangle 13">
-            <a:extLst>
-              <a:ext uri="{FF2B5EF4-FFF2-40B4-BE49-F238E27FC236}">
-                <a16:creationId xmlns:a16="http://schemas.microsoft.com/office/drawing/2014/main" id="{9B756878-0B5A-5342-962C-090C1C22904D}"/>
-              </a:ext>
-            </a:extLst>
-          </p:cNvPr>
-          <p:cNvSpPr/>
-          <p:nvPr/>
-        </p:nvSpPr>
-        <p:spPr>
-          <a:xfrm>
-            <a:off x="1795438" y="4675744"/>
-            <a:ext cx="1257139" cy="369332"/>
-          </a:xfrm>
-          <a:prstGeom prst="rect">
-            <a:avLst/>
-          </a:prstGeom>
-        </p:spPr>
-        <p:txBody>
-          <a:bodyPr wrap="none">
-            <a:spAutoFit/>
-          </a:bodyPr>
-          <a:lstStyle/>
-          <a:p>
-            <a:r>
-              <a:rPr lang="en-US" dirty="0"/>
-              <a:t>a) Accuracy</a:t>
-            </a:r>
-          </a:p>
-        </p:txBody>
-      </p:sp>
-      <p:sp>
-        <p:nvSpPr>
-          <p:cNvPr id="15" name="Rectangle 14">
-            <a:extLst>
-              <a:ext uri="{FF2B5EF4-FFF2-40B4-BE49-F238E27FC236}">
-                <a16:creationId xmlns:a16="http://schemas.microsoft.com/office/drawing/2014/main" id="{382DD910-BA0C-2447-BA4D-65501EDB4F6A}"/>
-              </a:ext>
-            </a:extLst>
-          </p:cNvPr>
-          <p:cNvSpPr/>
-          <p:nvPr/>
-        </p:nvSpPr>
-        <p:spPr>
-          <a:xfrm>
-            <a:off x="6310187" y="4675744"/>
-            <a:ext cx="894797" cy="369332"/>
-          </a:xfrm>
-          <a:prstGeom prst="rect">
-            <a:avLst/>
-          </a:prstGeom>
-        </p:spPr>
-        <p:txBody>
-          <a:bodyPr wrap="none">
-            <a:spAutoFit/>
-          </a:bodyPr>
-          <a:lstStyle/>
-          <a:p>
-            <a:r>
-              <a:rPr lang="en-US" dirty="0"/>
-              <a:t>b) Time</a:t>
-            </a:r>
-          </a:p>
-        </p:txBody>
-      </p:sp>
-      <p:sp>
-        <p:nvSpPr>
-          <p:cNvPr id="10" name="Rectangle 9">
-            <a:extLst>
-              <a:ext uri="{FF2B5EF4-FFF2-40B4-BE49-F238E27FC236}">
-                <a16:creationId xmlns:a16="http://schemas.microsoft.com/office/drawing/2014/main" id="{B30E5445-AABE-FB47-AC5E-629B8C2B1021}"/>
-              </a:ext>
-            </a:extLst>
-          </p:cNvPr>
-          <p:cNvSpPr/>
-          <p:nvPr/>
-        </p:nvSpPr>
-        <p:spPr>
-          <a:xfrm>
-            <a:off x="420783" y="337307"/>
-            <a:ext cx="4051365" cy="523220"/>
-          </a:xfrm>
-          <a:prstGeom prst="rect">
-            <a:avLst/>
-          </a:prstGeom>
-        </p:spPr>
-        <p:txBody>
-          <a:bodyPr wrap="none">
-            <a:spAutoFit/>
-          </a:bodyPr>
-          <a:lstStyle/>
-          <a:p>
-            <a:pPr>
-              <a:spcAft>
-                <a:spcPts val="600"/>
-              </a:spcAft>
-            </a:pPr>
-            <a:r>
-              <a:rPr lang="en-US" sz="2800" b="1" dirty="0">
-                <a:solidFill>
-                  <a:srgbClr val="54AC5C"/>
-                </a:solidFill>
-              </a:rPr>
-              <a:t>Q1: Variants Classification</a:t>
-            </a:r>
-          </a:p>
-        </p:txBody>
-      </p:sp>
-      <p:cxnSp>
-        <p:nvCxnSpPr>
-          <p:cNvPr id="12" name="Straight Connector 11">
-            <a:extLst>
-              <a:ext uri="{FF2B5EF4-FFF2-40B4-BE49-F238E27FC236}">
-                <a16:creationId xmlns:a16="http://schemas.microsoft.com/office/drawing/2014/main" id="{7D2D14BC-1F74-7948-AF38-14057FFB8DBF}"/>
-              </a:ext>
-            </a:extLst>
-          </p:cNvPr>
-          <p:cNvCxnSpPr/>
-          <p:nvPr/>
-        </p:nvCxnSpPr>
-        <p:spPr>
-          <a:xfrm>
-            <a:off x="0" y="872719"/>
-            <a:ext cx="9144000" cy="0"/>
-          </a:xfrm>
-          <a:prstGeom prst="line">
-            <a:avLst/>
-          </a:prstGeom>
-          <a:ln w="17526">
-            <a:solidFill>
-              <a:srgbClr val="54AC5C"/>
-            </a:solidFill>
-          </a:ln>
-          <a:effectLst/>
-        </p:spPr>
-        <p:style>
-          <a:lnRef idx="2">
-            <a:schemeClr val="dk1"/>
-          </a:lnRef>
-          <a:fillRef idx="0">
-            <a:schemeClr val="dk1"/>
-          </a:fillRef>
-          <a:effectRef idx="1">
-            <a:schemeClr val="dk1"/>
-          </a:effectRef>
-          <a:fontRef idx="minor">
-            <a:schemeClr val="tx1"/>
-          </a:fontRef>
-        </p:style>
-      </p:cxnSp>
-      <p:sp>
-        <p:nvSpPr>
-          <p:cNvPr id="16" name="Rectangle 15">
-            <a:extLst>
-              <a:ext uri="{FF2B5EF4-FFF2-40B4-BE49-F238E27FC236}">
-                <a16:creationId xmlns:a16="http://schemas.microsoft.com/office/drawing/2014/main" id="{3FE0452C-DE88-E04A-AA64-534CBE382386}"/>
-              </a:ext>
-            </a:extLst>
-          </p:cNvPr>
-          <p:cNvSpPr/>
-          <p:nvPr/>
-        </p:nvSpPr>
-        <p:spPr>
-          <a:xfrm>
-            <a:off x="1020672" y="1082684"/>
-            <a:ext cx="2977803" cy="369332"/>
-          </a:xfrm>
-          <a:prstGeom prst="rect">
-            <a:avLst/>
-          </a:prstGeom>
-        </p:spPr>
-        <p:txBody>
-          <a:bodyPr wrap="none">
-            <a:spAutoFit/>
-          </a:bodyPr>
-          <a:lstStyle/>
-          <a:p>
-            <a:pPr marL="285750" indent="-285750">
-              <a:spcAft>
-                <a:spcPts val="600"/>
-              </a:spcAft>
-              <a:buFont typeface="Arial" panose="020B0604020202020204" pitchFamily="34" charset="0"/>
-              <a:buChar char="•"/>
-            </a:pPr>
-            <a:r>
-              <a:rPr lang="en-US" dirty="0"/>
-              <a:t>Method 2:     Decision Tree</a:t>
-            </a:r>
-          </a:p>
-        </p:txBody>
-      </p:sp>
-    </p:spTree>
-    <p:extLst>
-      <p:ext uri="{BB962C8B-B14F-4D97-AF65-F5344CB8AC3E}">
-        <p14:creationId xmlns:p14="http://schemas.microsoft.com/office/powerpoint/2010/main" val="3044845807"/>
-      </p:ext>
-    </p:extLst>
-  </p:cSld>
-  <p:clrMapOvr>
-    <a:masterClrMapping/>
-  </p:clrMapOvr>
-  <p:timing>
-    <p:tnLst>
-      <p:par>
-        <p:cTn id="1" dur="indefinite" restart="never" nodeType="tmRoot">
-          <p:childTnLst>
-            <p:seq concurrent="1" nextAc="seek">
-              <p:cTn id="2" dur="indefinite" nodeType="mainSeq">
-                <p:childTnLst>
-                  <p:par>
-                    <p:cTn id="3" fill="hold">
-                      <p:stCondLst>
-                        <p:cond delay="indefinite"/>
-                      </p:stCondLst>
-                      <p:childTnLst>
-                        <p:par>
-                          <p:cTn id="4" fill="hold">
-                            <p:stCondLst>
-                              <p:cond delay="0"/>
-                            </p:stCondLst>
-                            <p:childTnLst>
-                              <p:par>
-                                <p:cTn id="5" presetID="10" presetClass="entr" presetSubtype="0" fill="hold" nodeType="clickEffect">
-                                  <p:stCondLst>
-                                    <p:cond delay="0"/>
-                                  </p:stCondLst>
-                                  <p:childTnLst>
-                                    <p:set>
-                                      <p:cBhvr>
-                                        <p:cTn id="6" dur="1" fill="hold">
                                           <p:stCondLst>
                                             <p:cond delay="0"/>
                                           </p:stCondLst>
@@ -18264,202 +15421,9 @@
                                     </p:set>
                                     <p:animEffect transition="in" filter="fade">
                                       <p:cBhvr>
-                                        <p:cTn id="7" dur="500"/>
+                                        <p:cTn id="20" dur="500"/>
                                         <p:tgtEl>
                                           <p:spTgt spid="6"/>
-                                        </p:tgtEl>
-                                      </p:cBhvr>
-                                    </p:animEffect>
-                                  </p:childTnLst>
-                                </p:cTn>
-                              </p:par>
-                              <p:par>
-                                <p:cTn id="8" presetID="10" presetClass="entr" presetSubtype="0" fill="hold" nodeType="withEffect">
-                                  <p:stCondLst>
-                                    <p:cond delay="0"/>
-                                  </p:stCondLst>
-                                  <p:childTnLst>
-                                    <p:set>
-                                      <p:cBhvr>
-                                        <p:cTn id="9" dur="1" fill="hold">
-                                          <p:stCondLst>
-                                            <p:cond delay="0"/>
-                                          </p:stCondLst>
-                                        </p:cTn>
-                                        <p:tgtEl>
-                                          <p:spTgt spid="11"/>
-                                        </p:tgtEl>
-                                        <p:attrNameLst>
-                                          <p:attrName>style.visibility</p:attrName>
-                                        </p:attrNameLst>
-                                      </p:cBhvr>
-                                      <p:to>
-                                        <p:strVal val="visible"/>
-                                      </p:to>
-                                    </p:set>
-                                    <p:animEffect transition="in" filter="fade">
-                                      <p:cBhvr>
-                                        <p:cTn id="10" dur="500"/>
-                                        <p:tgtEl>
-                                          <p:spTgt spid="11"/>
-                                        </p:tgtEl>
-                                      </p:cBhvr>
-                                    </p:animEffect>
-                                  </p:childTnLst>
-                                </p:cTn>
-                              </p:par>
-                              <p:par>
-                                <p:cTn id="11" presetID="10" presetClass="entr" presetSubtype="0" fill="hold" grpId="0" nodeType="withEffect">
-                                  <p:stCondLst>
-                                    <p:cond delay="0"/>
-                                  </p:stCondLst>
-                                  <p:childTnLst>
-                                    <p:set>
-                                      <p:cBhvr>
-                                        <p:cTn id="12" dur="1" fill="hold">
-                                          <p:stCondLst>
-                                            <p:cond delay="0"/>
-                                          </p:stCondLst>
-                                        </p:cTn>
-                                        <p:tgtEl>
-                                          <p:spTgt spid="14"/>
-                                        </p:tgtEl>
-                                        <p:attrNameLst>
-                                          <p:attrName>style.visibility</p:attrName>
-                                        </p:attrNameLst>
-                                      </p:cBhvr>
-                                      <p:to>
-                                        <p:strVal val="visible"/>
-                                      </p:to>
-                                    </p:set>
-                                    <p:animEffect transition="in" filter="fade">
-                                      <p:cBhvr>
-                                        <p:cTn id="13" dur="500"/>
-                                        <p:tgtEl>
-                                          <p:spTgt spid="14"/>
-                                        </p:tgtEl>
-                                      </p:cBhvr>
-                                    </p:animEffect>
-                                  </p:childTnLst>
-                                </p:cTn>
-                              </p:par>
-                              <p:par>
-                                <p:cTn id="14" presetID="10" presetClass="entr" presetSubtype="0" fill="hold" grpId="0" nodeType="withEffect">
-                                  <p:stCondLst>
-                                    <p:cond delay="0"/>
-                                  </p:stCondLst>
-                                  <p:childTnLst>
-                                    <p:set>
-                                      <p:cBhvr>
-                                        <p:cTn id="15" dur="1" fill="hold">
-                                          <p:stCondLst>
-                                            <p:cond delay="0"/>
-                                          </p:stCondLst>
-                                        </p:cTn>
-                                        <p:tgtEl>
-                                          <p:spTgt spid="15"/>
-                                        </p:tgtEl>
-                                        <p:attrNameLst>
-                                          <p:attrName>style.visibility</p:attrName>
-                                        </p:attrNameLst>
-                                      </p:cBhvr>
-                                      <p:to>
-                                        <p:strVal val="visible"/>
-                                      </p:to>
-                                    </p:set>
-                                    <p:animEffect transition="in" filter="fade">
-                                      <p:cBhvr>
-                                        <p:cTn id="16" dur="500"/>
-                                        <p:tgtEl>
-                                          <p:spTgt spid="15"/>
-                                        </p:tgtEl>
-                                      </p:cBhvr>
-                                    </p:animEffect>
-                                  </p:childTnLst>
-                                </p:cTn>
-                              </p:par>
-                              <p:par>
-                                <p:cTn id="17" presetID="10" presetClass="entr" presetSubtype="0" fill="hold" grpId="0" nodeType="withEffect">
-                                  <p:stCondLst>
-                                    <p:cond delay="0"/>
-                                  </p:stCondLst>
-                                  <p:childTnLst>
-                                    <p:set>
-                                      <p:cBhvr>
-                                        <p:cTn id="18" dur="1" fill="hold">
-                                          <p:stCondLst>
-                                            <p:cond delay="0"/>
-                                          </p:stCondLst>
-                                        </p:cTn>
-                                        <p:tgtEl>
-                                          <p:spTgt spid="7"/>
-                                        </p:tgtEl>
-                                        <p:attrNameLst>
-                                          <p:attrName>style.visibility</p:attrName>
-                                        </p:attrNameLst>
-                                      </p:cBhvr>
-                                      <p:to>
-                                        <p:strVal val="visible"/>
-                                      </p:to>
-                                    </p:set>
-                                    <p:animEffect transition="in" filter="fade">
-                                      <p:cBhvr>
-                                        <p:cTn id="19" dur="500"/>
-                                        <p:tgtEl>
-                                          <p:spTgt spid="7"/>
-                                        </p:tgtEl>
-                                      </p:cBhvr>
-                                    </p:animEffect>
-                                  </p:childTnLst>
-                                </p:cTn>
-                              </p:par>
-                            </p:childTnLst>
-                          </p:cTn>
-                        </p:par>
-                      </p:childTnLst>
-                    </p:cTn>
-                  </p:par>
-                  <p:par>
-                    <p:cTn id="20" fill="hold">
-                      <p:stCondLst>
-                        <p:cond delay="indefinite"/>
-                      </p:stCondLst>
-                      <p:childTnLst>
-                        <p:par>
-                          <p:cTn id="21" fill="hold">
-                            <p:stCondLst>
-                              <p:cond delay="0"/>
-                            </p:stCondLst>
-                            <p:childTnLst>
-                              <p:par>
-                                <p:cTn id="22" presetID="10" presetClass="entr" presetSubtype="0" fill="hold" nodeType="clickEffect">
-                                  <p:stCondLst>
-                                    <p:cond delay="0"/>
-                                  </p:stCondLst>
-                                  <p:childTnLst>
-                                    <p:set>
-                                      <p:cBhvr>
-                                        <p:cTn id="23" dur="1" fill="hold">
-                                          <p:stCondLst>
-                                            <p:cond delay="0"/>
-                                          </p:stCondLst>
-                                        </p:cTn>
-                                        <p:tgtEl>
-                                          <p:spTgt spid="13"/>
-                                        </p:tgtEl>
-                                        <p:attrNameLst>
-                                          <p:attrName>style.visibility</p:attrName>
-                                        </p:attrNameLst>
-                                      </p:cBhvr>
-                                      <p:to>
-                                        <p:strVal val="visible"/>
-                                      </p:to>
-                                    </p:set>
-                                    <p:animEffect transition="in" filter="fade">
-                                      <p:cBhvr>
-                                        <p:cTn id="24" dur="500"/>
-                                        <p:tgtEl>
-                                          <p:spTgt spid="13"/>
                                         </p:tgtEl>
                                       </p:cBhvr>
                                     </p:animEffect>
@@ -18495,238 +15459,17 @@
     </p:tnLst>
     <p:bldLst>
       <p:bldP spid="7" grpId="0"/>
-      <p:bldP spid="14" grpId="0"/>
-      <p:bldP spid="15" grpId="0"/>
+      <p:bldP spid="3" grpId="0"/>
+      <p:bldP spid="3" grpId="1"/>
+      <p:bldP spid="4" grpId="0"/>
+      <p:bldP spid="4" grpId="1"/>
+      <p:bldP spid="6" grpId="0"/>
     </p:bldLst>
   </p:timing>
 </p:sld>
 </file>
 
-<file path=ppt/slides/slide8.xml><?xml version="1.0" encoding="utf-8"?>
-<p:sld xmlns:a="http://schemas.openxmlformats.org/drawingml/2006/main" xmlns:r="http://schemas.openxmlformats.org/officeDocument/2006/relationships" xmlns:p="http://schemas.openxmlformats.org/presentationml/2006/main">
-  <p:cSld>
-    <p:spTree>
-      <p:nvGrpSpPr>
-        <p:cNvPr id="1" name=""/>
-        <p:cNvGrpSpPr/>
-        <p:nvPr/>
-      </p:nvGrpSpPr>
-      <p:grpSpPr>
-        <a:xfrm>
-          <a:off x="0" y="0"/>
-          <a:ext cx="0" cy="0"/>
-          <a:chOff x="0" y="0"/>
-          <a:chExt cx="0" cy="0"/>
-        </a:xfrm>
-      </p:grpSpPr>
-      <p:sp>
-        <p:nvSpPr>
-          <p:cNvPr id="7" name="Rectangle 6">
-            <a:extLst>
-              <a:ext uri="{FF2B5EF4-FFF2-40B4-BE49-F238E27FC236}">
-                <a16:creationId xmlns:a16="http://schemas.microsoft.com/office/drawing/2014/main" id="{AE314084-4AA0-A54B-AF91-603368B26EA0}"/>
-              </a:ext>
-            </a:extLst>
-          </p:cNvPr>
-          <p:cNvSpPr/>
-          <p:nvPr/>
-        </p:nvSpPr>
-        <p:spPr>
-          <a:xfrm>
-            <a:off x="420783" y="337307"/>
-            <a:ext cx="4051365" cy="523220"/>
-          </a:xfrm>
-          <a:prstGeom prst="rect">
-            <a:avLst/>
-          </a:prstGeom>
-        </p:spPr>
-        <p:txBody>
-          <a:bodyPr wrap="none">
-            <a:spAutoFit/>
-          </a:bodyPr>
-          <a:lstStyle/>
-          <a:p>
-            <a:pPr>
-              <a:spcAft>
-                <a:spcPts val="600"/>
-              </a:spcAft>
-            </a:pPr>
-            <a:r>
-              <a:rPr lang="en-US" sz="2800" b="1" dirty="0">
-                <a:solidFill>
-                  <a:srgbClr val="54AC5C"/>
-                </a:solidFill>
-              </a:rPr>
-              <a:t>Q1: Variants Classification</a:t>
-            </a:r>
-          </a:p>
-        </p:txBody>
-      </p:sp>
-      <p:cxnSp>
-        <p:nvCxnSpPr>
-          <p:cNvPr id="8" name="Straight Connector 7">
-            <a:extLst>
-              <a:ext uri="{FF2B5EF4-FFF2-40B4-BE49-F238E27FC236}">
-                <a16:creationId xmlns:a16="http://schemas.microsoft.com/office/drawing/2014/main" id="{1DFF1BA9-A783-624F-8B47-59877EDCC3C5}"/>
-              </a:ext>
-            </a:extLst>
-          </p:cNvPr>
-          <p:cNvCxnSpPr/>
-          <p:nvPr/>
-        </p:nvCxnSpPr>
-        <p:spPr>
-          <a:xfrm>
-            <a:off x="0" y="872719"/>
-            <a:ext cx="9144000" cy="0"/>
-          </a:xfrm>
-          <a:prstGeom prst="line">
-            <a:avLst/>
-          </a:prstGeom>
-          <a:ln w="17526">
-            <a:solidFill>
-              <a:srgbClr val="54AC5C"/>
-            </a:solidFill>
-          </a:ln>
-          <a:effectLst/>
-        </p:spPr>
-        <p:style>
-          <a:lnRef idx="2">
-            <a:schemeClr val="dk1"/>
-          </a:lnRef>
-          <a:fillRef idx="0">
-            <a:schemeClr val="dk1"/>
-          </a:fillRef>
-          <a:effectRef idx="1">
-            <a:schemeClr val="dk1"/>
-          </a:effectRef>
-          <a:fontRef idx="minor">
-            <a:schemeClr val="tx1"/>
-          </a:fontRef>
-        </p:style>
-      </p:cxnSp>
-      <p:sp>
-        <p:nvSpPr>
-          <p:cNvPr id="9" name="Rectangle 8">
-            <a:extLst>
-              <a:ext uri="{FF2B5EF4-FFF2-40B4-BE49-F238E27FC236}">
-                <a16:creationId xmlns:a16="http://schemas.microsoft.com/office/drawing/2014/main" id="{9963E5AE-FC0E-994F-8FB6-8FF07D5FCBB3}"/>
-              </a:ext>
-            </a:extLst>
-          </p:cNvPr>
-          <p:cNvSpPr/>
-          <p:nvPr/>
-        </p:nvSpPr>
-        <p:spPr>
-          <a:xfrm>
-            <a:off x="1020672" y="1082684"/>
-            <a:ext cx="2977803" cy="369332"/>
-          </a:xfrm>
-          <a:prstGeom prst="rect">
-            <a:avLst/>
-          </a:prstGeom>
-        </p:spPr>
-        <p:txBody>
-          <a:bodyPr wrap="none">
-            <a:spAutoFit/>
-          </a:bodyPr>
-          <a:lstStyle/>
-          <a:p>
-            <a:pPr marL="285750" indent="-285750">
-              <a:spcAft>
-                <a:spcPts val="600"/>
-              </a:spcAft>
-              <a:buFont typeface="Arial" panose="020B0604020202020204" pitchFamily="34" charset="0"/>
-              <a:buChar char="•"/>
-            </a:pPr>
-            <a:r>
-              <a:rPr lang="en-US" dirty="0"/>
-              <a:t>Method 2:     Decision Tree</a:t>
-            </a:r>
-          </a:p>
-        </p:txBody>
-      </p:sp>
-      <p:sp>
-        <p:nvSpPr>
-          <p:cNvPr id="11" name="Rectangle 10">
-            <a:extLst>
-              <a:ext uri="{FF2B5EF4-FFF2-40B4-BE49-F238E27FC236}">
-                <a16:creationId xmlns:a16="http://schemas.microsoft.com/office/drawing/2014/main" id="{F57B9DD2-1E24-E345-9053-A9DEC67A6125}"/>
-              </a:ext>
-            </a:extLst>
-          </p:cNvPr>
-          <p:cNvSpPr/>
-          <p:nvPr/>
-        </p:nvSpPr>
-        <p:spPr>
-          <a:xfrm>
-            <a:off x="1539093" y="2500527"/>
-            <a:ext cx="1887248" cy="369332"/>
-          </a:xfrm>
-          <a:prstGeom prst="rect">
-            <a:avLst/>
-          </a:prstGeom>
-        </p:spPr>
-        <p:txBody>
-          <a:bodyPr wrap="none">
-            <a:spAutoFit/>
-          </a:bodyPr>
-          <a:lstStyle/>
-          <a:p>
-            <a:r>
-              <a:rPr lang="en-US" dirty="0"/>
-              <a:t>Acc – Cutoff curve</a:t>
-            </a:r>
-          </a:p>
-        </p:txBody>
-      </p:sp>
-      <p:sp>
-        <p:nvSpPr>
-          <p:cNvPr id="12" name="Rectangle 11">
-            <a:extLst>
-              <a:ext uri="{FF2B5EF4-FFF2-40B4-BE49-F238E27FC236}">
-                <a16:creationId xmlns:a16="http://schemas.microsoft.com/office/drawing/2014/main" id="{C9B91779-E3E2-E14D-BD4E-109802849FE2}"/>
-              </a:ext>
-            </a:extLst>
-          </p:cNvPr>
-          <p:cNvSpPr/>
-          <p:nvPr/>
-        </p:nvSpPr>
-        <p:spPr>
-          <a:xfrm>
-            <a:off x="6004693" y="2500527"/>
-            <a:ext cx="1180964" cy="369332"/>
-          </a:xfrm>
-          <a:prstGeom prst="rect">
-            <a:avLst/>
-          </a:prstGeom>
-        </p:spPr>
-        <p:txBody>
-          <a:bodyPr wrap="none">
-            <a:spAutoFit/>
-          </a:bodyPr>
-          <a:lstStyle/>
-          <a:p>
-            <a:r>
-              <a:rPr lang="en-US" dirty="0"/>
-              <a:t>ROC Curve</a:t>
-            </a:r>
-          </a:p>
-        </p:txBody>
-      </p:sp>
-    </p:spTree>
-    <p:extLst>
-      <p:ext uri="{BB962C8B-B14F-4D97-AF65-F5344CB8AC3E}">
-        <p14:creationId xmlns:p14="http://schemas.microsoft.com/office/powerpoint/2010/main" val="2653269401"/>
-      </p:ext>
-    </p:extLst>
-  </p:cSld>
-  <p:clrMapOvr>
-    <a:masterClrMapping/>
-  </p:clrMapOvr>
-</p:sld>
-</file>
-
-<file path=ppt/slides/slide9.xml><?xml version="1.0" encoding="utf-8"?>
+<file path=ppt/slides/slide5.xml><?xml version="1.0" encoding="utf-8"?>
 <p:sld xmlns:a="http://schemas.openxmlformats.org/drawingml/2006/main" xmlns:r="http://schemas.openxmlformats.org/officeDocument/2006/relationships" xmlns:p="http://schemas.openxmlformats.org/presentationml/2006/main">
   <p:cSld>
     <p:spTree>
@@ -19868,7 +16611,7 @@
         <p:spPr>
           <a:xfrm>
             <a:off x="420783" y="337307"/>
-            <a:ext cx="3611951" cy="523220"/>
+            <a:ext cx="6544036" cy="523220"/>
           </a:xfrm>
           <a:prstGeom prst="rect">
             <a:avLst/>
@@ -19891,7 +16634,7 @@
                   <a:srgbClr val="54AC5C"/>
                 </a:solidFill>
               </a:rPr>
-              <a:t>Q2: Weight of Features</a:t>
+              <a:t>Q2: Weight of Features – Feature Selection</a:t>
             </a:r>
           </a:p>
         </p:txBody>
@@ -20098,7 +16841,7 @@
     </p:spTree>
     <p:extLst>
       <p:ext uri="{BB962C8B-B14F-4D97-AF65-F5344CB8AC3E}">
-        <p14:creationId xmlns:p14="http://schemas.microsoft.com/office/powerpoint/2010/main" val="4270001600"/>
+        <p14:creationId xmlns:p14="http://schemas.microsoft.com/office/powerpoint/2010/main" val="2026284720"/>
       </p:ext>
     </p:extLst>
   </p:cSld>
@@ -21225,6 +17968,4194 @@
 </p:sld>
 </file>
 
+<file path=ppt/slides/slide6.xml><?xml version="1.0" encoding="utf-8"?>
+<p:sld xmlns:a="http://schemas.openxmlformats.org/drawingml/2006/main" xmlns:r="http://schemas.openxmlformats.org/officeDocument/2006/relationships" xmlns:p="http://schemas.openxmlformats.org/presentationml/2006/main">
+  <p:cSld>
+    <p:spTree>
+      <p:nvGrpSpPr>
+        <p:cNvPr id="1" name=""/>
+        <p:cNvGrpSpPr/>
+        <p:nvPr/>
+      </p:nvGrpSpPr>
+      <p:grpSpPr>
+        <a:xfrm>
+          <a:off x="0" y="0"/>
+          <a:ext cx="0" cy="0"/>
+          <a:chOff x="0" y="0"/>
+          <a:chExt cx="0" cy="0"/>
+        </a:xfrm>
+      </p:grpSpPr>
+      <p:sp>
+        <p:nvSpPr>
+          <p:cNvPr id="5" name="Rectangle 4">
+            <a:extLst>
+              <a:ext uri="{FF2B5EF4-FFF2-40B4-BE49-F238E27FC236}">
+                <a16:creationId xmlns:a16="http://schemas.microsoft.com/office/drawing/2014/main" id="{6D11447A-3C5D-3B4F-8CFF-1A0C4E3E46A4}"/>
+              </a:ext>
+            </a:extLst>
+          </p:cNvPr>
+          <p:cNvSpPr/>
+          <p:nvPr/>
+        </p:nvSpPr>
+        <p:spPr>
+          <a:xfrm>
+            <a:off x="3439119" y="1845031"/>
+            <a:ext cx="2066078" cy="369332"/>
+          </a:xfrm>
+          <a:prstGeom prst="rect">
+            <a:avLst/>
+          </a:prstGeom>
+        </p:spPr>
+        <p:txBody>
+          <a:bodyPr wrap="none">
+            <a:spAutoFit/>
+          </a:bodyPr>
+          <a:lstStyle/>
+          <a:p>
+            <a:r>
+              <a:rPr lang="en-US" dirty="0"/>
+              <a:t>Feature Number = 5</a:t>
+            </a:r>
+          </a:p>
+        </p:txBody>
+      </p:sp>
+      <p:graphicFrame>
+        <p:nvGraphicFramePr>
+          <p:cNvPr id="7" name="Table 6">
+            <a:extLst>
+              <a:ext uri="{FF2B5EF4-FFF2-40B4-BE49-F238E27FC236}">
+                <a16:creationId xmlns:a16="http://schemas.microsoft.com/office/drawing/2014/main" id="{ACFC800D-BE3A-594A-8132-D1F76CAE167A}"/>
+              </a:ext>
+            </a:extLst>
+          </p:cNvPr>
+          <p:cNvGraphicFramePr>
+            <a:graphicFrameLocks noGrp="1"/>
+          </p:cNvGraphicFramePr>
+          <p:nvPr/>
+        </p:nvGraphicFramePr>
+        <p:xfrm>
+          <a:off x="1180426" y="2478683"/>
+          <a:ext cx="7003593" cy="4072788"/>
+        </p:xfrm>
+        <a:graphic>
+          <a:graphicData uri="http://schemas.openxmlformats.org/drawingml/2006/table">
+            <a:tbl>
+              <a:tblPr firstRow="1" bandRow="1">
+                <a:effectLst/>
+                <a:tableStyleId>{5C22544A-7EE6-4342-B048-85BDC9FD1C3A}</a:tableStyleId>
+              </a:tblPr>
+              <a:tblGrid>
+                <a:gridCol w="2348497">
+                  <a:extLst>
+                    <a:ext uri="{9D8B030D-6E8A-4147-A177-3AD203B41FA5}">
+                      <a16:colId xmlns:a16="http://schemas.microsoft.com/office/drawing/2014/main" val="2298094637"/>
+                    </a:ext>
+                  </a:extLst>
+                </a:gridCol>
+                <a:gridCol w="1141299">
+                  <a:extLst>
+                    <a:ext uri="{9D8B030D-6E8A-4147-A177-3AD203B41FA5}">
+                      <a16:colId xmlns:a16="http://schemas.microsoft.com/office/drawing/2014/main" val="4240409323"/>
+                    </a:ext>
+                  </a:extLst>
+                </a:gridCol>
+                <a:gridCol w="3513797">
+                  <a:extLst>
+                    <a:ext uri="{9D8B030D-6E8A-4147-A177-3AD203B41FA5}">
+                      <a16:colId xmlns:a16="http://schemas.microsoft.com/office/drawing/2014/main" val="3525766716"/>
+                    </a:ext>
+                  </a:extLst>
+                </a:gridCol>
+              </a:tblGrid>
+              <a:tr h="481914">
+                <a:tc>
+                  <a:txBody>
+                    <a:bodyPr/>
+                    <a:lstStyle/>
+                    <a:p>
+                      <a:r>
+                        <a:rPr lang="en-US" dirty="0">
+                          <a:solidFill>
+                            <a:schemeClr val="tx1"/>
+                          </a:solidFill>
+                        </a:rPr>
+                        <a:t>Attribute</a:t>
+                      </a:r>
+                    </a:p>
+                  </a:txBody>
+                  <a:tcPr anchor="ctr">
+                    <a:lnL w="12700" cmpd="sng">
+                      <a:noFill/>
+                    </a:lnL>
+                    <a:lnR w="12700" cmpd="sng">
+                      <a:noFill/>
+                    </a:lnR>
+                    <a:lnT w="12700" cap="flat" cmpd="sng" algn="ctr">
+                      <a:solidFill>
+                        <a:schemeClr val="tx1"/>
+                      </a:solidFill>
+                      <a:prstDash val="solid"/>
+                      <a:round/>
+                      <a:headEnd type="none" w="med" len="med"/>
+                      <a:tailEnd type="none" w="med" len="med"/>
+                    </a:lnT>
+                    <a:lnB w="12700" cap="flat" cmpd="sng" algn="ctr">
+                      <a:solidFill>
+                        <a:schemeClr val="tx1"/>
+                      </a:solidFill>
+                      <a:prstDash val="solid"/>
+                      <a:round/>
+                      <a:headEnd type="none" w="med" len="med"/>
+                      <a:tailEnd type="none" w="med" len="med"/>
+                    </a:lnB>
+                    <a:lnTlToBr w="12700" cmpd="sng">
+                      <a:noFill/>
+                      <a:prstDash val="solid"/>
+                    </a:lnTlToBr>
+                    <a:lnBlToTr w="12700" cmpd="sng">
+                      <a:noFill/>
+                      <a:prstDash val="solid"/>
+                    </a:lnBlToTr>
+                    <a:noFill/>
+                  </a:tcPr>
+                </a:tc>
+                <a:tc>
+                  <a:txBody>
+                    <a:bodyPr/>
+                    <a:lstStyle/>
+                    <a:p>
+                      <a:r>
+                        <a:rPr lang="en-US" dirty="0">
+                          <a:solidFill>
+                            <a:schemeClr val="tx1"/>
+                          </a:solidFill>
+                        </a:rPr>
+                        <a:t>Acc</a:t>
+                      </a:r>
+                    </a:p>
+                  </a:txBody>
+                  <a:tcPr anchor="ctr">
+                    <a:lnL w="12700" cmpd="sng">
+                      <a:noFill/>
+                    </a:lnL>
+                    <a:lnR w="12700" cmpd="sng">
+                      <a:noFill/>
+                    </a:lnR>
+                    <a:lnT w="12700" cap="flat" cmpd="sng" algn="ctr">
+                      <a:solidFill>
+                        <a:schemeClr val="tx1"/>
+                      </a:solidFill>
+                      <a:prstDash val="solid"/>
+                      <a:round/>
+                      <a:headEnd type="none" w="med" len="med"/>
+                      <a:tailEnd type="none" w="med" len="med"/>
+                    </a:lnT>
+                    <a:lnB w="12700" cap="flat" cmpd="sng" algn="ctr">
+                      <a:solidFill>
+                        <a:schemeClr val="tx1"/>
+                      </a:solidFill>
+                      <a:prstDash val="solid"/>
+                      <a:round/>
+                      <a:headEnd type="none" w="med" len="med"/>
+                      <a:tailEnd type="none" w="med" len="med"/>
+                    </a:lnB>
+                    <a:lnTlToBr w="12700" cmpd="sng">
+                      <a:noFill/>
+                      <a:prstDash val="solid"/>
+                    </a:lnTlToBr>
+                    <a:lnBlToTr w="12700" cmpd="sng">
+                      <a:noFill/>
+                      <a:prstDash val="solid"/>
+                    </a:lnBlToTr>
+                    <a:noFill/>
+                  </a:tcPr>
+                </a:tc>
+                <a:tc>
+                  <a:txBody>
+                    <a:bodyPr/>
+                    <a:lstStyle/>
+                    <a:p>
+                      <a:r>
+                        <a:rPr lang="en-US" dirty="0">
+                          <a:solidFill>
+                            <a:schemeClr val="tx1"/>
+                          </a:solidFill>
+                        </a:rPr>
+                        <a:t>Interpretation</a:t>
+                      </a:r>
+                    </a:p>
+                  </a:txBody>
+                  <a:tcPr anchor="ctr">
+                    <a:lnL w="12700" cmpd="sng">
+                      <a:noFill/>
+                    </a:lnL>
+                    <a:lnR w="12700" cmpd="sng">
+                      <a:noFill/>
+                    </a:lnR>
+                    <a:lnT w="12700" cap="flat" cmpd="sng" algn="ctr">
+                      <a:solidFill>
+                        <a:schemeClr val="tx1"/>
+                      </a:solidFill>
+                      <a:prstDash val="solid"/>
+                      <a:round/>
+                      <a:headEnd type="none" w="med" len="med"/>
+                      <a:tailEnd type="none" w="med" len="med"/>
+                    </a:lnT>
+                    <a:lnB w="12700" cap="flat" cmpd="sng" algn="ctr">
+                      <a:solidFill>
+                        <a:schemeClr val="tx1"/>
+                      </a:solidFill>
+                      <a:prstDash val="solid"/>
+                      <a:round/>
+                      <a:headEnd type="none" w="med" len="med"/>
+                      <a:tailEnd type="none" w="med" len="med"/>
+                    </a:lnB>
+                    <a:lnTlToBr w="12700" cmpd="sng">
+                      <a:noFill/>
+                      <a:prstDash val="solid"/>
+                    </a:lnTlToBr>
+                    <a:lnBlToTr w="12700" cmpd="sng">
+                      <a:noFill/>
+                      <a:prstDash val="solid"/>
+                    </a:lnBlToTr>
+                    <a:noFill/>
+                  </a:tcPr>
+                </a:tc>
+                <a:extLst>
+                  <a:ext uri="{0D108BD9-81ED-4DB2-BD59-A6C34878D82A}">
+                    <a16:rowId xmlns:a16="http://schemas.microsoft.com/office/drawing/2014/main" val="1825761006"/>
+                  </a:ext>
+                </a:extLst>
+              </a:tr>
+              <a:tr h="481914">
+                <a:tc>
+                  <a:txBody>
+                    <a:bodyPr/>
+                    <a:lstStyle/>
+                    <a:p>
+                      <a:r>
+                        <a:rPr lang="en-US" dirty="0"/>
+                        <a:t>AF_EXAC</a:t>
+                      </a:r>
+                    </a:p>
+                  </a:txBody>
+                  <a:tcPr>
+                    <a:lnL w="12700" cmpd="sng">
+                      <a:noFill/>
+                    </a:lnL>
+                    <a:lnR w="12700" cmpd="sng">
+                      <a:noFill/>
+                    </a:lnR>
+                    <a:lnT w="12700" cap="flat" cmpd="sng" algn="ctr">
+                      <a:solidFill>
+                        <a:schemeClr val="tx1"/>
+                      </a:solidFill>
+                      <a:prstDash val="solid"/>
+                      <a:round/>
+                      <a:headEnd type="none" w="med" len="med"/>
+                      <a:tailEnd type="none" w="med" len="med"/>
+                    </a:lnT>
+                    <a:lnB w="12700" cmpd="sng">
+                      <a:noFill/>
+                    </a:lnB>
+                    <a:lnTlToBr w="12700" cmpd="sng">
+                      <a:noFill/>
+                      <a:prstDash val="solid"/>
+                    </a:lnTlToBr>
+                    <a:lnBlToTr w="12700" cmpd="sng">
+                      <a:noFill/>
+                      <a:prstDash val="solid"/>
+                    </a:lnBlToTr>
+                    <a:noFill/>
+                  </a:tcPr>
+                </a:tc>
+                <a:tc>
+                  <a:txBody>
+                    <a:bodyPr/>
+                    <a:lstStyle/>
+                    <a:p>
+                      <a:r>
+                        <a:rPr lang="en-US" dirty="0"/>
+                        <a:t>0.736</a:t>
+                      </a:r>
+                    </a:p>
+                  </a:txBody>
+                  <a:tcPr>
+                    <a:lnL w="12700" cmpd="sng">
+                      <a:noFill/>
+                    </a:lnL>
+                    <a:lnR w="12700" cmpd="sng">
+                      <a:noFill/>
+                    </a:lnR>
+                    <a:lnT w="12700" cap="flat" cmpd="sng" algn="ctr">
+                      <a:solidFill>
+                        <a:schemeClr val="tx1"/>
+                      </a:solidFill>
+                      <a:prstDash val="solid"/>
+                      <a:round/>
+                      <a:headEnd type="none" w="med" len="med"/>
+                      <a:tailEnd type="none" w="med" len="med"/>
+                    </a:lnT>
+                    <a:lnB w="12700" cmpd="sng">
+                      <a:noFill/>
+                    </a:lnB>
+                    <a:lnTlToBr w="12700" cmpd="sng">
+                      <a:noFill/>
+                      <a:prstDash val="solid"/>
+                    </a:lnTlToBr>
+                    <a:lnBlToTr w="12700" cmpd="sng">
+                      <a:noFill/>
+                      <a:prstDash val="solid"/>
+                    </a:lnBlToTr>
+                    <a:noFill/>
+                  </a:tcPr>
+                </a:tc>
+                <a:tc>
+                  <a:txBody>
+                    <a:bodyPr/>
+                    <a:lstStyle/>
+                    <a:p>
+                      <a:r>
+                        <a:rPr lang="en-US" sz="1800" b="0" i="0" kern="1200" dirty="0">
+                          <a:solidFill>
+                            <a:schemeClr val="dk1"/>
+                          </a:solidFill>
+                          <a:effectLst/>
+                          <a:latin typeface="+mn-lt"/>
+                          <a:ea typeface="+mn-ea"/>
+                          <a:cs typeface="+mn-cs"/>
+                        </a:rPr>
+                        <a:t>Allele frequencies from </a:t>
+                      </a:r>
+                      <a:r>
+                        <a:rPr lang="en-US" sz="1800" b="0" i="0" kern="1200" dirty="0" err="1">
+                          <a:solidFill>
+                            <a:schemeClr val="dk1"/>
+                          </a:solidFill>
+                          <a:effectLst/>
+                          <a:latin typeface="+mn-lt"/>
+                          <a:ea typeface="+mn-ea"/>
+                          <a:cs typeface="+mn-cs"/>
+                        </a:rPr>
+                        <a:t>ExAC</a:t>
+                      </a:r>
+                      <a:endParaRPr lang="en-US" dirty="0"/>
+                    </a:p>
+                  </a:txBody>
+                  <a:tcPr>
+                    <a:lnL w="12700" cmpd="sng">
+                      <a:noFill/>
+                    </a:lnL>
+                    <a:lnR w="12700" cmpd="sng">
+                      <a:noFill/>
+                    </a:lnR>
+                    <a:lnT w="12700" cap="flat" cmpd="sng" algn="ctr">
+                      <a:solidFill>
+                        <a:schemeClr val="tx1"/>
+                      </a:solidFill>
+                      <a:prstDash val="solid"/>
+                      <a:round/>
+                      <a:headEnd type="none" w="med" len="med"/>
+                      <a:tailEnd type="none" w="med" len="med"/>
+                    </a:lnT>
+                    <a:lnB w="12700" cmpd="sng">
+                      <a:noFill/>
+                    </a:lnB>
+                    <a:lnTlToBr w="12700" cmpd="sng">
+                      <a:noFill/>
+                      <a:prstDash val="solid"/>
+                    </a:lnTlToBr>
+                    <a:lnBlToTr w="12700" cmpd="sng">
+                      <a:noFill/>
+                      <a:prstDash val="solid"/>
+                    </a:lnBlToTr>
+                    <a:noFill/>
+                  </a:tcPr>
+                </a:tc>
+                <a:extLst>
+                  <a:ext uri="{0D108BD9-81ED-4DB2-BD59-A6C34878D82A}">
+                    <a16:rowId xmlns:a16="http://schemas.microsoft.com/office/drawing/2014/main" val="340482895"/>
+                  </a:ext>
+                </a:extLst>
+              </a:tr>
+              <a:tr h="481914">
+                <a:tc>
+                  <a:txBody>
+                    <a:bodyPr/>
+                    <a:lstStyle/>
+                    <a:p>
+                      <a:r>
+                        <a:rPr lang="en-US" dirty="0">
+                          <a:solidFill>
+                            <a:schemeClr val="tx1">
+                              <a:lumMod val="50000"/>
+                              <a:lumOff val="50000"/>
+                            </a:schemeClr>
+                          </a:solidFill>
+                        </a:rPr>
+                        <a:t>CLNVI</a:t>
+                      </a:r>
+                    </a:p>
+                  </a:txBody>
+                  <a:tcPr>
+                    <a:lnL w="12700" cmpd="sng">
+                      <a:noFill/>
+                    </a:lnL>
+                    <a:lnR w="12700" cmpd="sng">
+                      <a:noFill/>
+                    </a:lnR>
+                    <a:lnT w="12700" cmpd="sng">
+                      <a:noFill/>
+                    </a:lnT>
+                    <a:lnB w="12700" cmpd="sng">
+                      <a:noFill/>
+                    </a:lnB>
+                    <a:lnTlToBr w="12700" cmpd="sng">
+                      <a:noFill/>
+                      <a:prstDash val="solid"/>
+                    </a:lnTlToBr>
+                    <a:lnBlToTr w="12700" cmpd="sng">
+                      <a:noFill/>
+                      <a:prstDash val="solid"/>
+                    </a:lnBlToTr>
+                    <a:noFill/>
+                  </a:tcPr>
+                </a:tc>
+                <a:tc>
+                  <a:txBody>
+                    <a:bodyPr/>
+                    <a:lstStyle/>
+                    <a:p>
+                      <a:r>
+                        <a:rPr lang="en-US" dirty="0">
+                          <a:solidFill>
+                            <a:schemeClr val="tx1">
+                              <a:lumMod val="50000"/>
+                              <a:lumOff val="50000"/>
+                            </a:schemeClr>
+                          </a:solidFill>
+                        </a:rPr>
+                        <a:t>0.731</a:t>
+                      </a:r>
+                    </a:p>
+                  </a:txBody>
+                  <a:tcPr>
+                    <a:lnL w="12700" cmpd="sng">
+                      <a:noFill/>
+                    </a:lnL>
+                    <a:lnR w="12700" cmpd="sng">
+                      <a:noFill/>
+                    </a:lnR>
+                    <a:lnT w="12700" cmpd="sng">
+                      <a:noFill/>
+                    </a:lnT>
+                    <a:lnB w="12700" cmpd="sng">
+                      <a:noFill/>
+                    </a:lnB>
+                    <a:lnTlToBr w="12700" cmpd="sng">
+                      <a:noFill/>
+                      <a:prstDash val="solid"/>
+                    </a:lnTlToBr>
+                    <a:lnBlToTr w="12700" cmpd="sng">
+                      <a:noFill/>
+                      <a:prstDash val="solid"/>
+                    </a:lnBlToTr>
+                    <a:noFill/>
+                  </a:tcPr>
+                </a:tc>
+                <a:tc>
+                  <a:txBody>
+                    <a:bodyPr/>
+                    <a:lstStyle/>
+                    <a:p>
+                      <a:pPr marL="0" marR="0" lvl="0" indent="0" algn="l" defTabSz="457200" rtl="0" eaLnBrk="1" fontAlgn="auto" latinLnBrk="0" hangingPunct="1">
+                        <a:lnSpc>
+                          <a:spcPct val="100000"/>
+                        </a:lnSpc>
+                        <a:spcBef>
+                          <a:spcPts val="0"/>
+                        </a:spcBef>
+                        <a:spcAft>
+                          <a:spcPts val="0"/>
+                        </a:spcAft>
+                        <a:buClrTx/>
+                        <a:buSzTx/>
+                        <a:buFontTx/>
+                        <a:buNone/>
+                        <a:tabLst/>
+                        <a:defRPr/>
+                      </a:pPr>
+                      <a:r>
+                        <a:rPr lang="en-US" sz="1800" b="0" i="0" kern="1200" dirty="0">
+                          <a:solidFill>
+                            <a:schemeClr val="tx1">
+                              <a:lumMod val="50000"/>
+                              <a:lumOff val="50000"/>
+                            </a:schemeClr>
+                          </a:solidFill>
+                          <a:effectLst/>
+                          <a:latin typeface="+mn-lt"/>
+                          <a:ea typeface="+mn-ea"/>
+                          <a:cs typeface="+mn-cs"/>
+                        </a:rPr>
+                        <a:t>The Variant's clinical sources reported as tag-value pairs of database and variant identifier</a:t>
+                      </a:r>
+                      <a:endParaRPr lang="en-US" dirty="0">
+                        <a:solidFill>
+                          <a:schemeClr val="tx1">
+                            <a:lumMod val="50000"/>
+                            <a:lumOff val="50000"/>
+                          </a:schemeClr>
+                        </a:solidFill>
+                      </a:endParaRPr>
+                    </a:p>
+                    <a:p>
+                      <a:endParaRPr lang="en-US" dirty="0"/>
+                    </a:p>
+                  </a:txBody>
+                  <a:tcPr>
+                    <a:lnL w="12700" cmpd="sng">
+                      <a:noFill/>
+                    </a:lnL>
+                    <a:lnR w="12700" cmpd="sng">
+                      <a:noFill/>
+                    </a:lnR>
+                    <a:lnT w="12700" cmpd="sng">
+                      <a:noFill/>
+                    </a:lnT>
+                    <a:lnB w="12700" cmpd="sng">
+                      <a:noFill/>
+                    </a:lnB>
+                    <a:lnTlToBr w="12700" cmpd="sng">
+                      <a:noFill/>
+                      <a:prstDash val="solid"/>
+                    </a:lnTlToBr>
+                    <a:lnBlToTr w="12700" cmpd="sng">
+                      <a:noFill/>
+                      <a:prstDash val="solid"/>
+                    </a:lnBlToTr>
+                    <a:noFill/>
+                  </a:tcPr>
+                </a:tc>
+                <a:extLst>
+                  <a:ext uri="{0D108BD9-81ED-4DB2-BD59-A6C34878D82A}">
+                    <a16:rowId xmlns:a16="http://schemas.microsoft.com/office/drawing/2014/main" val="1004587037"/>
+                  </a:ext>
+                </a:extLst>
+              </a:tr>
+              <a:tr h="481914">
+                <a:tc>
+                  <a:txBody>
+                    <a:bodyPr/>
+                    <a:lstStyle/>
+                    <a:p>
+                      <a:r>
+                        <a:rPr lang="en-US" dirty="0" err="1">
+                          <a:solidFill>
+                            <a:schemeClr val="tx1">
+                              <a:lumMod val="50000"/>
+                              <a:lumOff val="50000"/>
+                            </a:schemeClr>
+                          </a:solidFill>
+                        </a:rPr>
+                        <a:t>cDNA_position</a:t>
+                      </a:r>
+                      <a:endParaRPr lang="en-US" dirty="0">
+                        <a:solidFill>
+                          <a:schemeClr val="tx1">
+                            <a:lumMod val="50000"/>
+                            <a:lumOff val="50000"/>
+                          </a:schemeClr>
+                        </a:solidFill>
+                      </a:endParaRPr>
+                    </a:p>
+                  </a:txBody>
+                  <a:tcPr>
+                    <a:lnL w="12700" cmpd="sng">
+                      <a:noFill/>
+                    </a:lnL>
+                    <a:lnR w="12700" cmpd="sng">
+                      <a:noFill/>
+                    </a:lnR>
+                    <a:lnT w="12700" cmpd="sng">
+                      <a:noFill/>
+                    </a:lnT>
+                    <a:lnB w="12700" cmpd="sng">
+                      <a:noFill/>
+                    </a:lnB>
+                    <a:lnTlToBr w="12700" cmpd="sng">
+                      <a:noFill/>
+                      <a:prstDash val="solid"/>
+                    </a:lnTlToBr>
+                    <a:lnBlToTr w="12700" cmpd="sng">
+                      <a:noFill/>
+                      <a:prstDash val="solid"/>
+                    </a:lnBlToTr>
+                    <a:noFill/>
+                  </a:tcPr>
+                </a:tc>
+                <a:tc>
+                  <a:txBody>
+                    <a:bodyPr/>
+                    <a:lstStyle/>
+                    <a:p>
+                      <a:r>
+                        <a:rPr lang="en-US" dirty="0">
+                          <a:solidFill>
+                            <a:schemeClr val="tx1">
+                              <a:lumMod val="50000"/>
+                              <a:lumOff val="50000"/>
+                            </a:schemeClr>
+                          </a:solidFill>
+                        </a:rPr>
+                        <a:t>0.728</a:t>
+                      </a:r>
+                    </a:p>
+                  </a:txBody>
+                  <a:tcPr>
+                    <a:lnL w="12700" cmpd="sng">
+                      <a:noFill/>
+                    </a:lnL>
+                    <a:lnR w="12700" cmpd="sng">
+                      <a:noFill/>
+                    </a:lnR>
+                    <a:lnT w="12700" cmpd="sng">
+                      <a:noFill/>
+                    </a:lnT>
+                    <a:lnB w="12700" cmpd="sng">
+                      <a:noFill/>
+                    </a:lnB>
+                    <a:lnTlToBr w="12700" cmpd="sng">
+                      <a:noFill/>
+                      <a:prstDash val="solid"/>
+                    </a:lnTlToBr>
+                    <a:lnBlToTr w="12700" cmpd="sng">
+                      <a:noFill/>
+                      <a:prstDash val="solid"/>
+                    </a:lnBlToTr>
+                    <a:noFill/>
+                  </a:tcPr>
+                </a:tc>
+                <a:tc>
+                  <a:txBody>
+                    <a:bodyPr/>
+                    <a:lstStyle/>
+                    <a:p>
+                      <a:r>
+                        <a:rPr lang="en-US" sz="1800" b="0" i="0" kern="1200" dirty="0">
+                          <a:solidFill>
+                            <a:schemeClr val="tx1">
+                              <a:lumMod val="50000"/>
+                              <a:lumOff val="50000"/>
+                            </a:schemeClr>
+                          </a:solidFill>
+                          <a:effectLst/>
+                          <a:latin typeface="+mn-lt"/>
+                          <a:ea typeface="+mn-ea"/>
+                          <a:cs typeface="+mn-cs"/>
+                        </a:rPr>
+                        <a:t>Relative Position of base pair in cDNA sequence</a:t>
+                      </a:r>
+                      <a:endParaRPr lang="en-US" dirty="0">
+                        <a:solidFill>
+                          <a:schemeClr val="tx1">
+                            <a:lumMod val="50000"/>
+                            <a:lumOff val="50000"/>
+                          </a:schemeClr>
+                        </a:solidFill>
+                      </a:endParaRPr>
+                    </a:p>
+                  </a:txBody>
+                  <a:tcPr>
+                    <a:lnL w="12700" cmpd="sng">
+                      <a:noFill/>
+                    </a:lnL>
+                    <a:lnR w="12700" cmpd="sng">
+                      <a:noFill/>
+                    </a:lnR>
+                    <a:lnT w="12700" cmpd="sng">
+                      <a:noFill/>
+                    </a:lnT>
+                    <a:lnB w="12700" cmpd="sng">
+                      <a:noFill/>
+                    </a:lnB>
+                    <a:lnTlToBr w="12700" cmpd="sng">
+                      <a:noFill/>
+                      <a:prstDash val="solid"/>
+                    </a:lnTlToBr>
+                    <a:lnBlToTr w="12700" cmpd="sng">
+                      <a:noFill/>
+                      <a:prstDash val="solid"/>
+                    </a:lnBlToTr>
+                    <a:noFill/>
+                  </a:tcPr>
+                </a:tc>
+                <a:extLst>
+                  <a:ext uri="{0D108BD9-81ED-4DB2-BD59-A6C34878D82A}">
+                    <a16:rowId xmlns:a16="http://schemas.microsoft.com/office/drawing/2014/main" val="306795539"/>
+                  </a:ext>
+                </a:extLst>
+              </a:tr>
+              <a:tr h="481914">
+                <a:tc>
+                  <a:txBody>
+                    <a:bodyPr/>
+                    <a:lstStyle/>
+                    <a:p>
+                      <a:r>
+                        <a:rPr lang="en-US" dirty="0">
+                          <a:solidFill>
+                            <a:schemeClr val="tx1">
+                              <a:lumMod val="50000"/>
+                              <a:lumOff val="50000"/>
+                            </a:schemeClr>
+                          </a:solidFill>
+                        </a:rPr>
+                        <a:t>BIOTYPE</a:t>
+                      </a:r>
+                    </a:p>
+                  </a:txBody>
+                  <a:tcPr>
+                    <a:lnL w="12700" cmpd="sng">
+                      <a:noFill/>
+                    </a:lnL>
+                    <a:lnR w="12700" cmpd="sng">
+                      <a:noFill/>
+                    </a:lnR>
+                    <a:lnT w="12700" cmpd="sng">
+                      <a:noFill/>
+                    </a:lnT>
+                    <a:lnB w="12700" cmpd="sng">
+                      <a:noFill/>
+                    </a:lnB>
+                    <a:lnTlToBr w="12700" cmpd="sng">
+                      <a:noFill/>
+                      <a:prstDash val="solid"/>
+                    </a:lnTlToBr>
+                    <a:lnBlToTr w="12700" cmpd="sng">
+                      <a:noFill/>
+                      <a:prstDash val="solid"/>
+                    </a:lnBlToTr>
+                    <a:noFill/>
+                  </a:tcPr>
+                </a:tc>
+                <a:tc>
+                  <a:txBody>
+                    <a:bodyPr/>
+                    <a:lstStyle/>
+                    <a:p>
+                      <a:r>
+                        <a:rPr lang="en-US" dirty="0">
+                          <a:solidFill>
+                            <a:schemeClr val="tx1">
+                              <a:lumMod val="50000"/>
+                              <a:lumOff val="50000"/>
+                            </a:schemeClr>
+                          </a:solidFill>
+                        </a:rPr>
+                        <a:t>0.724</a:t>
+                      </a:r>
+                    </a:p>
+                  </a:txBody>
+                  <a:tcPr>
+                    <a:lnL w="12700" cmpd="sng">
+                      <a:noFill/>
+                    </a:lnL>
+                    <a:lnR w="12700" cmpd="sng">
+                      <a:noFill/>
+                    </a:lnR>
+                    <a:lnT w="12700" cmpd="sng">
+                      <a:noFill/>
+                    </a:lnT>
+                    <a:lnB w="12700" cmpd="sng">
+                      <a:noFill/>
+                    </a:lnB>
+                    <a:lnTlToBr w="12700" cmpd="sng">
+                      <a:noFill/>
+                      <a:prstDash val="solid"/>
+                    </a:lnTlToBr>
+                    <a:lnBlToTr w="12700" cmpd="sng">
+                      <a:noFill/>
+                      <a:prstDash val="solid"/>
+                    </a:lnBlToTr>
+                    <a:noFill/>
+                  </a:tcPr>
+                </a:tc>
+                <a:tc>
+                  <a:txBody>
+                    <a:bodyPr/>
+                    <a:lstStyle/>
+                    <a:p>
+                      <a:r>
+                        <a:rPr lang="en-US" sz="1800" b="0" i="0" kern="1200" dirty="0">
+                          <a:solidFill>
+                            <a:schemeClr val="tx1">
+                              <a:lumMod val="50000"/>
+                              <a:lumOff val="50000"/>
+                            </a:schemeClr>
+                          </a:solidFill>
+                          <a:effectLst/>
+                          <a:latin typeface="+mn-lt"/>
+                          <a:ea typeface="+mn-ea"/>
+                          <a:cs typeface="+mn-cs"/>
+                        </a:rPr>
+                        <a:t>Biotype of transcript or regulatory feature</a:t>
+                      </a:r>
+                      <a:endParaRPr lang="en-US" dirty="0">
+                        <a:solidFill>
+                          <a:schemeClr val="tx1">
+                            <a:lumMod val="50000"/>
+                            <a:lumOff val="50000"/>
+                          </a:schemeClr>
+                        </a:solidFill>
+                      </a:endParaRPr>
+                    </a:p>
+                  </a:txBody>
+                  <a:tcPr>
+                    <a:lnL w="12700" cmpd="sng">
+                      <a:noFill/>
+                    </a:lnL>
+                    <a:lnR w="12700" cmpd="sng">
+                      <a:noFill/>
+                    </a:lnR>
+                    <a:lnT w="12700" cmpd="sng">
+                      <a:noFill/>
+                    </a:lnT>
+                    <a:lnB w="12700" cmpd="sng">
+                      <a:noFill/>
+                    </a:lnB>
+                    <a:lnTlToBr w="12700" cmpd="sng">
+                      <a:noFill/>
+                      <a:prstDash val="solid"/>
+                    </a:lnTlToBr>
+                    <a:lnBlToTr w="12700" cmpd="sng">
+                      <a:noFill/>
+                      <a:prstDash val="solid"/>
+                    </a:lnBlToTr>
+                    <a:noFill/>
+                  </a:tcPr>
+                </a:tc>
+                <a:extLst>
+                  <a:ext uri="{0D108BD9-81ED-4DB2-BD59-A6C34878D82A}">
+                    <a16:rowId xmlns:a16="http://schemas.microsoft.com/office/drawing/2014/main" val="1796533803"/>
+                  </a:ext>
+                </a:extLst>
+              </a:tr>
+              <a:tr h="481914">
+                <a:tc>
+                  <a:txBody>
+                    <a:bodyPr/>
+                    <a:lstStyle/>
+                    <a:p>
+                      <a:r>
+                        <a:rPr lang="en-US" dirty="0">
+                          <a:solidFill>
+                            <a:schemeClr val="tx1">
+                              <a:lumMod val="50000"/>
+                              <a:lumOff val="50000"/>
+                            </a:schemeClr>
+                          </a:solidFill>
+                        </a:rPr>
+                        <a:t>STRAND</a:t>
+                      </a:r>
+                    </a:p>
+                  </a:txBody>
+                  <a:tcPr>
+                    <a:lnL w="12700" cmpd="sng">
+                      <a:noFill/>
+                    </a:lnL>
+                    <a:lnR w="12700" cmpd="sng">
+                      <a:noFill/>
+                    </a:lnR>
+                    <a:lnT w="12700" cmpd="sng">
+                      <a:noFill/>
+                    </a:lnT>
+                    <a:lnB w="12700" cap="flat" cmpd="sng" algn="ctr">
+                      <a:solidFill>
+                        <a:schemeClr val="tx1"/>
+                      </a:solidFill>
+                      <a:prstDash val="solid"/>
+                      <a:round/>
+                      <a:headEnd type="none" w="med" len="med"/>
+                      <a:tailEnd type="none" w="med" len="med"/>
+                    </a:lnB>
+                    <a:lnTlToBr w="12700" cmpd="sng">
+                      <a:noFill/>
+                      <a:prstDash val="solid"/>
+                    </a:lnTlToBr>
+                    <a:lnBlToTr w="12700" cmpd="sng">
+                      <a:noFill/>
+                      <a:prstDash val="solid"/>
+                    </a:lnBlToTr>
+                    <a:noFill/>
+                  </a:tcPr>
+                </a:tc>
+                <a:tc>
+                  <a:txBody>
+                    <a:bodyPr/>
+                    <a:lstStyle/>
+                    <a:p>
+                      <a:r>
+                        <a:rPr lang="en-US" dirty="0">
+                          <a:solidFill>
+                            <a:schemeClr val="tx1">
+                              <a:lumMod val="50000"/>
+                              <a:lumOff val="50000"/>
+                            </a:schemeClr>
+                          </a:solidFill>
+                        </a:rPr>
+                        <a:t>0.724</a:t>
+                      </a:r>
+                    </a:p>
+                  </a:txBody>
+                  <a:tcPr>
+                    <a:lnL w="12700" cmpd="sng">
+                      <a:noFill/>
+                    </a:lnL>
+                    <a:lnR w="12700" cmpd="sng">
+                      <a:noFill/>
+                    </a:lnR>
+                    <a:lnT w="12700" cmpd="sng">
+                      <a:noFill/>
+                    </a:lnT>
+                    <a:lnB w="12700" cap="flat" cmpd="sng" algn="ctr">
+                      <a:solidFill>
+                        <a:schemeClr val="tx1"/>
+                      </a:solidFill>
+                      <a:prstDash val="solid"/>
+                      <a:round/>
+                      <a:headEnd type="none" w="med" len="med"/>
+                      <a:tailEnd type="none" w="med" len="med"/>
+                    </a:lnB>
+                    <a:lnTlToBr w="12700" cmpd="sng">
+                      <a:noFill/>
+                      <a:prstDash val="solid"/>
+                    </a:lnTlToBr>
+                    <a:lnBlToTr w="12700" cmpd="sng">
+                      <a:noFill/>
+                      <a:prstDash val="solid"/>
+                    </a:lnBlToTr>
+                    <a:noFill/>
+                  </a:tcPr>
+                </a:tc>
+                <a:tc>
+                  <a:txBody>
+                    <a:bodyPr/>
+                    <a:lstStyle/>
+                    <a:p>
+                      <a:r>
+                        <a:rPr lang="en-US" sz="1800" b="0" i="0" kern="1200" dirty="0">
+                          <a:solidFill>
+                            <a:schemeClr val="tx1">
+                              <a:lumMod val="50000"/>
+                              <a:lumOff val="50000"/>
+                            </a:schemeClr>
+                          </a:solidFill>
+                          <a:effectLst/>
+                          <a:latin typeface="+mn-lt"/>
+                          <a:ea typeface="+mn-ea"/>
+                          <a:cs typeface="+mn-cs"/>
+                        </a:rPr>
+                        <a:t>Defined as + (forward) or - (reverse).</a:t>
+                      </a:r>
+                      <a:endParaRPr lang="en-US" dirty="0">
+                        <a:solidFill>
+                          <a:schemeClr val="tx1">
+                            <a:lumMod val="50000"/>
+                            <a:lumOff val="50000"/>
+                          </a:schemeClr>
+                        </a:solidFill>
+                      </a:endParaRPr>
+                    </a:p>
+                  </a:txBody>
+                  <a:tcPr>
+                    <a:lnL w="12700" cmpd="sng">
+                      <a:noFill/>
+                    </a:lnL>
+                    <a:lnR w="12700" cmpd="sng">
+                      <a:noFill/>
+                    </a:lnR>
+                    <a:lnT w="12700" cmpd="sng">
+                      <a:noFill/>
+                    </a:lnT>
+                    <a:lnB w="12700" cap="flat" cmpd="sng" algn="ctr">
+                      <a:solidFill>
+                        <a:schemeClr val="tx1"/>
+                      </a:solidFill>
+                      <a:prstDash val="solid"/>
+                      <a:round/>
+                      <a:headEnd type="none" w="med" len="med"/>
+                      <a:tailEnd type="none" w="med" len="med"/>
+                    </a:lnB>
+                    <a:lnTlToBr w="12700" cmpd="sng">
+                      <a:noFill/>
+                      <a:prstDash val="solid"/>
+                    </a:lnTlToBr>
+                    <a:lnBlToTr w="12700" cmpd="sng">
+                      <a:noFill/>
+                      <a:prstDash val="solid"/>
+                    </a:lnBlToTr>
+                    <a:noFill/>
+                  </a:tcPr>
+                </a:tc>
+                <a:extLst>
+                  <a:ext uri="{0D108BD9-81ED-4DB2-BD59-A6C34878D82A}">
+                    <a16:rowId xmlns:a16="http://schemas.microsoft.com/office/drawing/2014/main" val="273521023"/>
+                  </a:ext>
+                </a:extLst>
+              </a:tr>
+            </a:tbl>
+          </a:graphicData>
+        </a:graphic>
+      </p:graphicFrame>
+      <p:sp>
+        <p:nvSpPr>
+          <p:cNvPr id="8" name="Rectangle 7">
+            <a:extLst>
+              <a:ext uri="{FF2B5EF4-FFF2-40B4-BE49-F238E27FC236}">
+                <a16:creationId xmlns:a16="http://schemas.microsoft.com/office/drawing/2014/main" id="{E2D31654-EBBF-C84E-AB25-A73BECFC51EB}"/>
+              </a:ext>
+            </a:extLst>
+          </p:cNvPr>
+          <p:cNvSpPr/>
+          <p:nvPr/>
+        </p:nvSpPr>
+        <p:spPr>
+          <a:xfrm>
+            <a:off x="420783" y="337307"/>
+            <a:ext cx="3611951" cy="523220"/>
+          </a:xfrm>
+          <a:prstGeom prst="rect">
+            <a:avLst/>
+          </a:prstGeom>
+        </p:spPr>
+        <p:txBody>
+          <a:bodyPr wrap="none">
+            <a:spAutoFit/>
+          </a:bodyPr>
+          <a:lstStyle/>
+          <a:p>
+            <a:pPr>
+              <a:spcAft>
+                <a:spcPts val="600"/>
+              </a:spcAft>
+            </a:pPr>
+            <a:r>
+              <a:rPr lang="en-US" sz="2800" b="1" dirty="0">
+                <a:solidFill>
+                  <a:srgbClr val="54AC5C"/>
+                </a:solidFill>
+              </a:rPr>
+              <a:t>Q2: Weight of Features</a:t>
+            </a:r>
+          </a:p>
+        </p:txBody>
+      </p:sp>
+      <p:cxnSp>
+        <p:nvCxnSpPr>
+          <p:cNvPr id="9" name="Straight Connector 8">
+            <a:extLst>
+              <a:ext uri="{FF2B5EF4-FFF2-40B4-BE49-F238E27FC236}">
+                <a16:creationId xmlns:a16="http://schemas.microsoft.com/office/drawing/2014/main" id="{74B2CE4B-CA30-1747-8F72-B39B22CD0EC2}"/>
+              </a:ext>
+            </a:extLst>
+          </p:cNvPr>
+          <p:cNvCxnSpPr/>
+          <p:nvPr/>
+        </p:nvCxnSpPr>
+        <p:spPr>
+          <a:xfrm>
+            <a:off x="0" y="872719"/>
+            <a:ext cx="9144000" cy="0"/>
+          </a:xfrm>
+          <a:prstGeom prst="line">
+            <a:avLst/>
+          </a:prstGeom>
+          <a:ln w="17526">
+            <a:solidFill>
+              <a:srgbClr val="54AC5C"/>
+            </a:solidFill>
+          </a:ln>
+          <a:effectLst/>
+        </p:spPr>
+        <p:style>
+          <a:lnRef idx="2">
+            <a:schemeClr val="dk1"/>
+          </a:lnRef>
+          <a:fillRef idx="0">
+            <a:schemeClr val="dk1"/>
+          </a:fillRef>
+          <a:effectRef idx="1">
+            <a:schemeClr val="dk1"/>
+          </a:effectRef>
+          <a:fontRef idx="minor">
+            <a:schemeClr val="tx1"/>
+          </a:fontRef>
+        </p:style>
+      </p:cxnSp>
+      <p:sp>
+        <p:nvSpPr>
+          <p:cNvPr id="10" name="Rectangle 9">
+            <a:extLst>
+              <a:ext uri="{FF2B5EF4-FFF2-40B4-BE49-F238E27FC236}">
+                <a16:creationId xmlns:a16="http://schemas.microsoft.com/office/drawing/2014/main" id="{A0573D90-A38E-FA42-BD1A-EA9AE9166D9C}"/>
+              </a:ext>
+            </a:extLst>
+          </p:cNvPr>
+          <p:cNvSpPr/>
+          <p:nvPr/>
+        </p:nvSpPr>
+        <p:spPr>
+          <a:xfrm>
+            <a:off x="1020672" y="1082684"/>
+            <a:ext cx="2973571" cy="369332"/>
+          </a:xfrm>
+          <a:prstGeom prst="rect">
+            <a:avLst/>
+          </a:prstGeom>
+        </p:spPr>
+        <p:txBody>
+          <a:bodyPr wrap="none">
+            <a:spAutoFit/>
+          </a:bodyPr>
+          <a:lstStyle/>
+          <a:p>
+            <a:pPr marL="285750" indent="-285750">
+              <a:spcAft>
+                <a:spcPts val="600"/>
+              </a:spcAft>
+              <a:buFont typeface="Arial" panose="020B0604020202020204" pitchFamily="34" charset="0"/>
+              <a:buChar char="•"/>
+            </a:pPr>
+            <a:r>
+              <a:rPr lang="en-US" dirty="0"/>
+              <a:t>Method:     Random Forest</a:t>
+            </a:r>
+          </a:p>
+        </p:txBody>
+      </p:sp>
+      <p:grpSp>
+        <p:nvGrpSpPr>
+          <p:cNvPr id="18" name="Group 17">
+            <a:extLst>
+              <a:ext uri="{FF2B5EF4-FFF2-40B4-BE49-F238E27FC236}">
+                <a16:creationId xmlns:a16="http://schemas.microsoft.com/office/drawing/2014/main" id="{091EBDA6-A378-DC49-B18F-8C8DB618D015}"/>
+              </a:ext>
+            </a:extLst>
+          </p:cNvPr>
+          <p:cNvGrpSpPr/>
+          <p:nvPr/>
+        </p:nvGrpSpPr>
+        <p:grpSpPr>
+          <a:xfrm>
+            <a:off x="6128530" y="1452016"/>
+            <a:ext cx="2370011" cy="762347"/>
+            <a:chOff x="6128530" y="1452016"/>
+            <a:chExt cx="2370011" cy="762347"/>
+          </a:xfrm>
+        </p:grpSpPr>
+        <p:sp>
+          <p:nvSpPr>
+            <p:cNvPr id="13" name="Rectangle 12">
+              <a:extLst>
+                <a:ext uri="{FF2B5EF4-FFF2-40B4-BE49-F238E27FC236}">
+                  <a16:creationId xmlns:a16="http://schemas.microsoft.com/office/drawing/2014/main" id="{B015320A-CBAE-E345-A79C-631BF444BA99}"/>
+                </a:ext>
+              </a:extLst>
+            </p:cNvPr>
+            <p:cNvSpPr/>
+            <p:nvPr/>
+          </p:nvSpPr>
+          <p:spPr>
+            <a:xfrm>
+              <a:off x="6128530" y="1452016"/>
+              <a:ext cx="2370011" cy="762347"/>
+            </a:xfrm>
+            <a:prstGeom prst="rect">
+              <a:avLst/>
+            </a:prstGeom>
+            <a:solidFill>
+              <a:schemeClr val="bg1"/>
+            </a:solidFill>
+            <a:ln w="22225">
+              <a:solidFill>
+                <a:schemeClr val="accent6"/>
+              </a:solidFill>
+            </a:ln>
+            <a:effectLst/>
+          </p:spPr>
+          <p:style>
+            <a:lnRef idx="1">
+              <a:schemeClr val="accent1"/>
+            </a:lnRef>
+            <a:fillRef idx="3">
+              <a:schemeClr val="accent1"/>
+            </a:fillRef>
+            <a:effectRef idx="2">
+              <a:schemeClr val="accent1"/>
+            </a:effectRef>
+            <a:fontRef idx="minor">
+              <a:schemeClr val="lt1"/>
+            </a:fontRef>
+          </p:style>
+          <p:txBody>
+            <a:bodyPr rtlCol="0" anchor="ctr"/>
+            <a:lstStyle/>
+            <a:p>
+              <a:pPr algn="ctr"/>
+              <a:endParaRPr lang="en-US" dirty="0"/>
+            </a:p>
+          </p:txBody>
+        </p:sp>
+        <p:sp>
+          <p:nvSpPr>
+            <p:cNvPr id="12" name="Rectangle 11">
+              <a:extLst>
+                <a:ext uri="{FF2B5EF4-FFF2-40B4-BE49-F238E27FC236}">
+                  <a16:creationId xmlns:a16="http://schemas.microsoft.com/office/drawing/2014/main" id="{498847FF-DE77-BD4C-9780-9043F7BD8AE6}"/>
+                </a:ext>
+              </a:extLst>
+            </p:cNvPr>
+            <p:cNvSpPr/>
+            <p:nvPr/>
+          </p:nvSpPr>
+          <p:spPr>
+            <a:xfrm>
+              <a:off x="6249553" y="1521865"/>
+              <a:ext cx="2248988" cy="646331"/>
+            </a:xfrm>
+            <a:prstGeom prst="rect">
+              <a:avLst/>
+            </a:prstGeom>
+          </p:spPr>
+          <p:txBody>
+            <a:bodyPr wrap="square">
+              <a:spAutoFit/>
+            </a:bodyPr>
+            <a:lstStyle/>
+            <a:p>
+              <a:r>
+                <a:rPr lang="en-US" dirty="0"/>
+                <a:t>Relative Frequency of variant of a gene</a:t>
+              </a:r>
+            </a:p>
+          </p:txBody>
+        </p:sp>
+      </p:grpSp>
+      <p:sp>
+        <p:nvSpPr>
+          <p:cNvPr id="14" name="Rectangle 13">
+            <a:extLst>
+              <a:ext uri="{FF2B5EF4-FFF2-40B4-BE49-F238E27FC236}">
+                <a16:creationId xmlns:a16="http://schemas.microsoft.com/office/drawing/2014/main" id="{78379F60-62F5-9E42-A5FB-726E316801FB}"/>
+              </a:ext>
+            </a:extLst>
+          </p:cNvPr>
+          <p:cNvSpPr/>
+          <p:nvPr/>
+        </p:nvSpPr>
+        <p:spPr>
+          <a:xfrm>
+            <a:off x="4682222" y="2982540"/>
+            <a:ext cx="1772366" cy="331393"/>
+          </a:xfrm>
+          <a:prstGeom prst="rect">
+            <a:avLst/>
+          </a:prstGeom>
+          <a:noFill/>
+          <a:ln w="22225">
+            <a:solidFill>
+              <a:schemeClr val="accent6"/>
+            </a:solidFill>
+          </a:ln>
+          <a:effectLst/>
+        </p:spPr>
+        <p:style>
+          <a:lnRef idx="1">
+            <a:schemeClr val="accent1"/>
+          </a:lnRef>
+          <a:fillRef idx="3">
+            <a:schemeClr val="accent1"/>
+          </a:fillRef>
+          <a:effectRef idx="2">
+            <a:schemeClr val="accent1"/>
+          </a:effectRef>
+          <a:fontRef idx="minor">
+            <a:schemeClr val="lt1"/>
+          </a:fontRef>
+        </p:style>
+        <p:txBody>
+          <a:bodyPr rtlCol="0" anchor="ctr"/>
+          <a:lstStyle/>
+          <a:p>
+            <a:pPr algn="ctr"/>
+            <a:endParaRPr lang="en-US" dirty="0"/>
+          </a:p>
+        </p:txBody>
+      </p:sp>
+      <p:cxnSp>
+        <p:nvCxnSpPr>
+          <p:cNvPr id="16" name="Straight Arrow Connector 15">
+            <a:extLst>
+              <a:ext uri="{FF2B5EF4-FFF2-40B4-BE49-F238E27FC236}">
+                <a16:creationId xmlns:a16="http://schemas.microsoft.com/office/drawing/2014/main" id="{0013829A-7880-2146-AACF-0D87AC73F0DD}"/>
+              </a:ext>
+            </a:extLst>
+          </p:cNvPr>
+          <p:cNvCxnSpPr>
+            <a:cxnSpLocks/>
+            <a:stCxn id="14" idx="0"/>
+            <a:endCxn id="13" idx="2"/>
+          </p:cNvCxnSpPr>
+          <p:nvPr/>
+        </p:nvCxnSpPr>
+        <p:spPr>
+          <a:xfrm flipV="1">
+            <a:off x="5568405" y="2214363"/>
+            <a:ext cx="1745131" cy="768177"/>
+          </a:xfrm>
+          <a:prstGeom prst="straightConnector1">
+            <a:avLst/>
+          </a:prstGeom>
+          <a:ln>
+            <a:solidFill>
+              <a:schemeClr val="accent6"/>
+            </a:solidFill>
+            <a:tailEnd type="triangle"/>
+          </a:ln>
+          <a:effectLst/>
+        </p:spPr>
+        <p:style>
+          <a:lnRef idx="2">
+            <a:schemeClr val="accent1"/>
+          </a:lnRef>
+          <a:fillRef idx="0">
+            <a:schemeClr val="accent1"/>
+          </a:fillRef>
+          <a:effectRef idx="1">
+            <a:schemeClr val="accent1"/>
+          </a:effectRef>
+          <a:fontRef idx="minor">
+            <a:schemeClr val="tx1"/>
+          </a:fontRef>
+        </p:style>
+      </p:cxnSp>
+    </p:spTree>
+    <p:extLst>
+      <p:ext uri="{BB962C8B-B14F-4D97-AF65-F5344CB8AC3E}">
+        <p14:creationId xmlns:p14="http://schemas.microsoft.com/office/powerpoint/2010/main" val="3887059435"/>
+      </p:ext>
+    </p:extLst>
+  </p:cSld>
+  <p:clrMapOvr>
+    <a:masterClrMapping/>
+  </p:clrMapOvr>
+  <p:timing>
+    <p:tnLst>
+      <p:par>
+        <p:cTn id="1" dur="indefinite" restart="never" nodeType="tmRoot">
+          <p:childTnLst>
+            <p:seq concurrent="1" nextAc="seek">
+              <p:cTn id="2" dur="indefinite" nodeType="mainSeq">
+                <p:childTnLst>
+                  <p:par>
+                    <p:cTn id="3" fill="hold">
+                      <p:stCondLst>
+                        <p:cond delay="indefinite"/>
+                      </p:stCondLst>
+                      <p:childTnLst>
+                        <p:par>
+                          <p:cTn id="4" fill="hold">
+                            <p:stCondLst>
+                              <p:cond delay="0"/>
+                            </p:stCondLst>
+                            <p:childTnLst>
+                              <p:par>
+                                <p:cTn id="5" presetID="10" presetClass="entr" presetSubtype="0" fill="hold" grpId="0" nodeType="clickEffect">
+                                  <p:stCondLst>
+                                    <p:cond delay="0"/>
+                                  </p:stCondLst>
+                                  <p:childTnLst>
+                                    <p:set>
+                                      <p:cBhvr>
+                                        <p:cTn id="6" dur="1" fill="hold">
+                                          <p:stCondLst>
+                                            <p:cond delay="0"/>
+                                          </p:stCondLst>
+                                        </p:cTn>
+                                        <p:tgtEl>
+                                          <p:spTgt spid="5"/>
+                                        </p:tgtEl>
+                                        <p:attrNameLst>
+                                          <p:attrName>style.visibility</p:attrName>
+                                        </p:attrNameLst>
+                                      </p:cBhvr>
+                                      <p:to>
+                                        <p:strVal val="visible"/>
+                                      </p:to>
+                                    </p:set>
+                                    <p:animEffect transition="in" filter="fade">
+                                      <p:cBhvr>
+                                        <p:cTn id="7" dur="500"/>
+                                        <p:tgtEl>
+                                          <p:spTgt spid="5"/>
+                                        </p:tgtEl>
+                                      </p:cBhvr>
+                                    </p:animEffect>
+                                  </p:childTnLst>
+                                </p:cTn>
+                              </p:par>
+                              <p:par>
+                                <p:cTn id="8" presetID="10" presetClass="entr" presetSubtype="0" fill="hold" nodeType="withEffect">
+                                  <p:stCondLst>
+                                    <p:cond delay="0"/>
+                                  </p:stCondLst>
+                                  <p:childTnLst>
+                                    <p:set>
+                                      <p:cBhvr>
+                                        <p:cTn id="9" dur="1" fill="hold">
+                                          <p:stCondLst>
+                                            <p:cond delay="0"/>
+                                          </p:stCondLst>
+                                        </p:cTn>
+                                        <p:tgtEl>
+                                          <p:spTgt spid="7"/>
+                                        </p:tgtEl>
+                                        <p:attrNameLst>
+                                          <p:attrName>style.visibility</p:attrName>
+                                        </p:attrNameLst>
+                                      </p:cBhvr>
+                                      <p:to>
+                                        <p:strVal val="visible"/>
+                                      </p:to>
+                                    </p:set>
+                                    <p:animEffect transition="in" filter="fade">
+                                      <p:cBhvr>
+                                        <p:cTn id="10" dur="500"/>
+                                        <p:tgtEl>
+                                          <p:spTgt spid="7"/>
+                                        </p:tgtEl>
+                                      </p:cBhvr>
+                                    </p:animEffect>
+                                  </p:childTnLst>
+                                </p:cTn>
+                              </p:par>
+                            </p:childTnLst>
+                          </p:cTn>
+                        </p:par>
+                      </p:childTnLst>
+                    </p:cTn>
+                  </p:par>
+                  <p:par>
+                    <p:cTn id="11" fill="hold">
+                      <p:stCondLst>
+                        <p:cond delay="indefinite"/>
+                      </p:stCondLst>
+                      <p:childTnLst>
+                        <p:par>
+                          <p:cTn id="12" fill="hold">
+                            <p:stCondLst>
+                              <p:cond delay="0"/>
+                            </p:stCondLst>
+                            <p:childTnLst>
+                              <p:par>
+                                <p:cTn id="13" presetID="10" presetClass="entr" presetSubtype="0" fill="hold" grpId="0" nodeType="clickEffect">
+                                  <p:stCondLst>
+                                    <p:cond delay="0"/>
+                                  </p:stCondLst>
+                                  <p:childTnLst>
+                                    <p:set>
+                                      <p:cBhvr>
+                                        <p:cTn id="14" dur="1" fill="hold">
+                                          <p:stCondLst>
+                                            <p:cond delay="0"/>
+                                          </p:stCondLst>
+                                        </p:cTn>
+                                        <p:tgtEl>
+                                          <p:spTgt spid="14"/>
+                                        </p:tgtEl>
+                                        <p:attrNameLst>
+                                          <p:attrName>style.visibility</p:attrName>
+                                        </p:attrNameLst>
+                                      </p:cBhvr>
+                                      <p:to>
+                                        <p:strVal val="visible"/>
+                                      </p:to>
+                                    </p:set>
+                                    <p:animEffect transition="in" filter="fade">
+                                      <p:cBhvr>
+                                        <p:cTn id="15" dur="500"/>
+                                        <p:tgtEl>
+                                          <p:spTgt spid="14"/>
+                                        </p:tgtEl>
+                                      </p:cBhvr>
+                                    </p:animEffect>
+                                  </p:childTnLst>
+                                </p:cTn>
+                              </p:par>
+                              <p:par>
+                                <p:cTn id="16" presetID="10" presetClass="entr" presetSubtype="0" fill="hold" nodeType="withEffect">
+                                  <p:stCondLst>
+                                    <p:cond delay="0"/>
+                                  </p:stCondLst>
+                                  <p:childTnLst>
+                                    <p:set>
+                                      <p:cBhvr>
+                                        <p:cTn id="17" dur="1" fill="hold">
+                                          <p:stCondLst>
+                                            <p:cond delay="0"/>
+                                          </p:stCondLst>
+                                        </p:cTn>
+                                        <p:tgtEl>
+                                          <p:spTgt spid="16"/>
+                                        </p:tgtEl>
+                                        <p:attrNameLst>
+                                          <p:attrName>style.visibility</p:attrName>
+                                        </p:attrNameLst>
+                                      </p:cBhvr>
+                                      <p:to>
+                                        <p:strVal val="visible"/>
+                                      </p:to>
+                                    </p:set>
+                                    <p:animEffect transition="in" filter="fade">
+                                      <p:cBhvr>
+                                        <p:cTn id="18" dur="500"/>
+                                        <p:tgtEl>
+                                          <p:spTgt spid="16"/>
+                                        </p:tgtEl>
+                                      </p:cBhvr>
+                                    </p:animEffect>
+                                  </p:childTnLst>
+                                </p:cTn>
+                              </p:par>
+                              <p:par>
+                                <p:cTn id="19" presetID="10" presetClass="entr" presetSubtype="0" fill="hold" nodeType="withEffect">
+                                  <p:stCondLst>
+                                    <p:cond delay="0"/>
+                                  </p:stCondLst>
+                                  <p:childTnLst>
+                                    <p:set>
+                                      <p:cBhvr>
+                                        <p:cTn id="20" dur="1" fill="hold">
+                                          <p:stCondLst>
+                                            <p:cond delay="0"/>
+                                          </p:stCondLst>
+                                        </p:cTn>
+                                        <p:tgtEl>
+                                          <p:spTgt spid="18"/>
+                                        </p:tgtEl>
+                                        <p:attrNameLst>
+                                          <p:attrName>style.visibility</p:attrName>
+                                        </p:attrNameLst>
+                                      </p:cBhvr>
+                                      <p:to>
+                                        <p:strVal val="visible"/>
+                                      </p:to>
+                                    </p:set>
+                                    <p:animEffect transition="in" filter="fade">
+                                      <p:cBhvr>
+                                        <p:cTn id="21" dur="500"/>
+                                        <p:tgtEl>
+                                          <p:spTgt spid="18"/>
+                                        </p:tgtEl>
+                                      </p:cBhvr>
+                                    </p:animEffect>
+                                  </p:childTnLst>
+                                </p:cTn>
+                              </p:par>
+                            </p:childTnLst>
+                          </p:cTn>
+                        </p:par>
+                      </p:childTnLst>
+                    </p:cTn>
+                  </p:par>
+                </p:childTnLst>
+              </p:cTn>
+              <p:prevCondLst>
+                <p:cond evt="onPrev" delay="0">
+                  <p:tgtEl>
+                    <p:sldTgt/>
+                  </p:tgtEl>
+                </p:cond>
+              </p:prevCondLst>
+              <p:nextCondLst>
+                <p:cond evt="onNext" delay="0">
+                  <p:tgtEl>
+                    <p:sldTgt/>
+                  </p:tgtEl>
+                </p:cond>
+              </p:nextCondLst>
+            </p:seq>
+          </p:childTnLst>
+        </p:cTn>
+      </p:par>
+    </p:tnLst>
+    <p:bldLst>
+      <p:bldP spid="5" grpId="0"/>
+      <p:bldP spid="14" grpId="0" animBg="1"/>
+    </p:bldLst>
+  </p:timing>
+</p:sld>
+</file>
+
+<file path=ppt/slides/slide7.xml><?xml version="1.0" encoding="utf-8"?>
+<p:sld xmlns:a="http://schemas.openxmlformats.org/drawingml/2006/main" xmlns:r="http://schemas.openxmlformats.org/officeDocument/2006/relationships" xmlns:p="http://schemas.openxmlformats.org/presentationml/2006/main">
+  <p:cSld>
+    <p:bg>
+      <p:bgPr>
+        <a:solidFill>
+          <a:schemeClr val="bg1"/>
+        </a:solidFill>
+        <a:effectLst/>
+      </p:bgPr>
+    </p:bg>
+    <p:spTree>
+      <p:nvGrpSpPr>
+        <p:cNvPr id="1" name=""/>
+        <p:cNvGrpSpPr/>
+        <p:nvPr/>
+      </p:nvGrpSpPr>
+      <p:grpSpPr>
+        <a:xfrm>
+          <a:off x="0" y="0"/>
+          <a:ext cx="0" cy="0"/>
+          <a:chOff x="0" y="0"/>
+          <a:chExt cx="0" cy="0"/>
+        </a:xfrm>
+      </p:grpSpPr>
+      <p:pic>
+        <p:nvPicPr>
+          <p:cNvPr id="5" name="Picture 4" descr="A close up of text on a white background&#10;&#10;Description automatically generated">
+            <a:extLst>
+              <a:ext uri="{FF2B5EF4-FFF2-40B4-BE49-F238E27FC236}">
+                <a16:creationId xmlns:a16="http://schemas.microsoft.com/office/drawing/2014/main" id="{CE1DCC1B-3BFB-1846-9CAD-92867670F7C0}"/>
+              </a:ext>
+            </a:extLst>
+          </p:cNvPr>
+          <p:cNvPicPr>
+            <a:picLocks noChangeAspect="1"/>
+          </p:cNvPicPr>
+          <p:nvPr/>
+        </p:nvPicPr>
+        <p:blipFill>
+          <a:blip r:embed="rId2"/>
+          <a:stretch>
+            <a:fillRect/>
+          </a:stretch>
+        </p:blipFill>
+        <p:spPr>
+          <a:xfrm>
+            <a:off x="503399" y="3717389"/>
+            <a:ext cx="3968749" cy="2599251"/>
+          </a:xfrm>
+          <a:prstGeom prst="rect">
+            <a:avLst/>
+          </a:prstGeom>
+        </p:spPr>
+      </p:pic>
+      <p:pic>
+        <p:nvPicPr>
+          <p:cNvPr id="7" name="Picture 6" descr="A close up of a map&#10;&#10;Description automatically generated">
+            <a:extLst>
+              <a:ext uri="{FF2B5EF4-FFF2-40B4-BE49-F238E27FC236}">
+                <a16:creationId xmlns:a16="http://schemas.microsoft.com/office/drawing/2014/main" id="{2170F2F8-4714-8C4B-BF95-2B2626686503}"/>
+              </a:ext>
+            </a:extLst>
+          </p:cNvPr>
+          <p:cNvPicPr>
+            <a:picLocks noChangeAspect="1"/>
+          </p:cNvPicPr>
+          <p:nvPr/>
+        </p:nvPicPr>
+        <p:blipFill>
+          <a:blip r:embed="rId3"/>
+          <a:stretch>
+            <a:fillRect/>
+          </a:stretch>
+        </p:blipFill>
+        <p:spPr>
+          <a:xfrm>
+            <a:off x="4713447" y="3741343"/>
+            <a:ext cx="3968751" cy="2551340"/>
+          </a:xfrm>
+          <a:prstGeom prst="rect">
+            <a:avLst/>
+          </a:prstGeom>
+        </p:spPr>
+      </p:pic>
+      <p:sp>
+        <p:nvSpPr>
+          <p:cNvPr id="2" name="Rectangle 1">
+            <a:extLst>
+              <a:ext uri="{FF2B5EF4-FFF2-40B4-BE49-F238E27FC236}">
+                <a16:creationId xmlns:a16="http://schemas.microsoft.com/office/drawing/2014/main" id="{5F4373C1-46A8-DA47-80FA-FECFC4AAC409}"/>
+              </a:ext>
+            </a:extLst>
+          </p:cNvPr>
+          <p:cNvSpPr/>
+          <p:nvPr/>
+        </p:nvSpPr>
+        <p:spPr>
+          <a:xfrm>
+            <a:off x="420783" y="337307"/>
+            <a:ext cx="4051365" cy="523220"/>
+          </a:xfrm>
+          <a:prstGeom prst="rect">
+            <a:avLst/>
+          </a:prstGeom>
+        </p:spPr>
+        <p:txBody>
+          <a:bodyPr wrap="none">
+            <a:spAutoFit/>
+          </a:bodyPr>
+          <a:lstStyle/>
+          <a:p>
+            <a:pPr>
+              <a:spcAft>
+                <a:spcPts val="600"/>
+              </a:spcAft>
+            </a:pPr>
+            <a:r>
+              <a:rPr lang="en-US" sz="2800" b="1" dirty="0">
+                <a:solidFill>
+                  <a:srgbClr val="54AC5C"/>
+                </a:solidFill>
+              </a:rPr>
+              <a:t>Q1: Variants Classification</a:t>
+            </a:r>
+          </a:p>
+        </p:txBody>
+      </p:sp>
+      <p:sp>
+        <p:nvSpPr>
+          <p:cNvPr id="3" name="Rectangle 2">
+            <a:extLst>
+              <a:ext uri="{FF2B5EF4-FFF2-40B4-BE49-F238E27FC236}">
+                <a16:creationId xmlns:a16="http://schemas.microsoft.com/office/drawing/2014/main" id="{CD715F75-1C15-444B-AE9F-07CBBAB0F3A3}"/>
+              </a:ext>
+            </a:extLst>
+          </p:cNvPr>
+          <p:cNvSpPr/>
+          <p:nvPr/>
+        </p:nvSpPr>
+        <p:spPr>
+          <a:xfrm>
+            <a:off x="1020672" y="1082684"/>
+            <a:ext cx="3487237" cy="369332"/>
+          </a:xfrm>
+          <a:prstGeom prst="rect">
+            <a:avLst/>
+          </a:prstGeom>
+        </p:spPr>
+        <p:txBody>
+          <a:bodyPr wrap="none">
+            <a:spAutoFit/>
+          </a:bodyPr>
+          <a:lstStyle/>
+          <a:p>
+            <a:pPr marL="285750" indent="-285750">
+              <a:spcAft>
+                <a:spcPts val="600"/>
+              </a:spcAft>
+              <a:buFont typeface="Arial" panose="020B0604020202020204" pitchFamily="34" charset="0"/>
+              <a:buChar char="•"/>
+            </a:pPr>
+            <a:r>
+              <a:rPr lang="en-US" dirty="0"/>
+              <a:t>Method 1:     Logistic Regression</a:t>
+            </a:r>
+          </a:p>
+        </p:txBody>
+      </p:sp>
+      <p:sp>
+        <p:nvSpPr>
+          <p:cNvPr id="9" name="Rectangle 8">
+            <a:extLst>
+              <a:ext uri="{FF2B5EF4-FFF2-40B4-BE49-F238E27FC236}">
+                <a16:creationId xmlns:a16="http://schemas.microsoft.com/office/drawing/2014/main" id="{4E84170F-0DBD-AC4D-BEDD-8271A0A7B9BC}"/>
+              </a:ext>
+            </a:extLst>
+          </p:cNvPr>
+          <p:cNvSpPr/>
+          <p:nvPr/>
+        </p:nvSpPr>
+        <p:spPr>
+          <a:xfrm>
+            <a:off x="2184775" y="1540060"/>
+            <a:ext cx="4774449" cy="1785104"/>
+          </a:xfrm>
+          <a:prstGeom prst="rect">
+            <a:avLst/>
+          </a:prstGeom>
+        </p:spPr>
+        <p:txBody>
+          <a:bodyPr wrap="none">
+            <a:spAutoFit/>
+          </a:bodyPr>
+          <a:lstStyle/>
+          <a:p>
+            <a:pPr marL="285750" indent="-285750">
+              <a:spcAft>
+                <a:spcPts val="600"/>
+              </a:spcAft>
+              <a:buFont typeface="Arial" panose="020B0604020202020204" pitchFamily="34" charset="0"/>
+              <a:buChar char="•"/>
+            </a:pPr>
+            <a:r>
+              <a:rPr lang="en-US" dirty="0"/>
+              <a:t>Mapped Categorical Data to Numerical Values</a:t>
+            </a:r>
+          </a:p>
+          <a:p>
+            <a:pPr marL="285750" indent="-285750">
+              <a:spcAft>
+                <a:spcPts val="600"/>
+              </a:spcAft>
+              <a:buFont typeface="Arial" panose="020B0604020202020204" pitchFamily="34" charset="0"/>
+              <a:buChar char="•"/>
+            </a:pPr>
+            <a:r>
+              <a:rPr lang="en-US" dirty="0"/>
+              <a:t>Simply used </a:t>
+            </a:r>
+            <a:r>
+              <a:rPr lang="en-US" dirty="0" err="1"/>
+              <a:t>sklearn</a:t>
+            </a:r>
+            <a:endParaRPr lang="en-US" dirty="0"/>
+          </a:p>
+          <a:p>
+            <a:pPr marL="285750" indent="-285750">
+              <a:spcAft>
+                <a:spcPts val="600"/>
+              </a:spcAft>
+              <a:buFont typeface="Arial" panose="020B0604020202020204" pitchFamily="34" charset="0"/>
+              <a:buChar char="•"/>
+            </a:pPr>
+            <a:r>
+              <a:rPr lang="en-US" dirty="0"/>
+              <a:t>Performance</a:t>
+            </a:r>
+          </a:p>
+          <a:p>
+            <a:pPr marL="742950" lvl="1" indent="-285750">
+              <a:spcAft>
+                <a:spcPts val="600"/>
+              </a:spcAft>
+              <a:buFont typeface="Arial" panose="020B0604020202020204" pitchFamily="34" charset="0"/>
+              <a:buChar char="•"/>
+            </a:pPr>
+            <a:r>
+              <a:rPr lang="en-US" dirty="0"/>
+              <a:t>Acc = 73.7% | cutoff &gt;= 0.5</a:t>
+            </a:r>
+          </a:p>
+          <a:p>
+            <a:pPr marL="742950" lvl="1" indent="-285750">
+              <a:spcAft>
+                <a:spcPts val="600"/>
+              </a:spcAft>
+              <a:buFont typeface="Arial" panose="020B0604020202020204" pitchFamily="34" charset="0"/>
+              <a:buChar char="•"/>
+            </a:pPr>
+            <a:r>
+              <a:rPr lang="en-US" dirty="0"/>
+              <a:t>AUC = 0.538</a:t>
+            </a:r>
+          </a:p>
+        </p:txBody>
+      </p:sp>
+      <p:cxnSp>
+        <p:nvCxnSpPr>
+          <p:cNvPr id="6" name="Straight Connector 5">
+            <a:extLst>
+              <a:ext uri="{FF2B5EF4-FFF2-40B4-BE49-F238E27FC236}">
+                <a16:creationId xmlns:a16="http://schemas.microsoft.com/office/drawing/2014/main" id="{62B03786-A45A-E849-80F7-0A1DD081DB26}"/>
+              </a:ext>
+            </a:extLst>
+          </p:cNvPr>
+          <p:cNvCxnSpPr/>
+          <p:nvPr/>
+        </p:nvCxnSpPr>
+        <p:spPr>
+          <a:xfrm>
+            <a:off x="0" y="872719"/>
+            <a:ext cx="9144000" cy="0"/>
+          </a:xfrm>
+          <a:prstGeom prst="line">
+            <a:avLst/>
+          </a:prstGeom>
+          <a:ln w="17526">
+            <a:solidFill>
+              <a:srgbClr val="54AC5C"/>
+            </a:solidFill>
+          </a:ln>
+          <a:effectLst/>
+        </p:spPr>
+        <p:style>
+          <a:lnRef idx="2">
+            <a:schemeClr val="dk1"/>
+          </a:lnRef>
+          <a:fillRef idx="0">
+            <a:schemeClr val="dk1"/>
+          </a:fillRef>
+          <a:effectRef idx="1">
+            <a:schemeClr val="dk1"/>
+          </a:effectRef>
+          <a:fontRef idx="minor">
+            <a:schemeClr val="tx1"/>
+          </a:fontRef>
+        </p:style>
+      </p:cxnSp>
+    </p:spTree>
+    <p:extLst>
+      <p:ext uri="{BB962C8B-B14F-4D97-AF65-F5344CB8AC3E}">
+        <p14:creationId xmlns:p14="http://schemas.microsoft.com/office/powerpoint/2010/main" val="3302718268"/>
+      </p:ext>
+    </p:extLst>
+  </p:cSld>
+  <p:clrMapOvr>
+    <a:masterClrMapping/>
+  </p:clrMapOvr>
+</p:sld>
+</file>
+
+<file path=ppt/slides/slide8.xml><?xml version="1.0" encoding="utf-8"?>
+<p:sld xmlns:a="http://schemas.openxmlformats.org/drawingml/2006/main" xmlns:r="http://schemas.openxmlformats.org/officeDocument/2006/relationships" xmlns:p="http://schemas.openxmlformats.org/presentationml/2006/main">
+  <p:cSld>
+    <p:spTree>
+      <p:nvGrpSpPr>
+        <p:cNvPr id="1" name=""/>
+        <p:cNvGrpSpPr/>
+        <p:nvPr/>
+      </p:nvGrpSpPr>
+      <p:grpSpPr>
+        <a:xfrm>
+          <a:off x="0" y="0"/>
+          <a:ext cx="0" cy="0"/>
+          <a:chOff x="0" y="0"/>
+          <a:chExt cx="0" cy="0"/>
+        </a:xfrm>
+      </p:grpSpPr>
+      <p:pic>
+        <p:nvPicPr>
+          <p:cNvPr id="5" name="Picture 4" descr="A deer standing in a grassy field&#10;&#10;Description automatically generated">
+            <a:extLst>
+              <a:ext uri="{FF2B5EF4-FFF2-40B4-BE49-F238E27FC236}">
+                <a16:creationId xmlns:a16="http://schemas.microsoft.com/office/drawing/2014/main" id="{0F6D56DB-5664-C04B-91CC-DA8CDA4374AB}"/>
+              </a:ext>
+            </a:extLst>
+          </p:cNvPr>
+          <p:cNvPicPr>
+            <a:picLocks noChangeAspect="1"/>
+          </p:cNvPicPr>
+          <p:nvPr/>
+        </p:nvPicPr>
+        <p:blipFill rotWithShape="1">
+          <a:blip r:embed="rId3"/>
+          <a:srcRect t="4713" r="4713"/>
+          <a:stretch/>
+        </p:blipFill>
+        <p:spPr>
+          <a:xfrm>
+            <a:off x="696900" y="1776507"/>
+            <a:ext cx="3746023" cy="2741620"/>
+          </a:xfrm>
+          <a:prstGeom prst="rect">
+            <a:avLst/>
+          </a:prstGeom>
+        </p:spPr>
+      </p:pic>
+      <p:pic>
+        <p:nvPicPr>
+          <p:cNvPr id="9" name="Picture 8" descr="A brown horse standing on top of a grass covered field&#10;&#10;Description automatically generated">
+            <a:extLst>
+              <a:ext uri="{FF2B5EF4-FFF2-40B4-BE49-F238E27FC236}">
+                <a16:creationId xmlns:a16="http://schemas.microsoft.com/office/drawing/2014/main" id="{8A5C5F0F-2D4F-F946-BD1B-A811B900EA57}"/>
+              </a:ext>
+            </a:extLst>
+          </p:cNvPr>
+          <p:cNvPicPr>
+            <a:picLocks noChangeAspect="1"/>
+          </p:cNvPicPr>
+          <p:nvPr/>
+        </p:nvPicPr>
+        <p:blipFill>
+          <a:blip r:embed="rId4"/>
+          <a:stretch>
+            <a:fillRect/>
+          </a:stretch>
+        </p:blipFill>
+        <p:spPr>
+          <a:xfrm>
+            <a:off x="4780591" y="1776507"/>
+            <a:ext cx="3655494" cy="2741620"/>
+          </a:xfrm>
+          <a:prstGeom prst="rect">
+            <a:avLst/>
+          </a:prstGeom>
+        </p:spPr>
+      </p:pic>
+      <p:sp>
+        <p:nvSpPr>
+          <p:cNvPr id="10" name="Rectangle 9">
+            <a:extLst>
+              <a:ext uri="{FF2B5EF4-FFF2-40B4-BE49-F238E27FC236}">
+                <a16:creationId xmlns:a16="http://schemas.microsoft.com/office/drawing/2014/main" id="{E5444089-3EFA-8F42-8793-A5E91103E81F}"/>
+              </a:ext>
+            </a:extLst>
+          </p:cNvPr>
+          <p:cNvSpPr/>
+          <p:nvPr/>
+        </p:nvSpPr>
+        <p:spPr>
+          <a:xfrm>
+            <a:off x="1978099" y="1631595"/>
+            <a:ext cx="5982407" cy="1431161"/>
+          </a:xfrm>
+          <a:prstGeom prst="rect">
+            <a:avLst/>
+          </a:prstGeom>
+        </p:spPr>
+        <p:txBody>
+          <a:bodyPr wrap="none">
+            <a:spAutoFit/>
+          </a:bodyPr>
+          <a:lstStyle/>
+          <a:p>
+            <a:pPr marL="285750" indent="-285750">
+              <a:spcAft>
+                <a:spcPts val="600"/>
+              </a:spcAft>
+              <a:buFont typeface="Arial" panose="020B0604020202020204" pitchFamily="34" charset="0"/>
+              <a:buChar char="•"/>
+            </a:pPr>
+            <a:r>
+              <a:rPr lang="en-US" dirty="0"/>
+              <a:t>What if</a:t>
+            </a:r>
+          </a:p>
+          <a:p>
+            <a:pPr marL="742950" lvl="1" indent="-285750">
+              <a:spcAft>
+                <a:spcPts val="600"/>
+              </a:spcAft>
+              <a:buFont typeface="Arial" panose="020B0604020202020204" pitchFamily="34" charset="0"/>
+              <a:buChar char="•"/>
+            </a:pPr>
+            <a:r>
+              <a:rPr lang="en-US" dirty="0"/>
+              <a:t>We cannot see the whole picture</a:t>
+            </a:r>
+          </a:p>
+          <a:p>
+            <a:pPr marL="742950" lvl="1" indent="-285750">
+              <a:spcAft>
+                <a:spcPts val="600"/>
+              </a:spcAft>
+              <a:buFont typeface="Arial" panose="020B0604020202020204" pitchFamily="34" charset="0"/>
+              <a:buChar char="•"/>
+            </a:pPr>
+            <a:r>
+              <a:rPr lang="en-US" dirty="0"/>
+              <a:t>We are only allowed to ask yes or no questions</a:t>
+            </a:r>
+          </a:p>
+          <a:p>
+            <a:pPr marL="742950" lvl="1" indent="-285750">
+              <a:spcAft>
+                <a:spcPts val="600"/>
+              </a:spcAft>
+              <a:buFont typeface="Arial" panose="020B0604020202020204" pitchFamily="34" charset="0"/>
+              <a:buChar char="•"/>
+            </a:pPr>
+            <a:r>
+              <a:rPr lang="en-US" dirty="0"/>
+              <a:t>After several rounds we will be able to tell them apart</a:t>
+            </a:r>
+          </a:p>
+        </p:txBody>
+      </p:sp>
+      <p:sp>
+        <p:nvSpPr>
+          <p:cNvPr id="7" name="Rectangle 6">
+            <a:extLst>
+              <a:ext uri="{FF2B5EF4-FFF2-40B4-BE49-F238E27FC236}">
+                <a16:creationId xmlns:a16="http://schemas.microsoft.com/office/drawing/2014/main" id="{2EB520CD-B6B0-B148-8336-C1556AEC5CC6}"/>
+              </a:ext>
+            </a:extLst>
+          </p:cNvPr>
+          <p:cNvSpPr/>
+          <p:nvPr/>
+        </p:nvSpPr>
+        <p:spPr>
+          <a:xfrm>
+            <a:off x="420783" y="337307"/>
+            <a:ext cx="4051365" cy="523220"/>
+          </a:xfrm>
+          <a:prstGeom prst="rect">
+            <a:avLst/>
+          </a:prstGeom>
+        </p:spPr>
+        <p:txBody>
+          <a:bodyPr wrap="none">
+            <a:spAutoFit/>
+          </a:bodyPr>
+          <a:lstStyle/>
+          <a:p>
+            <a:pPr>
+              <a:spcAft>
+                <a:spcPts val="600"/>
+              </a:spcAft>
+            </a:pPr>
+            <a:r>
+              <a:rPr lang="en-US" sz="2800" b="1" dirty="0">
+                <a:solidFill>
+                  <a:srgbClr val="54AC5C"/>
+                </a:solidFill>
+              </a:rPr>
+              <a:t>Q1: Variants Classification</a:t>
+            </a:r>
+          </a:p>
+        </p:txBody>
+      </p:sp>
+      <p:cxnSp>
+        <p:nvCxnSpPr>
+          <p:cNvPr id="8" name="Straight Connector 7">
+            <a:extLst>
+              <a:ext uri="{FF2B5EF4-FFF2-40B4-BE49-F238E27FC236}">
+                <a16:creationId xmlns:a16="http://schemas.microsoft.com/office/drawing/2014/main" id="{5299EC4B-CDA1-D64A-AB2F-3189928F5FA2}"/>
+              </a:ext>
+            </a:extLst>
+          </p:cNvPr>
+          <p:cNvCxnSpPr/>
+          <p:nvPr/>
+        </p:nvCxnSpPr>
+        <p:spPr>
+          <a:xfrm>
+            <a:off x="0" y="872719"/>
+            <a:ext cx="9144000" cy="0"/>
+          </a:xfrm>
+          <a:prstGeom prst="line">
+            <a:avLst/>
+          </a:prstGeom>
+          <a:ln w="17526">
+            <a:solidFill>
+              <a:srgbClr val="54AC5C"/>
+            </a:solidFill>
+          </a:ln>
+          <a:effectLst/>
+        </p:spPr>
+        <p:style>
+          <a:lnRef idx="2">
+            <a:schemeClr val="dk1"/>
+          </a:lnRef>
+          <a:fillRef idx="0">
+            <a:schemeClr val="dk1"/>
+          </a:fillRef>
+          <a:effectRef idx="1">
+            <a:schemeClr val="dk1"/>
+          </a:effectRef>
+          <a:fontRef idx="minor">
+            <a:schemeClr val="tx1"/>
+          </a:fontRef>
+        </p:style>
+      </p:cxnSp>
+      <p:sp>
+        <p:nvSpPr>
+          <p:cNvPr id="11" name="Rectangle 10">
+            <a:extLst>
+              <a:ext uri="{FF2B5EF4-FFF2-40B4-BE49-F238E27FC236}">
+                <a16:creationId xmlns:a16="http://schemas.microsoft.com/office/drawing/2014/main" id="{B3752187-E7B8-EE45-AF44-E7B4AABB3838}"/>
+              </a:ext>
+            </a:extLst>
+          </p:cNvPr>
+          <p:cNvSpPr/>
+          <p:nvPr/>
+        </p:nvSpPr>
+        <p:spPr>
+          <a:xfrm>
+            <a:off x="1020672" y="1082684"/>
+            <a:ext cx="2977803" cy="369332"/>
+          </a:xfrm>
+          <a:prstGeom prst="rect">
+            <a:avLst/>
+          </a:prstGeom>
+        </p:spPr>
+        <p:txBody>
+          <a:bodyPr wrap="none">
+            <a:spAutoFit/>
+          </a:bodyPr>
+          <a:lstStyle/>
+          <a:p>
+            <a:pPr marL="285750" indent="-285750">
+              <a:spcAft>
+                <a:spcPts val="600"/>
+              </a:spcAft>
+              <a:buFont typeface="Arial" panose="020B0604020202020204" pitchFamily="34" charset="0"/>
+              <a:buChar char="•"/>
+            </a:pPr>
+            <a:r>
+              <a:rPr lang="en-US" dirty="0"/>
+              <a:t>Method 2:     Decision Tree</a:t>
+            </a:r>
+          </a:p>
+        </p:txBody>
+      </p:sp>
+      <p:pic>
+        <p:nvPicPr>
+          <p:cNvPr id="12" name="Picture 11" descr="A close up of a horse&#10;&#10;Description automatically generated">
+            <a:extLst>
+              <a:ext uri="{FF2B5EF4-FFF2-40B4-BE49-F238E27FC236}">
+                <a16:creationId xmlns:a16="http://schemas.microsoft.com/office/drawing/2014/main" id="{763F38EA-9091-2B45-A070-FB5BCED81127}"/>
+              </a:ext>
+            </a:extLst>
+          </p:cNvPr>
+          <p:cNvPicPr>
+            <a:picLocks noChangeAspect="1"/>
+          </p:cNvPicPr>
+          <p:nvPr/>
+        </p:nvPicPr>
+        <p:blipFill rotWithShape="1">
+          <a:blip r:embed="rId5"/>
+          <a:srcRect l="6590" t="8000" r="9315" b="9689"/>
+          <a:stretch/>
+        </p:blipFill>
+        <p:spPr>
+          <a:xfrm>
+            <a:off x="1336263" y="3946999"/>
+            <a:ext cx="1392131" cy="1142256"/>
+          </a:xfrm>
+          <a:prstGeom prst="rect">
+            <a:avLst/>
+          </a:prstGeom>
+        </p:spPr>
+      </p:pic>
+      <p:grpSp>
+        <p:nvGrpSpPr>
+          <p:cNvPr id="30" name="Group 29">
+            <a:extLst>
+              <a:ext uri="{FF2B5EF4-FFF2-40B4-BE49-F238E27FC236}">
+                <a16:creationId xmlns:a16="http://schemas.microsoft.com/office/drawing/2014/main" id="{288F9333-F08C-FA4A-B2DA-EFFDF54B6B76}"/>
+              </a:ext>
+            </a:extLst>
+          </p:cNvPr>
+          <p:cNvGrpSpPr/>
+          <p:nvPr/>
+        </p:nvGrpSpPr>
+        <p:grpSpPr>
+          <a:xfrm>
+            <a:off x="3682070" y="3502466"/>
+            <a:ext cx="4278436" cy="2602450"/>
+            <a:chOff x="3682070" y="3502466"/>
+            <a:chExt cx="4278436" cy="2602450"/>
+          </a:xfrm>
+        </p:grpSpPr>
+        <p:sp>
+          <p:nvSpPr>
+            <p:cNvPr id="22" name="Diamond 21">
+              <a:extLst>
+                <a:ext uri="{FF2B5EF4-FFF2-40B4-BE49-F238E27FC236}">
+                  <a16:creationId xmlns:a16="http://schemas.microsoft.com/office/drawing/2014/main" id="{C476B2A8-7498-D04A-9AA8-DAA5CD89D2BA}"/>
+                </a:ext>
+              </a:extLst>
+            </p:cNvPr>
+            <p:cNvSpPr/>
+            <p:nvPr/>
+          </p:nvSpPr>
+          <p:spPr>
+            <a:xfrm>
+              <a:off x="3682070" y="3502466"/>
+              <a:ext cx="3291840" cy="1391174"/>
+            </a:xfrm>
+            <a:prstGeom prst="diamond">
+              <a:avLst/>
+            </a:prstGeom>
+            <a:solidFill>
+              <a:schemeClr val="bg1"/>
+            </a:solidFill>
+            <a:ln>
+              <a:solidFill>
+                <a:schemeClr val="tx1"/>
+              </a:solidFill>
+            </a:ln>
+            <a:effectLst/>
+          </p:spPr>
+          <p:style>
+            <a:lnRef idx="1">
+              <a:schemeClr val="accent1"/>
+            </a:lnRef>
+            <a:fillRef idx="3">
+              <a:schemeClr val="accent1"/>
+            </a:fillRef>
+            <a:effectRef idx="2">
+              <a:schemeClr val="accent1"/>
+            </a:effectRef>
+            <a:fontRef idx="minor">
+              <a:schemeClr val="lt1"/>
+            </a:fontRef>
+          </p:style>
+          <p:txBody>
+            <a:bodyPr rtlCol="0" anchor="ctr"/>
+            <a:lstStyle/>
+            <a:p>
+              <a:pPr algn="ctr"/>
+              <a:endParaRPr lang="en-US" dirty="0">
+                <a:solidFill>
+                  <a:schemeClr val="tx1"/>
+                </a:solidFill>
+              </a:endParaRPr>
+            </a:p>
+          </p:txBody>
+        </p:sp>
+        <p:sp>
+          <p:nvSpPr>
+            <p:cNvPr id="13" name="TextBox 12">
+              <a:extLst>
+                <a:ext uri="{FF2B5EF4-FFF2-40B4-BE49-F238E27FC236}">
+                  <a16:creationId xmlns:a16="http://schemas.microsoft.com/office/drawing/2014/main" id="{0CD883F1-F83B-9F47-B133-2A6181D26C55}"/>
+                </a:ext>
+              </a:extLst>
+            </p:cNvPr>
+            <p:cNvSpPr txBox="1"/>
+            <p:nvPr/>
+          </p:nvSpPr>
+          <p:spPr>
+            <a:xfrm>
+              <a:off x="4334387" y="4013387"/>
+              <a:ext cx="2072640" cy="369332"/>
+            </a:xfrm>
+            <a:prstGeom prst="rect">
+              <a:avLst/>
+            </a:prstGeom>
+            <a:noFill/>
+          </p:spPr>
+          <p:txBody>
+            <a:bodyPr wrap="square" rtlCol="0">
+              <a:spAutoFit/>
+            </a:bodyPr>
+            <a:lstStyle/>
+            <a:p>
+              <a:r>
+                <a:rPr lang="en-US" dirty="0"/>
+                <a:t>Does it have corns?</a:t>
+              </a:r>
+            </a:p>
+          </p:txBody>
+        </p:sp>
+        <p:sp>
+          <p:nvSpPr>
+            <p:cNvPr id="14" name="TextBox 13">
+              <a:extLst>
+                <a:ext uri="{FF2B5EF4-FFF2-40B4-BE49-F238E27FC236}">
+                  <a16:creationId xmlns:a16="http://schemas.microsoft.com/office/drawing/2014/main" id="{6F5C27A8-F49B-1047-A302-70642BC5F4A4}"/>
+                </a:ext>
+              </a:extLst>
+            </p:cNvPr>
+            <p:cNvSpPr txBox="1"/>
+            <p:nvPr/>
+          </p:nvSpPr>
+          <p:spPr>
+            <a:xfrm>
+              <a:off x="4998915" y="5735584"/>
+              <a:ext cx="681425" cy="369332"/>
+            </a:xfrm>
+            <a:prstGeom prst="rect">
+              <a:avLst/>
+            </a:prstGeom>
+            <a:noFill/>
+          </p:spPr>
+          <p:txBody>
+            <a:bodyPr wrap="square" rtlCol="0">
+              <a:spAutoFit/>
+            </a:bodyPr>
+            <a:lstStyle/>
+            <a:p>
+              <a:r>
+                <a:rPr lang="en-US" dirty="0"/>
+                <a:t>Deer</a:t>
+              </a:r>
+            </a:p>
+          </p:txBody>
+        </p:sp>
+        <p:sp>
+          <p:nvSpPr>
+            <p:cNvPr id="15" name="TextBox 14">
+              <a:extLst>
+                <a:ext uri="{FF2B5EF4-FFF2-40B4-BE49-F238E27FC236}">
+                  <a16:creationId xmlns:a16="http://schemas.microsoft.com/office/drawing/2014/main" id="{A54413CC-B9B8-954C-BF9A-3ED5E5208F51}"/>
+                </a:ext>
+              </a:extLst>
+            </p:cNvPr>
+            <p:cNvSpPr txBox="1"/>
+            <p:nvPr/>
+          </p:nvSpPr>
+          <p:spPr>
+            <a:xfrm>
+              <a:off x="7148535" y="5480541"/>
+              <a:ext cx="811971" cy="369332"/>
+            </a:xfrm>
+            <a:prstGeom prst="rect">
+              <a:avLst/>
+            </a:prstGeom>
+            <a:noFill/>
+          </p:spPr>
+          <p:txBody>
+            <a:bodyPr wrap="square" rtlCol="0">
+              <a:spAutoFit/>
+            </a:bodyPr>
+            <a:lstStyle/>
+            <a:p>
+              <a:r>
+                <a:rPr lang="en-US" dirty="0"/>
+                <a:t>Horse</a:t>
+              </a:r>
+            </a:p>
+          </p:txBody>
+        </p:sp>
+        <p:cxnSp>
+          <p:nvCxnSpPr>
+            <p:cNvPr id="17" name="Straight Arrow Connector 16">
+              <a:extLst>
+                <a:ext uri="{FF2B5EF4-FFF2-40B4-BE49-F238E27FC236}">
+                  <a16:creationId xmlns:a16="http://schemas.microsoft.com/office/drawing/2014/main" id="{717AA28E-97A7-1443-841A-884CF4E607F0}"/>
+                </a:ext>
+              </a:extLst>
+            </p:cNvPr>
+            <p:cNvCxnSpPr>
+              <a:cxnSpLocks/>
+              <a:stCxn id="22" idx="2"/>
+            </p:cNvCxnSpPr>
+            <p:nvPr/>
+          </p:nvCxnSpPr>
+          <p:spPr>
+            <a:xfrm>
+              <a:off x="5327990" y="4893640"/>
+              <a:ext cx="11638" cy="847031"/>
+            </a:xfrm>
+            <a:prstGeom prst="straightConnector1">
+              <a:avLst/>
+            </a:prstGeom>
+            <a:ln>
+              <a:tailEnd type="triangle"/>
+            </a:ln>
+            <a:effectLst/>
+          </p:spPr>
+          <p:style>
+            <a:lnRef idx="2">
+              <a:schemeClr val="dk1"/>
+            </a:lnRef>
+            <a:fillRef idx="0">
+              <a:schemeClr val="dk1"/>
+            </a:fillRef>
+            <a:effectRef idx="1">
+              <a:schemeClr val="dk1"/>
+            </a:effectRef>
+            <a:fontRef idx="minor">
+              <a:schemeClr val="tx1"/>
+            </a:fontRef>
+          </p:style>
+        </p:cxnSp>
+        <p:sp>
+          <p:nvSpPr>
+            <p:cNvPr id="20" name="TextBox 19">
+              <a:extLst>
+                <a:ext uri="{FF2B5EF4-FFF2-40B4-BE49-F238E27FC236}">
+                  <a16:creationId xmlns:a16="http://schemas.microsoft.com/office/drawing/2014/main" id="{B3F6B088-3A6B-8F4E-90EE-F81657976C86}"/>
+                </a:ext>
+              </a:extLst>
+            </p:cNvPr>
+            <p:cNvSpPr txBox="1"/>
+            <p:nvPr/>
+          </p:nvSpPr>
+          <p:spPr>
+            <a:xfrm>
+              <a:off x="4720102" y="5073219"/>
+              <a:ext cx="540014" cy="369332"/>
+            </a:xfrm>
+            <a:prstGeom prst="rect">
+              <a:avLst/>
+            </a:prstGeom>
+            <a:noFill/>
+          </p:spPr>
+          <p:txBody>
+            <a:bodyPr wrap="square" rtlCol="0">
+              <a:spAutoFit/>
+            </a:bodyPr>
+            <a:lstStyle/>
+            <a:p>
+              <a:r>
+                <a:rPr lang="en-US" dirty="0"/>
+                <a:t>yes</a:t>
+              </a:r>
+            </a:p>
+          </p:txBody>
+        </p:sp>
+        <p:sp>
+          <p:nvSpPr>
+            <p:cNvPr id="21" name="TextBox 20">
+              <a:extLst>
+                <a:ext uri="{FF2B5EF4-FFF2-40B4-BE49-F238E27FC236}">
+                  <a16:creationId xmlns:a16="http://schemas.microsoft.com/office/drawing/2014/main" id="{62D63349-6BEB-4B4D-85FD-D6C5849DFFDC}"/>
+                </a:ext>
+              </a:extLst>
+            </p:cNvPr>
+            <p:cNvSpPr txBox="1"/>
+            <p:nvPr/>
+          </p:nvSpPr>
+          <p:spPr>
+            <a:xfrm>
+              <a:off x="6973910" y="4282886"/>
+              <a:ext cx="540014" cy="369332"/>
+            </a:xfrm>
+            <a:prstGeom prst="rect">
+              <a:avLst/>
+            </a:prstGeom>
+            <a:noFill/>
+          </p:spPr>
+          <p:txBody>
+            <a:bodyPr wrap="square" rtlCol="0">
+              <a:spAutoFit/>
+            </a:bodyPr>
+            <a:lstStyle/>
+            <a:p>
+              <a:r>
+                <a:rPr lang="en-US" dirty="0"/>
+                <a:t>no</a:t>
+              </a:r>
+            </a:p>
+          </p:txBody>
+        </p:sp>
+        <p:cxnSp>
+          <p:nvCxnSpPr>
+            <p:cNvPr id="29" name="Elbow Connector 28">
+              <a:extLst>
+                <a:ext uri="{FF2B5EF4-FFF2-40B4-BE49-F238E27FC236}">
+                  <a16:creationId xmlns:a16="http://schemas.microsoft.com/office/drawing/2014/main" id="{0E9C482F-49CF-9440-8792-C19AFB349FB2}"/>
+                </a:ext>
+              </a:extLst>
+            </p:cNvPr>
+            <p:cNvCxnSpPr>
+              <a:stCxn id="22" idx="3"/>
+            </p:cNvCxnSpPr>
+            <p:nvPr/>
+          </p:nvCxnSpPr>
+          <p:spPr>
+            <a:xfrm>
+              <a:off x="6973910" y="4198053"/>
+              <a:ext cx="580611" cy="1244498"/>
+            </a:xfrm>
+            <a:prstGeom prst="bentConnector2">
+              <a:avLst/>
+            </a:prstGeom>
+            <a:ln>
+              <a:tailEnd type="triangle"/>
+            </a:ln>
+            <a:effectLst/>
+          </p:spPr>
+          <p:style>
+            <a:lnRef idx="2">
+              <a:schemeClr val="dk1"/>
+            </a:lnRef>
+            <a:fillRef idx="0">
+              <a:schemeClr val="dk1"/>
+            </a:fillRef>
+            <a:effectRef idx="1">
+              <a:schemeClr val="dk1"/>
+            </a:effectRef>
+            <a:fontRef idx="minor">
+              <a:schemeClr val="tx1"/>
+            </a:fontRef>
+          </p:style>
+        </p:cxnSp>
+      </p:grpSp>
+      <p:sp>
+        <p:nvSpPr>
+          <p:cNvPr id="32" name="Rectangle 31">
+            <a:extLst>
+              <a:ext uri="{FF2B5EF4-FFF2-40B4-BE49-F238E27FC236}">
+                <a16:creationId xmlns:a16="http://schemas.microsoft.com/office/drawing/2014/main" id="{D4472762-F50F-9E4F-82B8-87A5D4F11B56}"/>
+              </a:ext>
+            </a:extLst>
+          </p:cNvPr>
+          <p:cNvSpPr/>
+          <p:nvPr/>
+        </p:nvSpPr>
+        <p:spPr>
+          <a:xfrm>
+            <a:off x="595469" y="6336027"/>
+            <a:ext cx="7505544" cy="523220"/>
+          </a:xfrm>
+          <a:prstGeom prst="rect">
+            <a:avLst/>
+          </a:prstGeom>
+        </p:spPr>
+        <p:txBody>
+          <a:bodyPr wrap="square">
+            <a:spAutoFit/>
+          </a:bodyPr>
+          <a:lstStyle/>
+          <a:p>
+            <a:r>
+              <a:rPr lang="en-US" sz="1400" dirty="0">
+                <a:solidFill>
+                  <a:schemeClr val="bg1">
+                    <a:lumMod val="50000"/>
+                  </a:schemeClr>
+                </a:solidFill>
+              </a:rPr>
+              <a:t>Reference:</a:t>
+            </a:r>
+            <a:r>
+              <a:rPr lang="zh-CN" altLang="en-US" sz="1400" dirty="0">
+                <a:solidFill>
+                  <a:schemeClr val="bg1">
+                    <a:lumMod val="50000"/>
+                  </a:schemeClr>
+                </a:solidFill>
+              </a:rPr>
+              <a:t> </a:t>
+            </a:r>
+            <a:r>
+              <a:rPr lang="en-US" sz="1400" dirty="0">
+                <a:solidFill>
+                  <a:schemeClr val="bg1">
+                    <a:lumMod val="50000"/>
+                  </a:schemeClr>
+                </a:solidFill>
+                <a:hlinkClick r:id="rId6">
+                  <a:extLst>
+                    <a:ext uri="{A12FA001-AC4F-418D-AE19-62706E023703}">
+                      <ahyp:hlinkClr xmlns:ahyp="http://schemas.microsoft.com/office/drawing/2018/hyperlinkcolor" val="tx"/>
+                    </a:ext>
+                  </a:extLst>
+                </a:hlinkClick>
+              </a:rPr>
+              <a:t>https://ocw.mit.edu/courses/sloan-school-of-management/15-097-prediction-machine-learning-and-statistics-spring-2012/lecture-notes/MIT15_097S12_lec08.pdf</a:t>
+            </a:r>
+            <a:endParaRPr lang="en-US" sz="1400" dirty="0">
+              <a:solidFill>
+                <a:schemeClr val="bg1">
+                  <a:lumMod val="50000"/>
+                </a:schemeClr>
+              </a:solidFill>
+            </a:endParaRPr>
+          </a:p>
+        </p:txBody>
+      </p:sp>
+    </p:spTree>
+    <p:extLst>
+      <p:ext uri="{BB962C8B-B14F-4D97-AF65-F5344CB8AC3E}">
+        <p14:creationId xmlns:p14="http://schemas.microsoft.com/office/powerpoint/2010/main" val="1132436580"/>
+      </p:ext>
+    </p:extLst>
+  </p:cSld>
+  <p:clrMapOvr>
+    <a:masterClrMapping/>
+  </p:clrMapOvr>
+  <p:timing>
+    <p:tnLst>
+      <p:par>
+        <p:cTn id="1" dur="indefinite" restart="never" nodeType="tmRoot">
+          <p:childTnLst>
+            <p:seq concurrent="1" nextAc="seek">
+              <p:cTn id="2" dur="indefinite" nodeType="mainSeq">
+                <p:childTnLst>
+                  <p:par>
+                    <p:cTn id="3" fill="hold">
+                      <p:stCondLst>
+                        <p:cond delay="indefinite"/>
+                      </p:stCondLst>
+                      <p:childTnLst>
+                        <p:par>
+                          <p:cTn id="4" fill="hold">
+                            <p:stCondLst>
+                              <p:cond delay="0"/>
+                            </p:stCondLst>
+                            <p:childTnLst>
+                              <p:par>
+                                <p:cTn id="5" presetID="10" presetClass="exit" presetSubtype="0" fill="hold" nodeType="clickEffect">
+                                  <p:stCondLst>
+                                    <p:cond delay="0"/>
+                                  </p:stCondLst>
+                                  <p:childTnLst>
+                                    <p:animEffect transition="out" filter="fade">
+                                      <p:cBhvr>
+                                        <p:cTn id="6" dur="500"/>
+                                        <p:tgtEl>
+                                          <p:spTgt spid="5"/>
+                                        </p:tgtEl>
+                                      </p:cBhvr>
+                                    </p:animEffect>
+                                    <p:set>
+                                      <p:cBhvr>
+                                        <p:cTn id="7" dur="1" fill="hold">
+                                          <p:stCondLst>
+                                            <p:cond delay="499"/>
+                                          </p:stCondLst>
+                                        </p:cTn>
+                                        <p:tgtEl>
+                                          <p:spTgt spid="5"/>
+                                        </p:tgtEl>
+                                        <p:attrNameLst>
+                                          <p:attrName>style.visibility</p:attrName>
+                                        </p:attrNameLst>
+                                      </p:cBhvr>
+                                      <p:to>
+                                        <p:strVal val="hidden"/>
+                                      </p:to>
+                                    </p:set>
+                                  </p:childTnLst>
+                                </p:cTn>
+                              </p:par>
+                              <p:par>
+                                <p:cTn id="8" presetID="10" presetClass="exit" presetSubtype="0" fill="hold" nodeType="withEffect">
+                                  <p:stCondLst>
+                                    <p:cond delay="0"/>
+                                  </p:stCondLst>
+                                  <p:childTnLst>
+                                    <p:animEffect transition="out" filter="fade">
+                                      <p:cBhvr>
+                                        <p:cTn id="9" dur="500"/>
+                                        <p:tgtEl>
+                                          <p:spTgt spid="9"/>
+                                        </p:tgtEl>
+                                      </p:cBhvr>
+                                    </p:animEffect>
+                                    <p:set>
+                                      <p:cBhvr>
+                                        <p:cTn id="10" dur="1" fill="hold">
+                                          <p:stCondLst>
+                                            <p:cond delay="499"/>
+                                          </p:stCondLst>
+                                        </p:cTn>
+                                        <p:tgtEl>
+                                          <p:spTgt spid="9"/>
+                                        </p:tgtEl>
+                                        <p:attrNameLst>
+                                          <p:attrName>style.visibility</p:attrName>
+                                        </p:attrNameLst>
+                                      </p:cBhvr>
+                                      <p:to>
+                                        <p:strVal val="hidden"/>
+                                      </p:to>
+                                    </p:set>
+                                  </p:childTnLst>
+                                </p:cTn>
+                              </p:par>
+                            </p:childTnLst>
+                          </p:cTn>
+                        </p:par>
+                      </p:childTnLst>
+                    </p:cTn>
+                  </p:par>
+                  <p:par>
+                    <p:cTn id="11" fill="hold">
+                      <p:stCondLst>
+                        <p:cond delay="indefinite"/>
+                      </p:stCondLst>
+                      <p:childTnLst>
+                        <p:par>
+                          <p:cTn id="12" fill="hold">
+                            <p:stCondLst>
+                              <p:cond delay="0"/>
+                            </p:stCondLst>
+                            <p:childTnLst>
+                              <p:par>
+                                <p:cTn id="13" presetID="10" presetClass="entr" presetSubtype="0" fill="hold" grpId="0" nodeType="clickEffect">
+                                  <p:stCondLst>
+                                    <p:cond delay="0"/>
+                                  </p:stCondLst>
+                                  <p:childTnLst>
+                                    <p:set>
+                                      <p:cBhvr>
+                                        <p:cTn id="14" dur="1" fill="hold">
+                                          <p:stCondLst>
+                                            <p:cond delay="0"/>
+                                          </p:stCondLst>
+                                        </p:cTn>
+                                        <p:tgtEl>
+                                          <p:spTgt spid="10"/>
+                                        </p:tgtEl>
+                                        <p:attrNameLst>
+                                          <p:attrName>style.visibility</p:attrName>
+                                        </p:attrNameLst>
+                                      </p:cBhvr>
+                                      <p:to>
+                                        <p:strVal val="visible"/>
+                                      </p:to>
+                                    </p:set>
+                                    <p:animEffect transition="in" filter="fade">
+                                      <p:cBhvr>
+                                        <p:cTn id="15" dur="500"/>
+                                        <p:tgtEl>
+                                          <p:spTgt spid="10"/>
+                                        </p:tgtEl>
+                                      </p:cBhvr>
+                                    </p:animEffect>
+                                  </p:childTnLst>
+                                </p:cTn>
+                              </p:par>
+                            </p:childTnLst>
+                          </p:cTn>
+                        </p:par>
+                      </p:childTnLst>
+                    </p:cTn>
+                  </p:par>
+                  <p:par>
+                    <p:cTn id="16" fill="hold">
+                      <p:stCondLst>
+                        <p:cond delay="indefinite"/>
+                      </p:stCondLst>
+                      <p:childTnLst>
+                        <p:par>
+                          <p:cTn id="17" fill="hold">
+                            <p:stCondLst>
+                              <p:cond delay="0"/>
+                            </p:stCondLst>
+                            <p:childTnLst>
+                              <p:par>
+                                <p:cTn id="18" presetID="10" presetClass="entr" presetSubtype="0" fill="hold" nodeType="clickEffect">
+                                  <p:stCondLst>
+                                    <p:cond delay="0"/>
+                                  </p:stCondLst>
+                                  <p:childTnLst>
+                                    <p:set>
+                                      <p:cBhvr>
+                                        <p:cTn id="19" dur="1" fill="hold">
+                                          <p:stCondLst>
+                                            <p:cond delay="0"/>
+                                          </p:stCondLst>
+                                        </p:cTn>
+                                        <p:tgtEl>
+                                          <p:spTgt spid="12"/>
+                                        </p:tgtEl>
+                                        <p:attrNameLst>
+                                          <p:attrName>style.visibility</p:attrName>
+                                        </p:attrNameLst>
+                                      </p:cBhvr>
+                                      <p:to>
+                                        <p:strVal val="visible"/>
+                                      </p:to>
+                                    </p:set>
+                                    <p:animEffect transition="in" filter="fade">
+                                      <p:cBhvr>
+                                        <p:cTn id="20" dur="500"/>
+                                        <p:tgtEl>
+                                          <p:spTgt spid="12"/>
+                                        </p:tgtEl>
+                                      </p:cBhvr>
+                                    </p:animEffect>
+                                  </p:childTnLst>
+                                </p:cTn>
+                              </p:par>
+                            </p:childTnLst>
+                          </p:cTn>
+                        </p:par>
+                      </p:childTnLst>
+                    </p:cTn>
+                  </p:par>
+                  <p:par>
+                    <p:cTn id="21" fill="hold">
+                      <p:stCondLst>
+                        <p:cond delay="indefinite"/>
+                      </p:stCondLst>
+                      <p:childTnLst>
+                        <p:par>
+                          <p:cTn id="22" fill="hold">
+                            <p:stCondLst>
+                              <p:cond delay="0"/>
+                            </p:stCondLst>
+                            <p:childTnLst>
+                              <p:par>
+                                <p:cTn id="23" presetID="10" presetClass="entr" presetSubtype="0" fill="hold" nodeType="clickEffect">
+                                  <p:stCondLst>
+                                    <p:cond delay="0"/>
+                                  </p:stCondLst>
+                                  <p:childTnLst>
+                                    <p:set>
+                                      <p:cBhvr>
+                                        <p:cTn id="24" dur="1" fill="hold">
+                                          <p:stCondLst>
+                                            <p:cond delay="0"/>
+                                          </p:stCondLst>
+                                        </p:cTn>
+                                        <p:tgtEl>
+                                          <p:spTgt spid="30"/>
+                                        </p:tgtEl>
+                                        <p:attrNameLst>
+                                          <p:attrName>style.visibility</p:attrName>
+                                        </p:attrNameLst>
+                                      </p:cBhvr>
+                                      <p:to>
+                                        <p:strVal val="visible"/>
+                                      </p:to>
+                                    </p:set>
+                                    <p:animEffect transition="in" filter="fade">
+                                      <p:cBhvr>
+                                        <p:cTn id="25" dur="500"/>
+                                        <p:tgtEl>
+                                          <p:spTgt spid="30"/>
+                                        </p:tgtEl>
+                                      </p:cBhvr>
+                                    </p:animEffect>
+                                  </p:childTnLst>
+                                </p:cTn>
+                              </p:par>
+                            </p:childTnLst>
+                          </p:cTn>
+                        </p:par>
+                      </p:childTnLst>
+                    </p:cTn>
+                  </p:par>
+                </p:childTnLst>
+              </p:cTn>
+              <p:prevCondLst>
+                <p:cond evt="onPrev" delay="0">
+                  <p:tgtEl>
+                    <p:sldTgt/>
+                  </p:tgtEl>
+                </p:cond>
+              </p:prevCondLst>
+              <p:nextCondLst>
+                <p:cond evt="onNext" delay="0">
+                  <p:tgtEl>
+                    <p:sldTgt/>
+                  </p:tgtEl>
+                </p:cond>
+              </p:nextCondLst>
+            </p:seq>
+          </p:childTnLst>
+        </p:cTn>
+      </p:par>
+    </p:tnLst>
+    <p:bldLst>
+      <p:bldP spid="10" grpId="0"/>
+    </p:bldLst>
+  </p:timing>
+</p:sld>
+</file>
+
+<file path=ppt/slides/slide9.xml><?xml version="1.0" encoding="utf-8"?>
+<p:sld xmlns:a="http://schemas.openxmlformats.org/drawingml/2006/main" xmlns:r="http://schemas.openxmlformats.org/officeDocument/2006/relationships" xmlns:p="http://schemas.openxmlformats.org/presentationml/2006/main">
+  <p:cSld>
+    <p:spTree>
+      <p:nvGrpSpPr>
+        <p:cNvPr id="1" name=""/>
+        <p:cNvGrpSpPr/>
+        <p:nvPr/>
+      </p:nvGrpSpPr>
+      <p:grpSpPr>
+        <a:xfrm>
+          <a:off x="0" y="0"/>
+          <a:ext cx="0" cy="0"/>
+          <a:chOff x="0" y="0"/>
+          <a:chExt cx="0" cy="0"/>
+        </a:xfrm>
+      </p:grpSpPr>
+      <p:sp>
+        <p:nvSpPr>
+          <p:cNvPr id="7" name="Rectangle 6">
+            <a:extLst>
+              <a:ext uri="{FF2B5EF4-FFF2-40B4-BE49-F238E27FC236}">
+                <a16:creationId xmlns:a16="http://schemas.microsoft.com/office/drawing/2014/main" id="{B41993BB-8C36-6144-AD56-798AB1049E69}"/>
+              </a:ext>
+            </a:extLst>
+          </p:cNvPr>
+          <p:cNvSpPr/>
+          <p:nvPr/>
+        </p:nvSpPr>
+        <p:spPr>
+          <a:xfrm>
+            <a:off x="3111822" y="1608663"/>
+            <a:ext cx="2920351" cy="369332"/>
+          </a:xfrm>
+          <a:prstGeom prst="rect">
+            <a:avLst/>
+          </a:prstGeom>
+        </p:spPr>
+        <p:txBody>
+          <a:bodyPr wrap="none">
+            <a:spAutoFit/>
+          </a:bodyPr>
+          <a:lstStyle/>
+          <a:p>
+            <a:r>
+              <a:rPr lang="en-US" dirty="0"/>
+              <a:t>My Model V.S. </a:t>
+            </a:r>
+            <a:r>
+              <a:rPr lang="en-US" dirty="0" err="1"/>
+              <a:t>sklearn</a:t>
+            </a:r>
+            <a:r>
+              <a:rPr lang="en-US" dirty="0"/>
+              <a:t> Model</a:t>
+            </a:r>
+          </a:p>
+        </p:txBody>
+      </p:sp>
+      <p:pic>
+        <p:nvPicPr>
+          <p:cNvPr id="6" name="Picture 5" descr="A close up of a map&#10;&#10;Description automatically generated">
+            <a:extLst>
+              <a:ext uri="{FF2B5EF4-FFF2-40B4-BE49-F238E27FC236}">
+                <a16:creationId xmlns:a16="http://schemas.microsoft.com/office/drawing/2014/main" id="{36C7F359-DF73-1E48-AAFC-52879063EF72}"/>
+              </a:ext>
+            </a:extLst>
+          </p:cNvPr>
+          <p:cNvPicPr>
+            <a:picLocks noChangeAspect="1"/>
+          </p:cNvPicPr>
+          <p:nvPr/>
+        </p:nvPicPr>
+        <p:blipFill rotWithShape="1">
+          <a:blip r:embed="rId2"/>
+          <a:srcRect t="11876"/>
+          <a:stretch/>
+        </p:blipFill>
+        <p:spPr>
+          <a:xfrm>
+            <a:off x="400160" y="2141757"/>
+            <a:ext cx="4047697" cy="2452327"/>
+          </a:xfrm>
+          <a:prstGeom prst="rect">
+            <a:avLst/>
+          </a:prstGeom>
+        </p:spPr>
+      </p:pic>
+      <p:pic>
+        <p:nvPicPr>
+          <p:cNvPr id="11" name="Picture 10" descr="A close up of text on a white background&#10;&#10;Description automatically generated">
+            <a:extLst>
+              <a:ext uri="{FF2B5EF4-FFF2-40B4-BE49-F238E27FC236}">
+                <a16:creationId xmlns:a16="http://schemas.microsoft.com/office/drawing/2014/main" id="{C7E33420-EC32-B340-8C94-358A20AE890E}"/>
+              </a:ext>
+            </a:extLst>
+          </p:cNvPr>
+          <p:cNvPicPr>
+            <a:picLocks noChangeAspect="1"/>
+          </p:cNvPicPr>
+          <p:nvPr/>
+        </p:nvPicPr>
+        <p:blipFill rotWithShape="1">
+          <a:blip r:embed="rId3"/>
+          <a:srcRect t="11876"/>
+          <a:stretch/>
+        </p:blipFill>
+        <p:spPr>
+          <a:xfrm>
+            <a:off x="4751808" y="2141757"/>
+            <a:ext cx="4011557" cy="2452328"/>
+          </a:xfrm>
+          <a:prstGeom prst="rect">
+            <a:avLst/>
+          </a:prstGeom>
+        </p:spPr>
+      </p:pic>
+      <p:graphicFrame>
+        <p:nvGraphicFramePr>
+          <p:cNvPr id="13" name="Table 12">
+            <a:extLst>
+              <a:ext uri="{FF2B5EF4-FFF2-40B4-BE49-F238E27FC236}">
+                <a16:creationId xmlns:a16="http://schemas.microsoft.com/office/drawing/2014/main" id="{3DEDEEC0-6179-9348-B947-9C21C129EF3C}"/>
+              </a:ext>
+            </a:extLst>
+          </p:cNvPr>
+          <p:cNvGraphicFramePr>
+            <a:graphicFrameLocks noGrp="1"/>
+          </p:cNvGraphicFramePr>
+          <p:nvPr>
+            <p:extLst>
+              <p:ext uri="{D42A27DB-BD31-4B8C-83A1-F6EECF244321}">
+                <p14:modId xmlns:p14="http://schemas.microsoft.com/office/powerpoint/2010/main" val="1635060780"/>
+              </p:ext>
+            </p:extLst>
+          </p:nvPr>
+        </p:nvGraphicFramePr>
+        <p:xfrm>
+          <a:off x="1532046" y="5276711"/>
+          <a:ext cx="6079905" cy="1112520"/>
+        </p:xfrm>
+        <a:graphic>
+          <a:graphicData uri="http://schemas.openxmlformats.org/drawingml/2006/table">
+            <a:tbl>
+              <a:tblPr firstRow="1" bandRow="1">
+                <a:tableStyleId>{5C22544A-7EE6-4342-B048-85BDC9FD1C3A}</a:tableStyleId>
+              </a:tblPr>
+              <a:tblGrid>
+                <a:gridCol w="2100637">
+                  <a:extLst>
+                    <a:ext uri="{9D8B030D-6E8A-4147-A177-3AD203B41FA5}">
+                      <a16:colId xmlns:a16="http://schemas.microsoft.com/office/drawing/2014/main" val="736555137"/>
+                    </a:ext>
+                  </a:extLst>
+                </a:gridCol>
+                <a:gridCol w="1311155">
+                  <a:extLst>
+                    <a:ext uri="{9D8B030D-6E8A-4147-A177-3AD203B41FA5}">
+                      <a16:colId xmlns:a16="http://schemas.microsoft.com/office/drawing/2014/main" val="2437322138"/>
+                    </a:ext>
+                  </a:extLst>
+                </a:gridCol>
+                <a:gridCol w="1342104">
+                  <a:extLst>
+                    <a:ext uri="{9D8B030D-6E8A-4147-A177-3AD203B41FA5}">
+                      <a16:colId xmlns:a16="http://schemas.microsoft.com/office/drawing/2014/main" val="3175943778"/>
+                    </a:ext>
+                  </a:extLst>
+                </a:gridCol>
+                <a:gridCol w="1326009">
+                  <a:extLst>
+                    <a:ext uri="{9D8B030D-6E8A-4147-A177-3AD203B41FA5}">
+                      <a16:colId xmlns:a16="http://schemas.microsoft.com/office/drawing/2014/main" val="1999416728"/>
+                    </a:ext>
+                  </a:extLst>
+                </a:gridCol>
+              </a:tblGrid>
+              <a:tr h="370840">
+                <a:tc>
+                  <a:txBody>
+                    <a:bodyPr/>
+                    <a:lstStyle/>
+                    <a:p>
+                      <a:endParaRPr lang="en-US" dirty="0"/>
+                    </a:p>
+                  </a:txBody>
+                  <a:tcPr>
+                    <a:lnL w="12700" cmpd="sng">
+                      <a:noFill/>
+                    </a:lnL>
+                    <a:lnR w="12700" cmpd="sng">
+                      <a:noFill/>
+                    </a:lnR>
+                    <a:lnT w="12700" cap="flat" cmpd="sng" algn="ctr">
+                      <a:solidFill>
+                        <a:schemeClr val="tx1"/>
+                      </a:solidFill>
+                      <a:prstDash val="solid"/>
+                      <a:round/>
+                      <a:headEnd type="none" w="med" len="med"/>
+                      <a:tailEnd type="none" w="med" len="med"/>
+                    </a:lnT>
+                    <a:lnB w="12700" cap="flat" cmpd="sng" algn="ctr">
+                      <a:solidFill>
+                        <a:schemeClr val="tx1"/>
+                      </a:solidFill>
+                      <a:prstDash val="solid"/>
+                      <a:round/>
+                      <a:headEnd type="none" w="med" len="med"/>
+                      <a:tailEnd type="none" w="med" len="med"/>
+                    </a:lnB>
+                    <a:lnTlToBr w="12700" cmpd="sng">
+                      <a:noFill/>
+                      <a:prstDash val="solid"/>
+                    </a:lnTlToBr>
+                    <a:lnBlToTr w="12700" cmpd="sng">
+                      <a:noFill/>
+                      <a:prstDash val="solid"/>
+                    </a:lnBlToTr>
+                    <a:noFill/>
+                  </a:tcPr>
+                </a:tc>
+                <a:tc>
+                  <a:txBody>
+                    <a:bodyPr/>
+                    <a:lstStyle/>
+                    <a:p>
+                      <a:r>
+                        <a:rPr lang="en-US" dirty="0">
+                          <a:solidFill>
+                            <a:schemeClr val="tx1"/>
+                          </a:solidFill>
+                        </a:rPr>
+                        <a:t>My Model</a:t>
+                      </a:r>
+                    </a:p>
+                  </a:txBody>
+                  <a:tcPr>
+                    <a:lnL w="12700" cmpd="sng">
+                      <a:noFill/>
+                    </a:lnL>
+                    <a:lnR w="12700" cmpd="sng">
+                      <a:noFill/>
+                    </a:lnR>
+                    <a:lnT w="12700" cap="flat" cmpd="sng" algn="ctr">
+                      <a:solidFill>
+                        <a:schemeClr val="tx1"/>
+                      </a:solidFill>
+                      <a:prstDash val="solid"/>
+                      <a:round/>
+                      <a:headEnd type="none" w="med" len="med"/>
+                      <a:tailEnd type="none" w="med" len="med"/>
+                    </a:lnT>
+                    <a:lnB w="12700" cap="flat" cmpd="sng" algn="ctr">
+                      <a:solidFill>
+                        <a:schemeClr val="tx1"/>
+                      </a:solidFill>
+                      <a:prstDash val="solid"/>
+                      <a:round/>
+                      <a:headEnd type="none" w="med" len="med"/>
+                      <a:tailEnd type="none" w="med" len="med"/>
+                    </a:lnB>
+                    <a:lnTlToBr w="12700" cmpd="sng">
+                      <a:noFill/>
+                      <a:prstDash val="solid"/>
+                    </a:lnTlToBr>
+                    <a:lnBlToTr w="12700" cmpd="sng">
+                      <a:noFill/>
+                      <a:prstDash val="solid"/>
+                    </a:lnBlToTr>
+                    <a:noFill/>
+                  </a:tcPr>
+                </a:tc>
+                <a:tc>
+                  <a:txBody>
+                    <a:bodyPr/>
+                    <a:lstStyle/>
+                    <a:p>
+                      <a:r>
+                        <a:rPr lang="en-US" dirty="0" err="1">
+                          <a:solidFill>
+                            <a:schemeClr val="tx1"/>
+                          </a:solidFill>
+                        </a:rPr>
+                        <a:t>Sklearn</a:t>
+                      </a:r>
+                      <a:endParaRPr lang="en-US" dirty="0">
+                        <a:solidFill>
+                          <a:schemeClr val="tx1"/>
+                        </a:solidFill>
+                      </a:endParaRPr>
+                    </a:p>
+                  </a:txBody>
+                  <a:tcPr>
+                    <a:lnL w="12700" cmpd="sng">
+                      <a:noFill/>
+                    </a:lnL>
+                    <a:lnR w="12700" cmpd="sng">
+                      <a:noFill/>
+                    </a:lnR>
+                    <a:lnT w="12700" cap="flat" cmpd="sng" algn="ctr">
+                      <a:solidFill>
+                        <a:schemeClr val="tx1"/>
+                      </a:solidFill>
+                      <a:prstDash val="solid"/>
+                      <a:round/>
+                      <a:headEnd type="none" w="med" len="med"/>
+                      <a:tailEnd type="none" w="med" len="med"/>
+                    </a:lnT>
+                    <a:lnB w="12700" cap="flat" cmpd="sng" algn="ctr">
+                      <a:solidFill>
+                        <a:schemeClr val="tx1"/>
+                      </a:solidFill>
+                      <a:prstDash val="solid"/>
+                      <a:round/>
+                      <a:headEnd type="none" w="med" len="med"/>
+                      <a:tailEnd type="none" w="med" len="med"/>
+                    </a:lnB>
+                    <a:lnTlToBr w="12700" cmpd="sng">
+                      <a:noFill/>
+                      <a:prstDash val="solid"/>
+                    </a:lnTlToBr>
+                    <a:lnBlToTr w="12700" cmpd="sng">
+                      <a:noFill/>
+                      <a:prstDash val="solid"/>
+                    </a:lnBlToTr>
+                    <a:noFill/>
+                  </a:tcPr>
+                </a:tc>
+                <a:tc>
+                  <a:txBody>
+                    <a:bodyPr/>
+                    <a:lstStyle/>
+                    <a:p>
+                      <a:r>
+                        <a:rPr lang="en-US" dirty="0">
+                          <a:solidFill>
+                            <a:schemeClr val="tx1"/>
+                          </a:solidFill>
+                        </a:rPr>
+                        <a:t>Logistic</a:t>
+                      </a:r>
+                    </a:p>
+                  </a:txBody>
+                  <a:tcPr>
+                    <a:lnL w="12700" cmpd="sng">
+                      <a:noFill/>
+                    </a:lnL>
+                    <a:lnR w="12700" cmpd="sng">
+                      <a:noFill/>
+                    </a:lnR>
+                    <a:lnT w="12700" cap="flat" cmpd="sng" algn="ctr">
+                      <a:solidFill>
+                        <a:schemeClr val="tx1"/>
+                      </a:solidFill>
+                      <a:prstDash val="solid"/>
+                      <a:round/>
+                      <a:headEnd type="none" w="med" len="med"/>
+                      <a:tailEnd type="none" w="med" len="med"/>
+                    </a:lnT>
+                    <a:lnB w="12700" cap="flat" cmpd="sng" algn="ctr">
+                      <a:solidFill>
+                        <a:schemeClr val="tx1"/>
+                      </a:solidFill>
+                      <a:prstDash val="solid"/>
+                      <a:round/>
+                      <a:headEnd type="none" w="med" len="med"/>
+                      <a:tailEnd type="none" w="med" len="med"/>
+                    </a:lnB>
+                    <a:lnTlToBr w="12700" cmpd="sng">
+                      <a:noFill/>
+                      <a:prstDash val="solid"/>
+                    </a:lnTlToBr>
+                    <a:lnBlToTr w="12700" cmpd="sng">
+                      <a:noFill/>
+                      <a:prstDash val="solid"/>
+                    </a:lnBlToTr>
+                    <a:noFill/>
+                  </a:tcPr>
+                </a:tc>
+                <a:extLst>
+                  <a:ext uri="{0D108BD9-81ED-4DB2-BD59-A6C34878D82A}">
+                    <a16:rowId xmlns:a16="http://schemas.microsoft.com/office/drawing/2014/main" val="688916677"/>
+                  </a:ext>
+                </a:extLst>
+              </a:tr>
+              <a:tr h="370840">
+                <a:tc>
+                  <a:txBody>
+                    <a:bodyPr/>
+                    <a:lstStyle/>
+                    <a:p>
+                      <a:r>
+                        <a:rPr lang="en-US" dirty="0"/>
+                        <a:t>Avg ACC(%)</a:t>
+                      </a:r>
+                    </a:p>
+                  </a:txBody>
+                  <a:tcPr>
+                    <a:lnL w="12700" cmpd="sng">
+                      <a:noFill/>
+                    </a:lnL>
+                    <a:lnR w="12700" cmpd="sng">
+                      <a:noFill/>
+                    </a:lnR>
+                    <a:lnT w="12700" cap="flat" cmpd="sng" algn="ctr">
+                      <a:solidFill>
+                        <a:schemeClr val="tx1"/>
+                      </a:solidFill>
+                      <a:prstDash val="solid"/>
+                      <a:round/>
+                      <a:headEnd type="none" w="med" len="med"/>
+                      <a:tailEnd type="none" w="med" len="med"/>
+                    </a:lnT>
+                    <a:lnB w="12700" cmpd="sng">
+                      <a:noFill/>
+                    </a:lnB>
+                    <a:lnTlToBr w="12700" cmpd="sng">
+                      <a:noFill/>
+                      <a:prstDash val="solid"/>
+                    </a:lnTlToBr>
+                    <a:lnBlToTr w="12700" cmpd="sng">
+                      <a:noFill/>
+                      <a:prstDash val="solid"/>
+                    </a:lnBlToTr>
+                    <a:noFill/>
+                  </a:tcPr>
+                </a:tc>
+                <a:tc>
+                  <a:txBody>
+                    <a:bodyPr/>
+                    <a:lstStyle/>
+                    <a:p>
+                      <a:r>
+                        <a:rPr lang="en-US" dirty="0"/>
+                        <a:t>68%</a:t>
+                      </a:r>
+                    </a:p>
+                  </a:txBody>
+                  <a:tcPr>
+                    <a:lnL w="12700" cmpd="sng">
+                      <a:noFill/>
+                    </a:lnL>
+                    <a:lnR w="12700" cmpd="sng">
+                      <a:noFill/>
+                    </a:lnR>
+                    <a:lnT w="12700" cap="flat" cmpd="sng" algn="ctr">
+                      <a:solidFill>
+                        <a:schemeClr val="tx1"/>
+                      </a:solidFill>
+                      <a:prstDash val="solid"/>
+                      <a:round/>
+                      <a:headEnd type="none" w="med" len="med"/>
+                      <a:tailEnd type="none" w="med" len="med"/>
+                    </a:lnT>
+                    <a:lnB w="12700" cmpd="sng">
+                      <a:noFill/>
+                    </a:lnB>
+                    <a:lnTlToBr w="12700" cmpd="sng">
+                      <a:noFill/>
+                      <a:prstDash val="solid"/>
+                    </a:lnTlToBr>
+                    <a:lnBlToTr w="12700" cmpd="sng">
+                      <a:noFill/>
+                      <a:prstDash val="solid"/>
+                    </a:lnBlToTr>
+                    <a:noFill/>
+                  </a:tcPr>
+                </a:tc>
+                <a:tc>
+                  <a:txBody>
+                    <a:bodyPr/>
+                    <a:lstStyle/>
+                    <a:p>
+                      <a:r>
+                        <a:rPr lang="en-US" dirty="0"/>
+                        <a:t>64%</a:t>
+                      </a:r>
+                    </a:p>
+                  </a:txBody>
+                  <a:tcPr>
+                    <a:lnL w="12700" cmpd="sng">
+                      <a:noFill/>
+                    </a:lnL>
+                    <a:lnR w="12700" cmpd="sng">
+                      <a:noFill/>
+                    </a:lnR>
+                    <a:lnT w="12700" cap="flat" cmpd="sng" algn="ctr">
+                      <a:solidFill>
+                        <a:schemeClr val="tx1"/>
+                      </a:solidFill>
+                      <a:prstDash val="solid"/>
+                      <a:round/>
+                      <a:headEnd type="none" w="med" len="med"/>
+                      <a:tailEnd type="none" w="med" len="med"/>
+                    </a:lnT>
+                    <a:lnB w="12700" cmpd="sng">
+                      <a:noFill/>
+                    </a:lnB>
+                    <a:lnTlToBr w="12700" cmpd="sng">
+                      <a:noFill/>
+                      <a:prstDash val="solid"/>
+                    </a:lnTlToBr>
+                    <a:lnBlToTr w="12700" cmpd="sng">
+                      <a:noFill/>
+                      <a:prstDash val="solid"/>
+                    </a:lnBlToTr>
+                    <a:noFill/>
+                  </a:tcPr>
+                </a:tc>
+                <a:tc>
+                  <a:txBody>
+                    <a:bodyPr/>
+                    <a:lstStyle/>
+                    <a:p>
+                      <a:r>
+                        <a:rPr lang="en-US" dirty="0"/>
+                        <a:t>73.7%</a:t>
+                      </a:r>
+                    </a:p>
+                  </a:txBody>
+                  <a:tcPr>
+                    <a:lnL w="12700" cmpd="sng">
+                      <a:noFill/>
+                    </a:lnL>
+                    <a:lnR w="12700" cmpd="sng">
+                      <a:noFill/>
+                    </a:lnR>
+                    <a:lnT w="12700" cap="flat" cmpd="sng" algn="ctr">
+                      <a:solidFill>
+                        <a:schemeClr val="tx1"/>
+                      </a:solidFill>
+                      <a:prstDash val="solid"/>
+                      <a:round/>
+                      <a:headEnd type="none" w="med" len="med"/>
+                      <a:tailEnd type="none" w="med" len="med"/>
+                    </a:lnT>
+                    <a:lnB w="12700" cmpd="sng">
+                      <a:noFill/>
+                    </a:lnB>
+                    <a:lnTlToBr w="12700" cmpd="sng">
+                      <a:noFill/>
+                      <a:prstDash val="solid"/>
+                    </a:lnTlToBr>
+                    <a:lnBlToTr w="12700" cmpd="sng">
+                      <a:noFill/>
+                      <a:prstDash val="solid"/>
+                    </a:lnBlToTr>
+                    <a:noFill/>
+                  </a:tcPr>
+                </a:tc>
+                <a:extLst>
+                  <a:ext uri="{0D108BD9-81ED-4DB2-BD59-A6C34878D82A}">
+                    <a16:rowId xmlns:a16="http://schemas.microsoft.com/office/drawing/2014/main" val="106053900"/>
+                  </a:ext>
+                </a:extLst>
+              </a:tr>
+              <a:tr h="370840">
+                <a:tc>
+                  <a:txBody>
+                    <a:bodyPr/>
+                    <a:lstStyle/>
+                    <a:p>
+                      <a:r>
+                        <a:rPr lang="en-US" dirty="0"/>
+                        <a:t>Avg Training Time(s)</a:t>
+                      </a:r>
+                    </a:p>
+                  </a:txBody>
+                  <a:tcPr>
+                    <a:lnL w="12700" cmpd="sng">
+                      <a:noFill/>
+                    </a:lnL>
+                    <a:lnR w="12700" cmpd="sng">
+                      <a:noFill/>
+                    </a:lnR>
+                    <a:lnT w="12700" cmpd="sng">
+                      <a:noFill/>
+                    </a:lnT>
+                    <a:lnB w="12700" cap="flat" cmpd="sng" algn="ctr">
+                      <a:solidFill>
+                        <a:schemeClr val="tx1"/>
+                      </a:solidFill>
+                      <a:prstDash val="solid"/>
+                      <a:round/>
+                      <a:headEnd type="none" w="med" len="med"/>
+                      <a:tailEnd type="none" w="med" len="med"/>
+                    </a:lnB>
+                    <a:lnTlToBr w="12700" cmpd="sng">
+                      <a:noFill/>
+                      <a:prstDash val="solid"/>
+                    </a:lnTlToBr>
+                    <a:lnBlToTr w="12700" cmpd="sng">
+                      <a:noFill/>
+                      <a:prstDash val="solid"/>
+                    </a:lnBlToTr>
+                    <a:noFill/>
+                  </a:tcPr>
+                </a:tc>
+                <a:tc>
+                  <a:txBody>
+                    <a:bodyPr/>
+                    <a:lstStyle/>
+                    <a:p>
+                      <a:r>
+                        <a:rPr lang="en-US" dirty="0"/>
+                        <a:t>23.1</a:t>
+                      </a:r>
+                    </a:p>
+                  </a:txBody>
+                  <a:tcPr>
+                    <a:lnL w="12700" cmpd="sng">
+                      <a:noFill/>
+                    </a:lnL>
+                    <a:lnR w="12700" cmpd="sng">
+                      <a:noFill/>
+                    </a:lnR>
+                    <a:lnT w="12700" cmpd="sng">
+                      <a:noFill/>
+                    </a:lnT>
+                    <a:lnB w="12700" cap="flat" cmpd="sng" algn="ctr">
+                      <a:solidFill>
+                        <a:schemeClr val="tx1"/>
+                      </a:solidFill>
+                      <a:prstDash val="solid"/>
+                      <a:round/>
+                      <a:headEnd type="none" w="med" len="med"/>
+                      <a:tailEnd type="none" w="med" len="med"/>
+                    </a:lnB>
+                    <a:lnTlToBr w="12700" cmpd="sng">
+                      <a:noFill/>
+                      <a:prstDash val="solid"/>
+                    </a:lnTlToBr>
+                    <a:lnBlToTr w="12700" cmpd="sng">
+                      <a:noFill/>
+                      <a:prstDash val="solid"/>
+                    </a:lnBlToTr>
+                    <a:noFill/>
+                  </a:tcPr>
+                </a:tc>
+                <a:tc>
+                  <a:txBody>
+                    <a:bodyPr/>
+                    <a:lstStyle/>
+                    <a:p>
+                      <a:r>
+                        <a:rPr lang="en-US" dirty="0"/>
+                        <a:t>0.38</a:t>
+                      </a:r>
+                    </a:p>
+                  </a:txBody>
+                  <a:tcPr>
+                    <a:lnL w="12700" cmpd="sng">
+                      <a:noFill/>
+                    </a:lnL>
+                    <a:lnR w="12700" cmpd="sng">
+                      <a:noFill/>
+                    </a:lnR>
+                    <a:lnT w="12700" cmpd="sng">
+                      <a:noFill/>
+                    </a:lnT>
+                    <a:lnB w="12700" cap="flat" cmpd="sng" algn="ctr">
+                      <a:solidFill>
+                        <a:schemeClr val="tx1"/>
+                      </a:solidFill>
+                      <a:prstDash val="solid"/>
+                      <a:round/>
+                      <a:headEnd type="none" w="med" len="med"/>
+                      <a:tailEnd type="none" w="med" len="med"/>
+                    </a:lnB>
+                    <a:lnTlToBr w="12700" cmpd="sng">
+                      <a:noFill/>
+                      <a:prstDash val="solid"/>
+                    </a:lnTlToBr>
+                    <a:lnBlToTr w="12700" cmpd="sng">
+                      <a:noFill/>
+                      <a:prstDash val="solid"/>
+                    </a:lnBlToTr>
+                    <a:noFill/>
+                  </a:tcPr>
+                </a:tc>
+                <a:tc>
+                  <a:txBody>
+                    <a:bodyPr/>
+                    <a:lstStyle/>
+                    <a:p>
+                      <a:r>
+                        <a:rPr lang="en-US" dirty="0"/>
+                        <a:t>0.31</a:t>
+                      </a:r>
+                    </a:p>
+                  </a:txBody>
+                  <a:tcPr>
+                    <a:lnL w="12700" cmpd="sng">
+                      <a:noFill/>
+                    </a:lnL>
+                    <a:lnR w="12700" cmpd="sng">
+                      <a:noFill/>
+                    </a:lnR>
+                    <a:lnT w="12700" cmpd="sng">
+                      <a:noFill/>
+                    </a:lnT>
+                    <a:lnB w="12700" cap="flat" cmpd="sng" algn="ctr">
+                      <a:solidFill>
+                        <a:schemeClr val="tx1"/>
+                      </a:solidFill>
+                      <a:prstDash val="solid"/>
+                      <a:round/>
+                      <a:headEnd type="none" w="med" len="med"/>
+                      <a:tailEnd type="none" w="med" len="med"/>
+                    </a:lnB>
+                    <a:lnTlToBr w="12700" cmpd="sng">
+                      <a:noFill/>
+                      <a:prstDash val="solid"/>
+                    </a:lnTlToBr>
+                    <a:lnBlToTr w="12700" cmpd="sng">
+                      <a:noFill/>
+                      <a:prstDash val="solid"/>
+                    </a:lnBlToTr>
+                    <a:noFill/>
+                  </a:tcPr>
+                </a:tc>
+                <a:extLst>
+                  <a:ext uri="{0D108BD9-81ED-4DB2-BD59-A6C34878D82A}">
+                    <a16:rowId xmlns:a16="http://schemas.microsoft.com/office/drawing/2014/main" val="4130038502"/>
+                  </a:ext>
+                </a:extLst>
+              </a:tr>
+            </a:tbl>
+          </a:graphicData>
+        </a:graphic>
+      </p:graphicFrame>
+      <p:sp>
+        <p:nvSpPr>
+          <p:cNvPr id="14" name="Rectangle 13">
+            <a:extLst>
+              <a:ext uri="{FF2B5EF4-FFF2-40B4-BE49-F238E27FC236}">
+                <a16:creationId xmlns:a16="http://schemas.microsoft.com/office/drawing/2014/main" id="{9B756878-0B5A-5342-962C-090C1C22904D}"/>
+              </a:ext>
+            </a:extLst>
+          </p:cNvPr>
+          <p:cNvSpPr/>
+          <p:nvPr/>
+        </p:nvSpPr>
+        <p:spPr>
+          <a:xfrm>
+            <a:off x="1795438" y="4675744"/>
+            <a:ext cx="1257139" cy="369332"/>
+          </a:xfrm>
+          <a:prstGeom prst="rect">
+            <a:avLst/>
+          </a:prstGeom>
+        </p:spPr>
+        <p:txBody>
+          <a:bodyPr wrap="none">
+            <a:spAutoFit/>
+          </a:bodyPr>
+          <a:lstStyle/>
+          <a:p>
+            <a:r>
+              <a:rPr lang="en-US" dirty="0"/>
+              <a:t>a) Accuracy</a:t>
+            </a:r>
+          </a:p>
+        </p:txBody>
+      </p:sp>
+      <p:sp>
+        <p:nvSpPr>
+          <p:cNvPr id="15" name="Rectangle 14">
+            <a:extLst>
+              <a:ext uri="{FF2B5EF4-FFF2-40B4-BE49-F238E27FC236}">
+                <a16:creationId xmlns:a16="http://schemas.microsoft.com/office/drawing/2014/main" id="{382DD910-BA0C-2447-BA4D-65501EDB4F6A}"/>
+              </a:ext>
+            </a:extLst>
+          </p:cNvPr>
+          <p:cNvSpPr/>
+          <p:nvPr/>
+        </p:nvSpPr>
+        <p:spPr>
+          <a:xfrm>
+            <a:off x="6310187" y="4675744"/>
+            <a:ext cx="894797" cy="369332"/>
+          </a:xfrm>
+          <a:prstGeom prst="rect">
+            <a:avLst/>
+          </a:prstGeom>
+        </p:spPr>
+        <p:txBody>
+          <a:bodyPr wrap="none">
+            <a:spAutoFit/>
+          </a:bodyPr>
+          <a:lstStyle/>
+          <a:p>
+            <a:r>
+              <a:rPr lang="en-US" dirty="0"/>
+              <a:t>b) Time</a:t>
+            </a:r>
+          </a:p>
+        </p:txBody>
+      </p:sp>
+      <p:sp>
+        <p:nvSpPr>
+          <p:cNvPr id="10" name="Rectangle 9">
+            <a:extLst>
+              <a:ext uri="{FF2B5EF4-FFF2-40B4-BE49-F238E27FC236}">
+                <a16:creationId xmlns:a16="http://schemas.microsoft.com/office/drawing/2014/main" id="{B30E5445-AABE-FB47-AC5E-629B8C2B1021}"/>
+              </a:ext>
+            </a:extLst>
+          </p:cNvPr>
+          <p:cNvSpPr/>
+          <p:nvPr/>
+        </p:nvSpPr>
+        <p:spPr>
+          <a:xfrm>
+            <a:off x="420783" y="337307"/>
+            <a:ext cx="4051365" cy="523220"/>
+          </a:xfrm>
+          <a:prstGeom prst="rect">
+            <a:avLst/>
+          </a:prstGeom>
+        </p:spPr>
+        <p:txBody>
+          <a:bodyPr wrap="none">
+            <a:spAutoFit/>
+          </a:bodyPr>
+          <a:lstStyle/>
+          <a:p>
+            <a:pPr>
+              <a:spcAft>
+                <a:spcPts val="600"/>
+              </a:spcAft>
+            </a:pPr>
+            <a:r>
+              <a:rPr lang="en-US" sz="2800" b="1" dirty="0">
+                <a:solidFill>
+                  <a:srgbClr val="54AC5C"/>
+                </a:solidFill>
+              </a:rPr>
+              <a:t>Q1: Variants Classification</a:t>
+            </a:r>
+          </a:p>
+        </p:txBody>
+      </p:sp>
+      <p:cxnSp>
+        <p:nvCxnSpPr>
+          <p:cNvPr id="12" name="Straight Connector 11">
+            <a:extLst>
+              <a:ext uri="{FF2B5EF4-FFF2-40B4-BE49-F238E27FC236}">
+                <a16:creationId xmlns:a16="http://schemas.microsoft.com/office/drawing/2014/main" id="{7D2D14BC-1F74-7948-AF38-14057FFB8DBF}"/>
+              </a:ext>
+            </a:extLst>
+          </p:cNvPr>
+          <p:cNvCxnSpPr/>
+          <p:nvPr/>
+        </p:nvCxnSpPr>
+        <p:spPr>
+          <a:xfrm>
+            <a:off x="0" y="872719"/>
+            <a:ext cx="9144000" cy="0"/>
+          </a:xfrm>
+          <a:prstGeom prst="line">
+            <a:avLst/>
+          </a:prstGeom>
+          <a:ln w="17526">
+            <a:solidFill>
+              <a:srgbClr val="54AC5C"/>
+            </a:solidFill>
+          </a:ln>
+          <a:effectLst/>
+        </p:spPr>
+        <p:style>
+          <a:lnRef idx="2">
+            <a:schemeClr val="dk1"/>
+          </a:lnRef>
+          <a:fillRef idx="0">
+            <a:schemeClr val="dk1"/>
+          </a:fillRef>
+          <a:effectRef idx="1">
+            <a:schemeClr val="dk1"/>
+          </a:effectRef>
+          <a:fontRef idx="minor">
+            <a:schemeClr val="tx1"/>
+          </a:fontRef>
+        </p:style>
+      </p:cxnSp>
+      <p:sp>
+        <p:nvSpPr>
+          <p:cNvPr id="16" name="Rectangle 15">
+            <a:extLst>
+              <a:ext uri="{FF2B5EF4-FFF2-40B4-BE49-F238E27FC236}">
+                <a16:creationId xmlns:a16="http://schemas.microsoft.com/office/drawing/2014/main" id="{3FE0452C-DE88-E04A-AA64-534CBE382386}"/>
+              </a:ext>
+            </a:extLst>
+          </p:cNvPr>
+          <p:cNvSpPr/>
+          <p:nvPr/>
+        </p:nvSpPr>
+        <p:spPr>
+          <a:xfrm>
+            <a:off x="1020672" y="1082684"/>
+            <a:ext cx="2977803" cy="369332"/>
+          </a:xfrm>
+          <a:prstGeom prst="rect">
+            <a:avLst/>
+          </a:prstGeom>
+        </p:spPr>
+        <p:txBody>
+          <a:bodyPr wrap="none">
+            <a:spAutoFit/>
+          </a:bodyPr>
+          <a:lstStyle/>
+          <a:p>
+            <a:pPr marL="285750" indent="-285750">
+              <a:spcAft>
+                <a:spcPts val="600"/>
+              </a:spcAft>
+              <a:buFont typeface="Arial" panose="020B0604020202020204" pitchFamily="34" charset="0"/>
+              <a:buChar char="•"/>
+            </a:pPr>
+            <a:r>
+              <a:rPr lang="en-US" dirty="0"/>
+              <a:t>Method 2:     Decision Tree</a:t>
+            </a:r>
+          </a:p>
+        </p:txBody>
+      </p:sp>
+    </p:spTree>
+    <p:extLst>
+      <p:ext uri="{BB962C8B-B14F-4D97-AF65-F5344CB8AC3E}">
+        <p14:creationId xmlns:p14="http://schemas.microsoft.com/office/powerpoint/2010/main" val="3044845807"/>
+      </p:ext>
+    </p:extLst>
+  </p:cSld>
+  <p:clrMapOvr>
+    <a:masterClrMapping/>
+  </p:clrMapOvr>
+  <p:timing>
+    <p:tnLst>
+      <p:par>
+        <p:cTn id="1" dur="indefinite" restart="never" nodeType="tmRoot">
+          <p:childTnLst>
+            <p:seq concurrent="1" nextAc="seek">
+              <p:cTn id="2" dur="indefinite" nodeType="mainSeq">
+                <p:childTnLst>
+                  <p:par>
+                    <p:cTn id="3" fill="hold">
+                      <p:stCondLst>
+                        <p:cond delay="indefinite"/>
+                      </p:stCondLst>
+                      <p:childTnLst>
+                        <p:par>
+                          <p:cTn id="4" fill="hold">
+                            <p:stCondLst>
+                              <p:cond delay="0"/>
+                            </p:stCondLst>
+                            <p:childTnLst>
+                              <p:par>
+                                <p:cTn id="5" presetID="10" presetClass="entr" presetSubtype="0" fill="hold" nodeType="clickEffect">
+                                  <p:stCondLst>
+                                    <p:cond delay="0"/>
+                                  </p:stCondLst>
+                                  <p:childTnLst>
+                                    <p:set>
+                                      <p:cBhvr>
+                                        <p:cTn id="6" dur="1" fill="hold">
+                                          <p:stCondLst>
+                                            <p:cond delay="0"/>
+                                          </p:stCondLst>
+                                        </p:cTn>
+                                        <p:tgtEl>
+                                          <p:spTgt spid="6"/>
+                                        </p:tgtEl>
+                                        <p:attrNameLst>
+                                          <p:attrName>style.visibility</p:attrName>
+                                        </p:attrNameLst>
+                                      </p:cBhvr>
+                                      <p:to>
+                                        <p:strVal val="visible"/>
+                                      </p:to>
+                                    </p:set>
+                                    <p:animEffect transition="in" filter="fade">
+                                      <p:cBhvr>
+                                        <p:cTn id="7" dur="500"/>
+                                        <p:tgtEl>
+                                          <p:spTgt spid="6"/>
+                                        </p:tgtEl>
+                                      </p:cBhvr>
+                                    </p:animEffect>
+                                  </p:childTnLst>
+                                </p:cTn>
+                              </p:par>
+                              <p:par>
+                                <p:cTn id="8" presetID="10" presetClass="entr" presetSubtype="0" fill="hold" nodeType="withEffect">
+                                  <p:stCondLst>
+                                    <p:cond delay="0"/>
+                                  </p:stCondLst>
+                                  <p:childTnLst>
+                                    <p:set>
+                                      <p:cBhvr>
+                                        <p:cTn id="9" dur="1" fill="hold">
+                                          <p:stCondLst>
+                                            <p:cond delay="0"/>
+                                          </p:stCondLst>
+                                        </p:cTn>
+                                        <p:tgtEl>
+                                          <p:spTgt spid="11"/>
+                                        </p:tgtEl>
+                                        <p:attrNameLst>
+                                          <p:attrName>style.visibility</p:attrName>
+                                        </p:attrNameLst>
+                                      </p:cBhvr>
+                                      <p:to>
+                                        <p:strVal val="visible"/>
+                                      </p:to>
+                                    </p:set>
+                                    <p:animEffect transition="in" filter="fade">
+                                      <p:cBhvr>
+                                        <p:cTn id="10" dur="500"/>
+                                        <p:tgtEl>
+                                          <p:spTgt spid="11"/>
+                                        </p:tgtEl>
+                                      </p:cBhvr>
+                                    </p:animEffect>
+                                  </p:childTnLst>
+                                </p:cTn>
+                              </p:par>
+                              <p:par>
+                                <p:cTn id="11" presetID="10" presetClass="entr" presetSubtype="0" fill="hold" grpId="0" nodeType="withEffect">
+                                  <p:stCondLst>
+                                    <p:cond delay="0"/>
+                                  </p:stCondLst>
+                                  <p:childTnLst>
+                                    <p:set>
+                                      <p:cBhvr>
+                                        <p:cTn id="12" dur="1" fill="hold">
+                                          <p:stCondLst>
+                                            <p:cond delay="0"/>
+                                          </p:stCondLst>
+                                        </p:cTn>
+                                        <p:tgtEl>
+                                          <p:spTgt spid="14"/>
+                                        </p:tgtEl>
+                                        <p:attrNameLst>
+                                          <p:attrName>style.visibility</p:attrName>
+                                        </p:attrNameLst>
+                                      </p:cBhvr>
+                                      <p:to>
+                                        <p:strVal val="visible"/>
+                                      </p:to>
+                                    </p:set>
+                                    <p:animEffect transition="in" filter="fade">
+                                      <p:cBhvr>
+                                        <p:cTn id="13" dur="500"/>
+                                        <p:tgtEl>
+                                          <p:spTgt spid="14"/>
+                                        </p:tgtEl>
+                                      </p:cBhvr>
+                                    </p:animEffect>
+                                  </p:childTnLst>
+                                </p:cTn>
+                              </p:par>
+                              <p:par>
+                                <p:cTn id="14" presetID="10" presetClass="entr" presetSubtype="0" fill="hold" grpId="0" nodeType="withEffect">
+                                  <p:stCondLst>
+                                    <p:cond delay="0"/>
+                                  </p:stCondLst>
+                                  <p:childTnLst>
+                                    <p:set>
+                                      <p:cBhvr>
+                                        <p:cTn id="15" dur="1" fill="hold">
+                                          <p:stCondLst>
+                                            <p:cond delay="0"/>
+                                          </p:stCondLst>
+                                        </p:cTn>
+                                        <p:tgtEl>
+                                          <p:spTgt spid="15"/>
+                                        </p:tgtEl>
+                                        <p:attrNameLst>
+                                          <p:attrName>style.visibility</p:attrName>
+                                        </p:attrNameLst>
+                                      </p:cBhvr>
+                                      <p:to>
+                                        <p:strVal val="visible"/>
+                                      </p:to>
+                                    </p:set>
+                                    <p:animEffect transition="in" filter="fade">
+                                      <p:cBhvr>
+                                        <p:cTn id="16" dur="500"/>
+                                        <p:tgtEl>
+                                          <p:spTgt spid="15"/>
+                                        </p:tgtEl>
+                                      </p:cBhvr>
+                                    </p:animEffect>
+                                  </p:childTnLst>
+                                </p:cTn>
+                              </p:par>
+                              <p:par>
+                                <p:cTn id="17" presetID="10" presetClass="entr" presetSubtype="0" fill="hold" grpId="0" nodeType="withEffect">
+                                  <p:stCondLst>
+                                    <p:cond delay="0"/>
+                                  </p:stCondLst>
+                                  <p:childTnLst>
+                                    <p:set>
+                                      <p:cBhvr>
+                                        <p:cTn id="18" dur="1" fill="hold">
+                                          <p:stCondLst>
+                                            <p:cond delay="0"/>
+                                          </p:stCondLst>
+                                        </p:cTn>
+                                        <p:tgtEl>
+                                          <p:spTgt spid="7"/>
+                                        </p:tgtEl>
+                                        <p:attrNameLst>
+                                          <p:attrName>style.visibility</p:attrName>
+                                        </p:attrNameLst>
+                                      </p:cBhvr>
+                                      <p:to>
+                                        <p:strVal val="visible"/>
+                                      </p:to>
+                                    </p:set>
+                                    <p:animEffect transition="in" filter="fade">
+                                      <p:cBhvr>
+                                        <p:cTn id="19" dur="500"/>
+                                        <p:tgtEl>
+                                          <p:spTgt spid="7"/>
+                                        </p:tgtEl>
+                                      </p:cBhvr>
+                                    </p:animEffect>
+                                  </p:childTnLst>
+                                </p:cTn>
+                              </p:par>
+                            </p:childTnLst>
+                          </p:cTn>
+                        </p:par>
+                      </p:childTnLst>
+                    </p:cTn>
+                  </p:par>
+                  <p:par>
+                    <p:cTn id="20" fill="hold">
+                      <p:stCondLst>
+                        <p:cond delay="indefinite"/>
+                      </p:stCondLst>
+                      <p:childTnLst>
+                        <p:par>
+                          <p:cTn id="21" fill="hold">
+                            <p:stCondLst>
+                              <p:cond delay="0"/>
+                            </p:stCondLst>
+                            <p:childTnLst>
+                              <p:par>
+                                <p:cTn id="22" presetID="10" presetClass="entr" presetSubtype="0" fill="hold" nodeType="clickEffect">
+                                  <p:stCondLst>
+                                    <p:cond delay="0"/>
+                                  </p:stCondLst>
+                                  <p:childTnLst>
+                                    <p:set>
+                                      <p:cBhvr>
+                                        <p:cTn id="23" dur="1" fill="hold">
+                                          <p:stCondLst>
+                                            <p:cond delay="0"/>
+                                          </p:stCondLst>
+                                        </p:cTn>
+                                        <p:tgtEl>
+                                          <p:spTgt spid="13"/>
+                                        </p:tgtEl>
+                                        <p:attrNameLst>
+                                          <p:attrName>style.visibility</p:attrName>
+                                        </p:attrNameLst>
+                                      </p:cBhvr>
+                                      <p:to>
+                                        <p:strVal val="visible"/>
+                                      </p:to>
+                                    </p:set>
+                                    <p:animEffect transition="in" filter="fade">
+                                      <p:cBhvr>
+                                        <p:cTn id="24" dur="500"/>
+                                        <p:tgtEl>
+                                          <p:spTgt spid="13"/>
+                                        </p:tgtEl>
+                                      </p:cBhvr>
+                                    </p:animEffect>
+                                  </p:childTnLst>
+                                </p:cTn>
+                              </p:par>
+                            </p:childTnLst>
+                          </p:cTn>
+                        </p:par>
+                      </p:childTnLst>
+                    </p:cTn>
+                  </p:par>
+                </p:childTnLst>
+              </p:cTn>
+              <p:prevCondLst>
+                <p:cond evt="onPrev" delay="0">
+                  <p:tgtEl>
+                    <p:sldTgt/>
+                  </p:tgtEl>
+                </p:cond>
+              </p:prevCondLst>
+              <p:nextCondLst>
+                <p:cond evt="onNext" delay="0">
+                  <p:tgtEl>
+                    <p:sldTgt/>
+                  </p:tgtEl>
+                </p:cond>
+              </p:nextCondLst>
+            </p:seq>
+          </p:childTnLst>
+        </p:cTn>
+      </p:par>
+    </p:tnLst>
+    <p:bldLst>
+      <p:bldP spid="7" grpId="0"/>
+      <p:bldP spid="14" grpId="0"/>
+      <p:bldP spid="15" grpId="0"/>
+    </p:bldLst>
+  </p:timing>
+</p:sld>
+</file>
+
 <file path=ppt/theme/theme1.xml><?xml version="1.0" encoding="utf-8"?>
 <a:theme xmlns:a="http://schemas.openxmlformats.org/drawingml/2006/main" name="Office Theme">
   <a:themeElements>

--- a/DataSciencePres.pptx
+++ b/DataSciencePres.pptx
@@ -224,7 +224,7 @@
           <a:p>
             <a:fld id="{8E6D1A5E-9788-F84C-8F83-547CD264BD1F}" type="datetimeFigureOut">
               <a:rPr lang="en-US" smtClean="0"/>
-              <a:t>12/6/19</a:t>
+              <a:t>12/7/19</a:t>
             </a:fld>
             <a:endParaRPr lang="en-US"/>
           </a:p>
@@ -838,7 +838,7 @@
           <a:p>
             <a:fld id="{0897BCBE-A2DD-2248-8676-657FEEB74689}" type="datetimeFigureOut">
               <a:rPr lang="en-US" smtClean="0"/>
-              <a:t>12/6/19</a:t>
+              <a:t>12/7/19</a:t>
             </a:fld>
             <a:endParaRPr lang="en-US"/>
           </a:p>
@@ -1006,7 +1006,7 @@
           <a:p>
             <a:fld id="{0897BCBE-A2DD-2248-8676-657FEEB74689}" type="datetimeFigureOut">
               <a:rPr lang="en-US" smtClean="0"/>
-              <a:t>12/6/19</a:t>
+              <a:t>12/7/19</a:t>
             </a:fld>
             <a:endParaRPr lang="en-US"/>
           </a:p>
@@ -1184,7 +1184,7 @@
           <a:p>
             <a:fld id="{0897BCBE-A2DD-2248-8676-657FEEB74689}" type="datetimeFigureOut">
               <a:rPr lang="en-US" smtClean="0"/>
-              <a:t>12/6/19</a:t>
+              <a:t>12/7/19</a:t>
             </a:fld>
             <a:endParaRPr lang="en-US"/>
           </a:p>
@@ -1352,7 +1352,7 @@
           <a:p>
             <a:fld id="{0897BCBE-A2DD-2248-8676-657FEEB74689}" type="datetimeFigureOut">
               <a:rPr lang="en-US" smtClean="0"/>
-              <a:t>12/6/19</a:t>
+              <a:t>12/7/19</a:t>
             </a:fld>
             <a:endParaRPr lang="en-US"/>
           </a:p>
@@ -1597,7 +1597,7 @@
           <a:p>
             <a:fld id="{0897BCBE-A2DD-2248-8676-657FEEB74689}" type="datetimeFigureOut">
               <a:rPr lang="en-US" smtClean="0"/>
-              <a:t>12/6/19</a:t>
+              <a:t>12/7/19</a:t>
             </a:fld>
             <a:endParaRPr lang="en-US"/>
           </a:p>
@@ -1882,7 +1882,7 @@
           <a:p>
             <a:fld id="{0897BCBE-A2DD-2248-8676-657FEEB74689}" type="datetimeFigureOut">
               <a:rPr lang="en-US" smtClean="0"/>
-              <a:t>12/6/19</a:t>
+              <a:t>12/7/19</a:t>
             </a:fld>
             <a:endParaRPr lang="en-US"/>
           </a:p>
@@ -2301,7 +2301,7 @@
           <a:p>
             <a:fld id="{0897BCBE-A2DD-2248-8676-657FEEB74689}" type="datetimeFigureOut">
               <a:rPr lang="en-US" smtClean="0"/>
-              <a:t>12/6/19</a:t>
+              <a:t>12/7/19</a:t>
             </a:fld>
             <a:endParaRPr lang="en-US"/>
           </a:p>
@@ -2418,7 +2418,7 @@
           <a:p>
             <a:fld id="{0897BCBE-A2DD-2248-8676-657FEEB74689}" type="datetimeFigureOut">
               <a:rPr lang="en-US" smtClean="0"/>
-              <a:t>12/6/19</a:t>
+              <a:t>12/7/19</a:t>
             </a:fld>
             <a:endParaRPr lang="en-US"/>
           </a:p>
@@ -2513,7 +2513,7 @@
           <a:p>
             <a:fld id="{0897BCBE-A2DD-2248-8676-657FEEB74689}" type="datetimeFigureOut">
               <a:rPr lang="en-US" smtClean="0"/>
-              <a:t>12/6/19</a:t>
+              <a:t>12/7/19</a:t>
             </a:fld>
             <a:endParaRPr lang="en-US"/>
           </a:p>
@@ -2788,7 +2788,7 @@
           <a:p>
             <a:fld id="{0897BCBE-A2DD-2248-8676-657FEEB74689}" type="datetimeFigureOut">
               <a:rPr lang="en-US" smtClean="0"/>
-              <a:t>12/6/19</a:t>
+              <a:t>12/7/19</a:t>
             </a:fld>
             <a:endParaRPr lang="en-US"/>
           </a:p>
@@ -3040,7 +3040,7 @@
           <a:p>
             <a:fld id="{0897BCBE-A2DD-2248-8676-657FEEB74689}" type="datetimeFigureOut">
               <a:rPr lang="en-US" smtClean="0"/>
-              <a:t>12/6/19</a:t>
+              <a:t>12/7/19</a:t>
             </a:fld>
             <a:endParaRPr lang="en-US"/>
           </a:p>
@@ -3251,7 +3251,7 @@
           <a:p>
             <a:fld id="{0897BCBE-A2DD-2248-8676-657FEEB74689}" type="datetimeFigureOut">
               <a:rPr lang="en-US" smtClean="0"/>
-              <a:t>12/6/19</a:t>
+              <a:t>12/7/19</a:t>
             </a:fld>
             <a:endParaRPr lang="en-US"/>
           </a:p>

--- a/DataSciencePres.pptx
+++ b/DataSciencePres.pptx
@@ -16,11 +16,11 @@
     <p:sldId id="270" r:id="rId7"/>
     <p:sldId id="258" r:id="rId8"/>
     <p:sldId id="268" r:id="rId9"/>
-    <p:sldId id="269" r:id="rId10"/>
-    <p:sldId id="272" r:id="rId11"/>
-    <p:sldId id="271" r:id="rId12"/>
-    <p:sldId id="273" r:id="rId13"/>
-    <p:sldId id="274" r:id="rId14"/>
+    <p:sldId id="272" r:id="rId10"/>
+    <p:sldId id="271" r:id="rId11"/>
+    <p:sldId id="273" r:id="rId12"/>
+    <p:sldId id="274" r:id="rId13"/>
+    <p:sldId id="279" r:id="rId14"/>
     <p:sldId id="260" r:id="rId15"/>
     <p:sldId id="275" r:id="rId16"/>
     <p:sldId id="277" r:id="rId17"/>
@@ -3784,290 +3784,6 @@
       </p:grpSpPr>
       <p:sp>
         <p:nvSpPr>
-          <p:cNvPr id="7" name="Rectangle 6">
-            <a:extLst>
-              <a:ext uri="{FF2B5EF4-FFF2-40B4-BE49-F238E27FC236}">
-                <a16:creationId xmlns:a16="http://schemas.microsoft.com/office/drawing/2014/main" id="{AE314084-4AA0-A54B-AF91-603368B26EA0}"/>
-              </a:ext>
-            </a:extLst>
-          </p:cNvPr>
-          <p:cNvSpPr/>
-          <p:nvPr/>
-        </p:nvSpPr>
-        <p:spPr>
-          <a:xfrm>
-            <a:off x="420783" y="337307"/>
-            <a:ext cx="4051365" cy="523220"/>
-          </a:xfrm>
-          <a:prstGeom prst="rect">
-            <a:avLst/>
-          </a:prstGeom>
-        </p:spPr>
-        <p:txBody>
-          <a:bodyPr wrap="none">
-            <a:spAutoFit/>
-          </a:bodyPr>
-          <a:lstStyle/>
-          <a:p>
-            <a:pPr>
-              <a:spcAft>
-                <a:spcPts val="600"/>
-              </a:spcAft>
-            </a:pPr>
-            <a:r>
-              <a:rPr lang="en-US" sz="2800" b="1" dirty="0">
-                <a:solidFill>
-                  <a:srgbClr val="54AC5C"/>
-                </a:solidFill>
-              </a:rPr>
-              <a:t>Q1: Variants Classification</a:t>
-            </a:r>
-          </a:p>
-        </p:txBody>
-      </p:sp>
-      <p:cxnSp>
-        <p:nvCxnSpPr>
-          <p:cNvPr id="8" name="Straight Connector 7">
-            <a:extLst>
-              <a:ext uri="{FF2B5EF4-FFF2-40B4-BE49-F238E27FC236}">
-                <a16:creationId xmlns:a16="http://schemas.microsoft.com/office/drawing/2014/main" id="{1DFF1BA9-A783-624F-8B47-59877EDCC3C5}"/>
-              </a:ext>
-            </a:extLst>
-          </p:cNvPr>
-          <p:cNvCxnSpPr/>
-          <p:nvPr/>
-        </p:nvCxnSpPr>
-        <p:spPr>
-          <a:xfrm>
-            <a:off x="0" y="872719"/>
-            <a:ext cx="9144000" cy="0"/>
-          </a:xfrm>
-          <a:prstGeom prst="line">
-            <a:avLst/>
-          </a:prstGeom>
-          <a:ln w="17526">
-            <a:solidFill>
-              <a:srgbClr val="54AC5C"/>
-            </a:solidFill>
-          </a:ln>
-          <a:effectLst/>
-        </p:spPr>
-        <p:style>
-          <a:lnRef idx="2">
-            <a:schemeClr val="dk1"/>
-          </a:lnRef>
-          <a:fillRef idx="0">
-            <a:schemeClr val="dk1"/>
-          </a:fillRef>
-          <a:effectRef idx="1">
-            <a:schemeClr val="dk1"/>
-          </a:effectRef>
-          <a:fontRef idx="minor">
-            <a:schemeClr val="tx1"/>
-          </a:fontRef>
-        </p:style>
-      </p:cxnSp>
-      <p:sp>
-        <p:nvSpPr>
-          <p:cNvPr id="9" name="Rectangle 8">
-            <a:extLst>
-              <a:ext uri="{FF2B5EF4-FFF2-40B4-BE49-F238E27FC236}">
-                <a16:creationId xmlns:a16="http://schemas.microsoft.com/office/drawing/2014/main" id="{9963E5AE-FC0E-994F-8FB6-8FF07D5FCBB3}"/>
-              </a:ext>
-            </a:extLst>
-          </p:cNvPr>
-          <p:cNvSpPr/>
-          <p:nvPr/>
-        </p:nvSpPr>
-        <p:spPr>
-          <a:xfrm>
-            <a:off x="1020672" y="1082684"/>
-            <a:ext cx="2977803" cy="369332"/>
-          </a:xfrm>
-          <a:prstGeom prst="rect">
-            <a:avLst/>
-          </a:prstGeom>
-        </p:spPr>
-        <p:txBody>
-          <a:bodyPr wrap="none">
-            <a:spAutoFit/>
-          </a:bodyPr>
-          <a:lstStyle/>
-          <a:p>
-            <a:pPr marL="285750" indent="-285750">
-              <a:spcAft>
-                <a:spcPts val="600"/>
-              </a:spcAft>
-              <a:buFont typeface="Arial" panose="020B0604020202020204" pitchFamily="34" charset="0"/>
-              <a:buChar char="•"/>
-            </a:pPr>
-            <a:r>
-              <a:rPr lang="en-US" dirty="0"/>
-              <a:t>Method 2:     Decision Tree</a:t>
-            </a:r>
-          </a:p>
-        </p:txBody>
-      </p:sp>
-      <p:sp>
-        <p:nvSpPr>
-          <p:cNvPr id="11" name="Rectangle 10">
-            <a:extLst>
-              <a:ext uri="{FF2B5EF4-FFF2-40B4-BE49-F238E27FC236}">
-                <a16:creationId xmlns:a16="http://schemas.microsoft.com/office/drawing/2014/main" id="{F57B9DD2-1E24-E345-9053-A9DEC67A6125}"/>
-              </a:ext>
-            </a:extLst>
-          </p:cNvPr>
-          <p:cNvSpPr/>
-          <p:nvPr/>
-        </p:nvSpPr>
-        <p:spPr>
-          <a:xfrm>
-            <a:off x="1539093" y="2500527"/>
-            <a:ext cx="1887248" cy="369332"/>
-          </a:xfrm>
-          <a:prstGeom prst="rect">
-            <a:avLst/>
-          </a:prstGeom>
-        </p:spPr>
-        <p:txBody>
-          <a:bodyPr wrap="none">
-            <a:spAutoFit/>
-          </a:bodyPr>
-          <a:lstStyle/>
-          <a:p>
-            <a:r>
-              <a:rPr lang="en-US" dirty="0"/>
-              <a:t>Acc – Cutoff curve</a:t>
-            </a:r>
-          </a:p>
-        </p:txBody>
-      </p:sp>
-      <p:sp>
-        <p:nvSpPr>
-          <p:cNvPr id="12" name="Rectangle 11">
-            <a:extLst>
-              <a:ext uri="{FF2B5EF4-FFF2-40B4-BE49-F238E27FC236}">
-                <a16:creationId xmlns:a16="http://schemas.microsoft.com/office/drawing/2014/main" id="{C9B91779-E3E2-E14D-BD4E-109802849FE2}"/>
-              </a:ext>
-            </a:extLst>
-          </p:cNvPr>
-          <p:cNvSpPr/>
-          <p:nvPr/>
-        </p:nvSpPr>
-        <p:spPr>
-          <a:xfrm>
-            <a:off x="6004693" y="2500527"/>
-            <a:ext cx="1180964" cy="369332"/>
-          </a:xfrm>
-          <a:prstGeom prst="rect">
-            <a:avLst/>
-          </a:prstGeom>
-        </p:spPr>
-        <p:txBody>
-          <a:bodyPr wrap="none">
-            <a:spAutoFit/>
-          </a:bodyPr>
-          <a:lstStyle/>
-          <a:p>
-            <a:r>
-              <a:rPr lang="en-US" dirty="0"/>
-              <a:t>ROC Curve</a:t>
-            </a:r>
-          </a:p>
-        </p:txBody>
-      </p:sp>
-    </p:spTree>
-    <p:extLst>
-      <p:ext uri="{BB962C8B-B14F-4D97-AF65-F5344CB8AC3E}">
-        <p14:creationId xmlns:p14="http://schemas.microsoft.com/office/powerpoint/2010/main" val="2653269401"/>
-      </p:ext>
-    </p:extLst>
-  </p:cSld>
-  <p:clrMapOvr>
-    <a:masterClrMapping/>
-  </p:clrMapOvr>
-</p:sld>
-</file>
-
-<file path=ppt/slides/slide11.xml><?xml version="1.0" encoding="utf-8"?>
-<p:sld xmlns:a="http://schemas.openxmlformats.org/drawingml/2006/main" xmlns:r="http://schemas.openxmlformats.org/officeDocument/2006/relationships" xmlns:p="http://schemas.openxmlformats.org/presentationml/2006/main">
-  <p:cSld>
-    <p:spTree>
-      <p:nvGrpSpPr>
-        <p:cNvPr id="1" name=""/>
-        <p:cNvGrpSpPr/>
-        <p:nvPr/>
-      </p:nvGrpSpPr>
-      <p:grpSpPr>
-        <a:xfrm>
-          <a:off x="0" y="0"/>
-          <a:ext cx="0" cy="0"/>
-          <a:chOff x="0" y="0"/>
-          <a:chExt cx="0" cy="0"/>
-        </a:xfrm>
-      </p:grpSpPr>
-      <p:pic>
-        <p:nvPicPr>
-          <p:cNvPr id="5" name="Picture 4" descr="A close up of text on a white background&#10;&#10;Description automatically generated">
-            <a:extLst>
-              <a:ext uri="{FF2B5EF4-FFF2-40B4-BE49-F238E27FC236}">
-                <a16:creationId xmlns:a16="http://schemas.microsoft.com/office/drawing/2014/main" id="{9C395463-4B61-E04B-9916-52F6FCC42B0F}"/>
-              </a:ext>
-            </a:extLst>
-          </p:cNvPr>
-          <p:cNvPicPr>
-            <a:picLocks noChangeAspect="1"/>
-          </p:cNvPicPr>
-          <p:nvPr/>
-        </p:nvPicPr>
-        <p:blipFill>
-          <a:blip r:embed="rId2"/>
-          <a:stretch>
-            <a:fillRect/>
-          </a:stretch>
-        </p:blipFill>
-        <p:spPr>
-          <a:xfrm>
-            <a:off x="338790" y="1744847"/>
-            <a:ext cx="4037396" cy="2845579"/>
-          </a:xfrm>
-          <a:prstGeom prst="rect">
-            <a:avLst/>
-          </a:prstGeom>
-        </p:spPr>
-      </p:pic>
-      <p:pic>
-        <p:nvPicPr>
-          <p:cNvPr id="7" name="Picture 6" descr="A close up of text on a white background&#10;&#10;Description automatically generated">
-            <a:extLst>
-              <a:ext uri="{FF2B5EF4-FFF2-40B4-BE49-F238E27FC236}">
-                <a16:creationId xmlns:a16="http://schemas.microsoft.com/office/drawing/2014/main" id="{579C2BA4-457C-8C49-885E-E3B22D659AD4}"/>
-              </a:ext>
-            </a:extLst>
-          </p:cNvPr>
-          <p:cNvPicPr>
-            <a:picLocks noChangeAspect="1"/>
-          </p:cNvPicPr>
-          <p:nvPr/>
-        </p:nvPicPr>
-        <p:blipFill>
-          <a:blip r:embed="rId3"/>
-          <a:stretch>
-            <a:fillRect/>
-          </a:stretch>
-        </p:blipFill>
-        <p:spPr>
-          <a:xfrm>
-            <a:off x="4572000" y="1744847"/>
-            <a:ext cx="4139024" cy="2845579"/>
-          </a:xfrm>
-          <a:prstGeom prst="rect">
-            <a:avLst/>
-          </a:prstGeom>
-        </p:spPr>
-      </p:pic>
-      <p:sp>
-        <p:nvSpPr>
           <p:cNvPr id="10" name="Rectangle 9">
             <a:extLst>
               <a:ext uri="{FF2B5EF4-FFF2-40B4-BE49-F238E27FC236}">
@@ -4081,7 +3797,7 @@
         <p:spPr>
           <a:xfrm>
             <a:off x="420783" y="337307"/>
-            <a:ext cx="5013808" cy="523220"/>
+            <a:ext cx="8302722" cy="523220"/>
           </a:xfrm>
           <a:prstGeom prst="rect">
             <a:avLst/>
@@ -4104,7 +3820,7 @@
                   <a:srgbClr val="54AC5C"/>
                 </a:solidFill>
               </a:rPr>
-              <a:t>Recall Q1: Variants Classification</a:t>
+              <a:t>Recall Q2: Weight of Features -&gt; Random Forest for Q1</a:t>
             </a:r>
           </a:p>
         </p:txBody>
@@ -4275,14 +3991,14 @@
           <p:nvPr>
             <p:extLst>
               <p:ext uri="{D42A27DB-BD31-4B8C-83A1-F6EECF244321}">
-                <p14:modId xmlns:p14="http://schemas.microsoft.com/office/powerpoint/2010/main" val="319817179"/>
+                <p14:modId xmlns:p14="http://schemas.microsoft.com/office/powerpoint/2010/main" val="3347479413"/>
               </p:ext>
             </p:extLst>
           </p:nvPr>
         </p:nvGraphicFramePr>
         <p:xfrm>
-          <a:off x="667520" y="5408173"/>
-          <a:ext cx="7678458" cy="1112520"/>
+          <a:off x="1532046" y="5408173"/>
+          <a:ext cx="6128696" cy="1112520"/>
         </p:xfrm>
         <a:graphic>
           <a:graphicData uri="http://schemas.openxmlformats.org/drawingml/2006/table">
@@ -4291,35 +4007,28 @@
                 <a:tableStyleId>{5C22544A-7EE6-4342-B048-85BDC9FD1C3A}</a:tableStyleId>
               </a:tblPr>
               <a:tblGrid>
-                <a:gridCol w="2404295">
+                <a:gridCol w="1554463">
                   <a:extLst>
                     <a:ext uri="{9D8B030D-6E8A-4147-A177-3AD203B41FA5}">
                       <a16:colId xmlns:a16="http://schemas.microsoft.com/office/drawing/2014/main" val="736555137"/>
                     </a:ext>
                   </a:extLst>
                 </a:gridCol>
-                <a:gridCol w="1001421">
-                  <a:extLst>
-                    <a:ext uri="{9D8B030D-6E8A-4147-A177-3AD203B41FA5}">
-                      <a16:colId xmlns:a16="http://schemas.microsoft.com/office/drawing/2014/main" val="2437322138"/>
-                    </a:ext>
-                  </a:extLst>
-                </a:gridCol>
-                <a:gridCol w="1413164">
-                  <a:extLst>
-                    <a:ext uri="{9D8B030D-6E8A-4147-A177-3AD203B41FA5}">
-                      <a16:colId xmlns:a16="http://schemas.microsoft.com/office/drawing/2014/main" val="3175943778"/>
-                    </a:ext>
-                  </a:extLst>
-                </a:gridCol>
-                <a:gridCol w="1047404">
+                <a:gridCol w="1188482">
                   <a:extLst>
                     <a:ext uri="{9D8B030D-6E8A-4147-A177-3AD203B41FA5}">
                       <a16:colId xmlns:a16="http://schemas.microsoft.com/office/drawing/2014/main" val="1999416728"/>
                     </a:ext>
                   </a:extLst>
                 </a:gridCol>
-                <a:gridCol w="1812174">
+                <a:gridCol w="1581665">
+                  <a:extLst>
+                    <a:ext uri="{9D8B030D-6E8A-4147-A177-3AD203B41FA5}">
+                      <a16:colId xmlns:a16="http://schemas.microsoft.com/office/drawing/2014/main" val="1320416286"/>
+                    </a:ext>
+                  </a:extLst>
+                </a:gridCol>
+                <a:gridCol w="1804086">
                   <a:extLst>
                     <a:ext uri="{9D8B030D-6E8A-4147-A177-3AD203B41FA5}">
                       <a16:colId xmlns:a16="http://schemas.microsoft.com/office/drawing/2014/main" val="929325862"/>
@@ -4378,18 +4087,13 @@
                     <a:lstStyle/>
                     <a:p>
                       <a:r>
-                        <a:rPr lang="en-US" dirty="0" err="1">
+                        <a:rPr lang="en-US" dirty="0">
                           <a:solidFill>
                             <a:schemeClr val="tx1"/>
                           </a:solidFill>
                         </a:rPr>
-                        <a:t>MyDT</a:t>
+                        <a:t>Logistic</a:t>
                       </a:r>
-                      <a:endParaRPr lang="en-US" dirty="0">
-                        <a:solidFill>
-                          <a:schemeClr val="tx1"/>
-                        </a:solidFill>
-                      </a:endParaRPr>
                     </a:p>
                   </a:txBody>
                   <a:tcPr>
@@ -4439,64 +4143,13 @@
                             <a:schemeClr val="tx1"/>
                           </a:solidFill>
                         </a:rPr>
-                        <a:t>SklearnDT</a:t>
+                        <a:t>DecisionTree</a:t>
                       </a:r>
                       <a:endParaRPr lang="en-US" dirty="0">
                         <a:solidFill>
                           <a:schemeClr val="tx1"/>
                         </a:solidFill>
                       </a:endParaRPr>
-                    </a:p>
-                  </a:txBody>
-                  <a:tcPr>
-                    <a:lnL w="12700" cmpd="sng">
-                      <a:noFill/>
-                    </a:lnL>
-                    <a:lnR w="12700" cmpd="sng">
-                      <a:noFill/>
-                    </a:lnR>
-                    <a:lnT w="12700" cap="flat" cmpd="sng" algn="ctr">
-                      <a:solidFill>
-                        <a:schemeClr val="tx1"/>
-                      </a:solidFill>
-                      <a:prstDash val="solid"/>
-                      <a:round/>
-                      <a:headEnd type="none" w="med" len="med"/>
-                      <a:tailEnd type="none" w="med" len="med"/>
-                    </a:lnT>
-                    <a:lnB w="12700" cap="flat" cmpd="sng" algn="ctr">
-                      <a:solidFill>
-                        <a:schemeClr val="tx1"/>
-                      </a:solidFill>
-                      <a:prstDash val="solid"/>
-                      <a:round/>
-                      <a:headEnd type="none" w="med" len="med"/>
-                      <a:tailEnd type="none" w="med" len="med"/>
-                    </a:lnB>
-                    <a:lnTlToBr w="12700" cmpd="sng">
-                      <a:noFill/>
-                      <a:prstDash val="solid"/>
-                    </a:lnTlToBr>
-                    <a:lnBlToTr w="12700" cmpd="sng">
-                      <a:noFill/>
-                      <a:prstDash val="solid"/>
-                    </a:lnBlToTr>
-                    <a:noFill/>
-                  </a:tcPr>
-                </a:tc>
-                <a:tc>
-                  <a:txBody>
-                    <a:bodyPr/>
-                    <a:lstStyle/>
-                    <a:p>
-                      <a:r>
-                        <a:rPr lang="en-US" dirty="0">
-                          <a:solidFill>
-                            <a:schemeClr val="tx1"/>
-                          </a:solidFill>
-                        </a:rPr>
-                        <a:t>Logistic</a:t>
-                      </a:r>
                     </a:p>
                   </a:txBody>
                   <a:tcPr>
@@ -4646,7 +4299,7 @@
                     <a:p>
                       <a:r>
                         <a:rPr lang="en-US" dirty="0"/>
-                        <a:t>68%</a:t>
+                        <a:t>53.6%</a:t>
                       </a:r>
                     </a:p>
                   </a:txBody>
@@ -4687,7 +4340,7 @@
                     <a:p>
                       <a:r>
                         <a:rPr lang="en-US" dirty="0"/>
-                        <a:t>64%</a:t>
+                        <a:t>63.1%</a:t>
                       </a:r>
                     </a:p>
                   </a:txBody>
@@ -4728,48 +4381,7 @@
                     <a:p>
                       <a:r>
                         <a:rPr lang="en-US" dirty="0"/>
-                        <a:t>73.7%</a:t>
-                      </a:r>
-                    </a:p>
-                  </a:txBody>
-                  <a:tcPr>
-                    <a:lnL w="12700" cmpd="sng">
-                      <a:noFill/>
-                    </a:lnL>
-                    <a:lnR w="12700" cmpd="sng">
-                      <a:noFill/>
-                    </a:lnR>
-                    <a:lnT w="12700" cap="flat" cmpd="sng" algn="ctr">
-                      <a:solidFill>
-                        <a:schemeClr val="tx1"/>
-                      </a:solidFill>
-                      <a:prstDash val="solid"/>
-                      <a:round/>
-                      <a:headEnd type="none" w="med" len="med"/>
-                      <a:tailEnd type="none" w="med" len="med"/>
-                    </a:lnT>
-                    <a:lnB w="12700" cmpd="sng">
-                      <a:noFill/>
-                    </a:lnB>
-                    <a:lnTlToBr w="12700" cmpd="sng">
-                      <a:noFill/>
-                      <a:prstDash val="solid"/>
-                    </a:lnTlToBr>
-                    <a:lnBlToTr w="12700" cmpd="sng">
-                      <a:noFill/>
-                      <a:prstDash val="solid"/>
-                    </a:lnBlToTr>
-                    <a:noFill/>
-                  </a:tcPr>
-                </a:tc>
-                <a:tc>
-                  <a:txBody>
-                    <a:bodyPr/>
-                    <a:lstStyle/>
-                    <a:p>
-                      <a:r>
-                        <a:rPr lang="en-US" dirty="0"/>
-                        <a:t>74%</a:t>
+                        <a:t>68.6%</a:t>
                       </a:r>
                     </a:p>
                   </a:txBody>
@@ -4817,7 +4429,7 @@
                     <a:p>
                       <a:r>
                         <a:rPr lang="en-US" dirty="0"/>
-                        <a:t>Avg Training Time(s)</a:t>
+                        <a:t>AUC</a:t>
                       </a:r>
                     </a:p>
                   </a:txBody>
@@ -4858,7 +4470,7 @@
                     <a:p>
                       <a:r>
                         <a:rPr lang="en-US" dirty="0"/>
-                        <a:t>23.1</a:t>
+                        <a:t>0.544</a:t>
                       </a:r>
                     </a:p>
                   </a:txBody>
@@ -4899,7 +4511,7 @@
                     <a:p>
                       <a:r>
                         <a:rPr lang="en-US" dirty="0"/>
-                        <a:t>0.38</a:t>
+                        <a:t>0.669</a:t>
                       </a:r>
                     </a:p>
                   </a:txBody>
@@ -4940,48 +4552,7 @@
                     <a:p>
                       <a:r>
                         <a:rPr lang="en-US" dirty="0"/>
-                        <a:t>0.31</a:t>
-                      </a:r>
-                    </a:p>
-                  </a:txBody>
-                  <a:tcPr>
-                    <a:lnL w="12700" cmpd="sng">
-                      <a:noFill/>
-                    </a:lnL>
-                    <a:lnR w="12700" cmpd="sng">
-                      <a:noFill/>
-                    </a:lnR>
-                    <a:lnT w="12700" cmpd="sng">
-                      <a:noFill/>
-                    </a:lnT>
-                    <a:lnB w="12700" cap="flat" cmpd="sng" algn="ctr">
-                      <a:solidFill>
-                        <a:schemeClr val="tx1"/>
-                      </a:solidFill>
-                      <a:prstDash val="solid"/>
-                      <a:round/>
-                      <a:headEnd type="none" w="med" len="med"/>
-                      <a:tailEnd type="none" w="med" len="med"/>
-                    </a:lnB>
-                    <a:lnTlToBr w="12700" cmpd="sng">
-                      <a:noFill/>
-                      <a:prstDash val="solid"/>
-                    </a:lnTlToBr>
-                    <a:lnBlToTr w="12700" cmpd="sng">
-                      <a:noFill/>
-                      <a:prstDash val="solid"/>
-                    </a:lnBlToTr>
-                    <a:noFill/>
-                  </a:tcPr>
-                </a:tc>
-                <a:tc>
-                  <a:txBody>
-                    <a:bodyPr/>
-                    <a:lstStyle/>
-                    <a:p>
-                      <a:r>
-                        <a:rPr lang="en-US" dirty="0"/>
-                        <a:t>72.6s</a:t>
+                        <a:t>0.747</a:t>
                       </a:r>
                     </a:p>
                   </a:txBody>
@@ -5025,6 +4596,66 @@
           </a:graphicData>
         </a:graphic>
       </p:graphicFrame>
+      <p:pic>
+        <p:nvPicPr>
+          <p:cNvPr id="3" name="Picture 2" descr="A screenshot of a cell phone&#10;&#10;Description automatically generated">
+            <a:extLst>
+              <a:ext uri="{FF2B5EF4-FFF2-40B4-BE49-F238E27FC236}">
+                <a16:creationId xmlns:a16="http://schemas.microsoft.com/office/drawing/2014/main" id="{DF7BA540-B5A4-E543-85DC-207A9B13863B}"/>
+              </a:ext>
+            </a:extLst>
+          </p:cNvPr>
+          <p:cNvPicPr>
+            <a:picLocks noChangeAspect="1"/>
+          </p:cNvPicPr>
+          <p:nvPr/>
+        </p:nvPicPr>
+        <p:blipFill>
+          <a:blip r:embed="rId2"/>
+          <a:stretch>
+            <a:fillRect/>
+          </a:stretch>
+        </p:blipFill>
+        <p:spPr>
+          <a:xfrm>
+            <a:off x="688745" y="2093699"/>
+            <a:ext cx="3573849" cy="2457021"/>
+          </a:xfrm>
+          <a:prstGeom prst="rect">
+            <a:avLst/>
+          </a:prstGeom>
+        </p:spPr>
+      </p:pic>
+      <p:pic>
+        <p:nvPicPr>
+          <p:cNvPr id="6" name="Picture 5" descr="A screenshot of a cell phone&#10;&#10;Description automatically generated">
+            <a:extLst>
+              <a:ext uri="{FF2B5EF4-FFF2-40B4-BE49-F238E27FC236}">
+                <a16:creationId xmlns:a16="http://schemas.microsoft.com/office/drawing/2014/main" id="{80621031-9DE7-5440-82EE-080726B9DE7B}"/>
+              </a:ext>
+            </a:extLst>
+          </p:cNvPr>
+          <p:cNvPicPr>
+            <a:picLocks noChangeAspect="1"/>
+          </p:cNvPicPr>
+          <p:nvPr/>
+        </p:nvPicPr>
+        <p:blipFill>
+          <a:blip r:embed="rId3"/>
+          <a:stretch>
+            <a:fillRect/>
+          </a:stretch>
+        </p:blipFill>
+        <p:spPr>
+          <a:xfrm>
+            <a:off x="4772129" y="2093699"/>
+            <a:ext cx="3573849" cy="2457021"/>
+          </a:xfrm>
+          <a:prstGeom prst="rect">
+            <a:avLst/>
+          </a:prstGeom>
+        </p:spPr>
+      </p:pic>
     </p:spTree>
     <p:extLst>
       <p:ext uri="{BB962C8B-B14F-4D97-AF65-F5344CB8AC3E}">
@@ -5121,7 +4752,7 @@
 </p:sld>
 </file>
 
-<file path=ppt/slides/slide12.xml><?xml version="1.0" encoding="utf-8"?>
+<file path=ppt/slides/slide11.xml><?xml version="1.0" encoding="utf-8"?>
 <p:sld xmlns:a="http://schemas.openxmlformats.org/drawingml/2006/main" xmlns:r="http://schemas.openxmlformats.org/officeDocument/2006/relationships" xmlns:p="http://schemas.openxmlformats.org/presentationml/2006/main">
   <p:cSld>
     <p:spTree>
@@ -5153,7 +4784,7 @@
         <p:spPr>
           <a:xfrm>
             <a:off x="420783" y="337307"/>
-            <a:ext cx="5013808" cy="523220"/>
+            <a:ext cx="4051365" cy="523220"/>
           </a:xfrm>
           <a:prstGeom prst="rect">
             <a:avLst/>
@@ -5176,7 +4807,7 @@
                   <a:srgbClr val="54AC5C"/>
                 </a:solidFill>
               </a:rPr>
-              <a:t>Recall Q1: Variants Classification</a:t>
+              <a:t>Q1: Variants Classification</a:t>
             </a:r>
           </a:p>
         </p:txBody>
@@ -8064,6 +7695,235 @@
 </p:sld>
 </file>
 
+<file path=ppt/slides/slide12.xml><?xml version="1.0" encoding="utf-8"?>
+<p:sld xmlns:a="http://schemas.openxmlformats.org/drawingml/2006/main" xmlns:r="http://schemas.openxmlformats.org/officeDocument/2006/relationships" xmlns:p="http://schemas.openxmlformats.org/presentationml/2006/main">
+  <p:cSld>
+    <p:spTree>
+      <p:nvGrpSpPr>
+        <p:cNvPr id="1" name=""/>
+        <p:cNvGrpSpPr/>
+        <p:nvPr/>
+      </p:nvGrpSpPr>
+      <p:grpSpPr>
+        <a:xfrm>
+          <a:off x="0" y="0"/>
+          <a:ext cx="0" cy="0"/>
+          <a:chOff x="0" y="0"/>
+          <a:chExt cx="0" cy="0"/>
+        </a:xfrm>
+      </p:grpSpPr>
+      <p:sp>
+        <p:nvSpPr>
+          <p:cNvPr id="10" name="Rectangle 9">
+            <a:extLst>
+              <a:ext uri="{FF2B5EF4-FFF2-40B4-BE49-F238E27FC236}">
+                <a16:creationId xmlns:a16="http://schemas.microsoft.com/office/drawing/2014/main" id="{CBA0379D-906B-7146-A4A2-4D0380ACB59A}"/>
+              </a:ext>
+            </a:extLst>
+          </p:cNvPr>
+          <p:cNvSpPr/>
+          <p:nvPr/>
+        </p:nvSpPr>
+        <p:spPr>
+          <a:xfrm>
+            <a:off x="420783" y="337307"/>
+            <a:ext cx="4051365" cy="523220"/>
+          </a:xfrm>
+          <a:prstGeom prst="rect">
+            <a:avLst/>
+          </a:prstGeom>
+        </p:spPr>
+        <p:txBody>
+          <a:bodyPr wrap="none">
+            <a:spAutoFit/>
+          </a:bodyPr>
+          <a:lstStyle/>
+          <a:p>
+            <a:pPr>
+              <a:spcAft>
+                <a:spcPts val="600"/>
+              </a:spcAft>
+            </a:pPr>
+            <a:r>
+              <a:rPr lang="en-US" sz="2800" b="1" dirty="0">
+                <a:solidFill>
+                  <a:srgbClr val="54AC5C"/>
+                </a:solidFill>
+              </a:rPr>
+              <a:t>Q1: Variants Classification</a:t>
+            </a:r>
+          </a:p>
+        </p:txBody>
+      </p:sp>
+      <p:cxnSp>
+        <p:nvCxnSpPr>
+          <p:cNvPr id="11" name="Straight Connector 10">
+            <a:extLst>
+              <a:ext uri="{FF2B5EF4-FFF2-40B4-BE49-F238E27FC236}">
+                <a16:creationId xmlns:a16="http://schemas.microsoft.com/office/drawing/2014/main" id="{FD0AC502-FEB3-E841-B91A-152E4897646F}"/>
+              </a:ext>
+            </a:extLst>
+          </p:cNvPr>
+          <p:cNvCxnSpPr/>
+          <p:nvPr/>
+        </p:nvCxnSpPr>
+        <p:spPr>
+          <a:xfrm>
+            <a:off x="0" y="872719"/>
+            <a:ext cx="9144000" cy="0"/>
+          </a:xfrm>
+          <a:prstGeom prst="line">
+            <a:avLst/>
+          </a:prstGeom>
+          <a:ln w="17526">
+            <a:solidFill>
+              <a:srgbClr val="54AC5C"/>
+            </a:solidFill>
+          </a:ln>
+          <a:effectLst/>
+        </p:spPr>
+        <p:style>
+          <a:lnRef idx="2">
+            <a:schemeClr val="dk1"/>
+          </a:lnRef>
+          <a:fillRef idx="0">
+            <a:schemeClr val="dk1"/>
+          </a:fillRef>
+          <a:effectRef idx="1">
+            <a:schemeClr val="dk1"/>
+          </a:effectRef>
+          <a:fontRef idx="minor">
+            <a:schemeClr val="tx1"/>
+          </a:fontRef>
+        </p:style>
+      </p:cxnSp>
+      <p:sp>
+        <p:nvSpPr>
+          <p:cNvPr id="12" name="Rectangle 11">
+            <a:extLst>
+              <a:ext uri="{FF2B5EF4-FFF2-40B4-BE49-F238E27FC236}">
+                <a16:creationId xmlns:a16="http://schemas.microsoft.com/office/drawing/2014/main" id="{8CE75FF6-47A6-6140-8E90-F02C10371DCD}"/>
+              </a:ext>
+            </a:extLst>
+          </p:cNvPr>
+          <p:cNvSpPr/>
+          <p:nvPr/>
+        </p:nvSpPr>
+        <p:spPr>
+          <a:xfrm>
+            <a:off x="1020672" y="1082684"/>
+            <a:ext cx="2619050" cy="369332"/>
+          </a:xfrm>
+          <a:prstGeom prst="rect">
+            <a:avLst/>
+          </a:prstGeom>
+        </p:spPr>
+        <p:txBody>
+          <a:bodyPr wrap="none">
+            <a:spAutoFit/>
+          </a:bodyPr>
+          <a:lstStyle/>
+          <a:p>
+            <a:pPr marL="285750" indent="-285750">
+              <a:spcAft>
+                <a:spcPts val="600"/>
+              </a:spcAft>
+              <a:buFont typeface="Arial" panose="020B0604020202020204" pitchFamily="34" charset="0"/>
+              <a:buChar char="•"/>
+            </a:pPr>
+            <a:r>
+              <a:rPr lang="en-US" dirty="0"/>
+              <a:t>Method 4:     </a:t>
+            </a:r>
+            <a:r>
+              <a:rPr lang="en-US" dirty="0" err="1"/>
+              <a:t>Adaboost</a:t>
+            </a:r>
+            <a:endParaRPr lang="en-US" dirty="0"/>
+          </a:p>
+        </p:txBody>
+      </p:sp>
+      <p:sp>
+        <p:nvSpPr>
+          <p:cNvPr id="7" name="Rectangle 6">
+            <a:extLst>
+              <a:ext uri="{FF2B5EF4-FFF2-40B4-BE49-F238E27FC236}">
+                <a16:creationId xmlns:a16="http://schemas.microsoft.com/office/drawing/2014/main" id="{CF8CEA82-0056-F143-91EF-C289CAD6BBFE}"/>
+              </a:ext>
+            </a:extLst>
+          </p:cNvPr>
+          <p:cNvSpPr/>
+          <p:nvPr/>
+        </p:nvSpPr>
+        <p:spPr>
+          <a:xfrm>
+            <a:off x="1539093" y="2500527"/>
+            <a:ext cx="1887248" cy="369332"/>
+          </a:xfrm>
+          <a:prstGeom prst="rect">
+            <a:avLst/>
+          </a:prstGeom>
+        </p:spPr>
+        <p:txBody>
+          <a:bodyPr wrap="none">
+            <a:spAutoFit/>
+          </a:bodyPr>
+          <a:lstStyle/>
+          <a:p>
+            <a:r>
+              <a:rPr lang="en-US" dirty="0"/>
+              <a:t>Acc – Cutoff curve</a:t>
+            </a:r>
+          </a:p>
+        </p:txBody>
+      </p:sp>
+      <p:sp>
+        <p:nvSpPr>
+          <p:cNvPr id="13" name="Rectangle 12">
+            <a:extLst>
+              <a:ext uri="{FF2B5EF4-FFF2-40B4-BE49-F238E27FC236}">
+                <a16:creationId xmlns:a16="http://schemas.microsoft.com/office/drawing/2014/main" id="{6984DFEA-4F77-F94A-B697-852FEC92651A}"/>
+              </a:ext>
+            </a:extLst>
+          </p:cNvPr>
+          <p:cNvSpPr/>
+          <p:nvPr/>
+        </p:nvSpPr>
+        <p:spPr>
+          <a:xfrm>
+            <a:off x="6004693" y="2500527"/>
+            <a:ext cx="1180964" cy="369332"/>
+          </a:xfrm>
+          <a:prstGeom prst="rect">
+            <a:avLst/>
+          </a:prstGeom>
+        </p:spPr>
+        <p:txBody>
+          <a:bodyPr wrap="none">
+            <a:spAutoFit/>
+          </a:bodyPr>
+          <a:lstStyle/>
+          <a:p>
+            <a:r>
+              <a:rPr lang="en-US" dirty="0"/>
+              <a:t>ROC Curve</a:t>
+            </a:r>
+          </a:p>
+        </p:txBody>
+      </p:sp>
+    </p:spTree>
+    <p:extLst>
+      <p:ext uri="{BB962C8B-B14F-4D97-AF65-F5344CB8AC3E}">
+        <p14:creationId xmlns:p14="http://schemas.microsoft.com/office/powerpoint/2010/main" val="3943609060"/>
+      </p:ext>
+    </p:extLst>
+  </p:cSld>
+  <p:clrMapOvr>
+    <a:masterClrMapping/>
+  </p:clrMapOvr>
+</p:sld>
+</file>
+
 <file path=ppt/slides/slide13.xml><?xml version="1.0" encoding="utf-8"?>
 <p:sld xmlns:a="http://schemas.openxmlformats.org/drawingml/2006/main" xmlns:r="http://schemas.openxmlformats.org/officeDocument/2006/relationships" xmlns:p="http://schemas.openxmlformats.org/presentationml/2006/main">
   <p:cSld>
@@ -8096,7 +7956,7 @@
         <p:spPr>
           <a:xfrm>
             <a:off x="420783" y="337307"/>
-            <a:ext cx="5013808" cy="523220"/>
+            <a:ext cx="4051365" cy="523220"/>
           </a:xfrm>
           <a:prstGeom prst="rect">
             <a:avLst/>
@@ -8119,7 +7979,7 @@
                   <a:srgbClr val="54AC5C"/>
                 </a:solidFill>
               </a:rPr>
-              <a:t>Recall Q1: Variants Classification</a:t>
+              <a:t>Q1: Variants Classification</a:t>
             </a:r>
           </a:p>
         </p:txBody>
@@ -8227,7 +8087,7 @@
         <p:spPr>
           <a:xfrm>
             <a:off x="1539093" y="2500527"/>
-            <a:ext cx="1887248" cy="369332"/>
+            <a:ext cx="2391617" cy="369332"/>
           </a:xfrm>
           <a:prstGeom prst="rect">
             <a:avLst/>
@@ -8241,7 +8101,7 @@
           <a:p>
             <a:r>
               <a:rPr lang="en-US" dirty="0"/>
-              <a:t>Acc – Cutoff curve</a:t>
+              <a:t>Boosting of Training Set</a:t>
             </a:r>
           </a:p>
         </p:txBody>
@@ -8260,8 +8120,8 @@
         </p:nvSpPr>
         <p:spPr>
           <a:xfrm>
-            <a:off x="6004693" y="2500527"/>
-            <a:ext cx="1180964" cy="369332"/>
+            <a:off x="1539093" y="3988142"/>
+            <a:ext cx="1643591" cy="369332"/>
           </a:xfrm>
           <a:prstGeom prst="rect">
             <a:avLst/>
@@ -8275,15 +8135,50 @@
           <a:p>
             <a:r>
               <a:rPr lang="en-US" dirty="0"/>
-              <a:t>ROC Curve</a:t>
-            </a:r>
+              <a:t>Losing Diversity</a:t>
+            </a:r>
+          </a:p>
+        </p:txBody>
+      </p:sp>
+      <p:sp>
+        <p:nvSpPr>
+          <p:cNvPr id="8" name="Rectangle 7">
+            <a:extLst>
+              <a:ext uri="{FF2B5EF4-FFF2-40B4-BE49-F238E27FC236}">
+                <a16:creationId xmlns:a16="http://schemas.microsoft.com/office/drawing/2014/main" id="{A6DB88B8-C2EA-D946-89CC-E65A769A2A26}"/>
+              </a:ext>
+            </a:extLst>
+          </p:cNvPr>
+          <p:cNvSpPr/>
+          <p:nvPr/>
+        </p:nvSpPr>
+        <p:spPr>
+          <a:xfrm>
+            <a:off x="1539093" y="5291091"/>
+            <a:ext cx="1192249" cy="369332"/>
+          </a:xfrm>
+          <a:prstGeom prst="rect">
+            <a:avLst/>
+          </a:prstGeom>
+        </p:spPr>
+        <p:txBody>
+          <a:bodyPr wrap="none">
+            <a:spAutoFit/>
+          </a:bodyPr>
+          <a:lstStyle/>
+          <a:p>
+            <a:r>
+              <a:rPr lang="en-US"/>
+              <a:t>Overfitting</a:t>
+            </a:r>
+            <a:endParaRPr lang="en-US" dirty="0"/>
           </a:p>
         </p:txBody>
       </p:sp>
     </p:spTree>
     <p:extLst>
       <p:ext uri="{BB962C8B-B14F-4D97-AF65-F5344CB8AC3E}">
-        <p14:creationId xmlns:p14="http://schemas.microsoft.com/office/powerpoint/2010/main" val="3943609060"/>
+        <p14:creationId xmlns:p14="http://schemas.microsoft.com/office/powerpoint/2010/main" val="1270357409"/>
       </p:ext>
     </p:extLst>
   </p:cSld>
@@ -12536,11 +12431,7 @@
           <a:p>
             <a:r>
               <a:rPr lang="en-US" sz="2400" dirty="0"/>
-              <a:t>3.  </a:t>
-            </a:r>
-            <a:r>
-              <a:rPr lang="en-US" sz="2400"/>
-              <a:t>S</a:t>
+              <a:t>3.  Power of Ensemble Learning</a:t>
             </a:r>
             <a:endParaRPr lang="en-US" sz="2400" dirty="0">
               <a:solidFill>
@@ -12594,8 +12485,8 @@
         </p:nvSpPr>
         <p:spPr>
           <a:xfrm>
-            <a:off x="1473129" y="2385234"/>
-            <a:ext cx="3888061" cy="830997"/>
+            <a:off x="1136470" y="1569023"/>
+            <a:ext cx="4902957" cy="1015663"/>
           </a:xfrm>
           <a:prstGeom prst="rect">
             <a:avLst/>
@@ -12609,7 +12500,7 @@
           <a:lstStyle/>
           <a:p>
             <a:r>
-              <a:rPr lang="en-US" sz="4800" b="1" dirty="0">
+              <a:rPr lang="en-US" sz="6000" b="1" dirty="0">
                 <a:solidFill>
                   <a:schemeClr val="accent6"/>
                 </a:solidFill>
@@ -12668,6 +12559,84 @@
               <a:rPr lang="en-US" dirty="0"/>
               <a:t> Huang	</a:t>
             </a:r>
+          </a:p>
+        </p:txBody>
+      </p:sp>
+      <p:sp>
+        <p:nvSpPr>
+          <p:cNvPr id="5" name="TextBox 4">
+            <a:extLst>
+              <a:ext uri="{FF2B5EF4-FFF2-40B4-BE49-F238E27FC236}">
+                <a16:creationId xmlns:a16="http://schemas.microsoft.com/office/drawing/2014/main" id="{D4712489-B97B-D947-9B1F-CA31A797F6FC}"/>
+              </a:ext>
+            </a:extLst>
+          </p:cNvPr>
+          <p:cNvSpPr txBox="1"/>
+          <p:nvPr/>
+        </p:nvSpPr>
+        <p:spPr>
+          <a:xfrm>
+            <a:off x="2627325" y="3084893"/>
+            <a:ext cx="3889348" cy="584775"/>
+          </a:xfrm>
+          <a:prstGeom prst="rect">
+            <a:avLst/>
+          </a:prstGeom>
+          <a:noFill/>
+        </p:spPr>
+        <p:txBody>
+          <a:bodyPr wrap="square" rtlCol="0">
+            <a:spAutoFit/>
+          </a:bodyPr>
+          <a:lstStyle/>
+          <a:p>
+            <a:pPr algn="ctr"/>
+            <a:r>
+              <a:rPr lang="en-US" sz="3200" b="1" dirty="0">
+                <a:solidFill>
+                  <a:schemeClr val="accent6"/>
+                </a:solidFill>
+              </a:rPr>
+              <a:t>Open Source Later</a:t>
+            </a:r>
+          </a:p>
+        </p:txBody>
+      </p:sp>
+      <p:sp>
+        <p:nvSpPr>
+          <p:cNvPr id="2" name="Rectangle 1">
+            <a:extLst>
+              <a:ext uri="{FF2B5EF4-FFF2-40B4-BE49-F238E27FC236}">
+                <a16:creationId xmlns:a16="http://schemas.microsoft.com/office/drawing/2014/main" id="{53819850-EE4C-924F-B159-AF9DFB0BDCB3}"/>
+              </a:ext>
+            </a:extLst>
+          </p:cNvPr>
+          <p:cNvSpPr/>
+          <p:nvPr/>
+        </p:nvSpPr>
+        <p:spPr>
+          <a:xfrm>
+            <a:off x="2572638" y="3669668"/>
+            <a:ext cx="3998723" cy="369332"/>
+          </a:xfrm>
+          <a:prstGeom prst="rect">
+            <a:avLst/>
+          </a:prstGeom>
+        </p:spPr>
+        <p:txBody>
+          <a:bodyPr wrap="none">
+            <a:spAutoFit/>
+          </a:bodyPr>
+          <a:lstStyle/>
+          <a:p>
+            <a:pPr algn="ctr"/>
+            <a:r>
+              <a:rPr lang="en-US" dirty="0">
+                <a:hlinkClick r:id="rId2"/>
+              </a:rPr>
+              <a:t>github.com/frostace/BinaryClassification</a:t>
+            </a:r>
+            <a:endParaRPr lang="en-US" dirty="0"/>
           </a:p>
         </p:txBody>
       </p:sp>
@@ -20958,7 +20927,7 @@
           <p:cNvPr id="7" name="Rectangle 6">
             <a:extLst>
               <a:ext uri="{FF2B5EF4-FFF2-40B4-BE49-F238E27FC236}">
-                <a16:creationId xmlns:a16="http://schemas.microsoft.com/office/drawing/2014/main" id="{B41993BB-8C36-6144-AD56-798AB1049E69}"/>
+                <a16:creationId xmlns:a16="http://schemas.microsoft.com/office/drawing/2014/main" id="{AE314084-4AA0-A54B-AF91-603368B26EA0}"/>
               </a:ext>
             </a:extLst>
           </p:cNvPr>
@@ -20967,789 +20936,6 @@
         </p:nvSpPr>
         <p:spPr>
           <a:xfrm>
-            <a:off x="3111822" y="1608663"/>
-            <a:ext cx="2920351" cy="369332"/>
-          </a:xfrm>
-          <a:prstGeom prst="rect">
-            <a:avLst/>
-          </a:prstGeom>
-        </p:spPr>
-        <p:txBody>
-          <a:bodyPr wrap="none">
-            <a:spAutoFit/>
-          </a:bodyPr>
-          <a:lstStyle/>
-          <a:p>
-            <a:r>
-              <a:rPr lang="en-US" dirty="0"/>
-              <a:t>My Model V.S. </a:t>
-            </a:r>
-            <a:r>
-              <a:rPr lang="en-US" dirty="0" err="1"/>
-              <a:t>sklearn</a:t>
-            </a:r>
-            <a:r>
-              <a:rPr lang="en-US" dirty="0"/>
-              <a:t> Model</a:t>
-            </a:r>
-          </a:p>
-        </p:txBody>
-      </p:sp>
-      <p:pic>
-        <p:nvPicPr>
-          <p:cNvPr id="6" name="Picture 5" descr="A close up of a map&#10;&#10;Description automatically generated">
-            <a:extLst>
-              <a:ext uri="{FF2B5EF4-FFF2-40B4-BE49-F238E27FC236}">
-                <a16:creationId xmlns:a16="http://schemas.microsoft.com/office/drawing/2014/main" id="{36C7F359-DF73-1E48-AAFC-52879063EF72}"/>
-              </a:ext>
-            </a:extLst>
-          </p:cNvPr>
-          <p:cNvPicPr>
-            <a:picLocks noChangeAspect="1"/>
-          </p:cNvPicPr>
-          <p:nvPr/>
-        </p:nvPicPr>
-        <p:blipFill rotWithShape="1">
-          <a:blip r:embed="rId2"/>
-          <a:srcRect t="11876"/>
-          <a:stretch/>
-        </p:blipFill>
-        <p:spPr>
-          <a:xfrm>
-            <a:off x="400160" y="2141757"/>
-            <a:ext cx="4047697" cy="2452327"/>
-          </a:xfrm>
-          <a:prstGeom prst="rect">
-            <a:avLst/>
-          </a:prstGeom>
-        </p:spPr>
-      </p:pic>
-      <p:pic>
-        <p:nvPicPr>
-          <p:cNvPr id="11" name="Picture 10" descr="A close up of text on a white background&#10;&#10;Description automatically generated">
-            <a:extLst>
-              <a:ext uri="{FF2B5EF4-FFF2-40B4-BE49-F238E27FC236}">
-                <a16:creationId xmlns:a16="http://schemas.microsoft.com/office/drawing/2014/main" id="{C7E33420-EC32-B340-8C94-358A20AE890E}"/>
-              </a:ext>
-            </a:extLst>
-          </p:cNvPr>
-          <p:cNvPicPr>
-            <a:picLocks noChangeAspect="1"/>
-          </p:cNvPicPr>
-          <p:nvPr/>
-        </p:nvPicPr>
-        <p:blipFill rotWithShape="1">
-          <a:blip r:embed="rId3"/>
-          <a:srcRect t="11876"/>
-          <a:stretch/>
-        </p:blipFill>
-        <p:spPr>
-          <a:xfrm>
-            <a:off x="4751808" y="2141757"/>
-            <a:ext cx="4011557" cy="2452328"/>
-          </a:xfrm>
-          <a:prstGeom prst="rect">
-            <a:avLst/>
-          </a:prstGeom>
-        </p:spPr>
-      </p:pic>
-      <p:graphicFrame>
-        <p:nvGraphicFramePr>
-          <p:cNvPr id="13" name="Table 12">
-            <a:extLst>
-              <a:ext uri="{FF2B5EF4-FFF2-40B4-BE49-F238E27FC236}">
-                <a16:creationId xmlns:a16="http://schemas.microsoft.com/office/drawing/2014/main" id="{3DEDEEC0-6179-9348-B947-9C21C129EF3C}"/>
-              </a:ext>
-            </a:extLst>
-          </p:cNvPr>
-          <p:cNvGraphicFramePr>
-            <a:graphicFrameLocks noGrp="1"/>
-          </p:cNvGraphicFramePr>
-          <p:nvPr>
-            <p:extLst>
-              <p:ext uri="{D42A27DB-BD31-4B8C-83A1-F6EECF244321}">
-                <p14:modId xmlns:p14="http://schemas.microsoft.com/office/powerpoint/2010/main" val="1635060780"/>
-              </p:ext>
-            </p:extLst>
-          </p:nvPr>
-        </p:nvGraphicFramePr>
-        <p:xfrm>
-          <a:off x="1532046" y="5276711"/>
-          <a:ext cx="6079905" cy="1112520"/>
-        </p:xfrm>
-        <a:graphic>
-          <a:graphicData uri="http://schemas.openxmlformats.org/drawingml/2006/table">
-            <a:tbl>
-              <a:tblPr firstRow="1" bandRow="1">
-                <a:tableStyleId>{5C22544A-7EE6-4342-B048-85BDC9FD1C3A}</a:tableStyleId>
-              </a:tblPr>
-              <a:tblGrid>
-                <a:gridCol w="2100637">
-                  <a:extLst>
-                    <a:ext uri="{9D8B030D-6E8A-4147-A177-3AD203B41FA5}">
-                      <a16:colId xmlns:a16="http://schemas.microsoft.com/office/drawing/2014/main" val="736555137"/>
-                    </a:ext>
-                  </a:extLst>
-                </a:gridCol>
-                <a:gridCol w="1311155">
-                  <a:extLst>
-                    <a:ext uri="{9D8B030D-6E8A-4147-A177-3AD203B41FA5}">
-                      <a16:colId xmlns:a16="http://schemas.microsoft.com/office/drawing/2014/main" val="2437322138"/>
-                    </a:ext>
-                  </a:extLst>
-                </a:gridCol>
-                <a:gridCol w="1342104">
-                  <a:extLst>
-                    <a:ext uri="{9D8B030D-6E8A-4147-A177-3AD203B41FA5}">
-                      <a16:colId xmlns:a16="http://schemas.microsoft.com/office/drawing/2014/main" val="3175943778"/>
-                    </a:ext>
-                  </a:extLst>
-                </a:gridCol>
-                <a:gridCol w="1326009">
-                  <a:extLst>
-                    <a:ext uri="{9D8B030D-6E8A-4147-A177-3AD203B41FA5}">
-                      <a16:colId xmlns:a16="http://schemas.microsoft.com/office/drawing/2014/main" val="1999416728"/>
-                    </a:ext>
-                  </a:extLst>
-                </a:gridCol>
-              </a:tblGrid>
-              <a:tr h="370840">
-                <a:tc>
-                  <a:txBody>
-                    <a:bodyPr/>
-                    <a:lstStyle/>
-                    <a:p>
-                      <a:endParaRPr lang="en-US" dirty="0"/>
-                    </a:p>
-                  </a:txBody>
-                  <a:tcPr>
-                    <a:lnL w="12700" cmpd="sng">
-                      <a:noFill/>
-                    </a:lnL>
-                    <a:lnR w="12700" cmpd="sng">
-                      <a:noFill/>
-                    </a:lnR>
-                    <a:lnT w="12700" cap="flat" cmpd="sng" algn="ctr">
-                      <a:solidFill>
-                        <a:schemeClr val="tx1"/>
-                      </a:solidFill>
-                      <a:prstDash val="solid"/>
-                      <a:round/>
-                      <a:headEnd type="none" w="med" len="med"/>
-                      <a:tailEnd type="none" w="med" len="med"/>
-                    </a:lnT>
-                    <a:lnB w="12700" cap="flat" cmpd="sng" algn="ctr">
-                      <a:solidFill>
-                        <a:schemeClr val="tx1"/>
-                      </a:solidFill>
-                      <a:prstDash val="solid"/>
-                      <a:round/>
-                      <a:headEnd type="none" w="med" len="med"/>
-                      <a:tailEnd type="none" w="med" len="med"/>
-                    </a:lnB>
-                    <a:lnTlToBr w="12700" cmpd="sng">
-                      <a:noFill/>
-                      <a:prstDash val="solid"/>
-                    </a:lnTlToBr>
-                    <a:lnBlToTr w="12700" cmpd="sng">
-                      <a:noFill/>
-                      <a:prstDash val="solid"/>
-                    </a:lnBlToTr>
-                    <a:noFill/>
-                  </a:tcPr>
-                </a:tc>
-                <a:tc>
-                  <a:txBody>
-                    <a:bodyPr/>
-                    <a:lstStyle/>
-                    <a:p>
-                      <a:r>
-                        <a:rPr lang="en-US" dirty="0">
-                          <a:solidFill>
-                            <a:schemeClr val="tx1"/>
-                          </a:solidFill>
-                        </a:rPr>
-                        <a:t>My Model</a:t>
-                      </a:r>
-                    </a:p>
-                  </a:txBody>
-                  <a:tcPr>
-                    <a:lnL w="12700" cmpd="sng">
-                      <a:noFill/>
-                    </a:lnL>
-                    <a:lnR w="12700" cmpd="sng">
-                      <a:noFill/>
-                    </a:lnR>
-                    <a:lnT w="12700" cap="flat" cmpd="sng" algn="ctr">
-                      <a:solidFill>
-                        <a:schemeClr val="tx1"/>
-                      </a:solidFill>
-                      <a:prstDash val="solid"/>
-                      <a:round/>
-                      <a:headEnd type="none" w="med" len="med"/>
-                      <a:tailEnd type="none" w="med" len="med"/>
-                    </a:lnT>
-                    <a:lnB w="12700" cap="flat" cmpd="sng" algn="ctr">
-                      <a:solidFill>
-                        <a:schemeClr val="tx1"/>
-                      </a:solidFill>
-                      <a:prstDash val="solid"/>
-                      <a:round/>
-                      <a:headEnd type="none" w="med" len="med"/>
-                      <a:tailEnd type="none" w="med" len="med"/>
-                    </a:lnB>
-                    <a:lnTlToBr w="12700" cmpd="sng">
-                      <a:noFill/>
-                      <a:prstDash val="solid"/>
-                    </a:lnTlToBr>
-                    <a:lnBlToTr w="12700" cmpd="sng">
-                      <a:noFill/>
-                      <a:prstDash val="solid"/>
-                    </a:lnBlToTr>
-                    <a:noFill/>
-                  </a:tcPr>
-                </a:tc>
-                <a:tc>
-                  <a:txBody>
-                    <a:bodyPr/>
-                    <a:lstStyle/>
-                    <a:p>
-                      <a:r>
-                        <a:rPr lang="en-US" dirty="0" err="1">
-                          <a:solidFill>
-                            <a:schemeClr val="tx1"/>
-                          </a:solidFill>
-                        </a:rPr>
-                        <a:t>Sklearn</a:t>
-                      </a:r>
-                      <a:endParaRPr lang="en-US" dirty="0">
-                        <a:solidFill>
-                          <a:schemeClr val="tx1"/>
-                        </a:solidFill>
-                      </a:endParaRPr>
-                    </a:p>
-                  </a:txBody>
-                  <a:tcPr>
-                    <a:lnL w="12700" cmpd="sng">
-                      <a:noFill/>
-                    </a:lnL>
-                    <a:lnR w="12700" cmpd="sng">
-                      <a:noFill/>
-                    </a:lnR>
-                    <a:lnT w="12700" cap="flat" cmpd="sng" algn="ctr">
-                      <a:solidFill>
-                        <a:schemeClr val="tx1"/>
-                      </a:solidFill>
-                      <a:prstDash val="solid"/>
-                      <a:round/>
-                      <a:headEnd type="none" w="med" len="med"/>
-                      <a:tailEnd type="none" w="med" len="med"/>
-                    </a:lnT>
-                    <a:lnB w="12700" cap="flat" cmpd="sng" algn="ctr">
-                      <a:solidFill>
-                        <a:schemeClr val="tx1"/>
-                      </a:solidFill>
-                      <a:prstDash val="solid"/>
-                      <a:round/>
-                      <a:headEnd type="none" w="med" len="med"/>
-                      <a:tailEnd type="none" w="med" len="med"/>
-                    </a:lnB>
-                    <a:lnTlToBr w="12700" cmpd="sng">
-                      <a:noFill/>
-                      <a:prstDash val="solid"/>
-                    </a:lnTlToBr>
-                    <a:lnBlToTr w="12700" cmpd="sng">
-                      <a:noFill/>
-                      <a:prstDash val="solid"/>
-                    </a:lnBlToTr>
-                    <a:noFill/>
-                  </a:tcPr>
-                </a:tc>
-                <a:tc>
-                  <a:txBody>
-                    <a:bodyPr/>
-                    <a:lstStyle/>
-                    <a:p>
-                      <a:r>
-                        <a:rPr lang="en-US" dirty="0">
-                          <a:solidFill>
-                            <a:schemeClr val="tx1"/>
-                          </a:solidFill>
-                        </a:rPr>
-                        <a:t>Logistic</a:t>
-                      </a:r>
-                    </a:p>
-                  </a:txBody>
-                  <a:tcPr>
-                    <a:lnL w="12700" cmpd="sng">
-                      <a:noFill/>
-                    </a:lnL>
-                    <a:lnR w="12700" cmpd="sng">
-                      <a:noFill/>
-                    </a:lnR>
-                    <a:lnT w="12700" cap="flat" cmpd="sng" algn="ctr">
-                      <a:solidFill>
-                        <a:schemeClr val="tx1"/>
-                      </a:solidFill>
-                      <a:prstDash val="solid"/>
-                      <a:round/>
-                      <a:headEnd type="none" w="med" len="med"/>
-                      <a:tailEnd type="none" w="med" len="med"/>
-                    </a:lnT>
-                    <a:lnB w="12700" cap="flat" cmpd="sng" algn="ctr">
-                      <a:solidFill>
-                        <a:schemeClr val="tx1"/>
-                      </a:solidFill>
-                      <a:prstDash val="solid"/>
-                      <a:round/>
-                      <a:headEnd type="none" w="med" len="med"/>
-                      <a:tailEnd type="none" w="med" len="med"/>
-                    </a:lnB>
-                    <a:lnTlToBr w="12700" cmpd="sng">
-                      <a:noFill/>
-                      <a:prstDash val="solid"/>
-                    </a:lnTlToBr>
-                    <a:lnBlToTr w="12700" cmpd="sng">
-                      <a:noFill/>
-                      <a:prstDash val="solid"/>
-                    </a:lnBlToTr>
-                    <a:noFill/>
-                  </a:tcPr>
-                </a:tc>
-                <a:extLst>
-                  <a:ext uri="{0D108BD9-81ED-4DB2-BD59-A6C34878D82A}">
-                    <a16:rowId xmlns:a16="http://schemas.microsoft.com/office/drawing/2014/main" val="688916677"/>
-                  </a:ext>
-                </a:extLst>
-              </a:tr>
-              <a:tr h="370840">
-                <a:tc>
-                  <a:txBody>
-                    <a:bodyPr/>
-                    <a:lstStyle/>
-                    <a:p>
-                      <a:r>
-                        <a:rPr lang="en-US" dirty="0"/>
-                        <a:t>Avg ACC(%)</a:t>
-                      </a:r>
-                    </a:p>
-                  </a:txBody>
-                  <a:tcPr>
-                    <a:lnL w="12700" cmpd="sng">
-                      <a:noFill/>
-                    </a:lnL>
-                    <a:lnR w="12700" cmpd="sng">
-                      <a:noFill/>
-                    </a:lnR>
-                    <a:lnT w="12700" cap="flat" cmpd="sng" algn="ctr">
-                      <a:solidFill>
-                        <a:schemeClr val="tx1"/>
-                      </a:solidFill>
-                      <a:prstDash val="solid"/>
-                      <a:round/>
-                      <a:headEnd type="none" w="med" len="med"/>
-                      <a:tailEnd type="none" w="med" len="med"/>
-                    </a:lnT>
-                    <a:lnB w="12700" cmpd="sng">
-                      <a:noFill/>
-                    </a:lnB>
-                    <a:lnTlToBr w="12700" cmpd="sng">
-                      <a:noFill/>
-                      <a:prstDash val="solid"/>
-                    </a:lnTlToBr>
-                    <a:lnBlToTr w="12700" cmpd="sng">
-                      <a:noFill/>
-                      <a:prstDash val="solid"/>
-                    </a:lnBlToTr>
-                    <a:noFill/>
-                  </a:tcPr>
-                </a:tc>
-                <a:tc>
-                  <a:txBody>
-                    <a:bodyPr/>
-                    <a:lstStyle/>
-                    <a:p>
-                      <a:r>
-                        <a:rPr lang="en-US" dirty="0"/>
-                        <a:t>68%</a:t>
-                      </a:r>
-                    </a:p>
-                  </a:txBody>
-                  <a:tcPr>
-                    <a:lnL w="12700" cmpd="sng">
-                      <a:noFill/>
-                    </a:lnL>
-                    <a:lnR w="12700" cmpd="sng">
-                      <a:noFill/>
-                    </a:lnR>
-                    <a:lnT w="12700" cap="flat" cmpd="sng" algn="ctr">
-                      <a:solidFill>
-                        <a:schemeClr val="tx1"/>
-                      </a:solidFill>
-                      <a:prstDash val="solid"/>
-                      <a:round/>
-                      <a:headEnd type="none" w="med" len="med"/>
-                      <a:tailEnd type="none" w="med" len="med"/>
-                    </a:lnT>
-                    <a:lnB w="12700" cmpd="sng">
-                      <a:noFill/>
-                    </a:lnB>
-                    <a:lnTlToBr w="12700" cmpd="sng">
-                      <a:noFill/>
-                      <a:prstDash val="solid"/>
-                    </a:lnTlToBr>
-                    <a:lnBlToTr w="12700" cmpd="sng">
-                      <a:noFill/>
-                      <a:prstDash val="solid"/>
-                    </a:lnBlToTr>
-                    <a:noFill/>
-                  </a:tcPr>
-                </a:tc>
-                <a:tc>
-                  <a:txBody>
-                    <a:bodyPr/>
-                    <a:lstStyle/>
-                    <a:p>
-                      <a:r>
-                        <a:rPr lang="en-US" dirty="0"/>
-                        <a:t>64%</a:t>
-                      </a:r>
-                    </a:p>
-                  </a:txBody>
-                  <a:tcPr>
-                    <a:lnL w="12700" cmpd="sng">
-                      <a:noFill/>
-                    </a:lnL>
-                    <a:lnR w="12700" cmpd="sng">
-                      <a:noFill/>
-                    </a:lnR>
-                    <a:lnT w="12700" cap="flat" cmpd="sng" algn="ctr">
-                      <a:solidFill>
-                        <a:schemeClr val="tx1"/>
-                      </a:solidFill>
-                      <a:prstDash val="solid"/>
-                      <a:round/>
-                      <a:headEnd type="none" w="med" len="med"/>
-                      <a:tailEnd type="none" w="med" len="med"/>
-                    </a:lnT>
-                    <a:lnB w="12700" cmpd="sng">
-                      <a:noFill/>
-                    </a:lnB>
-                    <a:lnTlToBr w="12700" cmpd="sng">
-                      <a:noFill/>
-                      <a:prstDash val="solid"/>
-                    </a:lnTlToBr>
-                    <a:lnBlToTr w="12700" cmpd="sng">
-                      <a:noFill/>
-                      <a:prstDash val="solid"/>
-                    </a:lnBlToTr>
-                    <a:noFill/>
-                  </a:tcPr>
-                </a:tc>
-                <a:tc>
-                  <a:txBody>
-                    <a:bodyPr/>
-                    <a:lstStyle/>
-                    <a:p>
-                      <a:r>
-                        <a:rPr lang="en-US" dirty="0"/>
-                        <a:t>73.7%</a:t>
-                      </a:r>
-                    </a:p>
-                  </a:txBody>
-                  <a:tcPr>
-                    <a:lnL w="12700" cmpd="sng">
-                      <a:noFill/>
-                    </a:lnL>
-                    <a:lnR w="12700" cmpd="sng">
-                      <a:noFill/>
-                    </a:lnR>
-                    <a:lnT w="12700" cap="flat" cmpd="sng" algn="ctr">
-                      <a:solidFill>
-                        <a:schemeClr val="tx1"/>
-                      </a:solidFill>
-                      <a:prstDash val="solid"/>
-                      <a:round/>
-                      <a:headEnd type="none" w="med" len="med"/>
-                      <a:tailEnd type="none" w="med" len="med"/>
-                    </a:lnT>
-                    <a:lnB w="12700" cmpd="sng">
-                      <a:noFill/>
-                    </a:lnB>
-                    <a:lnTlToBr w="12700" cmpd="sng">
-                      <a:noFill/>
-                      <a:prstDash val="solid"/>
-                    </a:lnTlToBr>
-                    <a:lnBlToTr w="12700" cmpd="sng">
-                      <a:noFill/>
-                      <a:prstDash val="solid"/>
-                    </a:lnBlToTr>
-                    <a:noFill/>
-                  </a:tcPr>
-                </a:tc>
-                <a:extLst>
-                  <a:ext uri="{0D108BD9-81ED-4DB2-BD59-A6C34878D82A}">
-                    <a16:rowId xmlns:a16="http://schemas.microsoft.com/office/drawing/2014/main" val="106053900"/>
-                  </a:ext>
-                </a:extLst>
-              </a:tr>
-              <a:tr h="370840">
-                <a:tc>
-                  <a:txBody>
-                    <a:bodyPr/>
-                    <a:lstStyle/>
-                    <a:p>
-                      <a:r>
-                        <a:rPr lang="en-US" dirty="0"/>
-                        <a:t>Avg Training Time(s)</a:t>
-                      </a:r>
-                    </a:p>
-                  </a:txBody>
-                  <a:tcPr>
-                    <a:lnL w="12700" cmpd="sng">
-                      <a:noFill/>
-                    </a:lnL>
-                    <a:lnR w="12700" cmpd="sng">
-                      <a:noFill/>
-                    </a:lnR>
-                    <a:lnT w="12700" cmpd="sng">
-                      <a:noFill/>
-                    </a:lnT>
-                    <a:lnB w="12700" cap="flat" cmpd="sng" algn="ctr">
-                      <a:solidFill>
-                        <a:schemeClr val="tx1"/>
-                      </a:solidFill>
-                      <a:prstDash val="solid"/>
-                      <a:round/>
-                      <a:headEnd type="none" w="med" len="med"/>
-                      <a:tailEnd type="none" w="med" len="med"/>
-                    </a:lnB>
-                    <a:lnTlToBr w="12700" cmpd="sng">
-                      <a:noFill/>
-                      <a:prstDash val="solid"/>
-                    </a:lnTlToBr>
-                    <a:lnBlToTr w="12700" cmpd="sng">
-                      <a:noFill/>
-                      <a:prstDash val="solid"/>
-                    </a:lnBlToTr>
-                    <a:noFill/>
-                  </a:tcPr>
-                </a:tc>
-                <a:tc>
-                  <a:txBody>
-                    <a:bodyPr/>
-                    <a:lstStyle/>
-                    <a:p>
-                      <a:r>
-                        <a:rPr lang="en-US" dirty="0"/>
-                        <a:t>23.1</a:t>
-                      </a:r>
-                    </a:p>
-                  </a:txBody>
-                  <a:tcPr>
-                    <a:lnL w="12700" cmpd="sng">
-                      <a:noFill/>
-                    </a:lnL>
-                    <a:lnR w="12700" cmpd="sng">
-                      <a:noFill/>
-                    </a:lnR>
-                    <a:lnT w="12700" cmpd="sng">
-                      <a:noFill/>
-                    </a:lnT>
-                    <a:lnB w="12700" cap="flat" cmpd="sng" algn="ctr">
-                      <a:solidFill>
-                        <a:schemeClr val="tx1"/>
-                      </a:solidFill>
-                      <a:prstDash val="solid"/>
-                      <a:round/>
-                      <a:headEnd type="none" w="med" len="med"/>
-                      <a:tailEnd type="none" w="med" len="med"/>
-                    </a:lnB>
-                    <a:lnTlToBr w="12700" cmpd="sng">
-                      <a:noFill/>
-                      <a:prstDash val="solid"/>
-                    </a:lnTlToBr>
-                    <a:lnBlToTr w="12700" cmpd="sng">
-                      <a:noFill/>
-                      <a:prstDash val="solid"/>
-                    </a:lnBlToTr>
-                    <a:noFill/>
-                  </a:tcPr>
-                </a:tc>
-                <a:tc>
-                  <a:txBody>
-                    <a:bodyPr/>
-                    <a:lstStyle/>
-                    <a:p>
-                      <a:r>
-                        <a:rPr lang="en-US" dirty="0"/>
-                        <a:t>0.38</a:t>
-                      </a:r>
-                    </a:p>
-                  </a:txBody>
-                  <a:tcPr>
-                    <a:lnL w="12700" cmpd="sng">
-                      <a:noFill/>
-                    </a:lnL>
-                    <a:lnR w="12700" cmpd="sng">
-                      <a:noFill/>
-                    </a:lnR>
-                    <a:lnT w="12700" cmpd="sng">
-                      <a:noFill/>
-                    </a:lnT>
-                    <a:lnB w="12700" cap="flat" cmpd="sng" algn="ctr">
-                      <a:solidFill>
-                        <a:schemeClr val="tx1"/>
-                      </a:solidFill>
-                      <a:prstDash val="solid"/>
-                      <a:round/>
-                      <a:headEnd type="none" w="med" len="med"/>
-                      <a:tailEnd type="none" w="med" len="med"/>
-                    </a:lnB>
-                    <a:lnTlToBr w="12700" cmpd="sng">
-                      <a:noFill/>
-                      <a:prstDash val="solid"/>
-                    </a:lnTlToBr>
-                    <a:lnBlToTr w="12700" cmpd="sng">
-                      <a:noFill/>
-                      <a:prstDash val="solid"/>
-                    </a:lnBlToTr>
-                    <a:noFill/>
-                  </a:tcPr>
-                </a:tc>
-                <a:tc>
-                  <a:txBody>
-                    <a:bodyPr/>
-                    <a:lstStyle/>
-                    <a:p>
-                      <a:r>
-                        <a:rPr lang="en-US" dirty="0"/>
-                        <a:t>0.31</a:t>
-                      </a:r>
-                    </a:p>
-                  </a:txBody>
-                  <a:tcPr>
-                    <a:lnL w="12700" cmpd="sng">
-                      <a:noFill/>
-                    </a:lnL>
-                    <a:lnR w="12700" cmpd="sng">
-                      <a:noFill/>
-                    </a:lnR>
-                    <a:lnT w="12700" cmpd="sng">
-                      <a:noFill/>
-                    </a:lnT>
-                    <a:lnB w="12700" cap="flat" cmpd="sng" algn="ctr">
-                      <a:solidFill>
-                        <a:schemeClr val="tx1"/>
-                      </a:solidFill>
-                      <a:prstDash val="solid"/>
-                      <a:round/>
-                      <a:headEnd type="none" w="med" len="med"/>
-                      <a:tailEnd type="none" w="med" len="med"/>
-                    </a:lnB>
-                    <a:lnTlToBr w="12700" cmpd="sng">
-                      <a:noFill/>
-                      <a:prstDash val="solid"/>
-                    </a:lnTlToBr>
-                    <a:lnBlToTr w="12700" cmpd="sng">
-                      <a:noFill/>
-                      <a:prstDash val="solid"/>
-                    </a:lnBlToTr>
-                    <a:noFill/>
-                  </a:tcPr>
-                </a:tc>
-                <a:extLst>
-                  <a:ext uri="{0D108BD9-81ED-4DB2-BD59-A6C34878D82A}">
-                    <a16:rowId xmlns:a16="http://schemas.microsoft.com/office/drawing/2014/main" val="4130038502"/>
-                  </a:ext>
-                </a:extLst>
-              </a:tr>
-            </a:tbl>
-          </a:graphicData>
-        </a:graphic>
-      </p:graphicFrame>
-      <p:sp>
-        <p:nvSpPr>
-          <p:cNvPr id="14" name="Rectangle 13">
-            <a:extLst>
-              <a:ext uri="{FF2B5EF4-FFF2-40B4-BE49-F238E27FC236}">
-                <a16:creationId xmlns:a16="http://schemas.microsoft.com/office/drawing/2014/main" id="{9B756878-0B5A-5342-962C-090C1C22904D}"/>
-              </a:ext>
-            </a:extLst>
-          </p:cNvPr>
-          <p:cNvSpPr/>
-          <p:nvPr/>
-        </p:nvSpPr>
-        <p:spPr>
-          <a:xfrm>
-            <a:off x="1795438" y="4675744"/>
-            <a:ext cx="1257139" cy="369332"/>
-          </a:xfrm>
-          <a:prstGeom prst="rect">
-            <a:avLst/>
-          </a:prstGeom>
-        </p:spPr>
-        <p:txBody>
-          <a:bodyPr wrap="none">
-            <a:spAutoFit/>
-          </a:bodyPr>
-          <a:lstStyle/>
-          <a:p>
-            <a:r>
-              <a:rPr lang="en-US" dirty="0"/>
-              <a:t>a) Accuracy</a:t>
-            </a:r>
-          </a:p>
-        </p:txBody>
-      </p:sp>
-      <p:sp>
-        <p:nvSpPr>
-          <p:cNvPr id="15" name="Rectangle 14">
-            <a:extLst>
-              <a:ext uri="{FF2B5EF4-FFF2-40B4-BE49-F238E27FC236}">
-                <a16:creationId xmlns:a16="http://schemas.microsoft.com/office/drawing/2014/main" id="{382DD910-BA0C-2447-BA4D-65501EDB4F6A}"/>
-              </a:ext>
-            </a:extLst>
-          </p:cNvPr>
-          <p:cNvSpPr/>
-          <p:nvPr/>
-        </p:nvSpPr>
-        <p:spPr>
-          <a:xfrm>
-            <a:off x="6310187" y="4675744"/>
-            <a:ext cx="894797" cy="369332"/>
-          </a:xfrm>
-          <a:prstGeom prst="rect">
-            <a:avLst/>
-          </a:prstGeom>
-        </p:spPr>
-        <p:txBody>
-          <a:bodyPr wrap="none">
-            <a:spAutoFit/>
-          </a:bodyPr>
-          <a:lstStyle/>
-          <a:p>
-            <a:r>
-              <a:rPr lang="en-US" dirty="0"/>
-              <a:t>b) Time</a:t>
-            </a:r>
-          </a:p>
-        </p:txBody>
-      </p:sp>
-      <p:sp>
-        <p:nvSpPr>
-          <p:cNvPr id="10" name="Rectangle 9">
-            <a:extLst>
-              <a:ext uri="{FF2B5EF4-FFF2-40B4-BE49-F238E27FC236}">
-                <a16:creationId xmlns:a16="http://schemas.microsoft.com/office/drawing/2014/main" id="{B30E5445-AABE-FB47-AC5E-629B8C2B1021}"/>
-              </a:ext>
-            </a:extLst>
-          </p:cNvPr>
-          <p:cNvSpPr/>
-          <p:nvPr/>
-        </p:nvSpPr>
-        <p:spPr>
-          <a:xfrm>
             <a:off x="420783" y="337307"/>
             <a:ext cx="4051365" cy="523220"/>
           </a:xfrm>
@@ -21781,10 +20967,10 @@
       </p:sp>
       <p:cxnSp>
         <p:nvCxnSpPr>
-          <p:cNvPr id="12" name="Straight Connector 11">
+          <p:cNvPr id="8" name="Straight Connector 7">
             <a:extLst>
               <a:ext uri="{FF2B5EF4-FFF2-40B4-BE49-F238E27FC236}">
-                <a16:creationId xmlns:a16="http://schemas.microsoft.com/office/drawing/2014/main" id="{7D2D14BC-1F74-7948-AF38-14057FFB8DBF}"/>
+                <a16:creationId xmlns:a16="http://schemas.microsoft.com/office/drawing/2014/main" id="{1DFF1BA9-A783-624F-8B47-59877EDCC3C5}"/>
               </a:ext>
             </a:extLst>
           </p:cNvPr>
@@ -21823,10 +21009,10 @@
       </p:cxnSp>
       <p:sp>
         <p:nvSpPr>
-          <p:cNvPr id="16" name="Rectangle 15">
+          <p:cNvPr id="9" name="Rectangle 8">
             <a:extLst>
               <a:ext uri="{FF2B5EF4-FFF2-40B4-BE49-F238E27FC236}">
-                <a16:creationId xmlns:a16="http://schemas.microsoft.com/office/drawing/2014/main" id="{3FE0452C-DE88-E04A-AA64-534CBE382386}"/>
+                <a16:creationId xmlns:a16="http://schemas.microsoft.com/office/drawing/2014/main" id="{9963E5AE-FC0E-994F-8FB6-8FF07D5FCBB3}"/>
               </a:ext>
             </a:extLst>
           </p:cNvPr>
@@ -21862,297 +21048,144 @@
           </a:p>
         </p:txBody>
       </p:sp>
+      <p:sp>
+        <p:nvSpPr>
+          <p:cNvPr id="11" name="Rectangle 10">
+            <a:extLst>
+              <a:ext uri="{FF2B5EF4-FFF2-40B4-BE49-F238E27FC236}">
+                <a16:creationId xmlns:a16="http://schemas.microsoft.com/office/drawing/2014/main" id="{F57B9DD2-1E24-E345-9053-A9DEC67A6125}"/>
+              </a:ext>
+            </a:extLst>
+          </p:cNvPr>
+          <p:cNvSpPr/>
+          <p:nvPr/>
+        </p:nvSpPr>
+        <p:spPr>
+          <a:xfrm>
+            <a:off x="1565949" y="4738719"/>
+            <a:ext cx="1887248" cy="369332"/>
+          </a:xfrm>
+          <a:prstGeom prst="rect">
+            <a:avLst/>
+          </a:prstGeom>
+        </p:spPr>
+        <p:txBody>
+          <a:bodyPr wrap="none">
+            <a:spAutoFit/>
+          </a:bodyPr>
+          <a:lstStyle/>
+          <a:p>
+            <a:r>
+              <a:rPr lang="en-US" dirty="0"/>
+              <a:t>Acc – Cutoff curve</a:t>
+            </a:r>
+          </a:p>
+        </p:txBody>
+      </p:sp>
+      <p:sp>
+        <p:nvSpPr>
+          <p:cNvPr id="12" name="Rectangle 11">
+            <a:extLst>
+              <a:ext uri="{FF2B5EF4-FFF2-40B4-BE49-F238E27FC236}">
+                <a16:creationId xmlns:a16="http://schemas.microsoft.com/office/drawing/2014/main" id="{C9B91779-E3E2-E14D-BD4E-109802849FE2}"/>
+              </a:ext>
+            </a:extLst>
+          </p:cNvPr>
+          <p:cNvSpPr/>
+          <p:nvPr/>
+        </p:nvSpPr>
+        <p:spPr>
+          <a:xfrm>
+            <a:off x="5990772" y="4738719"/>
+            <a:ext cx="1180964" cy="369332"/>
+          </a:xfrm>
+          <a:prstGeom prst="rect">
+            <a:avLst/>
+          </a:prstGeom>
+        </p:spPr>
+        <p:txBody>
+          <a:bodyPr wrap="none">
+            <a:spAutoFit/>
+          </a:bodyPr>
+          <a:lstStyle/>
+          <a:p>
+            <a:r>
+              <a:rPr lang="en-US" dirty="0"/>
+              <a:t>ROC Curve</a:t>
+            </a:r>
+          </a:p>
+        </p:txBody>
+      </p:sp>
+      <p:pic>
+        <p:nvPicPr>
+          <p:cNvPr id="10" name="Picture 9" descr="A close up of text on a white background&#10;&#10;Description automatically generated">
+            <a:extLst>
+              <a:ext uri="{FF2B5EF4-FFF2-40B4-BE49-F238E27FC236}">
+                <a16:creationId xmlns:a16="http://schemas.microsoft.com/office/drawing/2014/main" id="{93A8845B-FE7F-A84E-81FE-879962F8F2BC}"/>
+              </a:ext>
+            </a:extLst>
+          </p:cNvPr>
+          <p:cNvPicPr>
+            <a:picLocks noChangeAspect="1"/>
+          </p:cNvPicPr>
+          <p:nvPr/>
+        </p:nvPicPr>
+        <p:blipFill>
+          <a:blip r:embed="rId2"/>
+          <a:stretch>
+            <a:fillRect/>
+          </a:stretch>
+        </p:blipFill>
+        <p:spPr>
+          <a:xfrm>
+            <a:off x="890751" y="2320474"/>
+            <a:ext cx="3237643" cy="2225880"/>
+          </a:xfrm>
+          <a:prstGeom prst="rect">
+            <a:avLst/>
+          </a:prstGeom>
+        </p:spPr>
+      </p:pic>
+      <p:pic>
+        <p:nvPicPr>
+          <p:cNvPr id="14" name="Picture 13" descr="A close up of text on a white background&#10;&#10;Description automatically generated">
+            <a:extLst>
+              <a:ext uri="{FF2B5EF4-FFF2-40B4-BE49-F238E27FC236}">
+                <a16:creationId xmlns:a16="http://schemas.microsoft.com/office/drawing/2014/main" id="{3FD62262-EF9B-A648-9339-717AF1AE6F81}"/>
+              </a:ext>
+            </a:extLst>
+          </p:cNvPr>
+          <p:cNvPicPr>
+            <a:picLocks noChangeAspect="1"/>
+          </p:cNvPicPr>
+          <p:nvPr/>
+        </p:nvPicPr>
+        <p:blipFill>
+          <a:blip r:embed="rId3"/>
+          <a:stretch>
+            <a:fillRect/>
+          </a:stretch>
+        </p:blipFill>
+        <p:spPr>
+          <a:xfrm>
+            <a:off x="4962432" y="2316060"/>
+            <a:ext cx="3237643" cy="2225880"/>
+          </a:xfrm>
+          <a:prstGeom prst="rect">
+            <a:avLst/>
+          </a:prstGeom>
+        </p:spPr>
+      </p:pic>
     </p:spTree>
     <p:extLst>
       <p:ext uri="{BB962C8B-B14F-4D97-AF65-F5344CB8AC3E}">
-        <p14:creationId xmlns:p14="http://schemas.microsoft.com/office/powerpoint/2010/main" val="3044845807"/>
+        <p14:creationId xmlns:p14="http://schemas.microsoft.com/office/powerpoint/2010/main" val="2653269401"/>
       </p:ext>
     </p:extLst>
   </p:cSld>
   <p:clrMapOvr>
     <a:masterClrMapping/>
   </p:clrMapOvr>
-  <p:timing>
-    <p:tnLst>
-      <p:par>
-        <p:cTn id="1" dur="indefinite" restart="never" nodeType="tmRoot">
-          <p:childTnLst>
-            <p:seq concurrent="1" nextAc="seek">
-              <p:cTn id="2" dur="indefinite" nodeType="mainSeq">
-                <p:childTnLst>
-                  <p:par>
-                    <p:cTn id="3" fill="hold">
-                      <p:stCondLst>
-                        <p:cond delay="indefinite"/>
-                      </p:stCondLst>
-                      <p:childTnLst>
-                        <p:par>
-                          <p:cTn id="4" fill="hold">
-                            <p:stCondLst>
-                              <p:cond delay="0"/>
-                            </p:stCondLst>
-                            <p:childTnLst>
-                              <p:par>
-                                <p:cTn id="5" presetID="10" presetClass="entr" presetSubtype="0" fill="hold" nodeType="clickEffect">
-                                  <p:stCondLst>
-                                    <p:cond delay="0"/>
-                                  </p:stCondLst>
-                                  <p:childTnLst>
-                                    <p:set>
-                                      <p:cBhvr>
-                                        <p:cTn id="6" dur="1" fill="hold">
-                                          <p:stCondLst>
-                                            <p:cond delay="0"/>
-                                          </p:stCondLst>
-                                        </p:cTn>
-                                        <p:tgtEl>
-                                          <p:spTgt spid="6"/>
-                                        </p:tgtEl>
-                                        <p:attrNameLst>
-                                          <p:attrName>style.visibility</p:attrName>
-                                        </p:attrNameLst>
-                                      </p:cBhvr>
-                                      <p:to>
-                                        <p:strVal val="visible"/>
-                                      </p:to>
-                                    </p:set>
-                                    <p:animEffect transition="in" filter="fade">
-                                      <p:cBhvr>
-                                        <p:cTn id="7" dur="500"/>
-                                        <p:tgtEl>
-                                          <p:spTgt spid="6"/>
-                                        </p:tgtEl>
-                                      </p:cBhvr>
-                                    </p:animEffect>
-                                  </p:childTnLst>
-                                </p:cTn>
-                              </p:par>
-                              <p:par>
-                                <p:cTn id="8" presetID="10" presetClass="entr" presetSubtype="0" fill="hold" nodeType="withEffect">
-                                  <p:stCondLst>
-                                    <p:cond delay="0"/>
-                                  </p:stCondLst>
-                                  <p:childTnLst>
-                                    <p:set>
-                                      <p:cBhvr>
-                                        <p:cTn id="9" dur="1" fill="hold">
-                                          <p:stCondLst>
-                                            <p:cond delay="0"/>
-                                          </p:stCondLst>
-                                        </p:cTn>
-                                        <p:tgtEl>
-                                          <p:spTgt spid="11"/>
-                                        </p:tgtEl>
-                                        <p:attrNameLst>
-                                          <p:attrName>style.visibility</p:attrName>
-                                        </p:attrNameLst>
-                                      </p:cBhvr>
-                                      <p:to>
-                                        <p:strVal val="visible"/>
-                                      </p:to>
-                                    </p:set>
-                                    <p:animEffect transition="in" filter="fade">
-                                      <p:cBhvr>
-                                        <p:cTn id="10" dur="500"/>
-                                        <p:tgtEl>
-                                          <p:spTgt spid="11"/>
-                                        </p:tgtEl>
-                                      </p:cBhvr>
-                                    </p:animEffect>
-                                  </p:childTnLst>
-                                </p:cTn>
-                              </p:par>
-                              <p:par>
-                                <p:cTn id="11" presetID="10" presetClass="entr" presetSubtype="0" fill="hold" grpId="0" nodeType="withEffect">
-                                  <p:stCondLst>
-                                    <p:cond delay="0"/>
-                                  </p:stCondLst>
-                                  <p:childTnLst>
-                                    <p:set>
-                                      <p:cBhvr>
-                                        <p:cTn id="12" dur="1" fill="hold">
-                                          <p:stCondLst>
-                                            <p:cond delay="0"/>
-                                          </p:stCondLst>
-                                        </p:cTn>
-                                        <p:tgtEl>
-                                          <p:spTgt spid="14"/>
-                                        </p:tgtEl>
-                                        <p:attrNameLst>
-                                          <p:attrName>style.visibility</p:attrName>
-                                        </p:attrNameLst>
-                                      </p:cBhvr>
-                                      <p:to>
-                                        <p:strVal val="visible"/>
-                                      </p:to>
-                                    </p:set>
-                                    <p:animEffect transition="in" filter="fade">
-                                      <p:cBhvr>
-                                        <p:cTn id="13" dur="500"/>
-                                        <p:tgtEl>
-                                          <p:spTgt spid="14"/>
-                                        </p:tgtEl>
-                                      </p:cBhvr>
-                                    </p:animEffect>
-                                  </p:childTnLst>
-                                </p:cTn>
-                              </p:par>
-                              <p:par>
-                                <p:cTn id="14" presetID="10" presetClass="entr" presetSubtype="0" fill="hold" grpId="0" nodeType="withEffect">
-                                  <p:stCondLst>
-                                    <p:cond delay="0"/>
-                                  </p:stCondLst>
-                                  <p:childTnLst>
-                                    <p:set>
-                                      <p:cBhvr>
-                                        <p:cTn id="15" dur="1" fill="hold">
-                                          <p:stCondLst>
-                                            <p:cond delay="0"/>
-                                          </p:stCondLst>
-                                        </p:cTn>
-                                        <p:tgtEl>
-                                          <p:spTgt spid="15"/>
-                                        </p:tgtEl>
-                                        <p:attrNameLst>
-                                          <p:attrName>style.visibility</p:attrName>
-                                        </p:attrNameLst>
-                                      </p:cBhvr>
-                                      <p:to>
-                                        <p:strVal val="visible"/>
-                                      </p:to>
-                                    </p:set>
-                                    <p:animEffect transition="in" filter="fade">
-                                      <p:cBhvr>
-                                        <p:cTn id="16" dur="500"/>
-                                        <p:tgtEl>
-                                          <p:spTgt spid="15"/>
-                                        </p:tgtEl>
-                                      </p:cBhvr>
-                                    </p:animEffect>
-                                  </p:childTnLst>
-                                </p:cTn>
-                              </p:par>
-                              <p:par>
-                                <p:cTn id="17" presetID="10" presetClass="entr" presetSubtype="0" fill="hold" grpId="0" nodeType="withEffect">
-                                  <p:stCondLst>
-                                    <p:cond delay="0"/>
-                                  </p:stCondLst>
-                                  <p:childTnLst>
-                                    <p:set>
-                                      <p:cBhvr>
-                                        <p:cTn id="18" dur="1" fill="hold">
-                                          <p:stCondLst>
-                                            <p:cond delay="0"/>
-                                          </p:stCondLst>
-                                        </p:cTn>
-                                        <p:tgtEl>
-                                          <p:spTgt spid="7"/>
-                                        </p:tgtEl>
-                                        <p:attrNameLst>
-                                          <p:attrName>style.visibility</p:attrName>
-                                        </p:attrNameLst>
-                                      </p:cBhvr>
-                                      <p:to>
-                                        <p:strVal val="visible"/>
-                                      </p:to>
-                                    </p:set>
-                                    <p:animEffect transition="in" filter="fade">
-                                      <p:cBhvr>
-                                        <p:cTn id="19" dur="500"/>
-                                        <p:tgtEl>
-                                          <p:spTgt spid="7"/>
-                                        </p:tgtEl>
-                                      </p:cBhvr>
-                                    </p:animEffect>
-                                  </p:childTnLst>
-                                </p:cTn>
-                              </p:par>
-                            </p:childTnLst>
-                          </p:cTn>
-                        </p:par>
-                      </p:childTnLst>
-                    </p:cTn>
-                  </p:par>
-                  <p:par>
-                    <p:cTn id="20" fill="hold">
-                      <p:stCondLst>
-                        <p:cond delay="indefinite"/>
-                      </p:stCondLst>
-                      <p:childTnLst>
-                        <p:par>
-                          <p:cTn id="21" fill="hold">
-                            <p:stCondLst>
-                              <p:cond delay="0"/>
-                            </p:stCondLst>
-                            <p:childTnLst>
-                              <p:par>
-                                <p:cTn id="22" presetID="10" presetClass="entr" presetSubtype="0" fill="hold" nodeType="clickEffect">
-                                  <p:stCondLst>
-                                    <p:cond delay="0"/>
-                                  </p:stCondLst>
-                                  <p:childTnLst>
-                                    <p:set>
-                                      <p:cBhvr>
-                                        <p:cTn id="23" dur="1" fill="hold">
-                                          <p:stCondLst>
-                                            <p:cond delay="0"/>
-                                          </p:stCondLst>
-                                        </p:cTn>
-                                        <p:tgtEl>
-                                          <p:spTgt spid="13"/>
-                                        </p:tgtEl>
-                                        <p:attrNameLst>
-                                          <p:attrName>style.visibility</p:attrName>
-                                        </p:attrNameLst>
-                                      </p:cBhvr>
-                                      <p:to>
-                                        <p:strVal val="visible"/>
-                                      </p:to>
-                                    </p:set>
-                                    <p:animEffect transition="in" filter="fade">
-                                      <p:cBhvr>
-                                        <p:cTn id="24" dur="500"/>
-                                        <p:tgtEl>
-                                          <p:spTgt spid="13"/>
-                                        </p:tgtEl>
-                                      </p:cBhvr>
-                                    </p:animEffect>
-                                  </p:childTnLst>
-                                </p:cTn>
-                              </p:par>
-                            </p:childTnLst>
-                          </p:cTn>
-                        </p:par>
-                      </p:childTnLst>
-                    </p:cTn>
-                  </p:par>
-                </p:childTnLst>
-              </p:cTn>
-              <p:prevCondLst>
-                <p:cond evt="onPrev" delay="0">
-                  <p:tgtEl>
-                    <p:sldTgt/>
-                  </p:tgtEl>
-                </p:cond>
-              </p:prevCondLst>
-              <p:nextCondLst>
-                <p:cond evt="onNext" delay="0">
-                  <p:tgtEl>
-                    <p:sldTgt/>
-                  </p:tgtEl>
-                </p:cond>
-              </p:nextCondLst>
-            </p:seq>
-          </p:childTnLst>
-        </p:cTn>
-      </p:par>
-    </p:tnLst>
-    <p:bldLst>
-      <p:bldP spid="7" grpId="0"/>
-      <p:bldP spid="14" grpId="0"/>
-      <p:bldP spid="15" grpId="0"/>
-    </p:bldLst>
-  </p:timing>
 </p:sld>
 </file>
 
